--- a/paper modification/The Consistency Analysis/figure_modification.pptx
+++ b/paper modification/The Consistency Analysis/figure_modification.pptx
@@ -9,6 +9,9 @@
     <p:sldId id="257" r:id="rId3"/>
     <p:sldId id="259" r:id="rId4"/>
     <p:sldId id="258" r:id="rId5"/>
+    <p:sldId id="260" r:id="rId6"/>
+    <p:sldId id="261" r:id="rId7"/>
+    <p:sldId id="262" r:id="rId8"/>
   </p:sldIdLst>
   <p:sldSz cx="12192000" cy="6858000"/>
   <p:notesSz cx="6858000" cy="9144000"/>
@@ -273,7 +276,7 @@
           <a:p>
             <a:fld id="{9C0EDD09-C3B5-4FDA-8855-DE7CF0E28DE7}" type="datetimeFigureOut">
               <a:rPr lang="en-US" smtClean="0"/>
-              <a:t>3/5/2025</a:t>
+              <a:t>4/27/2025</a:t>
             </a:fld>
             <a:endParaRPr lang="en-US"/>
           </a:p>
@@ -471,7 +474,7 @@
           <a:p>
             <a:fld id="{9C0EDD09-C3B5-4FDA-8855-DE7CF0E28DE7}" type="datetimeFigureOut">
               <a:rPr lang="en-US" smtClean="0"/>
-              <a:t>3/5/2025</a:t>
+              <a:t>4/27/2025</a:t>
             </a:fld>
             <a:endParaRPr lang="en-US"/>
           </a:p>
@@ -679,7 +682,7 @@
           <a:p>
             <a:fld id="{9C0EDD09-C3B5-4FDA-8855-DE7CF0E28DE7}" type="datetimeFigureOut">
               <a:rPr lang="en-US" smtClean="0"/>
-              <a:t>3/5/2025</a:t>
+              <a:t>4/27/2025</a:t>
             </a:fld>
             <a:endParaRPr lang="en-US"/>
           </a:p>
@@ -877,7 +880,7 @@
           <a:p>
             <a:fld id="{9C0EDD09-C3B5-4FDA-8855-DE7CF0E28DE7}" type="datetimeFigureOut">
               <a:rPr lang="en-US" smtClean="0"/>
-              <a:t>3/5/2025</a:t>
+              <a:t>4/27/2025</a:t>
             </a:fld>
             <a:endParaRPr lang="en-US"/>
           </a:p>
@@ -1152,7 +1155,7 @@
           <a:p>
             <a:fld id="{9C0EDD09-C3B5-4FDA-8855-DE7CF0E28DE7}" type="datetimeFigureOut">
               <a:rPr lang="en-US" smtClean="0"/>
-              <a:t>3/5/2025</a:t>
+              <a:t>4/27/2025</a:t>
             </a:fld>
             <a:endParaRPr lang="en-US"/>
           </a:p>
@@ -1417,7 +1420,7 @@
           <a:p>
             <a:fld id="{9C0EDD09-C3B5-4FDA-8855-DE7CF0E28DE7}" type="datetimeFigureOut">
               <a:rPr lang="en-US" smtClean="0"/>
-              <a:t>3/5/2025</a:t>
+              <a:t>4/27/2025</a:t>
             </a:fld>
             <a:endParaRPr lang="en-US"/>
           </a:p>
@@ -1829,7 +1832,7 @@
           <a:p>
             <a:fld id="{9C0EDD09-C3B5-4FDA-8855-DE7CF0E28DE7}" type="datetimeFigureOut">
               <a:rPr lang="en-US" smtClean="0"/>
-              <a:t>3/5/2025</a:t>
+              <a:t>4/27/2025</a:t>
             </a:fld>
             <a:endParaRPr lang="en-US"/>
           </a:p>
@@ -1970,7 +1973,7 @@
           <a:p>
             <a:fld id="{9C0EDD09-C3B5-4FDA-8855-DE7CF0E28DE7}" type="datetimeFigureOut">
               <a:rPr lang="en-US" smtClean="0"/>
-              <a:t>3/5/2025</a:t>
+              <a:t>4/27/2025</a:t>
             </a:fld>
             <a:endParaRPr lang="en-US"/>
           </a:p>
@@ -2083,7 +2086,7 @@
           <a:p>
             <a:fld id="{9C0EDD09-C3B5-4FDA-8855-DE7CF0E28DE7}" type="datetimeFigureOut">
               <a:rPr lang="en-US" smtClean="0"/>
-              <a:t>3/5/2025</a:t>
+              <a:t>4/27/2025</a:t>
             </a:fld>
             <a:endParaRPr lang="en-US"/>
           </a:p>
@@ -2394,7 +2397,7 @@
           <a:p>
             <a:fld id="{9C0EDD09-C3B5-4FDA-8855-DE7CF0E28DE7}" type="datetimeFigureOut">
               <a:rPr lang="en-US" smtClean="0"/>
-              <a:t>3/5/2025</a:t>
+              <a:t>4/27/2025</a:t>
             </a:fld>
             <a:endParaRPr lang="en-US"/>
           </a:p>
@@ -2682,7 +2685,7 @@
           <a:p>
             <a:fld id="{9C0EDD09-C3B5-4FDA-8855-DE7CF0E28DE7}" type="datetimeFigureOut">
               <a:rPr lang="en-US" smtClean="0"/>
-              <a:t>3/5/2025</a:t>
+              <a:t>4/27/2025</a:t>
             </a:fld>
             <a:endParaRPr lang="en-US"/>
           </a:p>
@@ -2923,7 +2926,7 @@
           <a:p>
             <a:fld id="{9C0EDD09-C3B5-4FDA-8855-DE7CF0E28DE7}" type="datetimeFigureOut">
               <a:rPr lang="en-US" smtClean="0"/>
-              <a:t>3/5/2025</a:t>
+              <a:t>4/27/2025</a:t>
             </a:fld>
             <a:endParaRPr lang="en-US"/>
           </a:p>
@@ -4213,6 +4216,994 @@
 </p:sld>
 </file>
 
+<file path=ppt/slides/slide5.xml><?xml version="1.0" encoding="utf-8"?>
+<p:sld xmlns:a="http://schemas.openxmlformats.org/drawingml/2006/main" xmlns:r="http://schemas.openxmlformats.org/officeDocument/2006/relationships" xmlns:p="http://schemas.openxmlformats.org/presentationml/2006/main">
+  <p:cSld>
+    <p:spTree>
+      <p:nvGrpSpPr>
+        <p:cNvPr id="1" name=""/>
+        <p:cNvGrpSpPr/>
+        <p:nvPr/>
+      </p:nvGrpSpPr>
+      <p:grpSpPr>
+        <a:xfrm>
+          <a:off x="0" y="0"/>
+          <a:ext cx="0" cy="0"/>
+          <a:chOff x="0" y="0"/>
+          <a:chExt cx="0" cy="0"/>
+        </a:xfrm>
+      </p:grpSpPr>
+      <p:grpSp>
+        <p:nvGrpSpPr>
+          <p:cNvPr id="20" name="Group 19">
+            <a:extLst>
+              <a:ext uri="{FF2B5EF4-FFF2-40B4-BE49-F238E27FC236}">
+                <a16:creationId xmlns:a16="http://schemas.microsoft.com/office/drawing/2014/main" id="{437F8CD7-349A-4BA1-8EA8-0AFD62F248A8}"/>
+              </a:ext>
+            </a:extLst>
+          </p:cNvPr>
+          <p:cNvGrpSpPr/>
+          <p:nvPr/>
+        </p:nvGrpSpPr>
+        <p:grpSpPr>
+          <a:xfrm>
+            <a:off x="263236" y="1733550"/>
+            <a:ext cx="5334000" cy="4000500"/>
+            <a:chOff x="263236" y="1733550"/>
+            <a:chExt cx="5334000" cy="4000500"/>
+          </a:xfrm>
+        </p:grpSpPr>
+        <p:grpSp>
+          <p:nvGrpSpPr>
+            <p:cNvPr id="17" name="Group 16">
+              <a:extLst>
+                <a:ext uri="{FF2B5EF4-FFF2-40B4-BE49-F238E27FC236}">
+                  <a16:creationId xmlns:a16="http://schemas.microsoft.com/office/drawing/2014/main" id="{DE75F3BA-2196-47B9-8D11-3BBB48FF0F05}"/>
+                </a:ext>
+              </a:extLst>
+            </p:cNvPr>
+            <p:cNvGrpSpPr/>
+            <p:nvPr/>
+          </p:nvGrpSpPr>
+          <p:grpSpPr>
+            <a:xfrm>
+              <a:off x="263236" y="1733550"/>
+              <a:ext cx="5334000" cy="4000500"/>
+              <a:chOff x="900545" y="1659660"/>
+              <a:chExt cx="5334000" cy="4000500"/>
+            </a:xfrm>
+          </p:grpSpPr>
+          <p:grpSp>
+            <p:nvGrpSpPr>
+              <p:cNvPr id="11" name="Group 10">
+                <a:extLst>
+                  <a:ext uri="{FF2B5EF4-FFF2-40B4-BE49-F238E27FC236}">
+                    <a16:creationId xmlns:a16="http://schemas.microsoft.com/office/drawing/2014/main" id="{310C2D19-4C3D-4ABF-A8AA-60CD1D504A48}"/>
+                  </a:ext>
+                </a:extLst>
+              </p:cNvPr>
+              <p:cNvGrpSpPr/>
+              <p:nvPr/>
+            </p:nvGrpSpPr>
+            <p:grpSpPr>
+              <a:xfrm>
+                <a:off x="900545" y="1659660"/>
+                <a:ext cx="5334000" cy="4000500"/>
+                <a:chOff x="1043714" y="1428750"/>
+                <a:chExt cx="5334000" cy="4000500"/>
+              </a:xfrm>
+            </p:grpSpPr>
+            <p:pic>
+              <p:nvPicPr>
+                <p:cNvPr id="10" name="Picture 9">
+                  <a:extLst>
+                    <a:ext uri="{FF2B5EF4-FFF2-40B4-BE49-F238E27FC236}">
+                      <a16:creationId xmlns:a16="http://schemas.microsoft.com/office/drawing/2014/main" id="{5382E982-E3D9-48DB-A4A1-71C45696BFFF}"/>
+                    </a:ext>
+                  </a:extLst>
+                </p:cNvPr>
+                <p:cNvPicPr>
+                  <a:picLocks noChangeAspect="1"/>
+                </p:cNvPicPr>
+                <p:nvPr/>
+              </p:nvPicPr>
+              <p:blipFill>
+                <a:blip r:embed="rId2"/>
+                <a:stretch>
+                  <a:fillRect/>
+                </a:stretch>
+              </p:blipFill>
+              <p:spPr>
+                <a:xfrm>
+                  <a:off x="1043714" y="1428750"/>
+                  <a:ext cx="5334000" cy="4000500"/>
+                </a:xfrm>
+                <a:prstGeom prst="rect">
+                  <a:avLst/>
+                </a:prstGeom>
+              </p:spPr>
+            </p:pic>
+            <p:sp>
+              <p:nvSpPr>
+                <p:cNvPr id="3" name="TextBox 2">
+                  <a:extLst>
+                    <a:ext uri="{FF2B5EF4-FFF2-40B4-BE49-F238E27FC236}">
+                      <a16:creationId xmlns:a16="http://schemas.microsoft.com/office/drawing/2014/main" id="{F459C74C-1FEB-440D-8477-A21C4C2EC077}"/>
+                    </a:ext>
+                  </a:extLst>
+                </p:cNvPr>
+                <p:cNvSpPr txBox="1"/>
+                <p:nvPr/>
+              </p:nvSpPr>
+              <p:spPr>
+                <a:xfrm>
+                  <a:off x="1505527" y="4128777"/>
+                  <a:ext cx="618836" cy="369332"/>
+                </a:xfrm>
+                <a:prstGeom prst="rect">
+                  <a:avLst/>
+                </a:prstGeom>
+                <a:noFill/>
+              </p:spPr>
+              <p:txBody>
+                <a:bodyPr wrap="square" rtlCol="0">
+                  <a:spAutoFit/>
+                </a:bodyPr>
+                <a:lstStyle/>
+                <a:p>
+                  <a:r>
+                    <a:rPr lang="en-US" dirty="0"/>
+                    <a:t>0</a:t>
+                  </a:r>
+                </a:p>
+              </p:txBody>
+            </p:sp>
+            <p:cxnSp>
+              <p:nvCxnSpPr>
+                <p:cNvPr id="7" name="Straight Connector 6">
+                  <a:extLst>
+                    <a:ext uri="{FF2B5EF4-FFF2-40B4-BE49-F238E27FC236}">
+                      <a16:creationId xmlns:a16="http://schemas.microsoft.com/office/drawing/2014/main" id="{3B8A542A-186F-4744-BADC-395C10EC0881}"/>
+                    </a:ext>
+                  </a:extLst>
+                </p:cNvPr>
+                <p:cNvCxnSpPr>
+                  <a:cxnSpLocks/>
+                </p:cNvCxnSpPr>
+                <p:nvPr/>
+              </p:nvCxnSpPr>
+              <p:spPr>
+                <a:xfrm flipV="1">
+                  <a:off x="4221017" y="2578790"/>
+                  <a:ext cx="0" cy="1608059"/>
+                </a:xfrm>
+                <a:prstGeom prst="line">
+                  <a:avLst/>
+                </a:prstGeom>
+                <a:ln w="19050">
+                  <a:solidFill>
+                    <a:schemeClr val="tx1"/>
+                  </a:solidFill>
+                  <a:prstDash val="dash"/>
+                </a:ln>
+              </p:spPr>
+              <p:style>
+                <a:lnRef idx="1">
+                  <a:schemeClr val="accent1"/>
+                </a:lnRef>
+                <a:fillRef idx="0">
+                  <a:schemeClr val="accent1"/>
+                </a:fillRef>
+                <a:effectRef idx="0">
+                  <a:schemeClr val="accent1"/>
+                </a:effectRef>
+                <a:fontRef idx="minor">
+                  <a:schemeClr val="tx1"/>
+                </a:fontRef>
+              </p:style>
+            </p:cxnSp>
+          </p:grpSp>
+          <p:cxnSp>
+            <p:nvCxnSpPr>
+              <p:cNvPr id="12" name="Straight Connector 11">
+                <a:extLst>
+                  <a:ext uri="{FF2B5EF4-FFF2-40B4-BE49-F238E27FC236}">
+                    <a16:creationId xmlns:a16="http://schemas.microsoft.com/office/drawing/2014/main" id="{EB906C95-CF9F-4CEB-AF72-1ECB4C340CB4}"/>
+                  </a:ext>
+                </a:extLst>
+              </p:cNvPr>
+              <p:cNvCxnSpPr>
+                <a:cxnSpLocks/>
+              </p:cNvCxnSpPr>
+              <p:nvPr/>
+            </p:nvCxnSpPr>
+            <p:spPr>
+              <a:xfrm flipV="1">
+                <a:off x="2927920" y="2809699"/>
+                <a:ext cx="0" cy="1608059"/>
+              </a:xfrm>
+              <a:prstGeom prst="line">
+                <a:avLst/>
+              </a:prstGeom>
+              <a:ln w="19050">
+                <a:solidFill>
+                  <a:schemeClr val="tx1"/>
+                </a:solidFill>
+                <a:prstDash val="dash"/>
+              </a:ln>
+            </p:spPr>
+            <p:style>
+              <a:lnRef idx="1">
+                <a:schemeClr val="accent1"/>
+              </a:lnRef>
+              <a:fillRef idx="0">
+                <a:schemeClr val="accent1"/>
+              </a:fillRef>
+              <a:effectRef idx="0">
+                <a:schemeClr val="accent1"/>
+              </a:effectRef>
+              <a:fontRef idx="minor">
+                <a:schemeClr val="tx1"/>
+              </a:fontRef>
+            </p:style>
+          </p:cxnSp>
+          <p:cxnSp>
+            <p:nvCxnSpPr>
+              <p:cNvPr id="13" name="Straight Connector 12">
+                <a:extLst>
+                  <a:ext uri="{FF2B5EF4-FFF2-40B4-BE49-F238E27FC236}">
+                    <a16:creationId xmlns:a16="http://schemas.microsoft.com/office/drawing/2014/main" id="{B22EF41E-9A14-4210-8927-42682678604B}"/>
+                  </a:ext>
+                </a:extLst>
+              </p:cNvPr>
+              <p:cNvCxnSpPr>
+                <a:cxnSpLocks/>
+              </p:cNvCxnSpPr>
+              <p:nvPr/>
+            </p:nvCxnSpPr>
+            <p:spPr>
+              <a:xfrm flipV="1">
+                <a:off x="5237012" y="2772411"/>
+                <a:ext cx="0" cy="1608059"/>
+              </a:xfrm>
+              <a:prstGeom prst="line">
+                <a:avLst/>
+              </a:prstGeom>
+              <a:ln w="19050">
+                <a:solidFill>
+                  <a:schemeClr val="tx1"/>
+                </a:solidFill>
+                <a:prstDash val="dash"/>
+              </a:ln>
+            </p:spPr>
+            <p:style>
+              <a:lnRef idx="1">
+                <a:schemeClr val="accent1"/>
+              </a:lnRef>
+              <a:fillRef idx="0">
+                <a:schemeClr val="accent1"/>
+              </a:fillRef>
+              <a:effectRef idx="0">
+                <a:schemeClr val="accent1"/>
+              </a:effectRef>
+              <a:fontRef idx="minor">
+                <a:schemeClr val="tx1"/>
+              </a:fontRef>
+            </p:style>
+          </p:cxnSp>
+          <mc:AlternateContent xmlns:mc="http://schemas.openxmlformats.org/markup-compatibility/2006" xmlns:a14="http://schemas.microsoft.com/office/drawing/2010/main">
+            <mc:Choice Requires="a14">
+              <p:sp>
+                <p:nvSpPr>
+                  <p:cNvPr id="14" name="TextBox 13">
+                    <a:extLst>
+                      <a:ext uri="{FF2B5EF4-FFF2-40B4-BE49-F238E27FC236}">
+                        <a16:creationId xmlns:a16="http://schemas.microsoft.com/office/drawing/2014/main" id="{3F4A450C-DEE3-419D-84F3-AC3A099B3A16}"/>
+                      </a:ext>
+                    </a:extLst>
+                  </p:cNvPr>
+                  <p:cNvSpPr txBox="1"/>
+                  <p:nvPr/>
+                </p:nvSpPr>
+                <p:spPr>
+                  <a:xfrm>
+                    <a:off x="3565229" y="4472265"/>
+                    <a:ext cx="1025237" cy="566694"/>
+                  </a:xfrm>
+                  <a:prstGeom prst="rect">
+                    <a:avLst/>
+                  </a:prstGeom>
+                  <a:noFill/>
+                </p:spPr>
+                <p:txBody>
+                  <a:bodyPr wrap="square" rtlCol="0">
+                    <a:spAutoFit/>
+                  </a:bodyPr>
+                  <a:lstStyle/>
+                  <a:p>
+                    <a:pPr/>
+                    <a14:m>
+                      <m:oMathPara xmlns:m="http://schemas.openxmlformats.org/officeDocument/2006/math">
+                        <m:oMathParaPr>
+                          <m:jc m:val="centerGroup"/>
+                        </m:oMathParaPr>
+                        <m:oMath xmlns:m="http://schemas.openxmlformats.org/officeDocument/2006/math">
+                          <m:f>
+                            <m:fPr>
+                              <m:ctrlPr>
+                                <a:rPr lang="en-US" b="0" i="1" smtClean="0">
+                                  <a:latin typeface="Cambria Math" panose="02040503050406030204" pitchFamily="18" charset="0"/>
+                                </a:rPr>
+                              </m:ctrlPr>
+                            </m:fPr>
+                            <m:num>
+                              <m:r>
+                                <a:rPr lang="en-US" b="0" i="1" smtClean="0">
+                                  <a:latin typeface="Cambria Math" panose="02040503050406030204" pitchFamily="18" charset="0"/>
+                                </a:rPr>
+                                <m:t>𝜔</m:t>
+                              </m:r>
+                            </m:num>
+                            <m:den>
+                              <m:r>
+                                <a:rPr lang="en-US" b="0" i="1" smtClean="0">
+                                  <a:latin typeface="Cambria Math" panose="02040503050406030204" pitchFamily="18" charset="0"/>
+                                </a:rPr>
+                                <m:t>𝑘</m:t>
+                              </m:r>
+                            </m:den>
+                          </m:f>
+                        </m:oMath>
+                      </m:oMathPara>
+                    </a14:m>
+                    <a:endParaRPr lang="en-US" dirty="0"/>
+                  </a:p>
+                </p:txBody>
+              </p:sp>
+            </mc:Choice>
+            <mc:Fallback xmlns="">
+              <p:sp>
+                <p:nvSpPr>
+                  <p:cNvPr id="14" name="TextBox 13">
+                    <a:extLst>
+                      <a:ext uri="{FF2B5EF4-FFF2-40B4-BE49-F238E27FC236}">
+                        <a16:creationId xmlns:a16="http://schemas.microsoft.com/office/drawing/2014/main" id="{3F4A450C-DEE3-419D-84F3-AC3A099B3A16}"/>
+                      </a:ext>
+                    </a:extLst>
+                  </p:cNvPr>
+                  <p:cNvSpPr txBox="1">
+                    <a:spLocks noRot="1" noChangeAspect="1" noMove="1" noResize="1" noEditPoints="1" noAdjustHandles="1" noChangeArrowheads="1" noChangeShapeType="1" noTextEdit="1"/>
+                  </p:cNvSpPr>
+                  <p:nvPr/>
+                </p:nvSpPr>
+                <p:spPr>
+                  <a:xfrm>
+                    <a:off x="3565229" y="4472265"/>
+                    <a:ext cx="1025237" cy="566694"/>
+                  </a:xfrm>
+                  <a:prstGeom prst="rect">
+                    <a:avLst/>
+                  </a:prstGeom>
+                  <a:blipFill>
+                    <a:blip r:embed="rId3"/>
+                    <a:stretch>
+                      <a:fillRect/>
+                    </a:stretch>
+                  </a:blipFill>
+                </p:spPr>
+                <p:txBody>
+                  <a:bodyPr/>
+                  <a:lstStyle/>
+                  <a:p>
+                    <a:r>
+                      <a:rPr lang="en-US">
+                        <a:noFill/>
+                      </a:rPr>
+                      <a:t> </a:t>
+                    </a:r>
+                  </a:p>
+                </p:txBody>
+              </p:sp>
+            </mc:Fallback>
+          </mc:AlternateContent>
+          <mc:AlternateContent xmlns:mc="http://schemas.openxmlformats.org/markup-compatibility/2006" xmlns:a14="http://schemas.microsoft.com/office/drawing/2010/main">
+            <mc:Choice Requires="a14">
+              <p:sp>
+                <p:nvSpPr>
+                  <p:cNvPr id="15" name="TextBox 14">
+                    <a:extLst>
+                      <a:ext uri="{FF2B5EF4-FFF2-40B4-BE49-F238E27FC236}">
+                        <a16:creationId xmlns:a16="http://schemas.microsoft.com/office/drawing/2014/main" id="{92B02ED6-6ADA-4720-9BF9-5FD696DD7938}"/>
+                      </a:ext>
+                    </a:extLst>
+                  </p:cNvPr>
+                  <p:cNvSpPr txBox="1"/>
+                  <p:nvPr/>
+                </p:nvSpPr>
+                <p:spPr>
+                  <a:xfrm>
+                    <a:off x="2396829" y="4472265"/>
+                    <a:ext cx="1025237" cy="566694"/>
+                  </a:xfrm>
+                  <a:prstGeom prst="rect">
+                    <a:avLst/>
+                  </a:prstGeom>
+                  <a:noFill/>
+                </p:spPr>
+                <p:txBody>
+                  <a:bodyPr wrap="square" rtlCol="0">
+                    <a:spAutoFit/>
+                  </a:bodyPr>
+                  <a:lstStyle/>
+                  <a:p>
+                    <a:pPr/>
+                    <a14:m>
+                      <m:oMathPara xmlns:m="http://schemas.openxmlformats.org/officeDocument/2006/math">
+                        <m:oMathParaPr>
+                          <m:jc m:val="centerGroup"/>
+                        </m:oMathParaPr>
+                        <m:oMath xmlns:m="http://schemas.openxmlformats.org/officeDocument/2006/math">
+                          <m:f>
+                            <m:fPr>
+                              <m:ctrlPr>
+                                <a:rPr lang="en-US" b="0" i="1" smtClean="0">
+                                  <a:latin typeface="Cambria Math" panose="02040503050406030204" pitchFamily="18" charset="0"/>
+                                </a:rPr>
+                              </m:ctrlPr>
+                            </m:fPr>
+                            <m:num>
+                              <m:r>
+                                <a:rPr lang="en-US" b="0" i="1" smtClean="0">
+                                  <a:latin typeface="Cambria Math" panose="02040503050406030204" pitchFamily="18" charset="0"/>
+                                </a:rPr>
+                                <m:t>𝜔</m:t>
+                              </m:r>
+                              <m:r>
+                                <a:rPr lang="en-US" b="0" i="1" smtClean="0">
+                                  <a:latin typeface="Cambria Math" panose="02040503050406030204" pitchFamily="18" charset="0"/>
+                                </a:rPr>
+                                <m:t>−</m:t>
+                              </m:r>
+                              <m:sSub>
+                                <m:sSubPr>
+                                  <m:ctrlPr>
+                                    <a:rPr lang="en-US" b="0" i="1" smtClean="0">
+                                      <a:latin typeface="Cambria Math" panose="02040503050406030204" pitchFamily="18" charset="0"/>
+                                    </a:rPr>
+                                  </m:ctrlPr>
+                                </m:sSubPr>
+                                <m:e>
+                                  <m:r>
+                                    <a:rPr lang="en-US" b="0" i="1" smtClean="0">
+                                      <a:latin typeface="Cambria Math" panose="02040503050406030204" pitchFamily="18" charset="0"/>
+                                    </a:rPr>
+                                    <m:t>𝜔</m:t>
+                                  </m:r>
+                                </m:e>
+                                <m:sub>
+                                  <m:r>
+                                    <a:rPr lang="en-US" b="0" i="1" smtClean="0">
+                                      <a:latin typeface="Cambria Math" panose="02040503050406030204" pitchFamily="18" charset="0"/>
+                                    </a:rPr>
+                                    <m:t>𝑐𝑒</m:t>
+                                  </m:r>
+                                </m:sub>
+                              </m:sSub>
+                            </m:num>
+                            <m:den>
+                              <m:r>
+                                <a:rPr lang="en-US" b="0" i="1" smtClean="0">
+                                  <a:latin typeface="Cambria Math" panose="02040503050406030204" pitchFamily="18" charset="0"/>
+                                </a:rPr>
+                                <m:t>𝑘</m:t>
+                              </m:r>
+                            </m:den>
+                          </m:f>
+                        </m:oMath>
+                      </m:oMathPara>
+                    </a14:m>
+                    <a:endParaRPr lang="en-US" dirty="0"/>
+                  </a:p>
+                </p:txBody>
+              </p:sp>
+            </mc:Choice>
+            <mc:Fallback xmlns="">
+              <p:sp>
+                <p:nvSpPr>
+                  <p:cNvPr id="15" name="TextBox 14">
+                    <a:extLst>
+                      <a:ext uri="{FF2B5EF4-FFF2-40B4-BE49-F238E27FC236}">
+                        <a16:creationId xmlns:a16="http://schemas.microsoft.com/office/drawing/2014/main" id="{92B02ED6-6ADA-4720-9BF9-5FD696DD7938}"/>
+                      </a:ext>
+                    </a:extLst>
+                  </p:cNvPr>
+                  <p:cNvSpPr txBox="1">
+                    <a:spLocks noRot="1" noChangeAspect="1" noMove="1" noResize="1" noEditPoints="1" noAdjustHandles="1" noChangeArrowheads="1" noChangeShapeType="1" noTextEdit="1"/>
+                  </p:cNvSpPr>
+                  <p:nvPr/>
+                </p:nvSpPr>
+                <p:spPr>
+                  <a:xfrm>
+                    <a:off x="2396829" y="4472265"/>
+                    <a:ext cx="1025237" cy="566694"/>
+                  </a:xfrm>
+                  <a:prstGeom prst="rect">
+                    <a:avLst/>
+                  </a:prstGeom>
+                  <a:blipFill>
+                    <a:blip r:embed="rId4"/>
+                    <a:stretch>
+                      <a:fillRect/>
+                    </a:stretch>
+                  </a:blipFill>
+                </p:spPr>
+                <p:txBody>
+                  <a:bodyPr/>
+                  <a:lstStyle/>
+                  <a:p>
+                    <a:r>
+                      <a:rPr lang="en-US">
+                        <a:noFill/>
+                      </a:rPr>
+                      <a:t> </a:t>
+                    </a:r>
+                  </a:p>
+                </p:txBody>
+              </p:sp>
+            </mc:Fallback>
+          </mc:AlternateContent>
+          <mc:AlternateContent xmlns:mc="http://schemas.openxmlformats.org/markup-compatibility/2006" xmlns:a14="http://schemas.microsoft.com/office/drawing/2010/main">
+            <mc:Choice Requires="a14">
+              <p:sp>
+                <p:nvSpPr>
+                  <p:cNvPr id="16" name="TextBox 15">
+                    <a:extLst>
+                      <a:ext uri="{FF2B5EF4-FFF2-40B4-BE49-F238E27FC236}">
+                        <a16:creationId xmlns:a16="http://schemas.microsoft.com/office/drawing/2014/main" id="{98850BE6-61E6-49F5-A397-24C5943DEFB4}"/>
+                      </a:ext>
+                    </a:extLst>
+                  </p:cNvPr>
+                  <p:cNvSpPr txBox="1"/>
+                  <p:nvPr/>
+                </p:nvSpPr>
+                <p:spPr>
+                  <a:xfrm>
+                    <a:off x="4733629" y="4445672"/>
+                    <a:ext cx="1025237" cy="595484"/>
+                  </a:xfrm>
+                  <a:prstGeom prst="rect">
+                    <a:avLst/>
+                  </a:prstGeom>
+                  <a:noFill/>
+                </p:spPr>
+                <p:txBody>
+                  <a:bodyPr wrap="square" rtlCol="0">
+                    <a:spAutoFit/>
+                  </a:bodyPr>
+                  <a:lstStyle/>
+                  <a:p>
+                    <a:pPr/>
+                    <a14:m>
+                      <m:oMathPara xmlns:m="http://schemas.openxmlformats.org/officeDocument/2006/math">
+                        <m:oMathParaPr>
+                          <m:jc m:val="centerGroup"/>
+                        </m:oMathParaPr>
+                        <m:oMath xmlns:m="http://schemas.openxmlformats.org/officeDocument/2006/math">
+                          <m:f>
+                            <m:fPr>
+                              <m:ctrlPr>
+                                <a:rPr lang="en-US" b="0" i="1" smtClean="0">
+                                  <a:latin typeface="Cambria Math" panose="02040503050406030204" pitchFamily="18" charset="0"/>
+                                </a:rPr>
+                              </m:ctrlPr>
+                            </m:fPr>
+                            <m:num>
+                              <m:r>
+                                <a:rPr lang="en-US" b="0" i="1" smtClean="0">
+                                  <a:latin typeface="Cambria Math" panose="02040503050406030204" pitchFamily="18" charset="0"/>
+                                </a:rPr>
+                                <m:t>𝜔</m:t>
+                              </m:r>
+                              <m:r>
+                                <a:rPr lang="en-US" b="0" i="1" smtClean="0">
+                                  <a:latin typeface="Cambria Math" panose="02040503050406030204" pitchFamily="18" charset="0"/>
+                                </a:rPr>
+                                <m:t>+</m:t>
+                              </m:r>
+                              <m:sSub>
+                                <m:sSubPr>
+                                  <m:ctrlPr>
+                                    <a:rPr lang="en-US" b="0" i="1" smtClean="0">
+                                      <a:latin typeface="Cambria Math" panose="02040503050406030204" pitchFamily="18" charset="0"/>
+                                    </a:rPr>
+                                  </m:ctrlPr>
+                                </m:sSubPr>
+                                <m:e>
+                                  <m:r>
+                                    <a:rPr lang="en-US" b="0" i="1" smtClean="0">
+                                      <a:latin typeface="Cambria Math" panose="02040503050406030204" pitchFamily="18" charset="0"/>
+                                    </a:rPr>
+                                    <m:t>𝜔</m:t>
+                                  </m:r>
+                                </m:e>
+                                <m:sub>
+                                  <m:r>
+                                    <a:rPr lang="en-US" b="0" i="1" smtClean="0">
+                                      <a:latin typeface="Cambria Math" panose="02040503050406030204" pitchFamily="18" charset="0"/>
+                                    </a:rPr>
+                                    <m:t>𝑐𝑒</m:t>
+                                  </m:r>
+                                </m:sub>
+                              </m:sSub>
+                            </m:num>
+                            <m:den>
+                              <m:r>
+                                <a:rPr lang="en-US" b="0" i="1" smtClean="0">
+                                  <a:latin typeface="Cambria Math" panose="02040503050406030204" pitchFamily="18" charset="0"/>
+                                </a:rPr>
+                                <m:t>𝑘</m:t>
+                              </m:r>
+                            </m:den>
+                          </m:f>
+                        </m:oMath>
+                      </m:oMathPara>
+                    </a14:m>
+                    <a:endParaRPr lang="en-US" dirty="0"/>
+                  </a:p>
+                </p:txBody>
+              </p:sp>
+            </mc:Choice>
+            <mc:Fallback xmlns="">
+              <p:sp>
+                <p:nvSpPr>
+                  <p:cNvPr id="16" name="TextBox 15">
+                    <a:extLst>
+                      <a:ext uri="{FF2B5EF4-FFF2-40B4-BE49-F238E27FC236}">
+                        <a16:creationId xmlns:a16="http://schemas.microsoft.com/office/drawing/2014/main" id="{98850BE6-61E6-49F5-A397-24C5943DEFB4}"/>
+                      </a:ext>
+                    </a:extLst>
+                  </p:cNvPr>
+                  <p:cNvSpPr txBox="1">
+                    <a:spLocks noRot="1" noChangeAspect="1" noMove="1" noResize="1" noEditPoints="1" noAdjustHandles="1" noChangeArrowheads="1" noChangeShapeType="1" noTextEdit="1"/>
+                  </p:cNvSpPr>
+                  <p:nvPr/>
+                </p:nvSpPr>
+                <p:spPr>
+                  <a:xfrm>
+                    <a:off x="4733629" y="4445672"/>
+                    <a:ext cx="1025237" cy="595484"/>
+                  </a:xfrm>
+                  <a:prstGeom prst="rect">
+                    <a:avLst/>
+                  </a:prstGeom>
+                  <a:blipFill>
+                    <a:blip r:embed="rId5"/>
+                    <a:stretch>
+                      <a:fillRect/>
+                    </a:stretch>
+                  </a:blipFill>
+                </p:spPr>
+                <p:txBody>
+                  <a:bodyPr/>
+                  <a:lstStyle/>
+                  <a:p>
+                    <a:r>
+                      <a:rPr lang="en-US">
+                        <a:noFill/>
+                      </a:rPr>
+                      <a:t> </a:t>
+                    </a:r>
+                  </a:p>
+                </p:txBody>
+              </p:sp>
+            </mc:Fallback>
+          </mc:AlternateContent>
+        </p:grpSp>
+        <p:sp>
+          <p:nvSpPr>
+            <p:cNvPr id="18" name="Rectangle 17">
+              <a:extLst>
+                <a:ext uri="{FF2B5EF4-FFF2-40B4-BE49-F238E27FC236}">
+                  <a16:creationId xmlns:a16="http://schemas.microsoft.com/office/drawing/2014/main" id="{7D0A23EF-9C76-490D-BE85-F381E43DD8A2}"/>
+                </a:ext>
+              </a:extLst>
+            </p:cNvPr>
+            <p:cNvSpPr/>
+            <p:nvPr/>
+          </p:nvSpPr>
+          <p:spPr>
+            <a:xfrm>
+              <a:off x="2170545" y="2846300"/>
+              <a:ext cx="272460" cy="1645347"/>
+            </a:xfrm>
+            <a:prstGeom prst="rect">
+              <a:avLst/>
+            </a:prstGeom>
+            <a:solidFill>
+              <a:schemeClr val="tx2">
+                <a:lumMod val="20000"/>
+                <a:lumOff val="80000"/>
+                <a:alpha val="36000"/>
+              </a:schemeClr>
+            </a:solidFill>
+            <a:ln>
+              <a:noFill/>
+            </a:ln>
+          </p:spPr>
+          <p:style>
+            <a:lnRef idx="2">
+              <a:schemeClr val="accent1">
+                <a:shade val="50000"/>
+              </a:schemeClr>
+            </a:lnRef>
+            <a:fillRef idx="1">
+              <a:schemeClr val="accent1"/>
+            </a:fillRef>
+            <a:effectRef idx="0">
+              <a:schemeClr val="accent1"/>
+            </a:effectRef>
+            <a:fontRef idx="minor">
+              <a:schemeClr val="lt1"/>
+            </a:fontRef>
+          </p:style>
+          <p:txBody>
+            <a:bodyPr rtlCol="0" anchor="ctr"/>
+            <a:lstStyle/>
+            <a:p>
+              <a:pPr algn="ctr"/>
+              <a:endParaRPr lang="en-US"/>
+            </a:p>
+          </p:txBody>
+        </p:sp>
+        <p:sp>
+          <p:nvSpPr>
+            <p:cNvPr id="19" name="Rectangle 18">
+              <a:extLst>
+                <a:ext uri="{FF2B5EF4-FFF2-40B4-BE49-F238E27FC236}">
+                  <a16:creationId xmlns:a16="http://schemas.microsoft.com/office/drawing/2014/main" id="{0FB477DC-DAA8-436C-9FF2-5C8E2675130E}"/>
+                </a:ext>
+              </a:extLst>
+            </p:cNvPr>
+            <p:cNvSpPr/>
+            <p:nvPr/>
+          </p:nvSpPr>
+          <p:spPr>
+            <a:xfrm>
+              <a:off x="4463473" y="2827656"/>
+              <a:ext cx="272460" cy="1645347"/>
+            </a:xfrm>
+            <a:prstGeom prst="rect">
+              <a:avLst/>
+            </a:prstGeom>
+            <a:solidFill>
+              <a:schemeClr val="tx2">
+                <a:lumMod val="20000"/>
+                <a:lumOff val="80000"/>
+                <a:alpha val="36000"/>
+              </a:schemeClr>
+            </a:solidFill>
+            <a:ln>
+              <a:noFill/>
+            </a:ln>
+          </p:spPr>
+          <p:style>
+            <a:lnRef idx="2">
+              <a:schemeClr val="accent1">
+                <a:shade val="50000"/>
+              </a:schemeClr>
+            </a:lnRef>
+            <a:fillRef idx="1">
+              <a:schemeClr val="accent1"/>
+            </a:fillRef>
+            <a:effectRef idx="0">
+              <a:schemeClr val="accent1"/>
+            </a:effectRef>
+            <a:fontRef idx="minor">
+              <a:schemeClr val="lt1"/>
+            </a:fontRef>
+          </p:style>
+          <p:txBody>
+            <a:bodyPr rtlCol="0" anchor="ctr"/>
+            <a:lstStyle/>
+            <a:p>
+              <a:pPr algn="ctr"/>
+              <a:endParaRPr lang="en-US"/>
+            </a:p>
+          </p:txBody>
+        </p:sp>
+      </p:grpSp>
+      <p:pic>
+        <p:nvPicPr>
+          <p:cNvPr id="22" name="Picture 21">
+            <a:extLst>
+              <a:ext uri="{FF2B5EF4-FFF2-40B4-BE49-F238E27FC236}">
+                <a16:creationId xmlns:a16="http://schemas.microsoft.com/office/drawing/2014/main" id="{DE9B0C30-8766-47CD-B76F-D75341095AA5}"/>
+              </a:ext>
+            </a:extLst>
+          </p:cNvPr>
+          <p:cNvPicPr>
+            <a:picLocks noChangeAspect="1"/>
+          </p:cNvPicPr>
+          <p:nvPr/>
+        </p:nvPicPr>
+        <p:blipFill rotWithShape="1">
+          <a:blip r:embed="rId6"/>
+          <a:srcRect l="7099" t="25748" r="6174" b="15277"/>
+          <a:stretch/>
+        </p:blipFill>
+        <p:spPr>
+          <a:xfrm>
+            <a:off x="6172523" y="1371600"/>
+            <a:ext cx="4626429" cy="2362200"/>
+          </a:xfrm>
+          <a:prstGeom prst="rect">
+            <a:avLst/>
+          </a:prstGeom>
+        </p:spPr>
+      </p:pic>
+    </p:spTree>
+    <p:extLst>
+      <p:ext uri="{BB962C8B-B14F-4D97-AF65-F5344CB8AC3E}">
+        <p14:creationId xmlns:p14="http://schemas.microsoft.com/office/powerpoint/2010/main" val="1923315908"/>
+      </p:ext>
+    </p:extLst>
+  </p:cSld>
+  <p:clrMapOvr>
+    <a:masterClrMapping/>
+  </p:clrMapOvr>
+</p:sld>
+</file>
+
+<file path=ppt/slides/slide6.xml><?xml version="1.0" encoding="utf-8"?>
+<p:sld xmlns:a="http://schemas.openxmlformats.org/drawingml/2006/main" xmlns:r="http://schemas.openxmlformats.org/officeDocument/2006/relationships" xmlns:p="http://schemas.openxmlformats.org/presentationml/2006/main">
+  <p:cSld>
+    <p:spTree>
+      <p:nvGrpSpPr>
+        <p:cNvPr id="1" name=""/>
+        <p:cNvGrpSpPr/>
+        <p:nvPr/>
+      </p:nvGrpSpPr>
+      <p:grpSpPr>
+        <a:xfrm>
+          <a:off x="0" y="0"/>
+          <a:ext cx="0" cy="0"/>
+          <a:chOff x="0" y="0"/>
+          <a:chExt cx="0" cy="0"/>
+        </a:xfrm>
+      </p:grpSpPr>
+      <p:pic>
+        <p:nvPicPr>
+          <p:cNvPr id="2" name="Picture 1">
+            <a:extLst>
+              <a:ext uri="{FF2B5EF4-FFF2-40B4-BE49-F238E27FC236}">
+                <a16:creationId xmlns:a16="http://schemas.microsoft.com/office/drawing/2014/main" id="{47A546E0-5288-4FBE-87C4-D9D24387DBF6}"/>
+              </a:ext>
+            </a:extLst>
+          </p:cNvPr>
+          <p:cNvPicPr>
+            <a:picLocks noChangeAspect="1"/>
+          </p:cNvPicPr>
+          <p:nvPr/>
+        </p:nvPicPr>
+        <p:blipFill>
+          <a:blip r:embed="rId2"/>
+          <a:stretch>
+            <a:fillRect/>
+          </a:stretch>
+        </p:blipFill>
+        <p:spPr>
+          <a:xfrm>
+            <a:off x="578311" y="388390"/>
+            <a:ext cx="5234940" cy="6339840"/>
+          </a:xfrm>
+          <a:prstGeom prst="rect">
+            <a:avLst/>
+          </a:prstGeom>
+        </p:spPr>
+      </p:pic>
+      <p:pic>
+        <p:nvPicPr>
+          <p:cNvPr id="3" name="Picture 2">
+            <a:extLst>
+              <a:ext uri="{FF2B5EF4-FFF2-40B4-BE49-F238E27FC236}">
+                <a16:creationId xmlns:a16="http://schemas.microsoft.com/office/drawing/2014/main" id="{ED6E43BA-DCDE-4F24-9E05-D7C1B1BBB162}"/>
+              </a:ext>
+            </a:extLst>
+          </p:cNvPr>
+          <p:cNvPicPr>
+            <a:picLocks noChangeAspect="1"/>
+          </p:cNvPicPr>
+          <p:nvPr/>
+        </p:nvPicPr>
+        <p:blipFill>
+          <a:blip r:embed="rId3"/>
+          <a:stretch>
+            <a:fillRect/>
+          </a:stretch>
+        </p:blipFill>
+        <p:spPr>
+          <a:xfrm>
+            <a:off x="6212494" y="259080"/>
+            <a:ext cx="5234940" cy="6339840"/>
+          </a:xfrm>
+          <a:prstGeom prst="rect">
+            <a:avLst/>
+          </a:prstGeom>
+        </p:spPr>
+      </p:pic>
+    </p:spTree>
+    <p:extLst>
+      <p:ext uri="{BB962C8B-B14F-4D97-AF65-F5344CB8AC3E}">
+        <p14:creationId xmlns:p14="http://schemas.microsoft.com/office/powerpoint/2010/main" val="973881418"/>
+      </p:ext>
+    </p:extLst>
+  </p:cSld>
+  <p:clrMapOvr>
+    <a:masterClrMapping/>
+  </p:clrMapOvr>
+</p:sld>
+</file>
+
+<file path=ppt/slides/slide7.xml><?xml version="1.0" encoding="utf-8"?>
+<p:sld xmlns:a="http://schemas.openxmlformats.org/drawingml/2006/main" xmlns:r="http://schemas.openxmlformats.org/officeDocument/2006/relationships" xmlns:p="http://schemas.openxmlformats.org/presentationml/2006/main">
+  <p:cSld>
+    <p:spTree>
+      <p:nvGrpSpPr>
+        <p:cNvPr id="1" name=""/>
+        <p:cNvGrpSpPr/>
+        <p:nvPr/>
+      </p:nvGrpSpPr>
+      <p:grpSpPr>
+        <a:xfrm>
+          <a:off x="0" y="0"/>
+          <a:ext cx="0" cy="0"/>
+          <a:chOff x="0" y="0"/>
+          <a:chExt cx="0" cy="0"/>
+        </a:xfrm>
+      </p:grpSpPr>
+      <p:pic>
+        <p:nvPicPr>
+          <p:cNvPr id="3" name="Picture 2">
+            <a:extLst>
+              <a:ext uri="{FF2B5EF4-FFF2-40B4-BE49-F238E27FC236}">
+                <a16:creationId xmlns:a16="http://schemas.microsoft.com/office/drawing/2014/main" id="{D1BB68D0-8E04-47EE-AE9D-E8911FFC7190}"/>
+              </a:ext>
+            </a:extLst>
+          </p:cNvPr>
+          <p:cNvPicPr>
+            <a:picLocks noChangeAspect="1"/>
+          </p:cNvPicPr>
+          <p:nvPr/>
+        </p:nvPicPr>
+        <p:blipFill>
+          <a:blip r:embed="rId2"/>
+          <a:stretch>
+            <a:fillRect/>
+          </a:stretch>
+        </p:blipFill>
+        <p:spPr>
+          <a:xfrm>
+            <a:off x="942780" y="574123"/>
+            <a:ext cx="6667500" cy="5000625"/>
+          </a:xfrm>
+          <a:prstGeom prst="rect">
+            <a:avLst/>
+          </a:prstGeom>
+        </p:spPr>
+      </p:pic>
+    </p:spTree>
+    <p:extLst>
+      <p:ext uri="{BB962C8B-B14F-4D97-AF65-F5344CB8AC3E}">
+        <p14:creationId xmlns:p14="http://schemas.microsoft.com/office/powerpoint/2010/main" val="499615311"/>
+      </p:ext>
+    </p:extLst>
+  </p:cSld>
+  <p:clrMapOvr>
+    <a:masterClrMapping/>
+  </p:clrMapOvr>
+</p:sld>
+</file>
+
 <file path=ppt/theme/theme1.xml><?xml version="1.0" encoding="utf-8"?>
 <a:theme xmlns:a="http://schemas.openxmlformats.org/drawingml/2006/main" name="Office Theme">
   <a:themeElements>

--- a/paper modification/The Consistency Analysis/figure_modification.pptx
+++ b/paper modification/The Consistency Analysis/figure_modification.pptx
@@ -5161,36 +5161,129 @@
           <a:chExt cx="0" cy="0"/>
         </a:xfrm>
       </p:grpSpPr>
-      <p:pic>
-        <p:nvPicPr>
-          <p:cNvPr id="3" name="Picture 2">
-            <a:extLst>
-              <a:ext uri="{FF2B5EF4-FFF2-40B4-BE49-F238E27FC236}">
-                <a16:creationId xmlns:a16="http://schemas.microsoft.com/office/drawing/2014/main" id="{D1BB68D0-8E04-47EE-AE9D-E8911FFC7190}"/>
-              </a:ext>
-            </a:extLst>
-          </p:cNvPr>
-          <p:cNvPicPr>
-            <a:picLocks noChangeAspect="1"/>
-          </p:cNvPicPr>
+      <p:grpSp>
+        <p:nvGrpSpPr>
+          <p:cNvPr id="5" name="组合 4">
+            <a:extLst>
+              <a:ext uri="{FF2B5EF4-FFF2-40B4-BE49-F238E27FC236}">
+                <a16:creationId xmlns:a16="http://schemas.microsoft.com/office/drawing/2014/main" id="{EF20DB0A-5CDD-A40A-95F8-645A97A616C0}"/>
+              </a:ext>
+            </a:extLst>
+          </p:cNvPr>
+          <p:cNvGrpSpPr/>
           <p:nvPr/>
-        </p:nvPicPr>
-        <p:blipFill>
-          <a:blip r:embed="rId2"/>
-          <a:stretch>
-            <a:fillRect/>
-          </a:stretch>
-        </p:blipFill>
-        <p:spPr>
+        </p:nvGrpSpPr>
+        <p:grpSpPr>
           <a:xfrm>
-            <a:off x="942780" y="574123"/>
+            <a:off x="978638" y="1040287"/>
             <a:ext cx="6667500" cy="5000625"/>
+            <a:chOff x="1364121" y="1112005"/>
+            <a:chExt cx="6667500" cy="5000625"/>
           </a:xfrm>
-          <a:prstGeom prst="rect">
-            <a:avLst/>
-          </a:prstGeom>
-        </p:spPr>
-      </p:pic>
+        </p:grpSpPr>
+        <p:pic>
+          <p:nvPicPr>
+            <p:cNvPr id="3" name="Picture 2">
+              <a:extLst>
+                <a:ext uri="{FF2B5EF4-FFF2-40B4-BE49-F238E27FC236}">
+                  <a16:creationId xmlns:a16="http://schemas.microsoft.com/office/drawing/2014/main" id="{D1BB68D0-8E04-47EE-AE9D-E8911FFC7190}"/>
+                </a:ext>
+              </a:extLst>
+            </p:cNvPr>
+            <p:cNvPicPr>
+              <a:picLocks noChangeAspect="1"/>
+            </p:cNvPicPr>
+            <p:nvPr/>
+          </p:nvPicPr>
+          <p:blipFill>
+            <a:blip r:embed="rId2"/>
+            <a:stretch>
+              <a:fillRect/>
+            </a:stretch>
+          </p:blipFill>
+          <p:spPr>
+            <a:xfrm>
+              <a:off x="1364121" y="1112005"/>
+              <a:ext cx="6667500" cy="5000625"/>
+            </a:xfrm>
+            <a:prstGeom prst="rect">
+              <a:avLst/>
+            </a:prstGeom>
+          </p:spPr>
+        </p:pic>
+        <p:sp>
+          <p:nvSpPr>
+            <p:cNvPr id="2" name="文本框 1">
+              <a:extLst>
+                <a:ext uri="{FF2B5EF4-FFF2-40B4-BE49-F238E27FC236}">
+                  <a16:creationId xmlns:a16="http://schemas.microsoft.com/office/drawing/2014/main" id="{38FE91BD-B994-8426-2299-7E0A1C96F6C3}"/>
+                </a:ext>
+              </a:extLst>
+            </p:cNvPr>
+            <p:cNvSpPr txBox="1"/>
+            <p:nvPr/>
+          </p:nvSpPr>
+          <p:spPr>
+            <a:xfrm>
+              <a:off x="2330824" y="1550895"/>
+              <a:ext cx="421341" cy="369332"/>
+            </a:xfrm>
+            <a:prstGeom prst="rect">
+              <a:avLst/>
+            </a:prstGeom>
+            <a:noFill/>
+          </p:spPr>
+          <p:txBody>
+            <a:bodyPr wrap="square" rtlCol="0">
+              <a:spAutoFit/>
+            </a:bodyPr>
+            <a:lstStyle/>
+            <a:p>
+              <a:r>
+                <a:rPr lang="en-US" altLang="zh-CN" dirty="0"/>
+                <a:t>(a)</a:t>
+              </a:r>
+              <a:endParaRPr lang="zh-CN" altLang="en-US" dirty="0"/>
+            </a:p>
+          </p:txBody>
+        </p:sp>
+        <p:sp>
+          <p:nvSpPr>
+            <p:cNvPr id="4" name="文本框 3">
+              <a:extLst>
+                <a:ext uri="{FF2B5EF4-FFF2-40B4-BE49-F238E27FC236}">
+                  <a16:creationId xmlns:a16="http://schemas.microsoft.com/office/drawing/2014/main" id="{D60F5BF4-69F7-F13C-CE77-3802656DF7A3}"/>
+                </a:ext>
+              </a:extLst>
+            </p:cNvPr>
+            <p:cNvSpPr txBox="1"/>
+            <p:nvPr/>
+          </p:nvSpPr>
+          <p:spPr>
+            <a:xfrm>
+              <a:off x="2330824" y="3973145"/>
+              <a:ext cx="421341" cy="369332"/>
+            </a:xfrm>
+            <a:prstGeom prst="rect">
+              <a:avLst/>
+            </a:prstGeom>
+            <a:noFill/>
+          </p:spPr>
+          <p:txBody>
+            <a:bodyPr wrap="square" rtlCol="0">
+              <a:spAutoFit/>
+            </a:bodyPr>
+            <a:lstStyle/>
+            <a:p>
+              <a:r>
+                <a:rPr lang="en-US" altLang="zh-CN" dirty="0"/>
+                <a:t>(b)</a:t>
+              </a:r>
+              <a:endParaRPr lang="zh-CN" altLang="en-US" dirty="0"/>
+            </a:p>
+          </p:txBody>
+        </p:sp>
+      </p:grpSp>
     </p:spTree>
     <p:extLst>
       <p:ext uri="{BB962C8B-B14F-4D97-AF65-F5344CB8AC3E}">

--- a/paper modification/The Consistency Analysis/figure_modification.pptx
+++ b/paper modification/The Consistency Analysis/figure_modification.pptx
@@ -2,7 +2,7 @@
 <file path=ppt/presentation.xml><?xml version="1.0" encoding="utf-8"?>
 <p:presentation xmlns:a="http://schemas.openxmlformats.org/drawingml/2006/main" xmlns:r="http://schemas.openxmlformats.org/officeDocument/2006/relationships" xmlns:p="http://schemas.openxmlformats.org/presentationml/2006/main" saveSubsetFonts="1">
   <p:sldMasterIdLst>
-    <p:sldMasterId id="2147483648" r:id="rId1"/>
+    <p:sldMasterId id="2147483732" r:id="rId1"/>
   </p:sldMasterIdLst>
   <p:sldIdLst>
     <p:sldId id="256" r:id="rId2"/>
@@ -12,14 +12,17 @@
     <p:sldId id="260" r:id="rId6"/>
     <p:sldId id="261" r:id="rId7"/>
     <p:sldId id="262" r:id="rId8"/>
+    <p:sldId id="263" r:id="rId9"/>
+    <p:sldId id="264" r:id="rId10"/>
+    <p:sldId id="265" r:id="rId11"/>
   </p:sldIdLst>
-  <p:sldSz cx="12192000" cy="6858000"/>
+  <p:sldSz cx="9144000" cy="5143500" type="screen16x9"/>
   <p:notesSz cx="6858000" cy="9144000"/>
   <p:defaultTextStyle>
     <a:defPPr>
       <a:defRPr lang="en-US"/>
     </a:defPPr>
-    <a:lvl1pPr marL="0" algn="l" defTabSz="914400" rtl="0" eaLnBrk="1" latinLnBrk="0" hangingPunct="1">
+    <a:lvl1pPr marL="0" algn="l" defTabSz="457200" rtl="0" eaLnBrk="1" latinLnBrk="0" hangingPunct="1">
       <a:defRPr sz="1800" kern="1200">
         <a:solidFill>
           <a:schemeClr val="tx1"/>
@@ -29,7 +32,7 @@
         <a:cs typeface="+mn-cs"/>
       </a:defRPr>
     </a:lvl1pPr>
-    <a:lvl2pPr marL="457200" algn="l" defTabSz="914400" rtl="0" eaLnBrk="1" latinLnBrk="0" hangingPunct="1">
+    <a:lvl2pPr marL="457200" algn="l" defTabSz="457200" rtl="0" eaLnBrk="1" latinLnBrk="0" hangingPunct="1">
       <a:defRPr sz="1800" kern="1200">
         <a:solidFill>
           <a:schemeClr val="tx1"/>
@@ -39,7 +42,7 @@
         <a:cs typeface="+mn-cs"/>
       </a:defRPr>
     </a:lvl2pPr>
-    <a:lvl3pPr marL="914400" algn="l" defTabSz="914400" rtl="0" eaLnBrk="1" latinLnBrk="0" hangingPunct="1">
+    <a:lvl3pPr marL="914400" algn="l" defTabSz="457200" rtl="0" eaLnBrk="1" latinLnBrk="0" hangingPunct="1">
       <a:defRPr sz="1800" kern="1200">
         <a:solidFill>
           <a:schemeClr val="tx1"/>
@@ -49,7 +52,7 @@
         <a:cs typeface="+mn-cs"/>
       </a:defRPr>
     </a:lvl3pPr>
-    <a:lvl4pPr marL="1371600" algn="l" defTabSz="914400" rtl="0" eaLnBrk="1" latinLnBrk="0" hangingPunct="1">
+    <a:lvl4pPr marL="1371600" algn="l" defTabSz="457200" rtl="0" eaLnBrk="1" latinLnBrk="0" hangingPunct="1">
       <a:defRPr sz="1800" kern="1200">
         <a:solidFill>
           <a:schemeClr val="tx1"/>
@@ -59,7 +62,7 @@
         <a:cs typeface="+mn-cs"/>
       </a:defRPr>
     </a:lvl4pPr>
-    <a:lvl5pPr marL="1828800" algn="l" defTabSz="914400" rtl="0" eaLnBrk="1" latinLnBrk="0" hangingPunct="1">
+    <a:lvl5pPr marL="1828800" algn="l" defTabSz="457200" rtl="0" eaLnBrk="1" latinLnBrk="0" hangingPunct="1">
       <a:defRPr sz="1800" kern="1200">
         <a:solidFill>
           <a:schemeClr val="tx1"/>
@@ -69,7 +72,7 @@
         <a:cs typeface="+mn-cs"/>
       </a:defRPr>
     </a:lvl5pPr>
-    <a:lvl6pPr marL="2286000" algn="l" defTabSz="914400" rtl="0" eaLnBrk="1" latinLnBrk="0" hangingPunct="1">
+    <a:lvl6pPr marL="2286000" algn="l" defTabSz="457200" rtl="0" eaLnBrk="1" latinLnBrk="0" hangingPunct="1">
       <a:defRPr sz="1800" kern="1200">
         <a:solidFill>
           <a:schemeClr val="tx1"/>
@@ -79,7 +82,7 @@
         <a:cs typeface="+mn-cs"/>
       </a:defRPr>
     </a:lvl6pPr>
-    <a:lvl7pPr marL="2743200" algn="l" defTabSz="914400" rtl="0" eaLnBrk="1" latinLnBrk="0" hangingPunct="1">
+    <a:lvl7pPr marL="2743200" algn="l" defTabSz="457200" rtl="0" eaLnBrk="1" latinLnBrk="0" hangingPunct="1">
       <a:defRPr sz="1800" kern="1200">
         <a:solidFill>
           <a:schemeClr val="tx1"/>
@@ -89,7 +92,7 @@
         <a:cs typeface="+mn-cs"/>
       </a:defRPr>
     </a:lvl7pPr>
-    <a:lvl8pPr marL="3200400" algn="l" defTabSz="914400" rtl="0" eaLnBrk="1" latinLnBrk="0" hangingPunct="1">
+    <a:lvl8pPr marL="3200400" algn="l" defTabSz="457200" rtl="0" eaLnBrk="1" latinLnBrk="0" hangingPunct="1">
       <a:defRPr sz="1800" kern="1200">
         <a:solidFill>
           <a:schemeClr val="tx1"/>
@@ -99,7 +102,7 @@
         <a:cs typeface="+mn-cs"/>
       </a:defRPr>
     </a:lvl8pPr>
-    <a:lvl9pPr marL="3657600" algn="l" defTabSz="914400" rtl="0" eaLnBrk="1" latinLnBrk="0" hangingPunct="1">
+    <a:lvl9pPr marL="3657600" algn="l" defTabSz="457200" rtl="0" eaLnBrk="1" latinLnBrk="0" hangingPunct="1">
       <a:defRPr sz="1800" kern="1200">
         <a:solidFill>
           <a:schemeClr val="tx1"/>
@@ -113,12 +116,12 @@
   <p:extLst>
     <p:ext uri="{EFAFB233-063F-42B5-8137-9DF3F51BA10A}">
       <p15:sldGuideLst xmlns:p15="http://schemas.microsoft.com/office/powerpoint/2012/main">
-        <p15:guide id="1" orient="horz" pos="2160" userDrawn="1">
+        <p15:guide id="1" orient="horz" pos="1620" userDrawn="1">
           <p15:clr>
             <a:srgbClr val="A4A3A4"/>
           </p15:clr>
         </p15:guide>
-        <p15:guide id="2" pos="3840" userDrawn="1">
+        <p15:guide id="2" pos="2882" userDrawn="1">
           <p15:clr>
             <a:srgbClr val="A4A3A4"/>
           </p15:clr>
@@ -148,13 +151,7 @@
       </p:grpSpPr>
       <p:sp>
         <p:nvSpPr>
-          <p:cNvPr id="2" name="Title 1">
-            <a:extLst>
-              <a:ext uri="{FF2B5EF4-FFF2-40B4-BE49-F238E27FC236}">
-                <a16:creationId xmlns:a16="http://schemas.microsoft.com/office/drawing/2014/main" id="{84256AF6-0D74-49AB-A3AD-EE5E6B2480C4}"/>
-              </a:ext>
-            </a:extLst>
-          </p:cNvPr>
+          <p:cNvPr id="2" name="Title 1"/>
           <p:cNvSpPr>
             <a:spLocks noGrp="1"/>
           </p:cNvSpPr>
@@ -164,15 +161,15 @@
         </p:nvSpPr>
         <p:spPr>
           <a:xfrm>
-            <a:off x="1524000" y="1122363"/>
-            <a:ext cx="9144000" cy="2387600"/>
+            <a:off x="1143000" y="841772"/>
+            <a:ext cx="6858000" cy="1790700"/>
           </a:xfrm>
         </p:spPr>
         <p:txBody>
           <a:bodyPr anchor="b"/>
           <a:lstStyle>
             <a:lvl1pPr algn="ctr">
-              <a:defRPr sz="6000"/>
+              <a:defRPr sz="4500"/>
             </a:lvl1pPr>
           </a:lstStyle>
           <a:p>
@@ -180,18 +177,13 @@
               <a:rPr lang="en-US"/>
               <a:t>Click to edit Master title style</a:t>
             </a:r>
+            <a:endParaRPr lang="en-US" dirty="0"/>
           </a:p>
         </p:txBody>
       </p:sp>
       <p:sp>
         <p:nvSpPr>
-          <p:cNvPr id="3" name="Subtitle 2">
-            <a:extLst>
-              <a:ext uri="{FF2B5EF4-FFF2-40B4-BE49-F238E27FC236}">
-                <a16:creationId xmlns:a16="http://schemas.microsoft.com/office/drawing/2014/main" id="{DDF73094-C444-4290-BBBC-19FA6F2A06C5}"/>
-              </a:ext>
-            </a:extLst>
-          </p:cNvPr>
+          <p:cNvPr id="3" name="Subtitle 2"/>
           <p:cNvSpPr>
             <a:spLocks noGrp="1"/>
           </p:cNvSpPr>
@@ -201,8 +193,8 @@
         </p:nvSpPr>
         <p:spPr>
           <a:xfrm>
-            <a:off x="1524000" y="3602038"/>
-            <a:ext cx="9144000" cy="1655762"/>
+            <a:off x="1143000" y="2701528"/>
+            <a:ext cx="6858000" cy="1241822"/>
           </a:xfrm>
         </p:spPr>
         <p:txBody>
@@ -210,39 +202,39 @@
           <a:lstStyle>
             <a:lvl1pPr marL="0" indent="0" algn="ctr">
               <a:buNone/>
-              <a:defRPr sz="2400"/>
+              <a:defRPr sz="1800"/>
             </a:lvl1pPr>
-            <a:lvl2pPr marL="457200" indent="0" algn="ctr">
+            <a:lvl2pPr marL="342900" indent="0" algn="ctr">
               <a:buNone/>
-              <a:defRPr sz="2000"/>
+              <a:defRPr sz="1500"/>
             </a:lvl2pPr>
-            <a:lvl3pPr marL="914400" indent="0" algn="ctr">
+            <a:lvl3pPr marL="685800" indent="0" algn="ctr">
               <a:buNone/>
-              <a:defRPr sz="1800"/>
+              <a:defRPr sz="1350"/>
             </a:lvl3pPr>
-            <a:lvl4pPr marL="1371600" indent="0" algn="ctr">
+            <a:lvl4pPr marL="1028700" indent="0" algn="ctr">
               <a:buNone/>
-              <a:defRPr sz="1600"/>
+              <a:defRPr sz="1200"/>
             </a:lvl4pPr>
-            <a:lvl5pPr marL="1828800" indent="0" algn="ctr">
+            <a:lvl5pPr marL="1371600" indent="0" algn="ctr">
               <a:buNone/>
-              <a:defRPr sz="1600"/>
+              <a:defRPr sz="1200"/>
             </a:lvl5pPr>
-            <a:lvl6pPr marL="2286000" indent="0" algn="ctr">
+            <a:lvl6pPr marL="1714500" indent="0" algn="ctr">
               <a:buNone/>
-              <a:defRPr sz="1600"/>
+              <a:defRPr sz="1200"/>
             </a:lvl6pPr>
-            <a:lvl7pPr marL="2743200" indent="0" algn="ctr">
+            <a:lvl7pPr marL="2057400" indent="0" algn="ctr">
               <a:buNone/>
-              <a:defRPr sz="1600"/>
+              <a:defRPr sz="1200"/>
             </a:lvl7pPr>
-            <a:lvl8pPr marL="3200400" indent="0" algn="ctr">
+            <a:lvl8pPr marL="2400300" indent="0" algn="ctr">
               <a:buNone/>
-              <a:defRPr sz="1600"/>
+              <a:defRPr sz="1200"/>
             </a:lvl8pPr>
-            <a:lvl9pPr marL="3657600" indent="0" algn="ctr">
+            <a:lvl9pPr marL="2743200" indent="0" algn="ctr">
               <a:buNone/>
-              <a:defRPr sz="1600"/>
+              <a:defRPr sz="1200"/>
             </a:lvl9pPr>
           </a:lstStyle>
           <a:p>
@@ -250,18 +242,13 @@
               <a:rPr lang="en-US"/>
               <a:t>Click to edit Master subtitle style</a:t>
             </a:r>
+            <a:endParaRPr lang="en-US" dirty="0"/>
           </a:p>
         </p:txBody>
       </p:sp>
       <p:sp>
         <p:nvSpPr>
-          <p:cNvPr id="4" name="Date Placeholder 3">
-            <a:extLst>
-              <a:ext uri="{FF2B5EF4-FFF2-40B4-BE49-F238E27FC236}">
-                <a16:creationId xmlns:a16="http://schemas.microsoft.com/office/drawing/2014/main" id="{B695E782-AC09-4B5C-99BA-70F7055AC146}"/>
-              </a:ext>
-            </a:extLst>
-          </p:cNvPr>
+          <p:cNvPr id="4" name="Date Placeholder 3"/>
           <p:cNvSpPr>
             <a:spLocks noGrp="1"/>
           </p:cNvSpPr>
@@ -276,7 +263,7 @@
           <a:p>
             <a:fld id="{9C0EDD09-C3B5-4FDA-8855-DE7CF0E28DE7}" type="datetimeFigureOut">
               <a:rPr lang="en-US" smtClean="0"/>
-              <a:t>4/27/2025</a:t>
+              <a:t>5/1/2025</a:t>
             </a:fld>
             <a:endParaRPr lang="en-US"/>
           </a:p>
@@ -284,13 +271,7 @@
       </p:sp>
       <p:sp>
         <p:nvSpPr>
-          <p:cNvPr id="5" name="Footer Placeholder 4">
-            <a:extLst>
-              <a:ext uri="{FF2B5EF4-FFF2-40B4-BE49-F238E27FC236}">
-                <a16:creationId xmlns:a16="http://schemas.microsoft.com/office/drawing/2014/main" id="{09E7AE62-62FB-4A77-97F5-E84B1D7BCEA9}"/>
-              </a:ext>
-            </a:extLst>
-          </p:cNvPr>
+          <p:cNvPr id="5" name="Footer Placeholder 4"/>
           <p:cNvSpPr>
             <a:spLocks noGrp="1"/>
           </p:cNvSpPr>
@@ -309,13 +290,7 @@
       </p:sp>
       <p:sp>
         <p:nvSpPr>
-          <p:cNvPr id="6" name="Slide Number Placeholder 5">
-            <a:extLst>
-              <a:ext uri="{FF2B5EF4-FFF2-40B4-BE49-F238E27FC236}">
-                <a16:creationId xmlns:a16="http://schemas.microsoft.com/office/drawing/2014/main" id="{3DCB6C20-A5BA-45B3-8116-10ED4D3866B1}"/>
-              </a:ext>
-            </a:extLst>
-          </p:cNvPr>
+          <p:cNvPr id="6" name="Slide Number Placeholder 5"/>
           <p:cNvSpPr>
             <a:spLocks noGrp="1"/>
           </p:cNvSpPr>
@@ -339,7 +314,7 @@
     </p:spTree>
     <p:extLst>
       <p:ext uri="{BB962C8B-B14F-4D97-AF65-F5344CB8AC3E}">
-        <p14:creationId xmlns:p14="http://schemas.microsoft.com/office/powerpoint/2010/main" val="1443185011"/>
+        <p14:creationId xmlns:p14="http://schemas.microsoft.com/office/powerpoint/2010/main" val="588366516"/>
       </p:ext>
     </p:extLst>
   </p:cSld>
@@ -368,13 +343,7 @@
       </p:grpSpPr>
       <p:sp>
         <p:nvSpPr>
-          <p:cNvPr id="2" name="Title 1">
-            <a:extLst>
-              <a:ext uri="{FF2B5EF4-FFF2-40B4-BE49-F238E27FC236}">
-                <a16:creationId xmlns:a16="http://schemas.microsoft.com/office/drawing/2014/main" id="{02AA45B1-1ADD-440F-9697-4D1BA7332ABA}"/>
-              </a:ext>
-            </a:extLst>
-          </p:cNvPr>
+          <p:cNvPr id="2" name="Title 1"/>
           <p:cNvSpPr>
             <a:spLocks noGrp="1"/>
           </p:cNvSpPr>
@@ -391,18 +360,13 @@
               <a:rPr lang="en-US"/>
               <a:t>Click to edit Master title style</a:t>
             </a:r>
+            <a:endParaRPr lang="en-US" dirty="0"/>
           </a:p>
         </p:txBody>
       </p:sp>
       <p:sp>
         <p:nvSpPr>
-          <p:cNvPr id="3" name="Vertical Text Placeholder 2">
-            <a:extLst>
-              <a:ext uri="{FF2B5EF4-FFF2-40B4-BE49-F238E27FC236}">
-                <a16:creationId xmlns:a16="http://schemas.microsoft.com/office/drawing/2014/main" id="{00406B03-B499-48BC-86C5-0D425DA0FE2A}"/>
-              </a:ext>
-            </a:extLst>
-          </p:cNvPr>
+          <p:cNvPr id="3" name="Vertical Text Placeholder 2"/>
           <p:cNvSpPr>
             <a:spLocks noGrp="1"/>
           </p:cNvSpPr>
@@ -448,18 +412,13 @@
               <a:rPr lang="en-US"/>
               <a:t>Fifth level</a:t>
             </a:r>
+            <a:endParaRPr lang="en-US" dirty="0"/>
           </a:p>
         </p:txBody>
       </p:sp>
       <p:sp>
         <p:nvSpPr>
-          <p:cNvPr id="4" name="Date Placeholder 3">
-            <a:extLst>
-              <a:ext uri="{FF2B5EF4-FFF2-40B4-BE49-F238E27FC236}">
-                <a16:creationId xmlns:a16="http://schemas.microsoft.com/office/drawing/2014/main" id="{2BAE1A1E-5187-4AC6-8F7D-43DB6CBEAAD4}"/>
-              </a:ext>
-            </a:extLst>
-          </p:cNvPr>
+          <p:cNvPr id="4" name="Date Placeholder 3"/>
           <p:cNvSpPr>
             <a:spLocks noGrp="1"/>
           </p:cNvSpPr>
@@ -474,7 +433,7 @@
           <a:p>
             <a:fld id="{9C0EDD09-C3B5-4FDA-8855-DE7CF0E28DE7}" type="datetimeFigureOut">
               <a:rPr lang="en-US" smtClean="0"/>
-              <a:t>4/27/2025</a:t>
+              <a:t>5/1/2025</a:t>
             </a:fld>
             <a:endParaRPr lang="en-US"/>
           </a:p>
@@ -482,13 +441,7 @@
       </p:sp>
       <p:sp>
         <p:nvSpPr>
-          <p:cNvPr id="5" name="Footer Placeholder 4">
-            <a:extLst>
-              <a:ext uri="{FF2B5EF4-FFF2-40B4-BE49-F238E27FC236}">
-                <a16:creationId xmlns:a16="http://schemas.microsoft.com/office/drawing/2014/main" id="{5F5F149D-7749-419D-B35B-4155C7814041}"/>
-              </a:ext>
-            </a:extLst>
-          </p:cNvPr>
+          <p:cNvPr id="5" name="Footer Placeholder 4"/>
           <p:cNvSpPr>
             <a:spLocks noGrp="1"/>
           </p:cNvSpPr>
@@ -507,13 +460,7 @@
       </p:sp>
       <p:sp>
         <p:nvSpPr>
-          <p:cNvPr id="6" name="Slide Number Placeholder 5">
-            <a:extLst>
-              <a:ext uri="{FF2B5EF4-FFF2-40B4-BE49-F238E27FC236}">
-                <a16:creationId xmlns:a16="http://schemas.microsoft.com/office/drawing/2014/main" id="{660F831D-2008-428F-BC05-B7BF473356BE}"/>
-              </a:ext>
-            </a:extLst>
-          </p:cNvPr>
+          <p:cNvPr id="6" name="Slide Number Placeholder 5"/>
           <p:cNvSpPr>
             <a:spLocks noGrp="1"/>
           </p:cNvSpPr>
@@ -537,7 +484,7 @@
     </p:spTree>
     <p:extLst>
       <p:ext uri="{BB962C8B-B14F-4D97-AF65-F5344CB8AC3E}">
-        <p14:creationId xmlns:p14="http://schemas.microsoft.com/office/powerpoint/2010/main" val="3828000693"/>
+        <p14:creationId xmlns:p14="http://schemas.microsoft.com/office/powerpoint/2010/main" val="688268036"/>
       </p:ext>
     </p:extLst>
   </p:cSld>
@@ -566,13 +513,7 @@
       </p:grpSpPr>
       <p:sp>
         <p:nvSpPr>
-          <p:cNvPr id="2" name="Vertical Title 1">
-            <a:extLst>
-              <a:ext uri="{FF2B5EF4-FFF2-40B4-BE49-F238E27FC236}">
-                <a16:creationId xmlns:a16="http://schemas.microsoft.com/office/drawing/2014/main" id="{5DFC143F-33FD-428E-AB3D-8E654A566562}"/>
-              </a:ext>
-            </a:extLst>
-          </p:cNvPr>
+          <p:cNvPr id="2" name="Vertical Title 1"/>
           <p:cNvSpPr>
             <a:spLocks noGrp="1"/>
           </p:cNvSpPr>
@@ -582,8 +523,8 @@
         </p:nvSpPr>
         <p:spPr>
           <a:xfrm>
-            <a:off x="8724900" y="365125"/>
-            <a:ext cx="2628900" cy="5811838"/>
+            <a:off x="6543675" y="273844"/>
+            <a:ext cx="1971675" cy="4358879"/>
           </a:xfrm>
         </p:spPr>
         <p:txBody>
@@ -594,18 +535,13 @@
               <a:rPr lang="en-US"/>
               <a:t>Click to edit Master title style</a:t>
             </a:r>
+            <a:endParaRPr lang="en-US" dirty="0"/>
           </a:p>
         </p:txBody>
       </p:sp>
       <p:sp>
         <p:nvSpPr>
-          <p:cNvPr id="3" name="Vertical Text Placeholder 2">
-            <a:extLst>
-              <a:ext uri="{FF2B5EF4-FFF2-40B4-BE49-F238E27FC236}">
-                <a16:creationId xmlns:a16="http://schemas.microsoft.com/office/drawing/2014/main" id="{7DAEE783-561C-4479-8FF0-678296C615D6}"/>
-              </a:ext>
-            </a:extLst>
-          </p:cNvPr>
+          <p:cNvPr id="3" name="Vertical Text Placeholder 2"/>
           <p:cNvSpPr>
             <a:spLocks noGrp="1"/>
           </p:cNvSpPr>
@@ -615,8 +551,8 @@
         </p:nvSpPr>
         <p:spPr>
           <a:xfrm>
-            <a:off x="838200" y="365125"/>
-            <a:ext cx="7734300" cy="5811838"/>
+            <a:off x="628650" y="273844"/>
+            <a:ext cx="5800725" cy="4358879"/>
           </a:xfrm>
         </p:spPr>
         <p:txBody>
@@ -656,18 +592,13 @@
               <a:rPr lang="en-US"/>
               <a:t>Fifth level</a:t>
             </a:r>
+            <a:endParaRPr lang="en-US" dirty="0"/>
           </a:p>
         </p:txBody>
       </p:sp>
       <p:sp>
         <p:nvSpPr>
-          <p:cNvPr id="4" name="Date Placeholder 3">
-            <a:extLst>
-              <a:ext uri="{FF2B5EF4-FFF2-40B4-BE49-F238E27FC236}">
-                <a16:creationId xmlns:a16="http://schemas.microsoft.com/office/drawing/2014/main" id="{1B94F18E-41F9-46FD-9668-5895551FAFA6}"/>
-              </a:ext>
-            </a:extLst>
-          </p:cNvPr>
+          <p:cNvPr id="4" name="Date Placeholder 3"/>
           <p:cNvSpPr>
             <a:spLocks noGrp="1"/>
           </p:cNvSpPr>
@@ -682,7 +613,7 @@
           <a:p>
             <a:fld id="{9C0EDD09-C3B5-4FDA-8855-DE7CF0E28DE7}" type="datetimeFigureOut">
               <a:rPr lang="en-US" smtClean="0"/>
-              <a:t>4/27/2025</a:t>
+              <a:t>5/1/2025</a:t>
             </a:fld>
             <a:endParaRPr lang="en-US"/>
           </a:p>
@@ -690,13 +621,7 @@
       </p:sp>
       <p:sp>
         <p:nvSpPr>
-          <p:cNvPr id="5" name="Footer Placeholder 4">
-            <a:extLst>
-              <a:ext uri="{FF2B5EF4-FFF2-40B4-BE49-F238E27FC236}">
-                <a16:creationId xmlns:a16="http://schemas.microsoft.com/office/drawing/2014/main" id="{2FA17AE8-3491-45F3-BE1E-B5EF1EF2EA6B}"/>
-              </a:ext>
-            </a:extLst>
-          </p:cNvPr>
+          <p:cNvPr id="5" name="Footer Placeholder 4"/>
           <p:cNvSpPr>
             <a:spLocks noGrp="1"/>
           </p:cNvSpPr>
@@ -715,13 +640,7 @@
       </p:sp>
       <p:sp>
         <p:nvSpPr>
-          <p:cNvPr id="6" name="Slide Number Placeholder 5">
-            <a:extLst>
-              <a:ext uri="{FF2B5EF4-FFF2-40B4-BE49-F238E27FC236}">
-                <a16:creationId xmlns:a16="http://schemas.microsoft.com/office/drawing/2014/main" id="{7BBA2111-9C90-4B3D-BEBE-83D8BAB14439}"/>
-              </a:ext>
-            </a:extLst>
-          </p:cNvPr>
+          <p:cNvPr id="6" name="Slide Number Placeholder 5"/>
           <p:cNvSpPr>
             <a:spLocks noGrp="1"/>
           </p:cNvSpPr>
@@ -745,7 +664,7 @@
     </p:spTree>
     <p:extLst>
       <p:ext uri="{BB962C8B-B14F-4D97-AF65-F5344CB8AC3E}">
-        <p14:creationId xmlns:p14="http://schemas.microsoft.com/office/powerpoint/2010/main" val="3539684090"/>
+        <p14:creationId xmlns:p14="http://schemas.microsoft.com/office/powerpoint/2010/main" val="601249230"/>
       </p:ext>
     </p:extLst>
   </p:cSld>
@@ -774,13 +693,7 @@
       </p:grpSpPr>
       <p:sp>
         <p:nvSpPr>
-          <p:cNvPr id="2" name="Title 1">
-            <a:extLst>
-              <a:ext uri="{FF2B5EF4-FFF2-40B4-BE49-F238E27FC236}">
-                <a16:creationId xmlns:a16="http://schemas.microsoft.com/office/drawing/2014/main" id="{1FABF445-514C-431F-BC93-A2DFB164ADF2}"/>
-              </a:ext>
-            </a:extLst>
-          </p:cNvPr>
+          <p:cNvPr id="2" name="Title 1"/>
           <p:cNvSpPr>
             <a:spLocks noGrp="1"/>
           </p:cNvSpPr>
@@ -797,18 +710,13 @@
               <a:rPr lang="en-US"/>
               <a:t>Click to edit Master title style</a:t>
             </a:r>
+            <a:endParaRPr lang="en-US" dirty="0"/>
           </a:p>
         </p:txBody>
       </p:sp>
       <p:sp>
         <p:nvSpPr>
-          <p:cNvPr id="3" name="Content Placeholder 2">
-            <a:extLst>
-              <a:ext uri="{FF2B5EF4-FFF2-40B4-BE49-F238E27FC236}">
-                <a16:creationId xmlns:a16="http://schemas.microsoft.com/office/drawing/2014/main" id="{8F5DC7AA-0234-4A99-B0F3-0F8095D646E3}"/>
-              </a:ext>
-            </a:extLst>
-          </p:cNvPr>
+          <p:cNvPr id="3" name="Content Placeholder 2"/>
           <p:cNvSpPr>
             <a:spLocks noGrp="1"/>
           </p:cNvSpPr>
@@ -854,18 +762,13 @@
               <a:rPr lang="en-US"/>
               <a:t>Fifth level</a:t>
             </a:r>
+            <a:endParaRPr lang="en-US" dirty="0"/>
           </a:p>
         </p:txBody>
       </p:sp>
       <p:sp>
         <p:nvSpPr>
-          <p:cNvPr id="4" name="Date Placeholder 3">
-            <a:extLst>
-              <a:ext uri="{FF2B5EF4-FFF2-40B4-BE49-F238E27FC236}">
-                <a16:creationId xmlns:a16="http://schemas.microsoft.com/office/drawing/2014/main" id="{65CD1010-28B9-4335-B7F6-1D1EFCBA9906}"/>
-              </a:ext>
-            </a:extLst>
-          </p:cNvPr>
+          <p:cNvPr id="4" name="Date Placeholder 3"/>
           <p:cNvSpPr>
             <a:spLocks noGrp="1"/>
           </p:cNvSpPr>
@@ -880,7 +783,7 @@
           <a:p>
             <a:fld id="{9C0EDD09-C3B5-4FDA-8855-DE7CF0E28DE7}" type="datetimeFigureOut">
               <a:rPr lang="en-US" smtClean="0"/>
-              <a:t>4/27/2025</a:t>
+              <a:t>5/1/2025</a:t>
             </a:fld>
             <a:endParaRPr lang="en-US"/>
           </a:p>
@@ -888,13 +791,7 @@
       </p:sp>
       <p:sp>
         <p:nvSpPr>
-          <p:cNvPr id="5" name="Footer Placeholder 4">
-            <a:extLst>
-              <a:ext uri="{FF2B5EF4-FFF2-40B4-BE49-F238E27FC236}">
-                <a16:creationId xmlns:a16="http://schemas.microsoft.com/office/drawing/2014/main" id="{9ACA764F-B668-4BBF-96C4-4A3F889609AE}"/>
-              </a:ext>
-            </a:extLst>
-          </p:cNvPr>
+          <p:cNvPr id="5" name="Footer Placeholder 4"/>
           <p:cNvSpPr>
             <a:spLocks noGrp="1"/>
           </p:cNvSpPr>
@@ -913,13 +810,7 @@
       </p:sp>
       <p:sp>
         <p:nvSpPr>
-          <p:cNvPr id="6" name="Slide Number Placeholder 5">
-            <a:extLst>
-              <a:ext uri="{FF2B5EF4-FFF2-40B4-BE49-F238E27FC236}">
-                <a16:creationId xmlns:a16="http://schemas.microsoft.com/office/drawing/2014/main" id="{94233007-1575-4407-BBAF-CCAD64963A92}"/>
-              </a:ext>
-            </a:extLst>
-          </p:cNvPr>
+          <p:cNvPr id="6" name="Slide Number Placeholder 5"/>
           <p:cNvSpPr>
             <a:spLocks noGrp="1"/>
           </p:cNvSpPr>
@@ -943,7 +834,7 @@
     </p:spTree>
     <p:extLst>
       <p:ext uri="{BB962C8B-B14F-4D97-AF65-F5344CB8AC3E}">
-        <p14:creationId xmlns:p14="http://schemas.microsoft.com/office/powerpoint/2010/main" val="290827817"/>
+        <p14:creationId xmlns:p14="http://schemas.microsoft.com/office/powerpoint/2010/main" val="558174537"/>
       </p:ext>
     </p:extLst>
   </p:cSld>
@@ -972,13 +863,7 @@
       </p:grpSpPr>
       <p:sp>
         <p:nvSpPr>
-          <p:cNvPr id="2" name="Title 1">
-            <a:extLst>
-              <a:ext uri="{FF2B5EF4-FFF2-40B4-BE49-F238E27FC236}">
-                <a16:creationId xmlns:a16="http://schemas.microsoft.com/office/drawing/2014/main" id="{CC4DAB56-E83C-4D54-A496-B494C9CCEDA5}"/>
-              </a:ext>
-            </a:extLst>
-          </p:cNvPr>
+          <p:cNvPr id="2" name="Title 1"/>
           <p:cNvSpPr>
             <a:spLocks noGrp="1"/>
           </p:cNvSpPr>
@@ -988,15 +873,15 @@
         </p:nvSpPr>
         <p:spPr>
           <a:xfrm>
-            <a:off x="831850" y="1709738"/>
-            <a:ext cx="10515600" cy="2852737"/>
+            <a:off x="623888" y="1282304"/>
+            <a:ext cx="7886700" cy="2139553"/>
           </a:xfrm>
         </p:spPr>
         <p:txBody>
           <a:bodyPr anchor="b"/>
           <a:lstStyle>
             <a:lvl1pPr>
-              <a:defRPr sz="6000"/>
+              <a:defRPr sz="4500"/>
             </a:lvl1pPr>
           </a:lstStyle>
           <a:p>
@@ -1004,18 +889,13 @@
               <a:rPr lang="en-US"/>
               <a:t>Click to edit Master title style</a:t>
             </a:r>
+            <a:endParaRPr lang="en-US" dirty="0"/>
           </a:p>
         </p:txBody>
       </p:sp>
       <p:sp>
         <p:nvSpPr>
-          <p:cNvPr id="3" name="Text Placeholder 2">
-            <a:extLst>
-              <a:ext uri="{FF2B5EF4-FFF2-40B4-BE49-F238E27FC236}">
-                <a16:creationId xmlns:a16="http://schemas.microsoft.com/office/drawing/2014/main" id="{BD386C40-F9FD-4797-BFBB-82E15B80AB10}"/>
-              </a:ext>
-            </a:extLst>
-          </p:cNvPr>
+          <p:cNvPr id="3" name="Text Placeholder 2"/>
           <p:cNvSpPr>
             <a:spLocks noGrp="1"/>
           </p:cNvSpPr>
@@ -1025,34 +905,14 @@
         </p:nvSpPr>
         <p:spPr>
           <a:xfrm>
-            <a:off x="831850" y="4589463"/>
-            <a:ext cx="10515600" cy="1500187"/>
+            <a:off x="623888" y="3442098"/>
+            <a:ext cx="7886700" cy="1125140"/>
           </a:xfrm>
         </p:spPr>
         <p:txBody>
           <a:bodyPr/>
           <a:lstStyle>
             <a:lvl1pPr marL="0" indent="0">
-              <a:buNone/>
-              <a:defRPr sz="2400">
-                <a:solidFill>
-                  <a:schemeClr val="tx1">
-                    <a:tint val="75000"/>
-                  </a:schemeClr>
-                </a:solidFill>
-              </a:defRPr>
-            </a:lvl1pPr>
-            <a:lvl2pPr marL="457200" indent="0">
-              <a:buNone/>
-              <a:defRPr sz="2000">
-                <a:solidFill>
-                  <a:schemeClr val="tx1">
-                    <a:tint val="75000"/>
-                  </a:schemeClr>
-                </a:solidFill>
-              </a:defRPr>
-            </a:lvl2pPr>
-            <a:lvl3pPr marL="914400" indent="0">
               <a:buNone/>
               <a:defRPr sz="1800">
                 <a:solidFill>
@@ -1061,10 +921,30 @@
                   </a:schemeClr>
                 </a:solidFill>
               </a:defRPr>
+            </a:lvl1pPr>
+            <a:lvl2pPr marL="342900" indent="0">
+              <a:buNone/>
+              <a:defRPr sz="1500">
+                <a:solidFill>
+                  <a:schemeClr val="tx1">
+                    <a:tint val="75000"/>
+                  </a:schemeClr>
+                </a:solidFill>
+              </a:defRPr>
+            </a:lvl2pPr>
+            <a:lvl3pPr marL="685800" indent="0">
+              <a:buNone/>
+              <a:defRPr sz="1350">
+                <a:solidFill>
+                  <a:schemeClr val="tx1">
+                    <a:tint val="75000"/>
+                  </a:schemeClr>
+                </a:solidFill>
+              </a:defRPr>
             </a:lvl3pPr>
-            <a:lvl4pPr marL="1371600" indent="0">
+            <a:lvl4pPr marL="1028700" indent="0">
               <a:buNone/>
-              <a:defRPr sz="1600">
+              <a:defRPr sz="1200">
                 <a:solidFill>
                   <a:schemeClr val="tx1">
                     <a:tint val="75000"/>
@@ -1072,9 +952,9 @@
                 </a:solidFill>
               </a:defRPr>
             </a:lvl4pPr>
-            <a:lvl5pPr marL="1828800" indent="0">
+            <a:lvl5pPr marL="1371600" indent="0">
               <a:buNone/>
-              <a:defRPr sz="1600">
+              <a:defRPr sz="1200">
                 <a:solidFill>
                   <a:schemeClr val="tx1">
                     <a:tint val="75000"/>
@@ -1082,9 +962,9 @@
                 </a:solidFill>
               </a:defRPr>
             </a:lvl5pPr>
-            <a:lvl6pPr marL="2286000" indent="0">
+            <a:lvl6pPr marL="1714500" indent="0">
               <a:buNone/>
-              <a:defRPr sz="1600">
+              <a:defRPr sz="1200">
                 <a:solidFill>
                   <a:schemeClr val="tx1">
                     <a:tint val="75000"/>
@@ -1092,9 +972,9 @@
                 </a:solidFill>
               </a:defRPr>
             </a:lvl6pPr>
-            <a:lvl7pPr marL="2743200" indent="0">
+            <a:lvl7pPr marL="2057400" indent="0">
               <a:buNone/>
-              <a:defRPr sz="1600">
+              <a:defRPr sz="1200">
                 <a:solidFill>
                   <a:schemeClr val="tx1">
                     <a:tint val="75000"/>
@@ -1102,9 +982,9 @@
                 </a:solidFill>
               </a:defRPr>
             </a:lvl7pPr>
-            <a:lvl8pPr marL="3200400" indent="0">
+            <a:lvl8pPr marL="2400300" indent="0">
               <a:buNone/>
-              <a:defRPr sz="1600">
+              <a:defRPr sz="1200">
                 <a:solidFill>
                   <a:schemeClr val="tx1">
                     <a:tint val="75000"/>
@@ -1112,9 +992,9 @@
                 </a:solidFill>
               </a:defRPr>
             </a:lvl8pPr>
-            <a:lvl9pPr marL="3657600" indent="0">
+            <a:lvl9pPr marL="2743200" indent="0">
               <a:buNone/>
-              <a:defRPr sz="1600">
+              <a:defRPr sz="1200">
                 <a:solidFill>
                   <a:schemeClr val="tx1">
                     <a:tint val="75000"/>
@@ -1134,13 +1014,7 @@
       </p:sp>
       <p:sp>
         <p:nvSpPr>
-          <p:cNvPr id="4" name="Date Placeholder 3">
-            <a:extLst>
-              <a:ext uri="{FF2B5EF4-FFF2-40B4-BE49-F238E27FC236}">
-                <a16:creationId xmlns:a16="http://schemas.microsoft.com/office/drawing/2014/main" id="{883C00F1-9552-4B61-99D8-A3751D775CD1}"/>
-              </a:ext>
-            </a:extLst>
-          </p:cNvPr>
+          <p:cNvPr id="4" name="Date Placeholder 3"/>
           <p:cNvSpPr>
             <a:spLocks noGrp="1"/>
           </p:cNvSpPr>
@@ -1155,7 +1029,7 @@
           <a:p>
             <a:fld id="{9C0EDD09-C3B5-4FDA-8855-DE7CF0E28DE7}" type="datetimeFigureOut">
               <a:rPr lang="en-US" smtClean="0"/>
-              <a:t>4/27/2025</a:t>
+              <a:t>5/1/2025</a:t>
             </a:fld>
             <a:endParaRPr lang="en-US"/>
           </a:p>
@@ -1163,13 +1037,7 @@
       </p:sp>
       <p:sp>
         <p:nvSpPr>
-          <p:cNvPr id="5" name="Footer Placeholder 4">
-            <a:extLst>
-              <a:ext uri="{FF2B5EF4-FFF2-40B4-BE49-F238E27FC236}">
-                <a16:creationId xmlns:a16="http://schemas.microsoft.com/office/drawing/2014/main" id="{CCEB54A5-6C1D-4121-A874-F778BC26E8BD}"/>
-              </a:ext>
-            </a:extLst>
-          </p:cNvPr>
+          <p:cNvPr id="5" name="Footer Placeholder 4"/>
           <p:cNvSpPr>
             <a:spLocks noGrp="1"/>
           </p:cNvSpPr>
@@ -1188,13 +1056,7 @@
       </p:sp>
       <p:sp>
         <p:nvSpPr>
-          <p:cNvPr id="6" name="Slide Number Placeholder 5">
-            <a:extLst>
-              <a:ext uri="{FF2B5EF4-FFF2-40B4-BE49-F238E27FC236}">
-                <a16:creationId xmlns:a16="http://schemas.microsoft.com/office/drawing/2014/main" id="{C45E13A0-606B-45DA-A776-D26948FCFA3C}"/>
-              </a:ext>
-            </a:extLst>
-          </p:cNvPr>
+          <p:cNvPr id="6" name="Slide Number Placeholder 5"/>
           <p:cNvSpPr>
             <a:spLocks noGrp="1"/>
           </p:cNvSpPr>
@@ -1218,7 +1080,7 @@
     </p:spTree>
     <p:extLst>
       <p:ext uri="{BB962C8B-B14F-4D97-AF65-F5344CB8AC3E}">
-        <p14:creationId xmlns:p14="http://schemas.microsoft.com/office/powerpoint/2010/main" val="1820462679"/>
+        <p14:creationId xmlns:p14="http://schemas.microsoft.com/office/powerpoint/2010/main" val="465235469"/>
       </p:ext>
     </p:extLst>
   </p:cSld>
@@ -1247,13 +1109,7 @@
       </p:grpSpPr>
       <p:sp>
         <p:nvSpPr>
-          <p:cNvPr id="2" name="Title 1">
-            <a:extLst>
-              <a:ext uri="{FF2B5EF4-FFF2-40B4-BE49-F238E27FC236}">
-                <a16:creationId xmlns:a16="http://schemas.microsoft.com/office/drawing/2014/main" id="{31911E32-F26B-47F7-BB6A-FC693B2AD2A9}"/>
-              </a:ext>
-            </a:extLst>
-          </p:cNvPr>
+          <p:cNvPr id="2" name="Title 1"/>
           <p:cNvSpPr>
             <a:spLocks noGrp="1"/>
           </p:cNvSpPr>
@@ -1270,18 +1126,13 @@
               <a:rPr lang="en-US"/>
               <a:t>Click to edit Master title style</a:t>
             </a:r>
+            <a:endParaRPr lang="en-US" dirty="0"/>
           </a:p>
         </p:txBody>
       </p:sp>
       <p:sp>
         <p:nvSpPr>
-          <p:cNvPr id="3" name="Content Placeholder 2">
-            <a:extLst>
-              <a:ext uri="{FF2B5EF4-FFF2-40B4-BE49-F238E27FC236}">
-                <a16:creationId xmlns:a16="http://schemas.microsoft.com/office/drawing/2014/main" id="{ED8B7818-E4D7-47E8-91ED-775986DD6E33}"/>
-              </a:ext>
-            </a:extLst>
-          </p:cNvPr>
+          <p:cNvPr id="3" name="Content Placeholder 2"/>
           <p:cNvSpPr>
             <a:spLocks noGrp="1"/>
           </p:cNvSpPr>
@@ -1291,8 +1142,8 @@
         </p:nvSpPr>
         <p:spPr>
           <a:xfrm>
-            <a:off x="838200" y="1825625"/>
-            <a:ext cx="5181600" cy="4351338"/>
+            <a:off x="628650" y="1369219"/>
+            <a:ext cx="3886200" cy="3263504"/>
           </a:xfrm>
         </p:spPr>
         <p:txBody>
@@ -1332,18 +1183,13 @@
               <a:rPr lang="en-US"/>
               <a:t>Fifth level</a:t>
             </a:r>
+            <a:endParaRPr lang="en-US" dirty="0"/>
           </a:p>
         </p:txBody>
       </p:sp>
       <p:sp>
         <p:nvSpPr>
-          <p:cNvPr id="4" name="Content Placeholder 3">
-            <a:extLst>
-              <a:ext uri="{FF2B5EF4-FFF2-40B4-BE49-F238E27FC236}">
-                <a16:creationId xmlns:a16="http://schemas.microsoft.com/office/drawing/2014/main" id="{E91A5C7A-8DA0-466F-ABF9-8737318207EC}"/>
-              </a:ext>
-            </a:extLst>
-          </p:cNvPr>
+          <p:cNvPr id="4" name="Content Placeholder 3"/>
           <p:cNvSpPr>
             <a:spLocks noGrp="1"/>
           </p:cNvSpPr>
@@ -1353,8 +1199,8 @@
         </p:nvSpPr>
         <p:spPr>
           <a:xfrm>
-            <a:off x="6172200" y="1825625"/>
-            <a:ext cx="5181600" cy="4351338"/>
+            <a:off x="4629150" y="1369219"/>
+            <a:ext cx="3886200" cy="3263504"/>
           </a:xfrm>
         </p:spPr>
         <p:txBody>
@@ -1394,18 +1240,13 @@
               <a:rPr lang="en-US"/>
               <a:t>Fifth level</a:t>
             </a:r>
+            <a:endParaRPr lang="en-US" dirty="0"/>
           </a:p>
         </p:txBody>
       </p:sp>
       <p:sp>
         <p:nvSpPr>
-          <p:cNvPr id="5" name="Date Placeholder 4">
-            <a:extLst>
-              <a:ext uri="{FF2B5EF4-FFF2-40B4-BE49-F238E27FC236}">
-                <a16:creationId xmlns:a16="http://schemas.microsoft.com/office/drawing/2014/main" id="{4FD18D73-2A49-4D7E-9F70-FACE5BAEDE0E}"/>
-              </a:ext>
-            </a:extLst>
-          </p:cNvPr>
+          <p:cNvPr id="5" name="Date Placeholder 4"/>
           <p:cNvSpPr>
             <a:spLocks noGrp="1"/>
           </p:cNvSpPr>
@@ -1420,7 +1261,7 @@
           <a:p>
             <a:fld id="{9C0EDD09-C3B5-4FDA-8855-DE7CF0E28DE7}" type="datetimeFigureOut">
               <a:rPr lang="en-US" smtClean="0"/>
-              <a:t>4/27/2025</a:t>
+              <a:t>5/1/2025</a:t>
             </a:fld>
             <a:endParaRPr lang="en-US"/>
           </a:p>
@@ -1428,13 +1269,7 @@
       </p:sp>
       <p:sp>
         <p:nvSpPr>
-          <p:cNvPr id="6" name="Footer Placeholder 5">
-            <a:extLst>
-              <a:ext uri="{FF2B5EF4-FFF2-40B4-BE49-F238E27FC236}">
-                <a16:creationId xmlns:a16="http://schemas.microsoft.com/office/drawing/2014/main" id="{792332C2-6583-48DE-8BA1-B987D6CE193B}"/>
-              </a:ext>
-            </a:extLst>
-          </p:cNvPr>
+          <p:cNvPr id="6" name="Footer Placeholder 5"/>
           <p:cNvSpPr>
             <a:spLocks noGrp="1"/>
           </p:cNvSpPr>
@@ -1453,13 +1288,7 @@
       </p:sp>
       <p:sp>
         <p:nvSpPr>
-          <p:cNvPr id="7" name="Slide Number Placeholder 6">
-            <a:extLst>
-              <a:ext uri="{FF2B5EF4-FFF2-40B4-BE49-F238E27FC236}">
-                <a16:creationId xmlns:a16="http://schemas.microsoft.com/office/drawing/2014/main" id="{EAEFABB1-938F-4F02-B39A-8A4E57842261}"/>
-              </a:ext>
-            </a:extLst>
-          </p:cNvPr>
+          <p:cNvPr id="7" name="Slide Number Placeholder 6"/>
           <p:cNvSpPr>
             <a:spLocks noGrp="1"/>
           </p:cNvSpPr>
@@ -1483,7 +1312,7 @@
     </p:spTree>
     <p:extLst>
       <p:ext uri="{BB962C8B-B14F-4D97-AF65-F5344CB8AC3E}">
-        <p14:creationId xmlns:p14="http://schemas.microsoft.com/office/powerpoint/2010/main" val="919668509"/>
+        <p14:creationId xmlns:p14="http://schemas.microsoft.com/office/powerpoint/2010/main" val="3891047918"/>
       </p:ext>
     </p:extLst>
   </p:cSld>
@@ -1512,13 +1341,7 @@
       </p:grpSpPr>
       <p:sp>
         <p:nvSpPr>
-          <p:cNvPr id="2" name="Title 1">
-            <a:extLst>
-              <a:ext uri="{FF2B5EF4-FFF2-40B4-BE49-F238E27FC236}">
-                <a16:creationId xmlns:a16="http://schemas.microsoft.com/office/drawing/2014/main" id="{516B9C7E-7EB4-4376-BCE0-07F4E32E74C0}"/>
-              </a:ext>
-            </a:extLst>
-          </p:cNvPr>
+          <p:cNvPr id="2" name="Title 1"/>
           <p:cNvSpPr>
             <a:spLocks noGrp="1"/>
           </p:cNvSpPr>
@@ -1528,8 +1351,8 @@
         </p:nvSpPr>
         <p:spPr>
           <a:xfrm>
-            <a:off x="839788" y="365125"/>
-            <a:ext cx="10515600" cy="1325563"/>
+            <a:off x="629841" y="273844"/>
+            <a:ext cx="7886700" cy="994172"/>
           </a:xfrm>
         </p:spPr>
         <p:txBody>
@@ -1540,18 +1363,13 @@
               <a:rPr lang="en-US"/>
               <a:t>Click to edit Master title style</a:t>
             </a:r>
+            <a:endParaRPr lang="en-US" dirty="0"/>
           </a:p>
         </p:txBody>
       </p:sp>
       <p:sp>
         <p:nvSpPr>
-          <p:cNvPr id="3" name="Text Placeholder 2">
-            <a:extLst>
-              <a:ext uri="{FF2B5EF4-FFF2-40B4-BE49-F238E27FC236}">
-                <a16:creationId xmlns:a16="http://schemas.microsoft.com/office/drawing/2014/main" id="{FEF14AC1-28D0-428D-AEAA-D1E306B728DF}"/>
-              </a:ext>
-            </a:extLst>
-          </p:cNvPr>
+          <p:cNvPr id="3" name="Text Placeholder 2"/>
           <p:cNvSpPr>
             <a:spLocks noGrp="1"/>
           </p:cNvSpPr>
@@ -1561,8 +1379,8 @@
         </p:nvSpPr>
         <p:spPr>
           <a:xfrm>
-            <a:off x="839788" y="1681163"/>
-            <a:ext cx="5157787" cy="823912"/>
+            <a:off x="629842" y="1260872"/>
+            <a:ext cx="3868340" cy="617934"/>
           </a:xfrm>
         </p:spPr>
         <p:txBody>
@@ -1570,39 +1388,39 @@
           <a:lstStyle>
             <a:lvl1pPr marL="0" indent="0">
               <a:buNone/>
-              <a:defRPr sz="2400" b="1"/>
+              <a:defRPr sz="1800" b="1"/>
             </a:lvl1pPr>
-            <a:lvl2pPr marL="457200" indent="0">
+            <a:lvl2pPr marL="342900" indent="0">
               <a:buNone/>
-              <a:defRPr sz="2000" b="1"/>
+              <a:defRPr sz="1500" b="1"/>
             </a:lvl2pPr>
-            <a:lvl3pPr marL="914400" indent="0">
+            <a:lvl3pPr marL="685800" indent="0">
               <a:buNone/>
-              <a:defRPr sz="1800" b="1"/>
+              <a:defRPr sz="1350" b="1"/>
             </a:lvl3pPr>
-            <a:lvl4pPr marL="1371600" indent="0">
+            <a:lvl4pPr marL="1028700" indent="0">
               <a:buNone/>
-              <a:defRPr sz="1600" b="1"/>
+              <a:defRPr sz="1200" b="1"/>
             </a:lvl4pPr>
-            <a:lvl5pPr marL="1828800" indent="0">
+            <a:lvl5pPr marL="1371600" indent="0">
               <a:buNone/>
-              <a:defRPr sz="1600" b="1"/>
+              <a:defRPr sz="1200" b="1"/>
             </a:lvl5pPr>
-            <a:lvl6pPr marL="2286000" indent="0">
+            <a:lvl6pPr marL="1714500" indent="0">
               <a:buNone/>
-              <a:defRPr sz="1600" b="1"/>
+              <a:defRPr sz="1200" b="1"/>
             </a:lvl6pPr>
-            <a:lvl7pPr marL="2743200" indent="0">
+            <a:lvl7pPr marL="2057400" indent="0">
               <a:buNone/>
-              <a:defRPr sz="1600" b="1"/>
+              <a:defRPr sz="1200" b="1"/>
             </a:lvl7pPr>
-            <a:lvl8pPr marL="3200400" indent="0">
+            <a:lvl8pPr marL="2400300" indent="0">
               <a:buNone/>
-              <a:defRPr sz="1600" b="1"/>
+              <a:defRPr sz="1200" b="1"/>
             </a:lvl8pPr>
-            <a:lvl9pPr marL="3657600" indent="0">
+            <a:lvl9pPr marL="2743200" indent="0">
               <a:buNone/>
-              <a:defRPr sz="1600" b="1"/>
+              <a:defRPr sz="1200" b="1"/>
             </a:lvl9pPr>
           </a:lstStyle>
           <a:p>
@@ -1616,13 +1434,7 @@
       </p:sp>
       <p:sp>
         <p:nvSpPr>
-          <p:cNvPr id="4" name="Content Placeholder 3">
-            <a:extLst>
-              <a:ext uri="{FF2B5EF4-FFF2-40B4-BE49-F238E27FC236}">
-                <a16:creationId xmlns:a16="http://schemas.microsoft.com/office/drawing/2014/main" id="{EAAE8F57-4EAA-427B-A3F5-10BFF3696513}"/>
-              </a:ext>
-            </a:extLst>
-          </p:cNvPr>
+          <p:cNvPr id="4" name="Content Placeholder 3"/>
           <p:cNvSpPr>
             <a:spLocks noGrp="1"/>
           </p:cNvSpPr>
@@ -1632,8 +1444,8 @@
         </p:nvSpPr>
         <p:spPr>
           <a:xfrm>
-            <a:off x="839788" y="2505075"/>
-            <a:ext cx="5157787" cy="3684588"/>
+            <a:off x="629842" y="1878806"/>
+            <a:ext cx="3868340" cy="2763441"/>
           </a:xfrm>
         </p:spPr>
         <p:txBody>
@@ -1673,18 +1485,13 @@
               <a:rPr lang="en-US"/>
               <a:t>Fifth level</a:t>
             </a:r>
+            <a:endParaRPr lang="en-US" dirty="0"/>
           </a:p>
         </p:txBody>
       </p:sp>
       <p:sp>
         <p:nvSpPr>
-          <p:cNvPr id="5" name="Text Placeholder 4">
-            <a:extLst>
-              <a:ext uri="{FF2B5EF4-FFF2-40B4-BE49-F238E27FC236}">
-                <a16:creationId xmlns:a16="http://schemas.microsoft.com/office/drawing/2014/main" id="{018E05FD-19F0-4B14-B10A-52EB019CE081}"/>
-              </a:ext>
-            </a:extLst>
-          </p:cNvPr>
+          <p:cNvPr id="5" name="Text Placeholder 4"/>
           <p:cNvSpPr>
             <a:spLocks noGrp="1"/>
           </p:cNvSpPr>
@@ -1694,8 +1501,8 @@
         </p:nvSpPr>
         <p:spPr>
           <a:xfrm>
-            <a:off x="6172200" y="1681163"/>
-            <a:ext cx="5183188" cy="823912"/>
+            <a:off x="4629150" y="1260872"/>
+            <a:ext cx="3887391" cy="617934"/>
           </a:xfrm>
         </p:spPr>
         <p:txBody>
@@ -1703,39 +1510,39 @@
           <a:lstStyle>
             <a:lvl1pPr marL="0" indent="0">
               <a:buNone/>
-              <a:defRPr sz="2400" b="1"/>
+              <a:defRPr sz="1800" b="1"/>
             </a:lvl1pPr>
-            <a:lvl2pPr marL="457200" indent="0">
+            <a:lvl2pPr marL="342900" indent="0">
               <a:buNone/>
-              <a:defRPr sz="2000" b="1"/>
+              <a:defRPr sz="1500" b="1"/>
             </a:lvl2pPr>
-            <a:lvl3pPr marL="914400" indent="0">
+            <a:lvl3pPr marL="685800" indent="0">
               <a:buNone/>
-              <a:defRPr sz="1800" b="1"/>
+              <a:defRPr sz="1350" b="1"/>
             </a:lvl3pPr>
-            <a:lvl4pPr marL="1371600" indent="0">
+            <a:lvl4pPr marL="1028700" indent="0">
               <a:buNone/>
-              <a:defRPr sz="1600" b="1"/>
+              <a:defRPr sz="1200" b="1"/>
             </a:lvl4pPr>
-            <a:lvl5pPr marL="1828800" indent="0">
+            <a:lvl5pPr marL="1371600" indent="0">
               <a:buNone/>
-              <a:defRPr sz="1600" b="1"/>
+              <a:defRPr sz="1200" b="1"/>
             </a:lvl5pPr>
-            <a:lvl6pPr marL="2286000" indent="0">
+            <a:lvl6pPr marL="1714500" indent="0">
               <a:buNone/>
-              <a:defRPr sz="1600" b="1"/>
+              <a:defRPr sz="1200" b="1"/>
             </a:lvl6pPr>
-            <a:lvl7pPr marL="2743200" indent="0">
+            <a:lvl7pPr marL="2057400" indent="0">
               <a:buNone/>
-              <a:defRPr sz="1600" b="1"/>
+              <a:defRPr sz="1200" b="1"/>
             </a:lvl7pPr>
-            <a:lvl8pPr marL="3200400" indent="0">
+            <a:lvl8pPr marL="2400300" indent="0">
               <a:buNone/>
-              <a:defRPr sz="1600" b="1"/>
+              <a:defRPr sz="1200" b="1"/>
             </a:lvl8pPr>
-            <a:lvl9pPr marL="3657600" indent="0">
+            <a:lvl9pPr marL="2743200" indent="0">
               <a:buNone/>
-              <a:defRPr sz="1600" b="1"/>
+              <a:defRPr sz="1200" b="1"/>
             </a:lvl9pPr>
           </a:lstStyle>
           <a:p>
@@ -1749,13 +1556,7 @@
       </p:sp>
       <p:sp>
         <p:nvSpPr>
-          <p:cNvPr id="6" name="Content Placeholder 5">
-            <a:extLst>
-              <a:ext uri="{FF2B5EF4-FFF2-40B4-BE49-F238E27FC236}">
-                <a16:creationId xmlns:a16="http://schemas.microsoft.com/office/drawing/2014/main" id="{931BB5AA-E261-4BF6-9B92-CB43047D188A}"/>
-              </a:ext>
-            </a:extLst>
-          </p:cNvPr>
+          <p:cNvPr id="6" name="Content Placeholder 5"/>
           <p:cNvSpPr>
             <a:spLocks noGrp="1"/>
           </p:cNvSpPr>
@@ -1765,8 +1566,8 @@
         </p:nvSpPr>
         <p:spPr>
           <a:xfrm>
-            <a:off x="6172200" y="2505075"/>
-            <a:ext cx="5183188" cy="3684588"/>
+            <a:off x="4629150" y="1878806"/>
+            <a:ext cx="3887391" cy="2763441"/>
           </a:xfrm>
         </p:spPr>
         <p:txBody>
@@ -1806,18 +1607,13 @@
               <a:rPr lang="en-US"/>
               <a:t>Fifth level</a:t>
             </a:r>
+            <a:endParaRPr lang="en-US" dirty="0"/>
           </a:p>
         </p:txBody>
       </p:sp>
       <p:sp>
         <p:nvSpPr>
-          <p:cNvPr id="7" name="Date Placeholder 6">
-            <a:extLst>
-              <a:ext uri="{FF2B5EF4-FFF2-40B4-BE49-F238E27FC236}">
-                <a16:creationId xmlns:a16="http://schemas.microsoft.com/office/drawing/2014/main" id="{F9FDB81F-9301-40DC-A596-C2992C0AC368}"/>
-              </a:ext>
-            </a:extLst>
-          </p:cNvPr>
+          <p:cNvPr id="7" name="Date Placeholder 6"/>
           <p:cNvSpPr>
             <a:spLocks noGrp="1"/>
           </p:cNvSpPr>
@@ -1832,7 +1628,7 @@
           <a:p>
             <a:fld id="{9C0EDD09-C3B5-4FDA-8855-DE7CF0E28DE7}" type="datetimeFigureOut">
               <a:rPr lang="en-US" smtClean="0"/>
-              <a:t>4/27/2025</a:t>
+              <a:t>5/1/2025</a:t>
             </a:fld>
             <a:endParaRPr lang="en-US"/>
           </a:p>
@@ -1840,13 +1636,7 @@
       </p:sp>
       <p:sp>
         <p:nvSpPr>
-          <p:cNvPr id="8" name="Footer Placeholder 7">
-            <a:extLst>
-              <a:ext uri="{FF2B5EF4-FFF2-40B4-BE49-F238E27FC236}">
-                <a16:creationId xmlns:a16="http://schemas.microsoft.com/office/drawing/2014/main" id="{4B36E1BA-F04F-43AE-A384-46583D1CD93A}"/>
-              </a:ext>
-            </a:extLst>
-          </p:cNvPr>
+          <p:cNvPr id="8" name="Footer Placeholder 7"/>
           <p:cNvSpPr>
             <a:spLocks noGrp="1"/>
           </p:cNvSpPr>
@@ -1865,13 +1655,7 @@
       </p:sp>
       <p:sp>
         <p:nvSpPr>
-          <p:cNvPr id="9" name="Slide Number Placeholder 8">
-            <a:extLst>
-              <a:ext uri="{FF2B5EF4-FFF2-40B4-BE49-F238E27FC236}">
-                <a16:creationId xmlns:a16="http://schemas.microsoft.com/office/drawing/2014/main" id="{0950D970-D076-4040-881B-AD1EFABC8CB8}"/>
-              </a:ext>
-            </a:extLst>
-          </p:cNvPr>
+          <p:cNvPr id="9" name="Slide Number Placeholder 8"/>
           <p:cNvSpPr>
             <a:spLocks noGrp="1"/>
           </p:cNvSpPr>
@@ -1895,7 +1679,7 @@
     </p:spTree>
     <p:extLst>
       <p:ext uri="{BB962C8B-B14F-4D97-AF65-F5344CB8AC3E}">
-        <p14:creationId xmlns:p14="http://schemas.microsoft.com/office/powerpoint/2010/main" val="2008553622"/>
+        <p14:creationId xmlns:p14="http://schemas.microsoft.com/office/powerpoint/2010/main" val="2191285895"/>
       </p:ext>
     </p:extLst>
   </p:cSld>
@@ -1924,13 +1708,7 @@
       </p:grpSpPr>
       <p:sp>
         <p:nvSpPr>
-          <p:cNvPr id="2" name="Title 1">
-            <a:extLst>
-              <a:ext uri="{FF2B5EF4-FFF2-40B4-BE49-F238E27FC236}">
-                <a16:creationId xmlns:a16="http://schemas.microsoft.com/office/drawing/2014/main" id="{324CAC6A-7545-4A5A-83A5-D6449B1C8675}"/>
-              </a:ext>
-            </a:extLst>
-          </p:cNvPr>
+          <p:cNvPr id="2" name="Title 1"/>
           <p:cNvSpPr>
             <a:spLocks noGrp="1"/>
           </p:cNvSpPr>
@@ -1947,18 +1725,13 @@
               <a:rPr lang="en-US"/>
               <a:t>Click to edit Master title style</a:t>
             </a:r>
+            <a:endParaRPr lang="en-US" dirty="0"/>
           </a:p>
         </p:txBody>
       </p:sp>
       <p:sp>
         <p:nvSpPr>
-          <p:cNvPr id="3" name="Date Placeholder 2">
-            <a:extLst>
-              <a:ext uri="{FF2B5EF4-FFF2-40B4-BE49-F238E27FC236}">
-                <a16:creationId xmlns:a16="http://schemas.microsoft.com/office/drawing/2014/main" id="{59BAFCA1-83AE-41E2-8948-E1B3D7BA979A}"/>
-              </a:ext>
-            </a:extLst>
-          </p:cNvPr>
+          <p:cNvPr id="3" name="Date Placeholder 2"/>
           <p:cNvSpPr>
             <a:spLocks noGrp="1"/>
           </p:cNvSpPr>
@@ -1973,7 +1746,7 @@
           <a:p>
             <a:fld id="{9C0EDD09-C3B5-4FDA-8855-DE7CF0E28DE7}" type="datetimeFigureOut">
               <a:rPr lang="en-US" smtClean="0"/>
-              <a:t>4/27/2025</a:t>
+              <a:t>5/1/2025</a:t>
             </a:fld>
             <a:endParaRPr lang="en-US"/>
           </a:p>
@@ -1981,13 +1754,7 @@
       </p:sp>
       <p:sp>
         <p:nvSpPr>
-          <p:cNvPr id="4" name="Footer Placeholder 3">
-            <a:extLst>
-              <a:ext uri="{FF2B5EF4-FFF2-40B4-BE49-F238E27FC236}">
-                <a16:creationId xmlns:a16="http://schemas.microsoft.com/office/drawing/2014/main" id="{AD884DCC-79A8-4276-9F2A-57AC3BCABE00}"/>
-              </a:ext>
-            </a:extLst>
-          </p:cNvPr>
+          <p:cNvPr id="4" name="Footer Placeholder 3"/>
           <p:cNvSpPr>
             <a:spLocks noGrp="1"/>
           </p:cNvSpPr>
@@ -2006,13 +1773,7 @@
       </p:sp>
       <p:sp>
         <p:nvSpPr>
-          <p:cNvPr id="5" name="Slide Number Placeholder 4">
-            <a:extLst>
-              <a:ext uri="{FF2B5EF4-FFF2-40B4-BE49-F238E27FC236}">
-                <a16:creationId xmlns:a16="http://schemas.microsoft.com/office/drawing/2014/main" id="{156F1DD7-9C18-450E-B54B-C1FDFBE49725}"/>
-              </a:ext>
-            </a:extLst>
-          </p:cNvPr>
+          <p:cNvPr id="5" name="Slide Number Placeholder 4"/>
           <p:cNvSpPr>
             <a:spLocks noGrp="1"/>
           </p:cNvSpPr>
@@ -2036,7 +1797,7 @@
     </p:spTree>
     <p:extLst>
       <p:ext uri="{BB962C8B-B14F-4D97-AF65-F5344CB8AC3E}">
-        <p14:creationId xmlns:p14="http://schemas.microsoft.com/office/powerpoint/2010/main" val="1157117959"/>
+        <p14:creationId xmlns:p14="http://schemas.microsoft.com/office/powerpoint/2010/main" val="1441750022"/>
       </p:ext>
     </p:extLst>
   </p:cSld>
@@ -2065,13 +1826,7 @@
       </p:grpSpPr>
       <p:sp>
         <p:nvSpPr>
-          <p:cNvPr id="2" name="Date Placeholder 1">
-            <a:extLst>
-              <a:ext uri="{FF2B5EF4-FFF2-40B4-BE49-F238E27FC236}">
-                <a16:creationId xmlns:a16="http://schemas.microsoft.com/office/drawing/2014/main" id="{EEB5EE09-67F3-4F4F-9819-3B5BCAAF3DB5}"/>
-              </a:ext>
-            </a:extLst>
-          </p:cNvPr>
+          <p:cNvPr id="2" name="Date Placeholder 1"/>
           <p:cNvSpPr>
             <a:spLocks noGrp="1"/>
           </p:cNvSpPr>
@@ -2086,7 +1841,7 @@
           <a:p>
             <a:fld id="{9C0EDD09-C3B5-4FDA-8855-DE7CF0E28DE7}" type="datetimeFigureOut">
               <a:rPr lang="en-US" smtClean="0"/>
-              <a:t>4/27/2025</a:t>
+              <a:t>5/1/2025</a:t>
             </a:fld>
             <a:endParaRPr lang="en-US"/>
           </a:p>
@@ -2094,13 +1849,7 @@
       </p:sp>
       <p:sp>
         <p:nvSpPr>
-          <p:cNvPr id="3" name="Footer Placeholder 2">
-            <a:extLst>
-              <a:ext uri="{FF2B5EF4-FFF2-40B4-BE49-F238E27FC236}">
-                <a16:creationId xmlns:a16="http://schemas.microsoft.com/office/drawing/2014/main" id="{462E9255-78B7-4307-BF92-348A908BDE8D}"/>
-              </a:ext>
-            </a:extLst>
-          </p:cNvPr>
+          <p:cNvPr id="3" name="Footer Placeholder 2"/>
           <p:cNvSpPr>
             <a:spLocks noGrp="1"/>
           </p:cNvSpPr>
@@ -2119,13 +1868,7 @@
       </p:sp>
       <p:sp>
         <p:nvSpPr>
-          <p:cNvPr id="4" name="Slide Number Placeholder 3">
-            <a:extLst>
-              <a:ext uri="{FF2B5EF4-FFF2-40B4-BE49-F238E27FC236}">
-                <a16:creationId xmlns:a16="http://schemas.microsoft.com/office/drawing/2014/main" id="{757C37F7-32D5-4EDC-A384-15907ACAA52F}"/>
-              </a:ext>
-            </a:extLst>
-          </p:cNvPr>
+          <p:cNvPr id="4" name="Slide Number Placeholder 3"/>
           <p:cNvSpPr>
             <a:spLocks noGrp="1"/>
           </p:cNvSpPr>
@@ -2149,7 +1892,7 @@
     </p:spTree>
     <p:extLst>
       <p:ext uri="{BB962C8B-B14F-4D97-AF65-F5344CB8AC3E}">
-        <p14:creationId xmlns:p14="http://schemas.microsoft.com/office/powerpoint/2010/main" val="1653350118"/>
+        <p14:creationId xmlns:p14="http://schemas.microsoft.com/office/powerpoint/2010/main" val="4267430107"/>
       </p:ext>
     </p:extLst>
   </p:cSld>
@@ -2178,13 +1921,7 @@
       </p:grpSpPr>
       <p:sp>
         <p:nvSpPr>
-          <p:cNvPr id="2" name="Title 1">
-            <a:extLst>
-              <a:ext uri="{FF2B5EF4-FFF2-40B4-BE49-F238E27FC236}">
-                <a16:creationId xmlns:a16="http://schemas.microsoft.com/office/drawing/2014/main" id="{460DD698-4D99-442B-B166-2F8A42BDCBA3}"/>
-              </a:ext>
-            </a:extLst>
-          </p:cNvPr>
+          <p:cNvPr id="2" name="Title 1"/>
           <p:cNvSpPr>
             <a:spLocks noGrp="1"/>
           </p:cNvSpPr>
@@ -2194,15 +1931,15 @@
         </p:nvSpPr>
         <p:spPr>
           <a:xfrm>
-            <a:off x="839788" y="457200"/>
-            <a:ext cx="3932237" cy="1600200"/>
+            <a:off x="629841" y="342900"/>
+            <a:ext cx="2949178" cy="1200150"/>
           </a:xfrm>
         </p:spPr>
         <p:txBody>
           <a:bodyPr anchor="b"/>
           <a:lstStyle>
             <a:lvl1pPr>
-              <a:defRPr sz="3200"/>
+              <a:defRPr sz="2400"/>
             </a:lvl1pPr>
           </a:lstStyle>
           <a:p>
@@ -2210,18 +1947,13 @@
               <a:rPr lang="en-US"/>
               <a:t>Click to edit Master title style</a:t>
             </a:r>
+            <a:endParaRPr lang="en-US" dirty="0"/>
           </a:p>
         </p:txBody>
       </p:sp>
       <p:sp>
         <p:nvSpPr>
-          <p:cNvPr id="3" name="Content Placeholder 2">
-            <a:extLst>
-              <a:ext uri="{FF2B5EF4-FFF2-40B4-BE49-F238E27FC236}">
-                <a16:creationId xmlns:a16="http://schemas.microsoft.com/office/drawing/2014/main" id="{3D75A2A2-FD81-4397-A16A-6CF70D278531}"/>
-              </a:ext>
-            </a:extLst>
-          </p:cNvPr>
+          <p:cNvPr id="3" name="Content Placeholder 2"/>
           <p:cNvSpPr>
             <a:spLocks noGrp="1"/>
           </p:cNvSpPr>
@@ -2231,39 +1963,39 @@
         </p:nvSpPr>
         <p:spPr>
           <a:xfrm>
-            <a:off x="5183188" y="987425"/>
-            <a:ext cx="6172200" cy="4873625"/>
+            <a:off x="3887391" y="740569"/>
+            <a:ext cx="4629150" cy="3655219"/>
           </a:xfrm>
         </p:spPr>
         <p:txBody>
           <a:bodyPr/>
           <a:lstStyle>
             <a:lvl1pPr>
-              <a:defRPr sz="3200"/>
+              <a:defRPr sz="2400"/>
             </a:lvl1pPr>
             <a:lvl2pPr>
-              <a:defRPr sz="2800"/>
+              <a:defRPr sz="2100"/>
             </a:lvl2pPr>
             <a:lvl3pPr>
-              <a:defRPr sz="2400"/>
+              <a:defRPr sz="1800"/>
             </a:lvl3pPr>
             <a:lvl4pPr>
-              <a:defRPr sz="2000"/>
+              <a:defRPr sz="1500"/>
             </a:lvl4pPr>
             <a:lvl5pPr>
-              <a:defRPr sz="2000"/>
+              <a:defRPr sz="1500"/>
             </a:lvl5pPr>
             <a:lvl6pPr>
-              <a:defRPr sz="2000"/>
+              <a:defRPr sz="1500"/>
             </a:lvl6pPr>
             <a:lvl7pPr>
-              <a:defRPr sz="2000"/>
+              <a:defRPr sz="1500"/>
             </a:lvl7pPr>
             <a:lvl8pPr>
-              <a:defRPr sz="2000"/>
+              <a:defRPr sz="1500"/>
             </a:lvl8pPr>
             <a:lvl9pPr>
-              <a:defRPr sz="2000"/>
+              <a:defRPr sz="1500"/>
             </a:lvl9pPr>
           </a:lstStyle>
           <a:p>
@@ -2300,18 +2032,13 @@
               <a:rPr lang="en-US"/>
               <a:t>Fifth level</a:t>
             </a:r>
+            <a:endParaRPr lang="en-US" dirty="0"/>
           </a:p>
         </p:txBody>
       </p:sp>
       <p:sp>
         <p:nvSpPr>
-          <p:cNvPr id="4" name="Text Placeholder 3">
-            <a:extLst>
-              <a:ext uri="{FF2B5EF4-FFF2-40B4-BE49-F238E27FC236}">
-                <a16:creationId xmlns:a16="http://schemas.microsoft.com/office/drawing/2014/main" id="{D9EC2137-0904-4848-87F3-132C2A0DD28E}"/>
-              </a:ext>
-            </a:extLst>
-          </p:cNvPr>
+          <p:cNvPr id="4" name="Text Placeholder 3"/>
           <p:cNvSpPr>
             <a:spLocks noGrp="1"/>
           </p:cNvSpPr>
@@ -2321,8 +2048,8 @@
         </p:nvSpPr>
         <p:spPr>
           <a:xfrm>
-            <a:off x="839788" y="2057400"/>
-            <a:ext cx="3932237" cy="3811588"/>
+            <a:off x="629841" y="1543050"/>
+            <a:ext cx="2949178" cy="2858691"/>
           </a:xfrm>
         </p:spPr>
         <p:txBody>
@@ -2330,39 +2057,39 @@
           <a:lstStyle>
             <a:lvl1pPr marL="0" indent="0">
               <a:buNone/>
-              <a:defRPr sz="1600"/>
+              <a:defRPr sz="1200"/>
             </a:lvl1pPr>
-            <a:lvl2pPr marL="457200" indent="0">
+            <a:lvl2pPr marL="342900" indent="0">
               <a:buNone/>
-              <a:defRPr sz="1400"/>
+              <a:defRPr sz="1050"/>
             </a:lvl2pPr>
-            <a:lvl3pPr marL="914400" indent="0">
+            <a:lvl3pPr marL="685800" indent="0">
               <a:buNone/>
-              <a:defRPr sz="1200"/>
+              <a:defRPr sz="900"/>
             </a:lvl3pPr>
-            <a:lvl4pPr marL="1371600" indent="0">
+            <a:lvl4pPr marL="1028700" indent="0">
               <a:buNone/>
-              <a:defRPr sz="1000"/>
+              <a:defRPr sz="750"/>
             </a:lvl4pPr>
-            <a:lvl5pPr marL="1828800" indent="0">
+            <a:lvl5pPr marL="1371600" indent="0">
               <a:buNone/>
-              <a:defRPr sz="1000"/>
+              <a:defRPr sz="750"/>
             </a:lvl5pPr>
-            <a:lvl6pPr marL="2286000" indent="0">
+            <a:lvl6pPr marL="1714500" indent="0">
               <a:buNone/>
-              <a:defRPr sz="1000"/>
+              <a:defRPr sz="750"/>
             </a:lvl6pPr>
-            <a:lvl7pPr marL="2743200" indent="0">
+            <a:lvl7pPr marL="2057400" indent="0">
               <a:buNone/>
-              <a:defRPr sz="1000"/>
+              <a:defRPr sz="750"/>
             </a:lvl7pPr>
-            <a:lvl8pPr marL="3200400" indent="0">
+            <a:lvl8pPr marL="2400300" indent="0">
               <a:buNone/>
-              <a:defRPr sz="1000"/>
+              <a:defRPr sz="750"/>
             </a:lvl8pPr>
-            <a:lvl9pPr marL="3657600" indent="0">
+            <a:lvl9pPr marL="2743200" indent="0">
               <a:buNone/>
-              <a:defRPr sz="1000"/>
+              <a:defRPr sz="750"/>
             </a:lvl9pPr>
           </a:lstStyle>
           <a:p>
@@ -2376,13 +2103,7 @@
       </p:sp>
       <p:sp>
         <p:nvSpPr>
-          <p:cNvPr id="5" name="Date Placeholder 4">
-            <a:extLst>
-              <a:ext uri="{FF2B5EF4-FFF2-40B4-BE49-F238E27FC236}">
-                <a16:creationId xmlns:a16="http://schemas.microsoft.com/office/drawing/2014/main" id="{C8CE011D-CF2C-4D4A-914C-4EFD51E9338F}"/>
-              </a:ext>
-            </a:extLst>
-          </p:cNvPr>
+          <p:cNvPr id="5" name="Date Placeholder 4"/>
           <p:cNvSpPr>
             <a:spLocks noGrp="1"/>
           </p:cNvSpPr>
@@ -2397,7 +2118,7 @@
           <a:p>
             <a:fld id="{9C0EDD09-C3B5-4FDA-8855-DE7CF0E28DE7}" type="datetimeFigureOut">
               <a:rPr lang="en-US" smtClean="0"/>
-              <a:t>4/27/2025</a:t>
+              <a:t>5/1/2025</a:t>
             </a:fld>
             <a:endParaRPr lang="en-US"/>
           </a:p>
@@ -2405,13 +2126,7 @@
       </p:sp>
       <p:sp>
         <p:nvSpPr>
-          <p:cNvPr id="6" name="Footer Placeholder 5">
-            <a:extLst>
-              <a:ext uri="{FF2B5EF4-FFF2-40B4-BE49-F238E27FC236}">
-                <a16:creationId xmlns:a16="http://schemas.microsoft.com/office/drawing/2014/main" id="{B1FB4CE4-7DE7-42D6-BD48-AB98399ABC56}"/>
-              </a:ext>
-            </a:extLst>
-          </p:cNvPr>
+          <p:cNvPr id="6" name="Footer Placeholder 5"/>
           <p:cNvSpPr>
             <a:spLocks noGrp="1"/>
           </p:cNvSpPr>
@@ -2430,13 +2145,7 @@
       </p:sp>
       <p:sp>
         <p:nvSpPr>
-          <p:cNvPr id="7" name="Slide Number Placeholder 6">
-            <a:extLst>
-              <a:ext uri="{FF2B5EF4-FFF2-40B4-BE49-F238E27FC236}">
-                <a16:creationId xmlns:a16="http://schemas.microsoft.com/office/drawing/2014/main" id="{DE371C6D-41C1-42EB-AC87-8EFFD4EA3F10}"/>
-              </a:ext>
-            </a:extLst>
-          </p:cNvPr>
+          <p:cNvPr id="7" name="Slide Number Placeholder 6"/>
           <p:cNvSpPr>
             <a:spLocks noGrp="1"/>
           </p:cNvSpPr>
@@ -2460,7 +2169,7 @@
     </p:spTree>
     <p:extLst>
       <p:ext uri="{BB962C8B-B14F-4D97-AF65-F5344CB8AC3E}">
-        <p14:creationId xmlns:p14="http://schemas.microsoft.com/office/powerpoint/2010/main" val="1334070477"/>
+        <p14:creationId xmlns:p14="http://schemas.microsoft.com/office/powerpoint/2010/main" val="992034135"/>
       </p:ext>
     </p:extLst>
   </p:cSld>
@@ -2489,13 +2198,7 @@
       </p:grpSpPr>
       <p:sp>
         <p:nvSpPr>
-          <p:cNvPr id="2" name="Title 1">
-            <a:extLst>
-              <a:ext uri="{FF2B5EF4-FFF2-40B4-BE49-F238E27FC236}">
-                <a16:creationId xmlns:a16="http://schemas.microsoft.com/office/drawing/2014/main" id="{E95B607F-DFDA-4092-899A-D04ABBEDA818}"/>
-              </a:ext>
-            </a:extLst>
-          </p:cNvPr>
+          <p:cNvPr id="2" name="Title 1"/>
           <p:cNvSpPr>
             <a:spLocks noGrp="1"/>
           </p:cNvSpPr>
@@ -2505,15 +2208,15 @@
         </p:nvSpPr>
         <p:spPr>
           <a:xfrm>
-            <a:off x="839788" y="457200"/>
-            <a:ext cx="3932237" cy="1600200"/>
+            <a:off x="629841" y="342900"/>
+            <a:ext cx="2949178" cy="1200150"/>
           </a:xfrm>
         </p:spPr>
         <p:txBody>
           <a:bodyPr anchor="b"/>
           <a:lstStyle>
             <a:lvl1pPr>
-              <a:defRPr sz="3200"/>
+              <a:defRPr sz="2400"/>
             </a:lvl1pPr>
           </a:lstStyle>
           <a:p>
@@ -2521,20 +2224,15 @@
               <a:rPr lang="en-US"/>
               <a:t>Click to edit Master title style</a:t>
             </a:r>
+            <a:endParaRPr lang="en-US" dirty="0"/>
           </a:p>
         </p:txBody>
       </p:sp>
       <p:sp>
         <p:nvSpPr>
-          <p:cNvPr id="3" name="Picture Placeholder 2">
-            <a:extLst>
-              <a:ext uri="{FF2B5EF4-FFF2-40B4-BE49-F238E27FC236}">
-                <a16:creationId xmlns:a16="http://schemas.microsoft.com/office/drawing/2014/main" id="{DFC49ECE-1D5F-4266-966B-67E92AD823E6}"/>
-              </a:ext>
-            </a:extLst>
-          </p:cNvPr>
+          <p:cNvPr id="3" name="Picture Placeholder 2"/>
           <p:cNvSpPr>
-            <a:spLocks noGrp="1"/>
+            <a:spLocks noGrp="1" noChangeAspect="1"/>
           </p:cNvSpPr>
           <p:nvPr>
             <p:ph type="pic" idx="1"/>
@@ -2542,64 +2240,62 @@
         </p:nvSpPr>
         <p:spPr>
           <a:xfrm>
-            <a:off x="5183188" y="987425"/>
-            <a:ext cx="6172200" cy="4873625"/>
+            <a:off x="3887391" y="740569"/>
+            <a:ext cx="4629150" cy="3655219"/>
           </a:xfrm>
         </p:spPr>
         <p:txBody>
-          <a:bodyPr/>
+          <a:bodyPr anchor="t"/>
           <a:lstStyle>
             <a:lvl1pPr marL="0" indent="0">
               <a:buNone/>
-              <a:defRPr sz="3200"/>
+              <a:defRPr sz="2400"/>
             </a:lvl1pPr>
-            <a:lvl2pPr marL="457200" indent="0">
+            <a:lvl2pPr marL="342900" indent="0">
               <a:buNone/>
-              <a:defRPr sz="2800"/>
+              <a:defRPr sz="2100"/>
             </a:lvl2pPr>
-            <a:lvl3pPr marL="914400" indent="0">
+            <a:lvl3pPr marL="685800" indent="0">
               <a:buNone/>
-              <a:defRPr sz="2400"/>
+              <a:defRPr sz="1800"/>
             </a:lvl3pPr>
-            <a:lvl4pPr marL="1371600" indent="0">
+            <a:lvl4pPr marL="1028700" indent="0">
               <a:buNone/>
-              <a:defRPr sz="2000"/>
+              <a:defRPr sz="1500"/>
             </a:lvl4pPr>
-            <a:lvl5pPr marL="1828800" indent="0">
+            <a:lvl5pPr marL="1371600" indent="0">
               <a:buNone/>
-              <a:defRPr sz="2000"/>
+              <a:defRPr sz="1500"/>
             </a:lvl5pPr>
-            <a:lvl6pPr marL="2286000" indent="0">
+            <a:lvl6pPr marL="1714500" indent="0">
               <a:buNone/>
-              <a:defRPr sz="2000"/>
+              <a:defRPr sz="1500"/>
             </a:lvl6pPr>
-            <a:lvl7pPr marL="2743200" indent="0">
+            <a:lvl7pPr marL="2057400" indent="0">
               <a:buNone/>
-              <a:defRPr sz="2000"/>
+              <a:defRPr sz="1500"/>
             </a:lvl7pPr>
-            <a:lvl8pPr marL="3200400" indent="0">
+            <a:lvl8pPr marL="2400300" indent="0">
               <a:buNone/>
-              <a:defRPr sz="2000"/>
+              <a:defRPr sz="1500"/>
             </a:lvl8pPr>
-            <a:lvl9pPr marL="3657600" indent="0">
+            <a:lvl9pPr marL="2743200" indent="0">
               <a:buNone/>
-              <a:defRPr sz="2000"/>
+              <a:defRPr sz="1500"/>
             </a:lvl9pPr>
           </a:lstStyle>
           <a:p>
-            <a:endParaRPr lang="en-US"/>
+            <a:r>
+              <a:rPr lang="en-US"/>
+              <a:t>Click icon to add picture</a:t>
+            </a:r>
+            <a:endParaRPr lang="en-US" dirty="0"/>
           </a:p>
         </p:txBody>
       </p:sp>
       <p:sp>
         <p:nvSpPr>
-          <p:cNvPr id="4" name="Text Placeholder 3">
-            <a:extLst>
-              <a:ext uri="{FF2B5EF4-FFF2-40B4-BE49-F238E27FC236}">
-                <a16:creationId xmlns:a16="http://schemas.microsoft.com/office/drawing/2014/main" id="{190F52DB-5EF9-490F-A573-A25CD0A912F9}"/>
-              </a:ext>
-            </a:extLst>
-          </p:cNvPr>
+          <p:cNvPr id="4" name="Text Placeholder 3"/>
           <p:cNvSpPr>
             <a:spLocks noGrp="1"/>
           </p:cNvSpPr>
@@ -2609,8 +2305,8 @@
         </p:nvSpPr>
         <p:spPr>
           <a:xfrm>
-            <a:off x="839788" y="2057400"/>
-            <a:ext cx="3932237" cy="3811588"/>
+            <a:off x="629841" y="1543050"/>
+            <a:ext cx="2949178" cy="2858691"/>
           </a:xfrm>
         </p:spPr>
         <p:txBody>
@@ -2618,39 +2314,39 @@
           <a:lstStyle>
             <a:lvl1pPr marL="0" indent="0">
               <a:buNone/>
-              <a:defRPr sz="1600"/>
+              <a:defRPr sz="1200"/>
             </a:lvl1pPr>
-            <a:lvl2pPr marL="457200" indent="0">
+            <a:lvl2pPr marL="342900" indent="0">
               <a:buNone/>
-              <a:defRPr sz="1400"/>
+              <a:defRPr sz="1050"/>
             </a:lvl2pPr>
-            <a:lvl3pPr marL="914400" indent="0">
+            <a:lvl3pPr marL="685800" indent="0">
               <a:buNone/>
-              <a:defRPr sz="1200"/>
+              <a:defRPr sz="900"/>
             </a:lvl3pPr>
-            <a:lvl4pPr marL="1371600" indent="0">
+            <a:lvl4pPr marL="1028700" indent="0">
               <a:buNone/>
-              <a:defRPr sz="1000"/>
+              <a:defRPr sz="750"/>
             </a:lvl4pPr>
-            <a:lvl5pPr marL="1828800" indent="0">
+            <a:lvl5pPr marL="1371600" indent="0">
               <a:buNone/>
-              <a:defRPr sz="1000"/>
+              <a:defRPr sz="750"/>
             </a:lvl5pPr>
-            <a:lvl6pPr marL="2286000" indent="0">
+            <a:lvl6pPr marL="1714500" indent="0">
               <a:buNone/>
-              <a:defRPr sz="1000"/>
+              <a:defRPr sz="750"/>
             </a:lvl6pPr>
-            <a:lvl7pPr marL="2743200" indent="0">
+            <a:lvl7pPr marL="2057400" indent="0">
               <a:buNone/>
-              <a:defRPr sz="1000"/>
+              <a:defRPr sz="750"/>
             </a:lvl7pPr>
-            <a:lvl8pPr marL="3200400" indent="0">
+            <a:lvl8pPr marL="2400300" indent="0">
               <a:buNone/>
-              <a:defRPr sz="1000"/>
+              <a:defRPr sz="750"/>
             </a:lvl8pPr>
-            <a:lvl9pPr marL="3657600" indent="0">
+            <a:lvl9pPr marL="2743200" indent="0">
               <a:buNone/>
-              <a:defRPr sz="1000"/>
+              <a:defRPr sz="750"/>
             </a:lvl9pPr>
           </a:lstStyle>
           <a:p>
@@ -2664,13 +2360,7 @@
       </p:sp>
       <p:sp>
         <p:nvSpPr>
-          <p:cNvPr id="5" name="Date Placeholder 4">
-            <a:extLst>
-              <a:ext uri="{FF2B5EF4-FFF2-40B4-BE49-F238E27FC236}">
-                <a16:creationId xmlns:a16="http://schemas.microsoft.com/office/drawing/2014/main" id="{C37F3437-EC8B-4ABB-9BB7-EA5FFC68E37D}"/>
-              </a:ext>
-            </a:extLst>
-          </p:cNvPr>
+          <p:cNvPr id="5" name="Date Placeholder 4"/>
           <p:cNvSpPr>
             <a:spLocks noGrp="1"/>
           </p:cNvSpPr>
@@ -2685,7 +2375,7 @@
           <a:p>
             <a:fld id="{9C0EDD09-C3B5-4FDA-8855-DE7CF0E28DE7}" type="datetimeFigureOut">
               <a:rPr lang="en-US" smtClean="0"/>
-              <a:t>4/27/2025</a:t>
+              <a:t>5/1/2025</a:t>
             </a:fld>
             <a:endParaRPr lang="en-US"/>
           </a:p>
@@ -2693,13 +2383,7 @@
       </p:sp>
       <p:sp>
         <p:nvSpPr>
-          <p:cNvPr id="6" name="Footer Placeholder 5">
-            <a:extLst>
-              <a:ext uri="{FF2B5EF4-FFF2-40B4-BE49-F238E27FC236}">
-                <a16:creationId xmlns:a16="http://schemas.microsoft.com/office/drawing/2014/main" id="{AECAFFCD-F9CC-4F14-A840-159DA382C3E1}"/>
-              </a:ext>
-            </a:extLst>
-          </p:cNvPr>
+          <p:cNvPr id="6" name="Footer Placeholder 5"/>
           <p:cNvSpPr>
             <a:spLocks noGrp="1"/>
           </p:cNvSpPr>
@@ -2718,13 +2402,7 @@
       </p:sp>
       <p:sp>
         <p:nvSpPr>
-          <p:cNvPr id="7" name="Slide Number Placeholder 6">
-            <a:extLst>
-              <a:ext uri="{FF2B5EF4-FFF2-40B4-BE49-F238E27FC236}">
-                <a16:creationId xmlns:a16="http://schemas.microsoft.com/office/drawing/2014/main" id="{C01AB028-150B-4210-AAF0-935A011A059F}"/>
-              </a:ext>
-            </a:extLst>
-          </p:cNvPr>
+          <p:cNvPr id="7" name="Slide Number Placeholder 6"/>
           <p:cNvSpPr>
             <a:spLocks noGrp="1"/>
           </p:cNvSpPr>
@@ -2748,7 +2426,7 @@
     </p:spTree>
     <p:extLst>
       <p:ext uri="{BB962C8B-B14F-4D97-AF65-F5344CB8AC3E}">
-        <p14:creationId xmlns:p14="http://schemas.microsoft.com/office/powerpoint/2010/main" val="10699760"/>
+        <p14:creationId xmlns:p14="http://schemas.microsoft.com/office/powerpoint/2010/main" val="1204032045"/>
       </p:ext>
     </p:extLst>
   </p:cSld>
@@ -2782,13 +2460,7 @@
       </p:grpSpPr>
       <p:sp>
         <p:nvSpPr>
-          <p:cNvPr id="2" name="Title Placeholder 1">
-            <a:extLst>
-              <a:ext uri="{FF2B5EF4-FFF2-40B4-BE49-F238E27FC236}">
-                <a16:creationId xmlns:a16="http://schemas.microsoft.com/office/drawing/2014/main" id="{5D598750-0051-47E1-909B-8E62E0C6C85C}"/>
-              </a:ext>
-            </a:extLst>
-          </p:cNvPr>
+          <p:cNvPr id="2" name="Title Placeholder 1"/>
           <p:cNvSpPr>
             <a:spLocks noGrp="1"/>
           </p:cNvSpPr>
@@ -2798,8 +2470,8 @@
         </p:nvSpPr>
         <p:spPr>
           <a:xfrm>
-            <a:off x="838200" y="365125"/>
-            <a:ext cx="10515600" cy="1325563"/>
+            <a:off x="628650" y="273844"/>
+            <a:ext cx="7886700" cy="994172"/>
           </a:xfrm>
           <a:prstGeom prst="rect">
             <a:avLst/>
@@ -2815,18 +2487,13 @@
               <a:rPr lang="en-US"/>
               <a:t>Click to edit Master title style</a:t>
             </a:r>
+            <a:endParaRPr lang="en-US" dirty="0"/>
           </a:p>
         </p:txBody>
       </p:sp>
       <p:sp>
         <p:nvSpPr>
-          <p:cNvPr id="3" name="Text Placeholder 2">
-            <a:extLst>
-              <a:ext uri="{FF2B5EF4-FFF2-40B4-BE49-F238E27FC236}">
-                <a16:creationId xmlns:a16="http://schemas.microsoft.com/office/drawing/2014/main" id="{B13F6DD4-248D-41DE-B1F4-FA2880489EA0}"/>
-              </a:ext>
-            </a:extLst>
-          </p:cNvPr>
+          <p:cNvPr id="3" name="Text Placeholder 2"/>
           <p:cNvSpPr>
             <a:spLocks noGrp="1"/>
           </p:cNvSpPr>
@@ -2836,8 +2503,8 @@
         </p:nvSpPr>
         <p:spPr>
           <a:xfrm>
-            <a:off x="838200" y="1825625"/>
-            <a:ext cx="10515600" cy="4351338"/>
+            <a:off x="628650" y="1369219"/>
+            <a:ext cx="7886700" cy="3263504"/>
           </a:xfrm>
           <a:prstGeom prst="rect">
             <a:avLst/>
@@ -2882,18 +2549,13 @@
               <a:rPr lang="en-US"/>
               <a:t>Fifth level</a:t>
             </a:r>
+            <a:endParaRPr lang="en-US" dirty="0"/>
           </a:p>
         </p:txBody>
       </p:sp>
       <p:sp>
         <p:nvSpPr>
-          <p:cNvPr id="4" name="Date Placeholder 3">
-            <a:extLst>
-              <a:ext uri="{FF2B5EF4-FFF2-40B4-BE49-F238E27FC236}">
-                <a16:creationId xmlns:a16="http://schemas.microsoft.com/office/drawing/2014/main" id="{60F0AAAB-6782-401A-AF50-B80B9F9A32AF}"/>
-              </a:ext>
-            </a:extLst>
-          </p:cNvPr>
+          <p:cNvPr id="4" name="Date Placeholder 3"/>
           <p:cNvSpPr>
             <a:spLocks noGrp="1"/>
           </p:cNvSpPr>
@@ -2903,8 +2565,8 @@
         </p:nvSpPr>
         <p:spPr>
           <a:xfrm>
-            <a:off x="838200" y="6356350"/>
-            <a:ext cx="2743200" cy="365125"/>
+            <a:off x="628650" y="4767263"/>
+            <a:ext cx="2057400" cy="273844"/>
           </a:xfrm>
           <a:prstGeom prst="rect">
             <a:avLst/>
@@ -2914,7 +2576,7 @@
           <a:bodyPr vert="horz" lIns="91440" tIns="45720" rIns="91440" bIns="45720" rtlCol="0" anchor="ctr"/>
           <a:lstStyle>
             <a:lvl1pPr algn="l">
-              <a:defRPr sz="1200">
+              <a:defRPr sz="900">
                 <a:solidFill>
                   <a:schemeClr val="tx1">
                     <a:tint val="75000"/>
@@ -2926,7 +2588,7 @@
           <a:p>
             <a:fld id="{9C0EDD09-C3B5-4FDA-8855-DE7CF0E28DE7}" type="datetimeFigureOut">
               <a:rPr lang="en-US" smtClean="0"/>
-              <a:t>4/27/2025</a:t>
+              <a:t>5/1/2025</a:t>
             </a:fld>
             <a:endParaRPr lang="en-US"/>
           </a:p>
@@ -2934,13 +2596,7 @@
       </p:sp>
       <p:sp>
         <p:nvSpPr>
-          <p:cNvPr id="5" name="Footer Placeholder 4">
-            <a:extLst>
-              <a:ext uri="{FF2B5EF4-FFF2-40B4-BE49-F238E27FC236}">
-                <a16:creationId xmlns:a16="http://schemas.microsoft.com/office/drawing/2014/main" id="{B4D37265-3AF2-4B86-A39B-0EA28CF281E0}"/>
-              </a:ext>
-            </a:extLst>
-          </p:cNvPr>
+          <p:cNvPr id="5" name="Footer Placeholder 4"/>
           <p:cNvSpPr>
             <a:spLocks noGrp="1"/>
           </p:cNvSpPr>
@@ -2950,8 +2606,8 @@
         </p:nvSpPr>
         <p:spPr>
           <a:xfrm>
-            <a:off x="4038600" y="6356350"/>
-            <a:ext cx="4114800" cy="365125"/>
+            <a:off x="3028950" y="4767263"/>
+            <a:ext cx="3086100" cy="273844"/>
           </a:xfrm>
           <a:prstGeom prst="rect">
             <a:avLst/>
@@ -2961,7 +2617,7 @@
           <a:bodyPr vert="horz" lIns="91440" tIns="45720" rIns="91440" bIns="45720" rtlCol="0" anchor="ctr"/>
           <a:lstStyle>
             <a:lvl1pPr algn="ctr">
-              <a:defRPr sz="1200">
+              <a:defRPr sz="900">
                 <a:solidFill>
                   <a:schemeClr val="tx1">
                     <a:tint val="75000"/>
@@ -2977,13 +2633,7 @@
       </p:sp>
       <p:sp>
         <p:nvSpPr>
-          <p:cNvPr id="6" name="Slide Number Placeholder 5">
-            <a:extLst>
-              <a:ext uri="{FF2B5EF4-FFF2-40B4-BE49-F238E27FC236}">
-                <a16:creationId xmlns:a16="http://schemas.microsoft.com/office/drawing/2014/main" id="{558FB606-6AB6-4F2F-BD5D-09348526A0B6}"/>
-              </a:ext>
-            </a:extLst>
-          </p:cNvPr>
+          <p:cNvPr id="6" name="Slide Number Placeholder 5"/>
           <p:cNvSpPr>
             <a:spLocks noGrp="1"/>
           </p:cNvSpPr>
@@ -2993,8 +2643,8 @@
         </p:nvSpPr>
         <p:spPr>
           <a:xfrm>
-            <a:off x="8610600" y="6356350"/>
-            <a:ext cx="2743200" cy="365125"/>
+            <a:off x="6457950" y="4767263"/>
+            <a:ext cx="2057400" cy="273844"/>
           </a:xfrm>
           <a:prstGeom prst="rect">
             <a:avLst/>
@@ -3004,7 +2654,7 @@
           <a:bodyPr vert="horz" lIns="91440" tIns="45720" rIns="91440" bIns="45720" rtlCol="0" anchor="ctr"/>
           <a:lstStyle>
             <a:lvl1pPr algn="r">
-              <a:defRPr sz="1200">
+              <a:defRPr sz="900">
                 <a:solidFill>
                   <a:schemeClr val="tx1">
                     <a:tint val="75000"/>
@@ -3025,27 +2675,27 @@
     </p:spTree>
     <p:extLst>
       <p:ext uri="{BB962C8B-B14F-4D97-AF65-F5344CB8AC3E}">
-        <p14:creationId xmlns:p14="http://schemas.microsoft.com/office/powerpoint/2010/main" val="1073076425"/>
+        <p14:creationId xmlns:p14="http://schemas.microsoft.com/office/powerpoint/2010/main" val="2784477215"/>
       </p:ext>
     </p:extLst>
   </p:cSld>
   <p:clrMap bg1="lt1" tx1="dk1" bg2="lt2" tx2="dk2" accent1="accent1" accent2="accent2" accent3="accent3" accent4="accent4" accent5="accent5" accent6="accent6" hlink="hlink" folHlink="folHlink"/>
   <p:sldLayoutIdLst>
-    <p:sldLayoutId id="2147483649" r:id="rId1"/>
-    <p:sldLayoutId id="2147483650" r:id="rId2"/>
-    <p:sldLayoutId id="2147483651" r:id="rId3"/>
-    <p:sldLayoutId id="2147483652" r:id="rId4"/>
-    <p:sldLayoutId id="2147483653" r:id="rId5"/>
-    <p:sldLayoutId id="2147483654" r:id="rId6"/>
-    <p:sldLayoutId id="2147483655" r:id="rId7"/>
-    <p:sldLayoutId id="2147483656" r:id="rId8"/>
-    <p:sldLayoutId id="2147483657" r:id="rId9"/>
-    <p:sldLayoutId id="2147483658" r:id="rId10"/>
-    <p:sldLayoutId id="2147483659" r:id="rId11"/>
+    <p:sldLayoutId id="2147483733" r:id="rId1"/>
+    <p:sldLayoutId id="2147483734" r:id="rId2"/>
+    <p:sldLayoutId id="2147483735" r:id="rId3"/>
+    <p:sldLayoutId id="2147483736" r:id="rId4"/>
+    <p:sldLayoutId id="2147483737" r:id="rId5"/>
+    <p:sldLayoutId id="2147483738" r:id="rId6"/>
+    <p:sldLayoutId id="2147483739" r:id="rId7"/>
+    <p:sldLayoutId id="2147483740" r:id="rId8"/>
+    <p:sldLayoutId id="2147483741" r:id="rId9"/>
+    <p:sldLayoutId id="2147483742" r:id="rId10"/>
+    <p:sldLayoutId id="2147483743" r:id="rId11"/>
   </p:sldLayoutIdLst>
   <p:txStyles>
     <p:titleStyle>
-      <a:lvl1pPr algn="l" defTabSz="914400" rtl="0" eaLnBrk="1" latinLnBrk="0" hangingPunct="1">
+      <a:lvl1pPr algn="l" defTabSz="685800" rtl="0" eaLnBrk="1" latinLnBrk="0" hangingPunct="1">
         <a:lnSpc>
           <a:spcPct val="90000"/>
         </a:lnSpc>
@@ -3053,7 +2703,7 @@
           <a:spcPct val="0"/>
         </a:spcBef>
         <a:buNone/>
-        <a:defRPr sz="4400" kern="1200">
+        <a:defRPr sz="3300" kern="1200">
           <a:solidFill>
             <a:schemeClr val="tx1"/>
           </a:solidFill>
@@ -3064,16 +2714,16 @@
       </a:lvl1pPr>
     </p:titleStyle>
     <p:bodyStyle>
-      <a:lvl1pPr marL="228600" indent="-228600" algn="l" defTabSz="914400" rtl="0" eaLnBrk="1" latinLnBrk="0" hangingPunct="1">
+      <a:lvl1pPr marL="171450" indent="-171450" algn="l" defTabSz="685800" rtl="0" eaLnBrk="1" latinLnBrk="0" hangingPunct="1">
         <a:lnSpc>
           <a:spcPct val="90000"/>
         </a:lnSpc>
         <a:spcBef>
-          <a:spcPts val="1000"/>
+          <a:spcPts val="750"/>
         </a:spcBef>
         <a:buFont typeface="Arial" panose="020B0604020202020204" pitchFamily="34" charset="0"/>
         <a:buChar char="•"/>
-        <a:defRPr sz="2800" kern="1200">
+        <a:defRPr sz="2100" kern="1200">
           <a:solidFill>
             <a:schemeClr val="tx1"/>
           </a:solidFill>
@@ -3082,48 +2732,12 @@
           <a:cs typeface="+mn-cs"/>
         </a:defRPr>
       </a:lvl1pPr>
-      <a:lvl2pPr marL="685800" indent="-228600" algn="l" defTabSz="914400" rtl="0" eaLnBrk="1" latinLnBrk="0" hangingPunct="1">
+      <a:lvl2pPr marL="514350" indent="-171450" algn="l" defTabSz="685800" rtl="0" eaLnBrk="1" latinLnBrk="0" hangingPunct="1">
         <a:lnSpc>
           <a:spcPct val="90000"/>
         </a:lnSpc>
         <a:spcBef>
-          <a:spcPts val="500"/>
-        </a:spcBef>
-        <a:buFont typeface="Arial" panose="020B0604020202020204" pitchFamily="34" charset="0"/>
-        <a:buChar char="•"/>
-        <a:defRPr sz="2400" kern="1200">
-          <a:solidFill>
-            <a:schemeClr val="tx1"/>
-          </a:solidFill>
-          <a:latin typeface="+mn-lt"/>
-          <a:ea typeface="+mn-ea"/>
-          <a:cs typeface="+mn-cs"/>
-        </a:defRPr>
-      </a:lvl2pPr>
-      <a:lvl3pPr marL="1143000" indent="-228600" algn="l" defTabSz="914400" rtl="0" eaLnBrk="1" latinLnBrk="0" hangingPunct="1">
-        <a:lnSpc>
-          <a:spcPct val="90000"/>
-        </a:lnSpc>
-        <a:spcBef>
-          <a:spcPts val="500"/>
-        </a:spcBef>
-        <a:buFont typeface="Arial" panose="020B0604020202020204" pitchFamily="34" charset="0"/>
-        <a:buChar char="•"/>
-        <a:defRPr sz="2000" kern="1200">
-          <a:solidFill>
-            <a:schemeClr val="tx1"/>
-          </a:solidFill>
-          <a:latin typeface="+mn-lt"/>
-          <a:ea typeface="+mn-ea"/>
-          <a:cs typeface="+mn-cs"/>
-        </a:defRPr>
-      </a:lvl3pPr>
-      <a:lvl4pPr marL="1600200" indent="-228600" algn="l" defTabSz="914400" rtl="0" eaLnBrk="1" latinLnBrk="0" hangingPunct="1">
-        <a:lnSpc>
-          <a:spcPct val="90000"/>
-        </a:lnSpc>
-        <a:spcBef>
-          <a:spcPts val="500"/>
+          <a:spcPts val="375"/>
         </a:spcBef>
         <a:buFont typeface="Arial" panose="020B0604020202020204" pitchFamily="34" charset="0"/>
         <a:buChar char="•"/>
@@ -3135,17 +2749,53 @@
           <a:ea typeface="+mn-ea"/>
           <a:cs typeface="+mn-cs"/>
         </a:defRPr>
-      </a:lvl4pPr>
-      <a:lvl5pPr marL="2057400" indent="-228600" algn="l" defTabSz="914400" rtl="0" eaLnBrk="1" latinLnBrk="0" hangingPunct="1">
+      </a:lvl2pPr>
+      <a:lvl3pPr marL="857250" indent="-171450" algn="l" defTabSz="685800" rtl="0" eaLnBrk="1" latinLnBrk="0" hangingPunct="1">
         <a:lnSpc>
           <a:spcPct val="90000"/>
         </a:lnSpc>
         <a:spcBef>
-          <a:spcPts val="500"/>
+          <a:spcPts val="375"/>
         </a:spcBef>
         <a:buFont typeface="Arial" panose="020B0604020202020204" pitchFamily="34" charset="0"/>
         <a:buChar char="•"/>
-        <a:defRPr sz="1800" kern="1200">
+        <a:defRPr sz="1500" kern="1200">
+          <a:solidFill>
+            <a:schemeClr val="tx1"/>
+          </a:solidFill>
+          <a:latin typeface="+mn-lt"/>
+          <a:ea typeface="+mn-ea"/>
+          <a:cs typeface="+mn-cs"/>
+        </a:defRPr>
+      </a:lvl3pPr>
+      <a:lvl4pPr marL="1200150" indent="-171450" algn="l" defTabSz="685800" rtl="0" eaLnBrk="1" latinLnBrk="0" hangingPunct="1">
+        <a:lnSpc>
+          <a:spcPct val="90000"/>
+        </a:lnSpc>
+        <a:spcBef>
+          <a:spcPts val="375"/>
+        </a:spcBef>
+        <a:buFont typeface="Arial" panose="020B0604020202020204" pitchFamily="34" charset="0"/>
+        <a:buChar char="•"/>
+        <a:defRPr sz="1350" kern="1200">
+          <a:solidFill>
+            <a:schemeClr val="tx1"/>
+          </a:solidFill>
+          <a:latin typeface="+mn-lt"/>
+          <a:ea typeface="+mn-ea"/>
+          <a:cs typeface="+mn-cs"/>
+        </a:defRPr>
+      </a:lvl4pPr>
+      <a:lvl5pPr marL="1543050" indent="-171450" algn="l" defTabSz="685800" rtl="0" eaLnBrk="1" latinLnBrk="0" hangingPunct="1">
+        <a:lnSpc>
+          <a:spcPct val="90000"/>
+        </a:lnSpc>
+        <a:spcBef>
+          <a:spcPts val="375"/>
+        </a:spcBef>
+        <a:buFont typeface="Arial" panose="020B0604020202020204" pitchFamily="34" charset="0"/>
+        <a:buChar char="•"/>
+        <a:defRPr sz="1350" kern="1200">
           <a:solidFill>
             <a:schemeClr val="tx1"/>
           </a:solidFill>
@@ -3154,16 +2804,16 @@
           <a:cs typeface="+mn-cs"/>
         </a:defRPr>
       </a:lvl5pPr>
-      <a:lvl6pPr marL="2514600" indent="-228600" algn="l" defTabSz="914400" rtl="0" eaLnBrk="1" latinLnBrk="0" hangingPunct="1">
+      <a:lvl6pPr marL="1885950" indent="-171450" algn="l" defTabSz="685800" rtl="0" eaLnBrk="1" latinLnBrk="0" hangingPunct="1">
         <a:lnSpc>
           <a:spcPct val="90000"/>
         </a:lnSpc>
         <a:spcBef>
-          <a:spcPts val="500"/>
+          <a:spcPts val="375"/>
         </a:spcBef>
         <a:buFont typeface="Arial" panose="020B0604020202020204" pitchFamily="34" charset="0"/>
         <a:buChar char="•"/>
-        <a:defRPr sz="1800" kern="1200">
+        <a:defRPr sz="1350" kern="1200">
           <a:solidFill>
             <a:schemeClr val="tx1"/>
           </a:solidFill>
@@ -3172,16 +2822,16 @@
           <a:cs typeface="+mn-cs"/>
         </a:defRPr>
       </a:lvl6pPr>
-      <a:lvl7pPr marL="2971800" indent="-228600" algn="l" defTabSz="914400" rtl="0" eaLnBrk="1" latinLnBrk="0" hangingPunct="1">
+      <a:lvl7pPr marL="2228850" indent="-171450" algn="l" defTabSz="685800" rtl="0" eaLnBrk="1" latinLnBrk="0" hangingPunct="1">
         <a:lnSpc>
           <a:spcPct val="90000"/>
         </a:lnSpc>
         <a:spcBef>
-          <a:spcPts val="500"/>
+          <a:spcPts val="375"/>
         </a:spcBef>
         <a:buFont typeface="Arial" panose="020B0604020202020204" pitchFamily="34" charset="0"/>
         <a:buChar char="•"/>
-        <a:defRPr sz="1800" kern="1200">
+        <a:defRPr sz="1350" kern="1200">
           <a:solidFill>
             <a:schemeClr val="tx1"/>
           </a:solidFill>
@@ -3190,16 +2840,16 @@
           <a:cs typeface="+mn-cs"/>
         </a:defRPr>
       </a:lvl7pPr>
-      <a:lvl8pPr marL="3429000" indent="-228600" algn="l" defTabSz="914400" rtl="0" eaLnBrk="1" latinLnBrk="0" hangingPunct="1">
+      <a:lvl8pPr marL="2571750" indent="-171450" algn="l" defTabSz="685800" rtl="0" eaLnBrk="1" latinLnBrk="0" hangingPunct="1">
         <a:lnSpc>
           <a:spcPct val="90000"/>
         </a:lnSpc>
         <a:spcBef>
-          <a:spcPts val="500"/>
+          <a:spcPts val="375"/>
         </a:spcBef>
         <a:buFont typeface="Arial" panose="020B0604020202020204" pitchFamily="34" charset="0"/>
         <a:buChar char="•"/>
-        <a:defRPr sz="1800" kern="1200">
+        <a:defRPr sz="1350" kern="1200">
           <a:solidFill>
             <a:schemeClr val="tx1"/>
           </a:solidFill>
@@ -3208,16 +2858,16 @@
           <a:cs typeface="+mn-cs"/>
         </a:defRPr>
       </a:lvl8pPr>
-      <a:lvl9pPr marL="3886200" indent="-228600" algn="l" defTabSz="914400" rtl="0" eaLnBrk="1" latinLnBrk="0" hangingPunct="1">
+      <a:lvl9pPr marL="2914650" indent="-171450" algn="l" defTabSz="685800" rtl="0" eaLnBrk="1" latinLnBrk="0" hangingPunct="1">
         <a:lnSpc>
           <a:spcPct val="90000"/>
         </a:lnSpc>
         <a:spcBef>
-          <a:spcPts val="500"/>
+          <a:spcPts val="375"/>
         </a:spcBef>
         <a:buFont typeface="Arial" panose="020B0604020202020204" pitchFamily="34" charset="0"/>
         <a:buChar char="•"/>
-        <a:defRPr sz="1800" kern="1200">
+        <a:defRPr sz="1350" kern="1200">
           <a:solidFill>
             <a:schemeClr val="tx1"/>
           </a:solidFill>
@@ -3231,8 +2881,8 @@
       <a:defPPr>
         <a:defRPr lang="en-US"/>
       </a:defPPr>
-      <a:lvl1pPr marL="0" algn="l" defTabSz="914400" rtl="0" eaLnBrk="1" latinLnBrk="0" hangingPunct="1">
-        <a:defRPr sz="1800" kern="1200">
+      <a:lvl1pPr marL="0" algn="l" defTabSz="685800" rtl="0" eaLnBrk="1" latinLnBrk="0" hangingPunct="1">
+        <a:defRPr sz="1350" kern="1200">
           <a:solidFill>
             <a:schemeClr val="tx1"/>
           </a:solidFill>
@@ -3241,8 +2891,8 @@
           <a:cs typeface="+mn-cs"/>
         </a:defRPr>
       </a:lvl1pPr>
-      <a:lvl2pPr marL="457200" algn="l" defTabSz="914400" rtl="0" eaLnBrk="1" latinLnBrk="0" hangingPunct="1">
-        <a:defRPr sz="1800" kern="1200">
+      <a:lvl2pPr marL="342900" algn="l" defTabSz="685800" rtl="0" eaLnBrk="1" latinLnBrk="0" hangingPunct="1">
+        <a:defRPr sz="1350" kern="1200">
           <a:solidFill>
             <a:schemeClr val="tx1"/>
           </a:solidFill>
@@ -3251,8 +2901,8 @@
           <a:cs typeface="+mn-cs"/>
         </a:defRPr>
       </a:lvl2pPr>
-      <a:lvl3pPr marL="914400" algn="l" defTabSz="914400" rtl="0" eaLnBrk="1" latinLnBrk="0" hangingPunct="1">
-        <a:defRPr sz="1800" kern="1200">
+      <a:lvl3pPr marL="685800" algn="l" defTabSz="685800" rtl="0" eaLnBrk="1" latinLnBrk="0" hangingPunct="1">
+        <a:defRPr sz="1350" kern="1200">
           <a:solidFill>
             <a:schemeClr val="tx1"/>
           </a:solidFill>
@@ -3261,8 +2911,8 @@
           <a:cs typeface="+mn-cs"/>
         </a:defRPr>
       </a:lvl3pPr>
-      <a:lvl4pPr marL="1371600" algn="l" defTabSz="914400" rtl="0" eaLnBrk="1" latinLnBrk="0" hangingPunct="1">
-        <a:defRPr sz="1800" kern="1200">
+      <a:lvl4pPr marL="1028700" algn="l" defTabSz="685800" rtl="0" eaLnBrk="1" latinLnBrk="0" hangingPunct="1">
+        <a:defRPr sz="1350" kern="1200">
           <a:solidFill>
             <a:schemeClr val="tx1"/>
           </a:solidFill>
@@ -3271,8 +2921,8 @@
           <a:cs typeface="+mn-cs"/>
         </a:defRPr>
       </a:lvl4pPr>
-      <a:lvl5pPr marL="1828800" algn="l" defTabSz="914400" rtl="0" eaLnBrk="1" latinLnBrk="0" hangingPunct="1">
-        <a:defRPr sz="1800" kern="1200">
+      <a:lvl5pPr marL="1371600" algn="l" defTabSz="685800" rtl="0" eaLnBrk="1" latinLnBrk="0" hangingPunct="1">
+        <a:defRPr sz="1350" kern="1200">
           <a:solidFill>
             <a:schemeClr val="tx1"/>
           </a:solidFill>
@@ -3281,8 +2931,8 @@
           <a:cs typeface="+mn-cs"/>
         </a:defRPr>
       </a:lvl5pPr>
-      <a:lvl6pPr marL="2286000" algn="l" defTabSz="914400" rtl="0" eaLnBrk="1" latinLnBrk="0" hangingPunct="1">
-        <a:defRPr sz="1800" kern="1200">
+      <a:lvl6pPr marL="1714500" algn="l" defTabSz="685800" rtl="0" eaLnBrk="1" latinLnBrk="0" hangingPunct="1">
+        <a:defRPr sz="1350" kern="1200">
           <a:solidFill>
             <a:schemeClr val="tx1"/>
           </a:solidFill>
@@ -3291,8 +2941,8 @@
           <a:cs typeface="+mn-cs"/>
         </a:defRPr>
       </a:lvl6pPr>
-      <a:lvl7pPr marL="2743200" algn="l" defTabSz="914400" rtl="0" eaLnBrk="1" latinLnBrk="0" hangingPunct="1">
-        <a:defRPr sz="1800" kern="1200">
+      <a:lvl7pPr marL="2057400" algn="l" defTabSz="685800" rtl="0" eaLnBrk="1" latinLnBrk="0" hangingPunct="1">
+        <a:defRPr sz="1350" kern="1200">
           <a:solidFill>
             <a:schemeClr val="tx1"/>
           </a:solidFill>
@@ -3301,8 +2951,8 @@
           <a:cs typeface="+mn-cs"/>
         </a:defRPr>
       </a:lvl7pPr>
-      <a:lvl8pPr marL="3200400" algn="l" defTabSz="914400" rtl="0" eaLnBrk="1" latinLnBrk="0" hangingPunct="1">
-        <a:defRPr sz="1800" kern="1200">
+      <a:lvl8pPr marL="2400300" algn="l" defTabSz="685800" rtl="0" eaLnBrk="1" latinLnBrk="0" hangingPunct="1">
+        <a:defRPr sz="1350" kern="1200">
           <a:solidFill>
             <a:schemeClr val="tx1"/>
           </a:solidFill>
@@ -3311,8 +2961,8 @@
           <a:cs typeface="+mn-cs"/>
         </a:defRPr>
       </a:lvl8pPr>
-      <a:lvl9pPr marL="3657600" algn="l" defTabSz="914400" rtl="0" eaLnBrk="1" latinLnBrk="0" hangingPunct="1">
-        <a:defRPr sz="1800" kern="1200">
+      <a:lvl9pPr marL="2743200" algn="l" defTabSz="685800" rtl="0" eaLnBrk="1" latinLnBrk="0" hangingPunct="1">
+        <a:defRPr sz="1350" kern="1200">
           <a:solidFill>
             <a:schemeClr val="tx1"/>
           </a:solidFill>
@@ -3357,8 +3007,8 @@
         </p:nvGrpSpPr>
         <p:grpSpPr>
           <a:xfrm>
-            <a:off x="100849" y="0"/>
-            <a:ext cx="5234940" cy="6339840"/>
+            <a:off x="-4411466" y="-3690909"/>
+            <a:ext cx="9044436" cy="11128068"/>
             <a:chOff x="455412" y="259080"/>
             <a:chExt cx="5234940" cy="6339840"/>
           </a:xfrm>
@@ -3409,13 +3059,13 @@
           </p:nvCxnSpPr>
           <p:spPr>
             <a:xfrm flipV="1">
-              <a:off x="1922106" y="1380931"/>
+              <a:off x="1922106" y="1346199"/>
               <a:ext cx="0" cy="4534678"/>
             </a:xfrm>
             <a:prstGeom prst="line">
               <a:avLst/>
             </a:prstGeom>
-            <a:ln w="19050">
+            <a:ln w="38100">
               <a:solidFill>
                 <a:schemeClr val="tx1"/>
               </a:solidFill>
@@ -3459,7 +3109,7 @@
             <a:prstGeom prst="line">
               <a:avLst/>
             </a:prstGeom>
-            <a:ln w="19050">
+            <a:ln w="38100">
               <a:solidFill>
                 <a:schemeClr val="tx1"/>
               </a:solidFill>
@@ -3481,8 +3131,8 @@
             </a:fontRef>
           </p:style>
         </p:cxnSp>
-        <mc:AlternateContent xmlns:mc="http://schemas.openxmlformats.org/markup-compatibility/2006" xmlns:a14="http://schemas.microsoft.com/office/drawing/2010/main">
-          <mc:Choice Requires="a14">
+        <mc:AlternateContent xmlns:mc="http://schemas.openxmlformats.org/markup-compatibility/2006">
+          <mc:Choice xmlns:a14="http://schemas.microsoft.com/office/drawing/2010/main" Requires="a14">
             <p:sp>
               <p:nvSpPr>
                 <p:cNvPr id="9" name="TextBox 8">
@@ -3497,8 +3147,8 @@
               </p:nvSpPr>
               <p:spPr>
                 <a:xfrm>
-                  <a:off x="1390262" y="6087987"/>
-                  <a:ext cx="1268963" cy="338554"/>
+                  <a:off x="1287624" y="6068591"/>
+                  <a:ext cx="1268964" cy="296660"/>
                 </a:xfrm>
                 <a:prstGeom prst="rect">
                   <a:avLst/>
@@ -3519,7 +3169,7 @@
                       </m:oMathParaPr>
                       <m:oMath xmlns:m="http://schemas.openxmlformats.org/officeDocument/2006/math">
                         <m:r>
-                          <a:rPr lang="en-US" sz="1600" b="0" i="1" smtClean="0">
+                          <a:rPr lang="en-US" sz="2921" i="1">
                             <a:latin typeface="Cambria Math" panose="02040503050406030204" pitchFamily="18" charset="0"/>
                           </a:rPr>
                           <m:t>24</m:t>
@@ -3527,14 +3177,14 @@
                         <m:sSub>
                           <m:sSubPr>
                             <m:ctrlPr>
-                              <a:rPr lang="en-US" sz="1600" b="0" i="1" smtClean="0">
+                              <a:rPr lang="en-US" sz="2921" i="1">
                                 <a:latin typeface="Cambria Math" panose="02040503050406030204" pitchFamily="18" charset="0"/>
                               </a:rPr>
                             </m:ctrlPr>
                           </m:sSubPr>
                           <m:e>
                             <m:r>
-                              <a:rPr lang="en-US" sz="1600" b="0" i="1" smtClean="0">
+                              <a:rPr lang="en-US" sz="2921" i="1">
                                 <a:latin typeface="Cambria Math" panose="02040503050406030204" pitchFamily="18" charset="0"/>
                               </a:rPr>
                               <m:t>𝜏</m:t>
@@ -3542,7 +3192,7 @@
                           </m:e>
                           <m:sub>
                             <m:r>
-                              <a:rPr lang="en-US" sz="1600" b="0" i="1" smtClean="0">
+                              <a:rPr lang="en-US" sz="2921" i="1">
                                 <a:latin typeface="Cambria Math" panose="02040503050406030204" pitchFamily="18" charset="0"/>
                               </a:rPr>
                               <m:t>𝑐𝑒</m:t>
@@ -3552,12 +3202,12 @@
                       </m:oMath>
                     </m:oMathPara>
                   </a14:m>
-                  <a:endParaRPr lang="en-US" dirty="0"/>
+                  <a:endParaRPr lang="en-US" sz="2575" dirty="0"/>
                 </a:p>
               </p:txBody>
             </p:sp>
           </mc:Choice>
-          <mc:Fallback xmlns="">
+          <mc:Fallback>
             <p:sp>
               <p:nvSpPr>
                 <p:cNvPr id="9" name="TextBox 8">
@@ -3574,8 +3224,8 @@
               </p:nvSpPr>
               <p:spPr>
                 <a:xfrm>
-                  <a:off x="1390262" y="6087987"/>
-                  <a:ext cx="1268963" cy="338554"/>
+                  <a:off x="1287624" y="6068591"/>
+                  <a:ext cx="1268964" cy="296660"/>
                 </a:xfrm>
                 <a:prstGeom prst="rect">
                   <a:avLst/>
@@ -3602,8 +3252,8 @@
             </p:sp>
           </mc:Fallback>
         </mc:AlternateContent>
-        <mc:AlternateContent xmlns:mc="http://schemas.openxmlformats.org/markup-compatibility/2006" xmlns:a14="http://schemas.microsoft.com/office/drawing/2010/main">
-          <mc:Choice Requires="a14">
+        <mc:AlternateContent xmlns:mc="http://schemas.openxmlformats.org/markup-compatibility/2006">
+          <mc:Choice xmlns:a14="http://schemas.microsoft.com/office/drawing/2010/main" Requires="a14">
             <p:sp>
               <p:nvSpPr>
                 <p:cNvPr id="10" name="TextBox 9">
@@ -3618,8 +3268,8 @@
               </p:nvSpPr>
               <p:spPr>
                 <a:xfrm>
-                  <a:off x="4002834" y="6070882"/>
-                  <a:ext cx="1268963" cy="338554"/>
+                  <a:off x="4002834" y="6070881"/>
+                  <a:ext cx="1268964" cy="296660"/>
                 </a:xfrm>
                 <a:prstGeom prst="rect">
                   <a:avLst/>
@@ -3640,7 +3290,7 @@
                       </m:oMathParaPr>
                       <m:oMath xmlns:m="http://schemas.openxmlformats.org/officeDocument/2006/math">
                         <m:r>
-                          <a:rPr lang="en-US" sz="1600" b="0" i="1" smtClean="0">
+                          <a:rPr lang="en-US" sz="2921" i="1">
                             <a:latin typeface="Cambria Math" panose="02040503050406030204" pitchFamily="18" charset="0"/>
                           </a:rPr>
                           <m:t>114</m:t>
@@ -3648,14 +3298,14 @@
                         <m:sSub>
                           <m:sSubPr>
                             <m:ctrlPr>
-                              <a:rPr lang="en-US" sz="1600" b="0" i="1" smtClean="0">
+                              <a:rPr lang="en-US" sz="2921" i="1">
                                 <a:latin typeface="Cambria Math" panose="02040503050406030204" pitchFamily="18" charset="0"/>
                               </a:rPr>
                             </m:ctrlPr>
                           </m:sSubPr>
                           <m:e>
                             <m:r>
-                              <a:rPr lang="en-US" sz="1600" b="0" i="1" smtClean="0">
+                              <a:rPr lang="en-US" sz="2921" i="1">
                                 <a:latin typeface="Cambria Math" panose="02040503050406030204" pitchFamily="18" charset="0"/>
                               </a:rPr>
                               <m:t>𝜏</m:t>
@@ -3663,7 +3313,7 @@
                           </m:e>
                           <m:sub>
                             <m:r>
-                              <a:rPr lang="en-US" sz="1600" b="0" i="1" smtClean="0">
+                              <a:rPr lang="en-US" sz="2921" i="1">
                                 <a:latin typeface="Cambria Math" panose="02040503050406030204" pitchFamily="18" charset="0"/>
                               </a:rPr>
                               <m:t>𝑐𝑒</m:t>
@@ -3673,12 +3323,12 @@
                       </m:oMath>
                     </m:oMathPara>
                   </a14:m>
-                  <a:endParaRPr lang="en-US" dirty="0"/>
+                  <a:endParaRPr lang="en-US" sz="2575" dirty="0"/>
                 </a:p>
               </p:txBody>
             </p:sp>
           </mc:Choice>
-          <mc:Fallback xmlns="">
+          <mc:Fallback>
             <p:sp>
               <p:nvSpPr>
                 <p:cNvPr id="10" name="TextBox 9">
@@ -3695,8 +3345,8 @@
               </p:nvSpPr>
               <p:spPr>
                 <a:xfrm>
-                  <a:off x="4002834" y="6070882"/>
-                  <a:ext cx="1268963" cy="338554"/>
+                  <a:off x="4002834" y="6070881"/>
+                  <a:ext cx="1268964" cy="296660"/>
                 </a:xfrm>
                 <a:prstGeom prst="rect">
                   <a:avLst/>
@@ -3746,8 +3396,8 @@
         </p:blipFill>
         <p:spPr>
           <a:xfrm>
-            <a:off x="6096000" y="-550"/>
-            <a:ext cx="5230821" cy="6340390"/>
+            <a:off x="6481461" y="-3691875"/>
+            <a:ext cx="9181454" cy="11129034"/>
           </a:xfrm>
           <a:prstGeom prst="rect">
             <a:avLst/>
@@ -3758,6 +3408,66 @@
     <p:extLst>
       <p:ext uri="{BB962C8B-B14F-4D97-AF65-F5344CB8AC3E}">
         <p14:creationId xmlns:p14="http://schemas.microsoft.com/office/powerpoint/2010/main" val="1441151709"/>
+      </p:ext>
+    </p:extLst>
+  </p:cSld>
+  <p:clrMapOvr>
+    <a:masterClrMapping/>
+  </p:clrMapOvr>
+</p:sld>
+</file>
+
+<file path=ppt/slides/slide10.xml><?xml version="1.0" encoding="utf-8"?>
+<p:sld xmlns:a="http://schemas.openxmlformats.org/drawingml/2006/main" xmlns:r="http://schemas.openxmlformats.org/officeDocument/2006/relationships" xmlns:p="http://schemas.openxmlformats.org/presentationml/2006/main">
+  <p:cSld>
+    <p:spTree>
+      <p:nvGrpSpPr>
+        <p:cNvPr id="1" name=""/>
+        <p:cNvGrpSpPr/>
+        <p:nvPr/>
+      </p:nvGrpSpPr>
+      <p:grpSpPr>
+        <a:xfrm>
+          <a:off x="0" y="0"/>
+          <a:ext cx="0" cy="0"/>
+          <a:chOff x="0" y="0"/>
+          <a:chExt cx="0" cy="0"/>
+        </a:xfrm>
+      </p:grpSpPr>
+      <p:pic>
+        <p:nvPicPr>
+          <p:cNvPr id="2" name="Picture 1">
+            <a:extLst>
+              <a:ext uri="{FF2B5EF4-FFF2-40B4-BE49-F238E27FC236}">
+                <a16:creationId xmlns:a16="http://schemas.microsoft.com/office/drawing/2014/main" id="{9FA26CEF-FE16-4862-9390-A0ABDA1B1AC1}"/>
+              </a:ext>
+            </a:extLst>
+          </p:cNvPr>
+          <p:cNvPicPr>
+            <a:picLocks noChangeAspect="1"/>
+          </p:cNvPicPr>
+          <p:nvPr/>
+        </p:nvPicPr>
+        <p:blipFill>
+          <a:blip r:embed="rId2"/>
+          <a:stretch>
+            <a:fillRect/>
+          </a:stretch>
+        </p:blipFill>
+        <p:spPr>
+          <a:xfrm>
+            <a:off x="1238250" y="142875"/>
+            <a:ext cx="6667500" cy="5000625"/>
+          </a:xfrm>
+          <a:prstGeom prst="rect">
+            <a:avLst/>
+          </a:prstGeom>
+        </p:spPr>
+      </p:pic>
+    </p:spTree>
+    <p:extLst>
+      <p:ext uri="{BB962C8B-B14F-4D97-AF65-F5344CB8AC3E}">
+        <p14:creationId xmlns:p14="http://schemas.microsoft.com/office/powerpoint/2010/main" val="3265871715"/>
       </p:ext>
     </p:extLst>
   </p:cSld>
@@ -3786,10 +3496,10 @@
       </p:grpSpPr>
       <p:grpSp>
         <p:nvGrpSpPr>
-          <p:cNvPr id="5" name="Group 4">
+          <p:cNvPr id="2" name="Group 1">
             <a:extLst>
               <a:ext uri="{FF2B5EF4-FFF2-40B4-BE49-F238E27FC236}">
-                <a16:creationId xmlns:a16="http://schemas.microsoft.com/office/drawing/2014/main" id="{7E8419F3-F13E-404F-A192-AF09E0F01150}"/>
+                <a16:creationId xmlns:a16="http://schemas.microsoft.com/office/drawing/2014/main" id="{9F6CE19A-8A63-407C-A67A-E56AB0864128}"/>
               </a:ext>
             </a:extLst>
           </p:cNvPr>
@@ -3798,48 +3508,18 @@
         </p:nvGrpSpPr>
         <p:grpSpPr>
           <a:xfrm>
-            <a:off x="6219" y="0"/>
-            <a:ext cx="10274863" cy="6339840"/>
-            <a:chOff x="6219" y="0"/>
-            <a:chExt cx="10274863" cy="6339840"/>
+            <a:off x="960861" y="0"/>
+            <a:ext cx="6992908" cy="4858512"/>
+            <a:chOff x="960861" y="0"/>
+            <a:chExt cx="6992908" cy="4858512"/>
           </a:xfrm>
         </p:grpSpPr>
-        <p:pic>
-          <p:nvPicPr>
-            <p:cNvPr id="4" name="Picture 3">
+        <p:grpSp>
+          <p:nvGrpSpPr>
+            <p:cNvPr id="5" name="Group 4">
               <a:extLst>
                 <a:ext uri="{FF2B5EF4-FFF2-40B4-BE49-F238E27FC236}">
-                  <a16:creationId xmlns:a16="http://schemas.microsoft.com/office/drawing/2014/main" id="{2AA37D68-8A9D-45D5-BD51-F0148E23E2B2}"/>
-                </a:ext>
-              </a:extLst>
-            </p:cNvPr>
-            <p:cNvPicPr>
-              <a:picLocks noChangeAspect="1"/>
-            </p:cNvPicPr>
-            <p:nvPr/>
-          </p:nvPicPr>
-          <p:blipFill>
-            <a:blip r:embed="rId2"/>
-            <a:stretch>
-              <a:fillRect/>
-            </a:stretch>
-          </p:blipFill>
-          <p:spPr>
-            <a:xfrm>
-              <a:off x="4947082" y="61587"/>
-              <a:ext cx="5334000" cy="4000500"/>
-            </a:xfrm>
-            <a:prstGeom prst="rect">
-              <a:avLst/>
-            </a:prstGeom>
-          </p:spPr>
-        </p:pic>
-        <p:grpSp>
-          <p:nvGrpSpPr>
-            <p:cNvPr id="17" name="Group 16">
-              <a:extLst>
-                <a:ext uri="{FF2B5EF4-FFF2-40B4-BE49-F238E27FC236}">
-                  <a16:creationId xmlns:a16="http://schemas.microsoft.com/office/drawing/2014/main" id="{A29B67F9-C27B-4EE6-8A11-DC1BCF6D16E9}"/>
+                  <a16:creationId xmlns:a16="http://schemas.microsoft.com/office/drawing/2014/main" id="{7E8419F3-F13E-404F-A192-AF09E0F01150}"/>
                 </a:ext>
               </a:extLst>
             </p:cNvPr>
@@ -3848,18 +3528,48 @@
           </p:nvGrpSpPr>
           <p:grpSpPr>
             <a:xfrm>
-              <a:off x="6219" y="0"/>
-              <a:ext cx="9106617" cy="6339840"/>
-              <a:chOff x="130629" y="0"/>
-              <a:chExt cx="9106617" cy="6339840"/>
+              <a:off x="1034013" y="0"/>
+              <a:ext cx="6640851" cy="4858512"/>
+              <a:chOff x="-4651" y="0"/>
+              <a:chExt cx="10285732" cy="6339840"/>
             </a:xfrm>
           </p:grpSpPr>
+          <p:pic>
+            <p:nvPicPr>
+              <p:cNvPr id="4" name="Picture 3">
+                <a:extLst>
+                  <a:ext uri="{FF2B5EF4-FFF2-40B4-BE49-F238E27FC236}">
+                    <a16:creationId xmlns:a16="http://schemas.microsoft.com/office/drawing/2014/main" id="{2AA37D68-8A9D-45D5-BD51-F0148E23E2B2}"/>
+                  </a:ext>
+                </a:extLst>
+              </p:cNvPr>
+              <p:cNvPicPr>
+                <a:picLocks noChangeAspect="1"/>
+              </p:cNvPicPr>
+              <p:nvPr/>
+            </p:nvPicPr>
+            <p:blipFill>
+              <a:blip r:embed="rId2"/>
+              <a:stretch>
+                <a:fillRect/>
+              </a:stretch>
+            </p:blipFill>
+            <p:spPr>
+              <a:xfrm>
+                <a:off x="4947082" y="61587"/>
+                <a:ext cx="5333999" cy="4000500"/>
+              </a:xfrm>
+              <a:prstGeom prst="rect">
+                <a:avLst/>
+              </a:prstGeom>
+            </p:spPr>
+          </p:pic>
           <p:grpSp>
             <p:nvGrpSpPr>
-              <p:cNvPr id="13" name="Group 12">
+              <p:cNvPr id="17" name="Group 16">
                 <a:extLst>
                   <a:ext uri="{FF2B5EF4-FFF2-40B4-BE49-F238E27FC236}">
-                    <a16:creationId xmlns:a16="http://schemas.microsoft.com/office/drawing/2014/main" id="{59FABA3E-766D-4FBE-9F50-CDFA5C5333B8}"/>
+                    <a16:creationId xmlns:a16="http://schemas.microsoft.com/office/drawing/2014/main" id="{A29B67F9-C27B-4EE6-8A11-DC1BCF6D16E9}"/>
                   </a:ext>
                 </a:extLst>
               </p:cNvPr>
@@ -3868,48 +3578,157 @@
             </p:nvGrpSpPr>
             <p:grpSpPr>
               <a:xfrm>
-                <a:off x="130629" y="0"/>
-                <a:ext cx="5234940" cy="6339840"/>
-                <a:chOff x="0" y="660296"/>
-                <a:chExt cx="5234940" cy="6339840"/>
+                <a:off x="-4651" y="0"/>
+                <a:ext cx="9117487" cy="6339840"/>
+                <a:chOff x="119759" y="0"/>
+                <a:chExt cx="9117487" cy="6339840"/>
               </a:xfrm>
             </p:grpSpPr>
-            <p:pic>
-              <p:nvPicPr>
-                <p:cNvPr id="7" name="Picture 6">
+            <p:grpSp>
+              <p:nvGrpSpPr>
+                <p:cNvPr id="13" name="Group 12">
                   <a:extLst>
                     <a:ext uri="{FF2B5EF4-FFF2-40B4-BE49-F238E27FC236}">
-                      <a16:creationId xmlns:a16="http://schemas.microsoft.com/office/drawing/2014/main" id="{19000E87-83EA-44A4-88CC-D21A52C90BE6}"/>
+                      <a16:creationId xmlns:a16="http://schemas.microsoft.com/office/drawing/2014/main" id="{59FABA3E-766D-4FBE-9F50-CDFA5C5333B8}"/>
                     </a:ext>
                   </a:extLst>
                 </p:cNvPr>
-                <p:cNvPicPr>
-                  <a:picLocks noChangeAspect="1"/>
-                </p:cNvPicPr>
+                <p:cNvGrpSpPr/>
                 <p:nvPr/>
-              </p:nvPicPr>
-              <p:blipFill>
-                <a:blip r:embed="rId3"/>
-                <a:stretch>
-                  <a:fillRect/>
-                </a:stretch>
-              </p:blipFill>
-              <p:spPr>
+              </p:nvGrpSpPr>
+              <p:grpSpPr>
                 <a:xfrm>
-                  <a:off x="0" y="660296"/>
+                  <a:off x="119759" y="0"/>
                   <a:ext cx="5234940" cy="6339840"/>
+                  <a:chOff x="-10870" y="660296"/>
+                  <a:chExt cx="5234940" cy="6339840"/>
                 </a:xfrm>
-                <a:prstGeom prst="rect">
-                  <a:avLst/>
-                </a:prstGeom>
-              </p:spPr>
-            </p:pic>
+              </p:grpSpPr>
+              <p:pic>
+                <p:nvPicPr>
+                  <p:cNvPr id="7" name="Picture 6">
+                    <a:extLst>
+                      <a:ext uri="{FF2B5EF4-FFF2-40B4-BE49-F238E27FC236}">
+                        <a16:creationId xmlns:a16="http://schemas.microsoft.com/office/drawing/2014/main" id="{19000E87-83EA-44A4-88CC-D21A52C90BE6}"/>
+                      </a:ext>
+                    </a:extLst>
+                  </p:cNvPr>
+                  <p:cNvPicPr>
+                    <a:picLocks noChangeAspect="1"/>
+                  </p:cNvPicPr>
+                  <p:nvPr/>
+                </p:nvPicPr>
+                <p:blipFill>
+                  <a:blip r:embed="rId3"/>
+                  <a:stretch>
+                    <a:fillRect/>
+                  </a:stretch>
+                </p:blipFill>
+                <p:spPr>
+                  <a:xfrm>
+                    <a:off x="-10870" y="660296"/>
+                    <a:ext cx="5234940" cy="6339840"/>
+                  </a:xfrm>
+                  <a:prstGeom prst="rect">
+                    <a:avLst/>
+                  </a:prstGeom>
+                </p:spPr>
+              </p:pic>
+              <p:cxnSp>
+                <p:nvCxnSpPr>
+                  <p:cNvPr id="9" name="Straight Connector 8">
+                    <a:extLst>
+                      <a:ext uri="{FF2B5EF4-FFF2-40B4-BE49-F238E27FC236}">
+                        <a16:creationId xmlns:a16="http://schemas.microsoft.com/office/drawing/2014/main" id="{1BC75D55-E786-440A-B88E-989624905D34}"/>
+                      </a:ext>
+                    </a:extLst>
+                  </p:cNvPr>
+                  <p:cNvCxnSpPr>
+                    <a:cxnSpLocks/>
+                  </p:cNvCxnSpPr>
+                  <p:nvPr/>
+                </p:nvCxnSpPr>
+                <p:spPr>
+                  <a:xfrm flipV="1">
+                    <a:off x="1446244" y="1744824"/>
+                    <a:ext cx="0" cy="4572000"/>
+                  </a:xfrm>
+                  <a:prstGeom prst="line">
+                    <a:avLst/>
+                  </a:prstGeom>
+                  <a:ln w="19050">
+                    <a:solidFill>
+                      <a:schemeClr val="tx1"/>
+                    </a:solidFill>
+                    <a:prstDash val="dash"/>
+                  </a:ln>
+                </p:spPr>
+                <p:style>
+                  <a:lnRef idx="1">
+                    <a:schemeClr val="accent1"/>
+                  </a:lnRef>
+                  <a:fillRef idx="0">
+                    <a:schemeClr val="accent1"/>
+                  </a:fillRef>
+                  <a:effectRef idx="0">
+                    <a:schemeClr val="accent1"/>
+                  </a:effectRef>
+                  <a:fontRef idx="minor">
+                    <a:schemeClr val="tx1"/>
+                  </a:fontRef>
+                </p:style>
+              </p:cxnSp>
+              <p:cxnSp>
+                <p:nvCxnSpPr>
+                  <p:cNvPr id="10" name="Straight Connector 9">
+                    <a:extLst>
+                      <a:ext uri="{FF2B5EF4-FFF2-40B4-BE49-F238E27FC236}">
+                        <a16:creationId xmlns:a16="http://schemas.microsoft.com/office/drawing/2014/main" id="{CB359585-2CCD-4C15-8EC5-3D9AA99847D1}"/>
+                      </a:ext>
+                    </a:extLst>
+                  </p:cNvPr>
+                  <p:cNvCxnSpPr>
+                    <a:cxnSpLocks/>
+                  </p:cNvCxnSpPr>
+                  <p:nvPr/>
+                </p:nvCxnSpPr>
+                <p:spPr>
+                  <a:xfrm flipV="1">
+                    <a:off x="4108578" y="1765485"/>
+                    <a:ext cx="0" cy="4551339"/>
+                  </a:xfrm>
+                  <a:prstGeom prst="line">
+                    <a:avLst/>
+                  </a:prstGeom>
+                  <a:ln w="19050">
+                    <a:solidFill>
+                      <a:schemeClr val="tx1"/>
+                    </a:solidFill>
+                    <a:prstDash val="dash"/>
+                  </a:ln>
+                </p:spPr>
+                <p:style>
+                  <a:lnRef idx="1">
+                    <a:schemeClr val="accent1"/>
+                  </a:lnRef>
+                  <a:fillRef idx="0">
+                    <a:schemeClr val="accent1"/>
+                  </a:fillRef>
+                  <a:effectRef idx="0">
+                    <a:schemeClr val="accent1"/>
+                  </a:effectRef>
+                  <a:fontRef idx="minor">
+                    <a:schemeClr val="tx1"/>
+                  </a:fontRef>
+                </p:style>
+              </p:cxnSp>
+            </p:grpSp>
             <p:cxnSp>
               <p:nvCxnSpPr>
-                <p:cNvPr id="9" name="Straight Connector 8">
+                <p:cNvPr id="14" name="Straight Connector 13">
                   <a:extLst>
                     <a:ext uri="{FF2B5EF4-FFF2-40B4-BE49-F238E27FC236}">
-                      <a16:creationId xmlns:a16="http://schemas.microsoft.com/office/drawing/2014/main" id="{1BC75D55-E786-440A-B88E-989624905D34}"/>
+                      <a16:creationId xmlns:a16="http://schemas.microsoft.com/office/drawing/2014/main" id="{90953D44-6D6A-4700-A79A-8B57CAACEB35}"/>
                     </a:ext>
                   </a:extLst>
                 </p:cNvPr>
@@ -3920,13 +3739,13 @@
               </p:nvCxnSpPr>
               <p:spPr>
                 <a:xfrm flipV="1">
-                  <a:off x="1446244" y="1744824"/>
-                  <a:ext cx="0" cy="4572000"/>
+                  <a:off x="6522944" y="279406"/>
+                  <a:ext cx="0" cy="3297750"/>
                 </a:xfrm>
                 <a:prstGeom prst="line">
                   <a:avLst/>
                 </a:prstGeom>
-                <a:ln w="9525">
+                <a:ln w="19050">
                   <a:solidFill>
                     <a:schemeClr val="tx1"/>
                   </a:solidFill>
@@ -3950,10 +3769,10 @@
             </p:cxnSp>
             <p:cxnSp>
               <p:nvCxnSpPr>
-                <p:cNvPr id="10" name="Straight Connector 9">
+                <p:cNvPr id="16" name="Straight Connector 15">
                   <a:extLst>
                     <a:ext uri="{FF2B5EF4-FFF2-40B4-BE49-F238E27FC236}">
-                      <a16:creationId xmlns:a16="http://schemas.microsoft.com/office/drawing/2014/main" id="{CB359585-2CCD-4C15-8EC5-3D9AA99847D1}"/>
+                      <a16:creationId xmlns:a16="http://schemas.microsoft.com/office/drawing/2014/main" id="{558F5A43-8A0D-459E-B219-66B769AB2100}"/>
                     </a:ext>
                   </a:extLst>
                 </p:cNvPr>
@@ -3964,13 +3783,13 @@
               </p:nvCxnSpPr>
               <p:spPr>
                 <a:xfrm flipV="1">
-                  <a:off x="4108578" y="1765485"/>
-                  <a:ext cx="0" cy="4551339"/>
+                  <a:off x="9237246" y="302959"/>
+                  <a:ext cx="0" cy="3297752"/>
                 </a:xfrm>
                 <a:prstGeom prst="line">
                   <a:avLst/>
                 </a:prstGeom>
-                <a:ln w="9525">
+                <a:ln w="19050">
                   <a:solidFill>
                     <a:schemeClr val="tx1"/>
                   </a:solidFill>
@@ -3993,95 +3812,491 @@
               </p:style>
             </p:cxnSp>
           </p:grpSp>
-          <p:cxnSp>
-            <p:nvCxnSpPr>
-              <p:cNvPr id="14" name="Straight Connector 13">
-                <a:extLst>
-                  <a:ext uri="{FF2B5EF4-FFF2-40B4-BE49-F238E27FC236}">
-                    <a16:creationId xmlns:a16="http://schemas.microsoft.com/office/drawing/2014/main" id="{90953D44-6D6A-4700-A79A-8B57CAACEB35}"/>
-                  </a:ext>
-                </a:extLst>
-              </p:cNvPr>
-              <p:cNvCxnSpPr>
-                <a:cxnSpLocks/>
-              </p:cNvCxnSpPr>
-              <p:nvPr/>
-            </p:nvCxnSpPr>
-            <p:spPr>
-              <a:xfrm flipV="1">
-                <a:off x="6522944" y="279406"/>
-                <a:ext cx="0" cy="3297750"/>
-              </a:xfrm>
-              <a:prstGeom prst="line">
-                <a:avLst/>
-              </a:prstGeom>
-              <a:ln w="9525">
-                <a:solidFill>
-                  <a:schemeClr val="tx1"/>
-                </a:solidFill>
-                <a:prstDash val="dash"/>
-              </a:ln>
-            </p:spPr>
-            <p:style>
-              <a:lnRef idx="1">
-                <a:schemeClr val="accent1"/>
-              </a:lnRef>
-              <a:fillRef idx="0">
-                <a:schemeClr val="accent1"/>
-              </a:fillRef>
-              <a:effectRef idx="0">
-                <a:schemeClr val="accent1"/>
-              </a:effectRef>
-              <a:fontRef idx="minor">
-                <a:schemeClr val="tx1"/>
-              </a:fontRef>
-            </p:style>
-          </p:cxnSp>
-          <p:cxnSp>
-            <p:nvCxnSpPr>
-              <p:cNvPr id="16" name="Straight Connector 15">
-                <a:extLst>
-                  <a:ext uri="{FF2B5EF4-FFF2-40B4-BE49-F238E27FC236}">
-                    <a16:creationId xmlns:a16="http://schemas.microsoft.com/office/drawing/2014/main" id="{558F5A43-8A0D-459E-B219-66B769AB2100}"/>
-                  </a:ext>
-                </a:extLst>
-              </p:cNvPr>
-              <p:cNvCxnSpPr>
-                <a:cxnSpLocks/>
-              </p:cNvCxnSpPr>
-              <p:nvPr/>
-            </p:nvCxnSpPr>
-            <p:spPr>
-              <a:xfrm flipV="1">
-                <a:off x="9237246" y="302959"/>
-                <a:ext cx="0" cy="3297752"/>
-              </a:xfrm>
-              <a:prstGeom prst="line">
-                <a:avLst/>
-              </a:prstGeom>
-              <a:ln w="9525">
-                <a:solidFill>
-                  <a:schemeClr val="tx1"/>
-                </a:solidFill>
-                <a:prstDash val="dash"/>
-              </a:ln>
-            </p:spPr>
-            <p:style>
-              <a:lnRef idx="1">
-                <a:schemeClr val="accent1"/>
-              </a:lnRef>
-              <a:fillRef idx="0">
-                <a:schemeClr val="accent1"/>
-              </a:fillRef>
-              <a:effectRef idx="0">
-                <a:schemeClr val="accent1"/>
-              </a:effectRef>
-              <a:fontRef idx="minor">
-                <a:schemeClr val="tx1"/>
-              </a:fontRef>
-            </p:style>
-          </p:cxnSp>
         </p:grpSp>
+        <mc:AlternateContent xmlns:mc="http://schemas.openxmlformats.org/markup-compatibility/2006">
+          <mc:Choice xmlns:a14="http://schemas.microsoft.com/office/drawing/2010/main" Requires="a14">
+            <p:sp>
+              <p:nvSpPr>
+                <p:cNvPr id="11" name="TextBox 10">
+                  <a:extLst>
+                    <a:ext uri="{FF2B5EF4-FFF2-40B4-BE49-F238E27FC236}">
+                      <a16:creationId xmlns:a16="http://schemas.microsoft.com/office/drawing/2014/main" id="{E07F2052-08DE-47FD-80F7-AF32F3CA73D7}"/>
+                    </a:ext>
+                  </a:extLst>
+                </p:cNvPr>
+                <p:cNvSpPr txBox="1"/>
+                <p:nvPr/>
+              </p:nvSpPr>
+              <p:spPr>
+                <a:xfrm>
+                  <a:off x="960861" y="4421923"/>
+                  <a:ext cx="2192396" cy="276999"/>
+                </a:xfrm>
+                <a:prstGeom prst="rect">
+                  <a:avLst/>
+                </a:prstGeom>
+                <a:noFill/>
+              </p:spPr>
+              <p:txBody>
+                <a:bodyPr wrap="square" rtlCol="0">
+                  <a:spAutoFit/>
+                </a:bodyPr>
+                <a:lstStyle/>
+                <a:p>
+                  <a:pPr/>
+                  <a14:m>
+                    <m:oMathPara xmlns:m="http://schemas.openxmlformats.org/officeDocument/2006/math">
+                      <m:oMathParaPr>
+                        <m:jc m:val="centerGroup"/>
+                      </m:oMathParaPr>
+                      <m:oMath xmlns:m="http://schemas.openxmlformats.org/officeDocument/2006/math">
+                        <m:r>
+                          <a:rPr lang="en-US" sz="1200" i="1">
+                            <a:latin typeface="Cambria Math" panose="02040503050406030204" pitchFamily="18" charset="0"/>
+                          </a:rPr>
+                          <m:t>24</m:t>
+                        </m:r>
+                        <m:sSub>
+                          <m:sSubPr>
+                            <m:ctrlPr>
+                              <a:rPr lang="en-US" sz="1200" i="1">
+                                <a:latin typeface="Cambria Math" panose="02040503050406030204" pitchFamily="18" charset="0"/>
+                              </a:rPr>
+                            </m:ctrlPr>
+                          </m:sSubPr>
+                          <m:e>
+                            <m:r>
+                              <a:rPr lang="en-US" sz="1200" i="1">
+                                <a:latin typeface="Cambria Math" panose="02040503050406030204" pitchFamily="18" charset="0"/>
+                              </a:rPr>
+                              <m:t>𝜏</m:t>
+                            </m:r>
+                          </m:e>
+                          <m:sub>
+                            <m:r>
+                              <a:rPr lang="en-US" sz="1200" i="1">
+                                <a:latin typeface="Cambria Math" panose="02040503050406030204" pitchFamily="18" charset="0"/>
+                              </a:rPr>
+                              <m:t>𝑐𝑒</m:t>
+                            </m:r>
+                          </m:sub>
+                        </m:sSub>
+                      </m:oMath>
+                    </m:oMathPara>
+                  </a14:m>
+                  <a:endParaRPr lang="en-US" sz="1100" dirty="0"/>
+                </a:p>
+              </p:txBody>
+            </p:sp>
+          </mc:Choice>
+          <mc:Fallback>
+            <p:sp>
+              <p:nvSpPr>
+                <p:cNvPr id="11" name="TextBox 10">
+                  <a:extLst>
+                    <a:ext uri="{FF2B5EF4-FFF2-40B4-BE49-F238E27FC236}">
+                      <a16:creationId xmlns:a16="http://schemas.microsoft.com/office/drawing/2014/main" id="{E07F2052-08DE-47FD-80F7-AF32F3CA73D7}"/>
+                    </a:ext>
+                  </a:extLst>
+                </p:cNvPr>
+                <p:cNvSpPr txBox="1">
+                  <a:spLocks noRot="1" noChangeAspect="1" noMove="1" noResize="1" noEditPoints="1" noAdjustHandles="1" noChangeArrowheads="1" noChangeShapeType="1" noTextEdit="1"/>
+                </p:cNvSpPr>
+                <p:nvPr/>
+              </p:nvSpPr>
+              <p:spPr>
+                <a:xfrm>
+                  <a:off x="960861" y="4421923"/>
+                  <a:ext cx="2192396" cy="276999"/>
+                </a:xfrm>
+                <a:prstGeom prst="rect">
+                  <a:avLst/>
+                </a:prstGeom>
+                <a:blipFill>
+                  <a:blip r:embed="rId4"/>
+                  <a:stretch>
+                    <a:fillRect/>
+                  </a:stretch>
+                </a:blipFill>
+              </p:spPr>
+              <p:txBody>
+                <a:bodyPr/>
+                <a:lstStyle/>
+                <a:p>
+                  <a:r>
+                    <a:rPr lang="en-US">
+                      <a:noFill/>
+                    </a:rPr>
+                    <a:t> </a:t>
+                  </a:r>
+                </a:p>
+              </p:txBody>
+            </p:sp>
+          </mc:Fallback>
+        </mc:AlternateContent>
+        <mc:AlternateContent xmlns:mc="http://schemas.openxmlformats.org/markup-compatibility/2006">
+          <mc:Choice xmlns:a14="http://schemas.microsoft.com/office/drawing/2010/main" Requires="a14">
+            <p:sp>
+              <p:nvSpPr>
+                <p:cNvPr id="12" name="TextBox 11">
+                  <a:extLst>
+                    <a:ext uri="{FF2B5EF4-FFF2-40B4-BE49-F238E27FC236}">
+                      <a16:creationId xmlns:a16="http://schemas.microsoft.com/office/drawing/2014/main" id="{1DA82E87-364F-4663-A2C8-63B7F8A143E7}"/>
+                    </a:ext>
+                  </a:extLst>
+                </p:cNvPr>
+                <p:cNvSpPr txBox="1"/>
+                <p:nvPr/>
+              </p:nvSpPr>
+              <p:spPr>
+                <a:xfrm>
+                  <a:off x="2598621" y="4421922"/>
+                  <a:ext cx="2192396" cy="276999"/>
+                </a:xfrm>
+                <a:prstGeom prst="rect">
+                  <a:avLst/>
+                </a:prstGeom>
+                <a:noFill/>
+              </p:spPr>
+              <p:txBody>
+                <a:bodyPr wrap="square" rtlCol="0">
+                  <a:spAutoFit/>
+                </a:bodyPr>
+                <a:lstStyle/>
+                <a:p>
+                  <a:pPr/>
+                  <a14:m>
+                    <m:oMathPara xmlns:m="http://schemas.openxmlformats.org/officeDocument/2006/math">
+                      <m:oMathParaPr>
+                        <m:jc m:val="centerGroup"/>
+                      </m:oMathParaPr>
+                      <m:oMath xmlns:m="http://schemas.openxmlformats.org/officeDocument/2006/math">
+                        <m:r>
+                          <a:rPr lang="en-US" sz="1200" i="1">
+                            <a:latin typeface="Cambria Math" panose="02040503050406030204" pitchFamily="18" charset="0"/>
+                          </a:rPr>
+                          <m:t>114</m:t>
+                        </m:r>
+                        <m:sSub>
+                          <m:sSubPr>
+                            <m:ctrlPr>
+                              <a:rPr lang="en-US" sz="1200" i="1">
+                                <a:latin typeface="Cambria Math" panose="02040503050406030204" pitchFamily="18" charset="0"/>
+                              </a:rPr>
+                            </m:ctrlPr>
+                          </m:sSubPr>
+                          <m:e>
+                            <m:r>
+                              <a:rPr lang="en-US" sz="1200" i="1">
+                                <a:latin typeface="Cambria Math" panose="02040503050406030204" pitchFamily="18" charset="0"/>
+                              </a:rPr>
+                              <m:t>𝜏</m:t>
+                            </m:r>
+                          </m:e>
+                          <m:sub>
+                            <m:r>
+                              <a:rPr lang="en-US" sz="1200" i="1">
+                                <a:latin typeface="Cambria Math" panose="02040503050406030204" pitchFamily="18" charset="0"/>
+                              </a:rPr>
+                              <m:t>𝑐𝑒</m:t>
+                            </m:r>
+                          </m:sub>
+                        </m:sSub>
+                      </m:oMath>
+                    </m:oMathPara>
+                  </a14:m>
+                  <a:endParaRPr lang="en-US" sz="2575" dirty="0"/>
+                </a:p>
+              </p:txBody>
+            </p:sp>
+          </mc:Choice>
+          <mc:Fallback>
+            <p:sp>
+              <p:nvSpPr>
+                <p:cNvPr id="12" name="TextBox 11">
+                  <a:extLst>
+                    <a:ext uri="{FF2B5EF4-FFF2-40B4-BE49-F238E27FC236}">
+                      <a16:creationId xmlns:a16="http://schemas.microsoft.com/office/drawing/2014/main" id="{1DA82E87-364F-4663-A2C8-63B7F8A143E7}"/>
+                    </a:ext>
+                  </a:extLst>
+                </p:cNvPr>
+                <p:cNvSpPr txBox="1">
+                  <a:spLocks noRot="1" noChangeAspect="1" noMove="1" noResize="1" noEditPoints="1" noAdjustHandles="1" noChangeArrowheads="1" noChangeShapeType="1" noTextEdit="1"/>
+                </p:cNvSpPr>
+                <p:nvPr/>
+              </p:nvSpPr>
+              <p:spPr>
+                <a:xfrm>
+                  <a:off x="2598621" y="4421922"/>
+                  <a:ext cx="2192396" cy="276999"/>
+                </a:xfrm>
+                <a:prstGeom prst="rect">
+                  <a:avLst/>
+                </a:prstGeom>
+                <a:blipFill>
+                  <a:blip r:embed="rId5"/>
+                  <a:stretch>
+                    <a:fillRect/>
+                  </a:stretch>
+                </a:blipFill>
+              </p:spPr>
+              <p:txBody>
+                <a:bodyPr/>
+                <a:lstStyle/>
+                <a:p>
+                  <a:r>
+                    <a:rPr lang="en-US">
+                      <a:noFill/>
+                    </a:rPr>
+                    <a:t> </a:t>
+                  </a:r>
+                </a:p>
+              </p:txBody>
+            </p:sp>
+          </mc:Fallback>
+        </mc:AlternateContent>
+        <mc:AlternateContent xmlns:mc="http://schemas.openxmlformats.org/markup-compatibility/2006">
+          <mc:Choice xmlns:a14="http://schemas.microsoft.com/office/drawing/2010/main" Requires="a14">
+            <p:sp>
+              <p:nvSpPr>
+                <p:cNvPr id="15" name="TextBox 14">
+                  <a:extLst>
+                    <a:ext uri="{FF2B5EF4-FFF2-40B4-BE49-F238E27FC236}">
+                      <a16:creationId xmlns:a16="http://schemas.microsoft.com/office/drawing/2014/main" id="{A313CA53-2AD9-41D0-B211-57D679B13384}"/>
+                    </a:ext>
+                  </a:extLst>
+                </p:cNvPr>
+                <p:cNvSpPr txBox="1"/>
+                <p:nvPr/>
+              </p:nvSpPr>
+              <p:spPr>
+                <a:xfrm>
+                  <a:off x="4123613" y="2874254"/>
+                  <a:ext cx="2192396" cy="276999"/>
+                </a:xfrm>
+                <a:prstGeom prst="rect">
+                  <a:avLst/>
+                </a:prstGeom>
+                <a:noFill/>
+              </p:spPr>
+              <p:txBody>
+                <a:bodyPr wrap="square" rtlCol="0">
+                  <a:spAutoFit/>
+                </a:bodyPr>
+                <a:lstStyle/>
+                <a:p>
+                  <a:pPr/>
+                  <a14:m>
+                    <m:oMathPara xmlns:m="http://schemas.openxmlformats.org/officeDocument/2006/math">
+                      <m:oMathParaPr>
+                        <m:jc m:val="centerGroup"/>
+                      </m:oMathParaPr>
+                      <m:oMath xmlns:m="http://schemas.openxmlformats.org/officeDocument/2006/math">
+                        <m:r>
+                          <a:rPr lang="en-US" sz="1200" i="1">
+                            <a:latin typeface="Cambria Math" panose="02040503050406030204" pitchFamily="18" charset="0"/>
+                          </a:rPr>
+                          <m:t>24</m:t>
+                        </m:r>
+                        <m:sSub>
+                          <m:sSubPr>
+                            <m:ctrlPr>
+                              <a:rPr lang="en-US" sz="1200" i="1">
+                                <a:latin typeface="Cambria Math" panose="02040503050406030204" pitchFamily="18" charset="0"/>
+                              </a:rPr>
+                            </m:ctrlPr>
+                          </m:sSubPr>
+                          <m:e>
+                            <m:r>
+                              <a:rPr lang="en-US" sz="1200" i="1">
+                                <a:latin typeface="Cambria Math" panose="02040503050406030204" pitchFamily="18" charset="0"/>
+                              </a:rPr>
+                              <m:t>𝜏</m:t>
+                            </m:r>
+                          </m:e>
+                          <m:sub>
+                            <m:r>
+                              <a:rPr lang="en-US" sz="1200" i="1">
+                                <a:latin typeface="Cambria Math" panose="02040503050406030204" pitchFamily="18" charset="0"/>
+                              </a:rPr>
+                              <m:t>𝑐𝑒</m:t>
+                            </m:r>
+                          </m:sub>
+                        </m:sSub>
+                      </m:oMath>
+                    </m:oMathPara>
+                  </a14:m>
+                  <a:endParaRPr lang="en-US" sz="1100" dirty="0"/>
+                </a:p>
+              </p:txBody>
+            </p:sp>
+          </mc:Choice>
+          <mc:Fallback>
+            <p:sp>
+              <p:nvSpPr>
+                <p:cNvPr id="15" name="TextBox 14">
+                  <a:extLst>
+                    <a:ext uri="{FF2B5EF4-FFF2-40B4-BE49-F238E27FC236}">
+                      <a16:creationId xmlns:a16="http://schemas.microsoft.com/office/drawing/2014/main" id="{A313CA53-2AD9-41D0-B211-57D679B13384}"/>
+                    </a:ext>
+                  </a:extLst>
+                </p:cNvPr>
+                <p:cNvSpPr txBox="1">
+                  <a:spLocks noRot="1" noChangeAspect="1" noMove="1" noResize="1" noEditPoints="1" noAdjustHandles="1" noChangeArrowheads="1" noChangeShapeType="1" noTextEdit="1"/>
+                </p:cNvSpPr>
+                <p:nvPr/>
+              </p:nvSpPr>
+              <p:spPr>
+                <a:xfrm>
+                  <a:off x="4123613" y="2874254"/>
+                  <a:ext cx="2192396" cy="276999"/>
+                </a:xfrm>
+                <a:prstGeom prst="rect">
+                  <a:avLst/>
+                </a:prstGeom>
+                <a:blipFill>
+                  <a:blip r:embed="rId6"/>
+                  <a:stretch>
+                    <a:fillRect/>
+                  </a:stretch>
+                </a:blipFill>
+              </p:spPr>
+              <p:txBody>
+                <a:bodyPr/>
+                <a:lstStyle/>
+                <a:p>
+                  <a:r>
+                    <a:rPr lang="en-US">
+                      <a:noFill/>
+                    </a:rPr>
+                    <a:t> </a:t>
+                  </a:r>
+                </a:p>
+              </p:txBody>
+            </p:sp>
+          </mc:Fallback>
+        </mc:AlternateContent>
+        <mc:AlternateContent xmlns:mc="http://schemas.openxmlformats.org/markup-compatibility/2006">
+          <mc:Choice xmlns:a14="http://schemas.microsoft.com/office/drawing/2010/main" Requires="a14">
+            <p:sp>
+              <p:nvSpPr>
+                <p:cNvPr id="18" name="TextBox 17">
+                  <a:extLst>
+                    <a:ext uri="{FF2B5EF4-FFF2-40B4-BE49-F238E27FC236}">
+                      <a16:creationId xmlns:a16="http://schemas.microsoft.com/office/drawing/2014/main" id="{A0A8EA0D-B7F8-47BA-B8E3-1A8E72C9886A}"/>
+                    </a:ext>
+                  </a:extLst>
+                </p:cNvPr>
+                <p:cNvSpPr txBox="1"/>
+                <p:nvPr/>
+              </p:nvSpPr>
+              <p:spPr>
+                <a:xfrm>
+                  <a:off x="5761373" y="2874253"/>
+                  <a:ext cx="2192396" cy="276999"/>
+                </a:xfrm>
+                <a:prstGeom prst="rect">
+                  <a:avLst/>
+                </a:prstGeom>
+                <a:noFill/>
+              </p:spPr>
+              <p:txBody>
+                <a:bodyPr wrap="square" rtlCol="0">
+                  <a:spAutoFit/>
+                </a:bodyPr>
+                <a:lstStyle/>
+                <a:p>
+                  <a:pPr/>
+                  <a14:m>
+                    <m:oMathPara xmlns:m="http://schemas.openxmlformats.org/officeDocument/2006/math">
+                      <m:oMathParaPr>
+                        <m:jc m:val="centerGroup"/>
+                      </m:oMathParaPr>
+                      <m:oMath xmlns:m="http://schemas.openxmlformats.org/officeDocument/2006/math">
+                        <m:r>
+                          <a:rPr lang="en-US" sz="1200" i="1">
+                            <a:latin typeface="Cambria Math" panose="02040503050406030204" pitchFamily="18" charset="0"/>
+                          </a:rPr>
+                          <m:t>114</m:t>
+                        </m:r>
+                        <m:sSub>
+                          <m:sSubPr>
+                            <m:ctrlPr>
+                              <a:rPr lang="en-US" sz="1200" i="1">
+                                <a:latin typeface="Cambria Math" panose="02040503050406030204" pitchFamily="18" charset="0"/>
+                              </a:rPr>
+                            </m:ctrlPr>
+                          </m:sSubPr>
+                          <m:e>
+                            <m:r>
+                              <a:rPr lang="en-US" sz="1200" i="1">
+                                <a:latin typeface="Cambria Math" panose="02040503050406030204" pitchFamily="18" charset="0"/>
+                              </a:rPr>
+                              <m:t>𝜏</m:t>
+                            </m:r>
+                          </m:e>
+                          <m:sub>
+                            <m:r>
+                              <a:rPr lang="en-US" sz="1200" i="1">
+                                <a:latin typeface="Cambria Math" panose="02040503050406030204" pitchFamily="18" charset="0"/>
+                              </a:rPr>
+                              <m:t>𝑐𝑒</m:t>
+                            </m:r>
+                          </m:sub>
+                        </m:sSub>
+                      </m:oMath>
+                    </m:oMathPara>
+                  </a14:m>
+                  <a:endParaRPr lang="en-US" sz="2575" dirty="0"/>
+                </a:p>
+              </p:txBody>
+            </p:sp>
+          </mc:Choice>
+          <mc:Fallback>
+            <p:sp>
+              <p:nvSpPr>
+                <p:cNvPr id="18" name="TextBox 17">
+                  <a:extLst>
+                    <a:ext uri="{FF2B5EF4-FFF2-40B4-BE49-F238E27FC236}">
+                      <a16:creationId xmlns:a16="http://schemas.microsoft.com/office/drawing/2014/main" id="{A0A8EA0D-B7F8-47BA-B8E3-1A8E72C9886A}"/>
+                    </a:ext>
+                  </a:extLst>
+                </p:cNvPr>
+                <p:cNvSpPr txBox="1">
+                  <a:spLocks noRot="1" noChangeAspect="1" noMove="1" noResize="1" noEditPoints="1" noAdjustHandles="1" noChangeArrowheads="1" noChangeShapeType="1" noTextEdit="1"/>
+                </p:cNvSpPr>
+                <p:nvPr/>
+              </p:nvSpPr>
+              <p:spPr>
+                <a:xfrm>
+                  <a:off x="5761373" y="2874253"/>
+                  <a:ext cx="2192396" cy="276999"/>
+                </a:xfrm>
+                <a:prstGeom prst="rect">
+                  <a:avLst/>
+                </a:prstGeom>
+                <a:blipFill>
+                  <a:blip r:embed="rId5"/>
+                  <a:stretch>
+                    <a:fillRect/>
+                  </a:stretch>
+                </a:blipFill>
+              </p:spPr>
+              <p:txBody>
+                <a:bodyPr/>
+                <a:lstStyle/>
+                <a:p>
+                  <a:r>
+                    <a:rPr lang="en-US">
+                      <a:noFill/>
+                    </a:rPr>
+                    <a:t> </a:t>
+                  </a:r>
+                </a:p>
+              </p:txBody>
+            </p:sp>
+          </mc:Fallback>
+        </mc:AlternateContent>
       </p:grpSp>
     </p:spTree>
     <p:extLst>
@@ -4135,8 +4350,8 @@
         </p:blipFill>
         <p:spPr>
           <a:xfrm>
-            <a:off x="432843" y="258805"/>
-            <a:ext cx="10278747" cy="6340390"/>
+            <a:off x="-6062932" y="-3218233"/>
+            <a:ext cx="18772909" cy="11579969"/>
           </a:xfrm>
           <a:prstGeom prst="rect">
             <a:avLst/>
@@ -4195,8 +4410,8 @@
         </p:blipFill>
         <p:spPr>
           <a:xfrm>
-            <a:off x="873840" y="258805"/>
-            <a:ext cx="10089754" cy="6340390"/>
+            <a:off x="-4641861" y="-3104734"/>
+            <a:ext cx="18427734" cy="11579969"/>
           </a:xfrm>
           <a:prstGeom prst="rect">
             <a:avLst/>
@@ -4247,8 +4462,8 @@
         </p:nvGrpSpPr>
         <p:grpSpPr>
           <a:xfrm>
-            <a:off x="263236" y="1733550"/>
-            <a:ext cx="5334000" cy="4000500"/>
+            <a:off x="-844953" y="-2073415"/>
+            <a:ext cx="10718157" cy="8682560"/>
             <a:chOff x="263236" y="1733550"/>
             <a:chExt cx="5334000" cy="4000500"/>
           </a:xfrm>
@@ -4337,8 +4552,8 @@
               </p:nvSpPr>
               <p:spPr>
                 <a:xfrm>
-                  <a:off x="1505527" y="4128777"/>
-                  <a:ext cx="618836" cy="369332"/>
+                  <a:off x="1619841" y="4241355"/>
+                  <a:ext cx="618836" cy="267521"/>
                 </a:xfrm>
                 <a:prstGeom prst="rect">
                   <a:avLst/>
@@ -4352,7 +4567,7 @@
                 <a:lstStyle/>
                 <a:p>
                   <a:r>
-                    <a:rPr lang="en-US" dirty="0"/>
+                    <a:rPr lang="en-US" sz="2575" dirty="0"/>
                     <a:t>0</a:t>
                   </a:r>
                 </a:p>
@@ -4491,8 +4706,8 @@
               </a:fontRef>
             </p:style>
           </p:cxnSp>
-          <mc:AlternateContent xmlns:mc="http://schemas.openxmlformats.org/markup-compatibility/2006" xmlns:a14="http://schemas.microsoft.com/office/drawing/2010/main">
-            <mc:Choice Requires="a14">
+          <mc:AlternateContent xmlns:mc="http://schemas.openxmlformats.org/markup-compatibility/2006">
+            <mc:Choice xmlns:a14="http://schemas.microsoft.com/office/drawing/2010/main" Requires="a14">
               <p:sp>
                 <p:nvSpPr>
                   <p:cNvPr id="14" name="TextBox 13">
@@ -4508,7 +4723,7 @@
                 <p:spPr>
                   <a:xfrm>
                     <a:off x="3565229" y="4472265"/>
-                    <a:ext cx="1025237" cy="566694"/>
+                    <a:ext cx="1025236" cy="422135"/>
                   </a:xfrm>
                   <a:prstGeom prst="rect">
                     <a:avLst/>
@@ -4531,14 +4746,14 @@
                           <m:f>
                             <m:fPr>
                               <m:ctrlPr>
-                                <a:rPr lang="en-US" b="0" i="1" smtClean="0">
+                                <a:rPr lang="en-US" sz="2575" i="1">
                                   <a:latin typeface="Cambria Math" panose="02040503050406030204" pitchFamily="18" charset="0"/>
                                 </a:rPr>
                               </m:ctrlPr>
                             </m:fPr>
                             <m:num>
                               <m:r>
-                                <a:rPr lang="en-US" b="0" i="1" smtClean="0">
+                                <a:rPr lang="en-US" sz="2575" i="1">
                                   <a:latin typeface="Cambria Math" panose="02040503050406030204" pitchFamily="18" charset="0"/>
                                 </a:rPr>
                                 <m:t>𝜔</m:t>
@@ -4546,7 +4761,7 @@
                             </m:num>
                             <m:den>
                               <m:r>
-                                <a:rPr lang="en-US" b="0" i="1" smtClean="0">
+                                <a:rPr lang="en-US" sz="2575" i="1">
                                   <a:latin typeface="Cambria Math" panose="02040503050406030204" pitchFamily="18" charset="0"/>
                                 </a:rPr>
                                 <m:t>𝑘</m:t>
@@ -4556,12 +4771,12 @@
                         </m:oMath>
                       </m:oMathPara>
                     </a14:m>
-                    <a:endParaRPr lang="en-US" dirty="0"/>
+                    <a:endParaRPr lang="en-US" sz="2575" dirty="0"/>
                   </a:p>
                 </p:txBody>
               </p:sp>
             </mc:Choice>
-            <mc:Fallback xmlns="">
+            <mc:Fallback>
               <p:sp>
                 <p:nvSpPr>
                   <p:cNvPr id="14" name="TextBox 13">
@@ -4579,7 +4794,7 @@
                 <p:spPr>
                   <a:xfrm>
                     <a:off x="3565229" y="4472265"/>
-                    <a:ext cx="1025237" cy="566694"/>
+                    <a:ext cx="1025236" cy="422135"/>
                   </a:xfrm>
                   <a:prstGeom prst="rect">
                     <a:avLst/>
@@ -4606,8 +4821,8 @@
               </p:sp>
             </mc:Fallback>
           </mc:AlternateContent>
-          <mc:AlternateContent xmlns:mc="http://schemas.openxmlformats.org/markup-compatibility/2006" xmlns:a14="http://schemas.microsoft.com/office/drawing/2010/main">
-            <mc:Choice Requires="a14">
+          <mc:AlternateContent xmlns:mc="http://schemas.openxmlformats.org/markup-compatibility/2006">
+            <mc:Choice xmlns:a14="http://schemas.microsoft.com/office/drawing/2010/main" Requires="a14">
               <p:sp>
                 <p:nvSpPr>
                   <p:cNvPr id="15" name="TextBox 14">
@@ -4623,7 +4838,7 @@
                 <p:spPr>
                   <a:xfrm>
                     <a:off x="2396829" y="4472265"/>
-                    <a:ext cx="1025237" cy="566694"/>
+                    <a:ext cx="1025236" cy="422135"/>
                   </a:xfrm>
                   <a:prstGeom prst="rect">
                     <a:avLst/>
@@ -4646,20 +4861,20 @@
                           <m:f>
                             <m:fPr>
                               <m:ctrlPr>
-                                <a:rPr lang="en-US" b="0" i="1" smtClean="0">
+                                <a:rPr lang="en-US" sz="2575" i="1">
                                   <a:latin typeface="Cambria Math" panose="02040503050406030204" pitchFamily="18" charset="0"/>
                                 </a:rPr>
                               </m:ctrlPr>
                             </m:fPr>
                             <m:num>
                               <m:r>
-                                <a:rPr lang="en-US" b="0" i="1" smtClean="0">
+                                <a:rPr lang="en-US" sz="2575" i="1">
                                   <a:latin typeface="Cambria Math" panose="02040503050406030204" pitchFamily="18" charset="0"/>
                                 </a:rPr>
                                 <m:t>𝜔</m:t>
                               </m:r>
                               <m:r>
-                                <a:rPr lang="en-US" b="0" i="1" smtClean="0">
+                                <a:rPr lang="en-US" sz="2575" i="1">
                                   <a:latin typeface="Cambria Math" panose="02040503050406030204" pitchFamily="18" charset="0"/>
                                 </a:rPr>
                                 <m:t>−</m:t>
@@ -4667,14 +4882,14 @@
                               <m:sSub>
                                 <m:sSubPr>
                                   <m:ctrlPr>
-                                    <a:rPr lang="en-US" b="0" i="1" smtClean="0">
+                                    <a:rPr lang="en-US" sz="2575" i="1">
                                       <a:latin typeface="Cambria Math" panose="02040503050406030204" pitchFamily="18" charset="0"/>
                                     </a:rPr>
                                   </m:ctrlPr>
                                 </m:sSubPr>
                                 <m:e>
                                   <m:r>
-                                    <a:rPr lang="en-US" b="0" i="1" smtClean="0">
+                                    <a:rPr lang="en-US" sz="2575" i="1">
                                       <a:latin typeface="Cambria Math" panose="02040503050406030204" pitchFamily="18" charset="0"/>
                                     </a:rPr>
                                     <m:t>𝜔</m:t>
@@ -4682,7 +4897,7 @@
                                 </m:e>
                                 <m:sub>
                                   <m:r>
-                                    <a:rPr lang="en-US" b="0" i="1" smtClean="0">
+                                    <a:rPr lang="en-US" sz="2575" i="1">
                                       <a:latin typeface="Cambria Math" panose="02040503050406030204" pitchFamily="18" charset="0"/>
                                     </a:rPr>
                                     <m:t>𝑐𝑒</m:t>
@@ -4692,7 +4907,7 @@
                             </m:num>
                             <m:den>
                               <m:r>
-                                <a:rPr lang="en-US" b="0" i="1" smtClean="0">
+                                <a:rPr lang="en-US" sz="2575" i="1">
                                   <a:latin typeface="Cambria Math" panose="02040503050406030204" pitchFamily="18" charset="0"/>
                                 </a:rPr>
                                 <m:t>𝑘</m:t>
@@ -4702,12 +4917,12 @@
                         </m:oMath>
                       </m:oMathPara>
                     </a14:m>
-                    <a:endParaRPr lang="en-US" dirty="0"/>
+                    <a:endParaRPr lang="en-US" sz="2575" dirty="0"/>
                   </a:p>
                 </p:txBody>
               </p:sp>
             </mc:Choice>
-            <mc:Fallback xmlns="">
+            <mc:Fallback>
               <p:sp>
                 <p:nvSpPr>
                   <p:cNvPr id="15" name="TextBox 14">
@@ -4725,7 +4940,7 @@
                 <p:spPr>
                   <a:xfrm>
                     <a:off x="2396829" y="4472265"/>
-                    <a:ext cx="1025237" cy="566694"/>
+                    <a:ext cx="1025236" cy="422135"/>
                   </a:xfrm>
                   <a:prstGeom prst="rect">
                     <a:avLst/>
@@ -4752,8 +4967,8 @@
               </p:sp>
             </mc:Fallback>
           </mc:AlternateContent>
-          <mc:AlternateContent xmlns:mc="http://schemas.openxmlformats.org/markup-compatibility/2006" xmlns:a14="http://schemas.microsoft.com/office/drawing/2010/main">
-            <mc:Choice Requires="a14">
+          <mc:AlternateContent xmlns:mc="http://schemas.openxmlformats.org/markup-compatibility/2006">
+            <mc:Choice xmlns:a14="http://schemas.microsoft.com/office/drawing/2010/main" Requires="a14">
               <p:sp>
                 <p:nvSpPr>
                   <p:cNvPr id="16" name="TextBox 15">
@@ -4768,8 +4983,8 @@
                 </p:nvSpPr>
                 <p:spPr>
                   <a:xfrm>
-                    <a:off x="4733629" y="4445672"/>
-                    <a:ext cx="1025237" cy="595484"/>
+                    <a:off x="4733628" y="4445672"/>
+                    <a:ext cx="1025236" cy="444640"/>
                   </a:xfrm>
                   <a:prstGeom prst="rect">
                     <a:avLst/>
@@ -4792,20 +5007,20 @@
                           <m:f>
                             <m:fPr>
                               <m:ctrlPr>
-                                <a:rPr lang="en-US" b="0" i="1" smtClean="0">
+                                <a:rPr lang="en-US" sz="2575" i="1">
                                   <a:latin typeface="Cambria Math" panose="02040503050406030204" pitchFamily="18" charset="0"/>
                                 </a:rPr>
                               </m:ctrlPr>
                             </m:fPr>
                             <m:num>
                               <m:r>
-                                <a:rPr lang="en-US" b="0" i="1" smtClean="0">
+                                <a:rPr lang="en-US" sz="2575" i="1">
                                   <a:latin typeface="Cambria Math" panose="02040503050406030204" pitchFamily="18" charset="0"/>
                                 </a:rPr>
                                 <m:t>𝜔</m:t>
                               </m:r>
                               <m:r>
-                                <a:rPr lang="en-US" b="0" i="1" smtClean="0">
+                                <a:rPr lang="en-US" sz="2575" i="1">
                                   <a:latin typeface="Cambria Math" panose="02040503050406030204" pitchFamily="18" charset="0"/>
                                 </a:rPr>
                                 <m:t>+</m:t>
@@ -4813,14 +5028,14 @@
                               <m:sSub>
                                 <m:sSubPr>
                                   <m:ctrlPr>
-                                    <a:rPr lang="en-US" b="0" i="1" smtClean="0">
+                                    <a:rPr lang="en-US" sz="2575" i="1">
                                       <a:latin typeface="Cambria Math" panose="02040503050406030204" pitchFamily="18" charset="0"/>
                                     </a:rPr>
                                   </m:ctrlPr>
                                 </m:sSubPr>
                                 <m:e>
                                   <m:r>
-                                    <a:rPr lang="en-US" b="0" i="1" smtClean="0">
+                                    <a:rPr lang="en-US" sz="2575" i="1">
                                       <a:latin typeface="Cambria Math" panose="02040503050406030204" pitchFamily="18" charset="0"/>
                                     </a:rPr>
                                     <m:t>𝜔</m:t>
@@ -4828,7 +5043,7 @@
                                 </m:e>
                                 <m:sub>
                                   <m:r>
-                                    <a:rPr lang="en-US" b="0" i="1" smtClean="0">
+                                    <a:rPr lang="en-US" sz="2575" i="1">
                                       <a:latin typeface="Cambria Math" panose="02040503050406030204" pitchFamily="18" charset="0"/>
                                     </a:rPr>
                                     <m:t>𝑐𝑒</m:t>
@@ -4838,7 +5053,7 @@
                             </m:num>
                             <m:den>
                               <m:r>
-                                <a:rPr lang="en-US" b="0" i="1" smtClean="0">
+                                <a:rPr lang="en-US" sz="2575" i="1">
                                   <a:latin typeface="Cambria Math" panose="02040503050406030204" pitchFamily="18" charset="0"/>
                                 </a:rPr>
                                 <m:t>𝑘</m:t>
@@ -4848,12 +5063,12 @@
                         </m:oMath>
                       </m:oMathPara>
                     </a14:m>
-                    <a:endParaRPr lang="en-US" dirty="0"/>
+                    <a:endParaRPr lang="en-US" sz="2575" dirty="0"/>
                   </a:p>
                 </p:txBody>
               </p:sp>
             </mc:Choice>
-            <mc:Fallback xmlns="">
+            <mc:Fallback>
               <p:sp>
                 <p:nvSpPr>
                   <p:cNvPr id="16" name="TextBox 15">
@@ -4870,8 +5085,8 @@
                 </p:nvSpPr>
                 <p:spPr>
                   <a:xfrm>
-                    <a:off x="4733629" y="4445672"/>
-                    <a:ext cx="1025237" cy="595484"/>
+                    <a:off x="4733628" y="4445672"/>
+                    <a:ext cx="1025236" cy="444640"/>
                   </a:xfrm>
                   <a:prstGeom prst="rect">
                     <a:avLst/>
@@ -4951,7 +5166,7 @@
             <a:lstStyle/>
             <a:p>
               <a:pPr algn="ctr"/>
-              <a:endParaRPr lang="en-US"/>
+              <a:endParaRPr lang="en-US" sz="2575"/>
             </a:p>
           </p:txBody>
         </p:sp>
@@ -5007,40 +5222,11 @@
             <a:lstStyle/>
             <a:p>
               <a:pPr algn="ctr"/>
-              <a:endParaRPr lang="en-US"/>
+              <a:endParaRPr lang="en-US" sz="2575"/>
             </a:p>
           </p:txBody>
         </p:sp>
       </p:grpSp>
-      <p:pic>
-        <p:nvPicPr>
-          <p:cNvPr id="22" name="Picture 21">
-            <a:extLst>
-              <a:ext uri="{FF2B5EF4-FFF2-40B4-BE49-F238E27FC236}">
-                <a16:creationId xmlns:a16="http://schemas.microsoft.com/office/drawing/2014/main" id="{DE9B0C30-8766-47CD-B76F-D75341095AA5}"/>
-              </a:ext>
-            </a:extLst>
-          </p:cNvPr>
-          <p:cNvPicPr>
-            <a:picLocks noChangeAspect="1"/>
-          </p:cNvPicPr>
-          <p:nvPr/>
-        </p:nvPicPr>
-        <p:blipFill rotWithShape="1">
-          <a:blip r:embed="rId6"/>
-          <a:srcRect l="7099" t="25748" r="6174" b="15277"/>
-          <a:stretch/>
-        </p:blipFill>
-        <p:spPr>
-          <a:xfrm>
-            <a:off x="6172523" y="1371600"/>
-            <a:ext cx="4626429" cy="2362200"/>
-          </a:xfrm>
-          <a:prstGeom prst="rect">
-            <a:avLst/>
-          </a:prstGeom>
-        </p:spPr>
-      </p:pic>
     </p:spTree>
     <p:extLst>
       <p:ext uri="{BB962C8B-B14F-4D97-AF65-F5344CB8AC3E}">
@@ -5093,8 +5279,8 @@
         </p:blipFill>
         <p:spPr>
           <a:xfrm>
-            <a:off x="578311" y="388390"/>
-            <a:ext cx="5234940" cy="6339840"/>
+            <a:off x="-5505398" y="-2981559"/>
+            <a:ext cx="9560997" cy="11578964"/>
           </a:xfrm>
           <a:prstGeom prst="rect">
             <a:avLst/>
@@ -5123,8 +5309,8 @@
         </p:blipFill>
         <p:spPr>
           <a:xfrm>
-            <a:off x="6212494" y="259080"/>
-            <a:ext cx="5234940" cy="6339840"/>
+            <a:off x="4784773" y="-3217731"/>
+            <a:ext cx="9560997" cy="11578964"/>
           </a:xfrm>
           <a:prstGeom prst="rect">
             <a:avLst/>
@@ -5175,8 +5361,8 @@
         </p:nvGrpSpPr>
         <p:grpSpPr>
           <a:xfrm>
-            <a:off x="978638" y="1040287"/>
-            <a:ext cx="6667500" cy="5000625"/>
+            <a:off x="-1513524" y="-846066"/>
+            <a:ext cx="12177398" cy="9133046"/>
             <a:chOff x="1364121" y="1112005"/>
             <a:chExt cx="6667500" cy="5000625"/>
           </a:xfrm>
@@ -5226,7 +5412,7 @@
           <p:spPr>
             <a:xfrm>
               <a:off x="2330824" y="1550895"/>
-              <a:ext cx="421341" cy="369332"/>
+              <a:ext cx="421341" cy="267521"/>
             </a:xfrm>
             <a:prstGeom prst="rect">
               <a:avLst/>
@@ -5240,10 +5426,10 @@
             <a:lstStyle/>
             <a:p>
               <a:r>
-                <a:rPr lang="en-US" altLang="zh-CN" dirty="0"/>
+                <a:rPr lang="en-US" altLang="zh-CN" sz="2575" dirty="0"/>
                 <a:t>(a)</a:t>
               </a:r>
-              <a:endParaRPr lang="zh-CN" altLang="en-US" dirty="0"/>
+              <a:endParaRPr lang="zh-CN" altLang="en-US" sz="2575" dirty="0"/>
             </a:p>
           </p:txBody>
         </p:sp>
@@ -5262,7 +5448,7 @@
           <p:spPr>
             <a:xfrm>
               <a:off x="2330824" y="3973145"/>
-              <a:ext cx="421341" cy="369332"/>
+              <a:ext cx="421341" cy="267521"/>
             </a:xfrm>
             <a:prstGeom prst="rect">
               <a:avLst/>
@@ -5276,10 +5462,10 @@
             <a:lstStyle/>
             <a:p>
               <a:r>
-                <a:rPr lang="en-US" altLang="zh-CN" dirty="0"/>
+                <a:rPr lang="en-US" altLang="zh-CN" sz="2575" dirty="0"/>
                 <a:t>(b)</a:t>
               </a:r>
-              <a:endParaRPr lang="zh-CN" altLang="en-US" dirty="0"/>
+              <a:endParaRPr lang="zh-CN" altLang="en-US" sz="2575" dirty="0"/>
             </a:p>
           </p:txBody>
         </p:sp>
@@ -5297,10 +5483,2408 @@
 </p:sld>
 </file>
 
+<file path=ppt/slides/slide8.xml><?xml version="1.0" encoding="utf-8"?>
+<p:sld xmlns:a="http://schemas.openxmlformats.org/drawingml/2006/main" xmlns:r="http://schemas.openxmlformats.org/officeDocument/2006/relationships" xmlns:p="http://schemas.openxmlformats.org/presentationml/2006/main">
+  <p:cSld>
+    <p:spTree>
+      <p:nvGrpSpPr>
+        <p:cNvPr id="1" name=""/>
+        <p:cNvGrpSpPr/>
+        <p:nvPr/>
+      </p:nvGrpSpPr>
+      <p:grpSpPr>
+        <a:xfrm>
+          <a:off x="0" y="0"/>
+          <a:ext cx="0" cy="0"/>
+          <a:chOff x="0" y="0"/>
+          <a:chExt cx="0" cy="0"/>
+        </a:xfrm>
+      </p:grpSpPr>
+      <p:grpSp>
+        <p:nvGrpSpPr>
+          <p:cNvPr id="2" name="Group 1">
+            <a:extLst>
+              <a:ext uri="{FF2B5EF4-FFF2-40B4-BE49-F238E27FC236}">
+                <a16:creationId xmlns:a16="http://schemas.microsoft.com/office/drawing/2014/main" id="{B3B9105B-A64C-431C-8147-20C5FEFE48D0}"/>
+              </a:ext>
+            </a:extLst>
+          </p:cNvPr>
+          <p:cNvGrpSpPr/>
+          <p:nvPr/>
+        </p:nvGrpSpPr>
+        <p:grpSpPr>
+          <a:xfrm>
+            <a:off x="-3068827" y="-3390496"/>
+            <a:ext cx="15306790" cy="11949469"/>
+            <a:chOff x="4443615" y="3720955"/>
+            <a:chExt cx="2649193" cy="2230265"/>
+          </a:xfrm>
+        </p:grpSpPr>
+        <p:grpSp>
+          <p:nvGrpSpPr>
+            <p:cNvPr id="3" name="Group 2">
+              <a:extLst>
+                <a:ext uri="{FF2B5EF4-FFF2-40B4-BE49-F238E27FC236}">
+                  <a16:creationId xmlns:a16="http://schemas.microsoft.com/office/drawing/2014/main" id="{BDF0BBA0-29B5-4B17-8AA5-E35EBC5936FD}"/>
+                </a:ext>
+              </a:extLst>
+            </p:cNvPr>
+            <p:cNvGrpSpPr/>
+            <p:nvPr/>
+          </p:nvGrpSpPr>
+          <p:grpSpPr>
+            <a:xfrm>
+              <a:off x="4443615" y="3726180"/>
+              <a:ext cx="2649193" cy="2225040"/>
+              <a:chOff x="5039387" y="3489960"/>
+              <a:chExt cx="2649193" cy="2225040"/>
+            </a:xfrm>
+          </p:grpSpPr>
+          <p:cxnSp>
+            <p:nvCxnSpPr>
+              <p:cNvPr id="9" name="Straight Arrow Connector 8">
+                <a:extLst>
+                  <a:ext uri="{FF2B5EF4-FFF2-40B4-BE49-F238E27FC236}">
+                    <a16:creationId xmlns:a16="http://schemas.microsoft.com/office/drawing/2014/main" id="{0A8F9A8F-C6E4-4DAF-AE30-6C5D7B91D04F}"/>
+                  </a:ext>
+                </a:extLst>
+              </p:cNvPr>
+              <p:cNvCxnSpPr/>
+              <p:nvPr/>
+            </p:nvCxnSpPr>
+            <p:spPr>
+              <a:xfrm>
+                <a:off x="5364480" y="4602480"/>
+                <a:ext cx="2324100" cy="0"/>
+              </a:xfrm>
+              <a:prstGeom prst="straightConnector1">
+                <a:avLst/>
+              </a:prstGeom>
+              <a:ln w="38100">
+                <a:solidFill>
+                  <a:schemeClr val="tx1"/>
+                </a:solidFill>
+                <a:tailEnd type="triangle"/>
+              </a:ln>
+            </p:spPr>
+            <p:style>
+              <a:lnRef idx="1">
+                <a:schemeClr val="accent1"/>
+              </a:lnRef>
+              <a:fillRef idx="0">
+                <a:schemeClr val="accent1"/>
+              </a:fillRef>
+              <a:effectRef idx="0">
+                <a:schemeClr val="accent1"/>
+              </a:effectRef>
+              <a:fontRef idx="minor">
+                <a:schemeClr val="tx1"/>
+              </a:fontRef>
+            </p:style>
+          </p:cxnSp>
+          <p:sp>
+            <p:nvSpPr>
+              <p:cNvPr id="10" name="Oval 9">
+                <a:extLst>
+                  <a:ext uri="{FF2B5EF4-FFF2-40B4-BE49-F238E27FC236}">
+                    <a16:creationId xmlns:a16="http://schemas.microsoft.com/office/drawing/2014/main" id="{314EB71D-EE8D-4691-90EF-4D52F2A91283}"/>
+                  </a:ext>
+                </a:extLst>
+              </p:cNvPr>
+              <p:cNvSpPr/>
+              <p:nvPr/>
+            </p:nvSpPr>
+            <p:spPr>
+              <a:xfrm>
+                <a:off x="7105236" y="4535239"/>
+                <a:ext cx="144777" cy="144777"/>
+              </a:xfrm>
+              <a:prstGeom prst="ellipse">
+                <a:avLst/>
+              </a:prstGeom>
+              <a:solidFill>
+                <a:schemeClr val="tx1"/>
+              </a:solidFill>
+              <a:ln w="38100">
+                <a:solidFill>
+                  <a:schemeClr val="tx1"/>
+                </a:solidFill>
+              </a:ln>
+            </p:spPr>
+            <p:style>
+              <a:lnRef idx="2">
+                <a:schemeClr val="accent1">
+                  <a:shade val="50000"/>
+                </a:schemeClr>
+              </a:lnRef>
+              <a:fillRef idx="1">
+                <a:schemeClr val="accent1"/>
+              </a:fillRef>
+              <a:effectRef idx="0">
+                <a:schemeClr val="accent1"/>
+              </a:effectRef>
+              <a:fontRef idx="minor">
+                <a:schemeClr val="lt1"/>
+              </a:fontRef>
+            </p:style>
+            <p:txBody>
+              <a:bodyPr rtlCol="0" anchor="ctr"/>
+              <a:lstStyle/>
+              <a:p>
+                <a:pPr algn="ctr"/>
+                <a:endParaRPr lang="en-US" sz="2575"/>
+              </a:p>
+            </p:txBody>
+          </p:sp>
+          <p:cxnSp>
+            <p:nvCxnSpPr>
+              <p:cNvPr id="11" name="Straight Connector 10">
+                <a:extLst>
+                  <a:ext uri="{FF2B5EF4-FFF2-40B4-BE49-F238E27FC236}">
+                    <a16:creationId xmlns:a16="http://schemas.microsoft.com/office/drawing/2014/main" id="{B075A029-0D40-441B-87EC-5E3AEEE17CBF}"/>
+                  </a:ext>
+                </a:extLst>
+              </p:cNvPr>
+              <p:cNvCxnSpPr/>
+              <p:nvPr/>
+            </p:nvCxnSpPr>
+            <p:spPr>
+              <a:xfrm flipH="1" flipV="1">
+                <a:off x="5494020" y="3489960"/>
+                <a:ext cx="2034540" cy="1112520"/>
+              </a:xfrm>
+              <a:prstGeom prst="line">
+                <a:avLst/>
+              </a:prstGeom>
+              <a:ln w="38100">
+                <a:solidFill>
+                  <a:schemeClr val="tx1"/>
+                </a:solidFill>
+              </a:ln>
+            </p:spPr>
+            <p:style>
+              <a:lnRef idx="1">
+                <a:schemeClr val="accent1"/>
+              </a:lnRef>
+              <a:fillRef idx="0">
+                <a:schemeClr val="accent1"/>
+              </a:fillRef>
+              <a:effectRef idx="0">
+                <a:schemeClr val="accent1"/>
+              </a:effectRef>
+              <a:fontRef idx="minor">
+                <a:schemeClr val="tx1"/>
+              </a:fontRef>
+            </p:style>
+          </p:cxnSp>
+          <p:cxnSp>
+            <p:nvCxnSpPr>
+              <p:cNvPr id="12" name="Straight Connector 11">
+                <a:extLst>
+                  <a:ext uri="{FF2B5EF4-FFF2-40B4-BE49-F238E27FC236}">
+                    <a16:creationId xmlns:a16="http://schemas.microsoft.com/office/drawing/2014/main" id="{D595DCE4-9402-49BE-8230-6B87A3F777E3}"/>
+                  </a:ext>
+                </a:extLst>
+              </p:cNvPr>
+              <p:cNvCxnSpPr>
+                <a:cxnSpLocks/>
+              </p:cNvCxnSpPr>
+              <p:nvPr/>
+            </p:nvCxnSpPr>
+            <p:spPr>
+              <a:xfrm flipH="1">
+                <a:off x="5494020" y="4602480"/>
+                <a:ext cx="2034540" cy="1112520"/>
+              </a:xfrm>
+              <a:prstGeom prst="line">
+                <a:avLst/>
+              </a:prstGeom>
+              <a:ln w="38100">
+                <a:solidFill>
+                  <a:schemeClr val="tx1"/>
+                </a:solidFill>
+              </a:ln>
+            </p:spPr>
+            <p:style>
+              <a:lnRef idx="1">
+                <a:schemeClr val="accent1"/>
+              </a:lnRef>
+              <a:fillRef idx="0">
+                <a:schemeClr val="accent1"/>
+              </a:fillRef>
+              <a:effectRef idx="0">
+                <a:schemeClr val="accent1"/>
+              </a:effectRef>
+              <a:fontRef idx="minor">
+                <a:schemeClr val="tx1"/>
+              </a:fontRef>
+            </p:style>
+          </p:cxnSp>
+          <p:sp>
+            <p:nvSpPr>
+              <p:cNvPr id="13" name="Oval 12">
+                <a:extLst>
+                  <a:ext uri="{FF2B5EF4-FFF2-40B4-BE49-F238E27FC236}">
+                    <a16:creationId xmlns:a16="http://schemas.microsoft.com/office/drawing/2014/main" id="{0C068163-FF9B-471D-8927-064659E1F6A8}"/>
+                  </a:ext>
+                </a:extLst>
+              </p:cNvPr>
+              <p:cNvSpPr/>
+              <p:nvPr/>
+            </p:nvSpPr>
+            <p:spPr>
+              <a:xfrm>
+                <a:off x="5039387" y="3793925"/>
+                <a:ext cx="1617112" cy="1617112"/>
+              </a:xfrm>
+              <a:prstGeom prst="ellipse">
+                <a:avLst/>
+              </a:prstGeom>
+              <a:noFill/>
+              <a:ln w="38100">
+                <a:solidFill>
+                  <a:srgbClr val="FF0000"/>
+                </a:solidFill>
+                <a:prstDash val="sysDash"/>
+              </a:ln>
+            </p:spPr>
+            <p:style>
+              <a:lnRef idx="2">
+                <a:schemeClr val="accent1">
+                  <a:shade val="50000"/>
+                </a:schemeClr>
+              </a:lnRef>
+              <a:fillRef idx="1">
+                <a:schemeClr val="accent1"/>
+              </a:fillRef>
+              <a:effectRef idx="0">
+                <a:schemeClr val="accent1"/>
+              </a:effectRef>
+              <a:fontRef idx="minor">
+                <a:schemeClr val="lt1"/>
+              </a:fontRef>
+            </p:style>
+            <p:txBody>
+              <a:bodyPr rtlCol="0" anchor="ctr"/>
+              <a:lstStyle/>
+              <a:p>
+                <a:pPr algn="ctr"/>
+                <a:endParaRPr lang="en-US" sz="2575"/>
+              </a:p>
+            </p:txBody>
+          </p:sp>
+          <p:sp>
+            <p:nvSpPr>
+              <p:cNvPr id="14" name="Oval 13">
+                <a:extLst>
+                  <a:ext uri="{FF2B5EF4-FFF2-40B4-BE49-F238E27FC236}">
+                    <a16:creationId xmlns:a16="http://schemas.microsoft.com/office/drawing/2014/main" id="{65C33D2C-4DDD-4E2F-9854-760CFA7F463C}"/>
+                  </a:ext>
+                </a:extLst>
+              </p:cNvPr>
+              <p:cNvSpPr/>
+              <p:nvPr/>
+            </p:nvSpPr>
+            <p:spPr>
+              <a:xfrm>
+                <a:off x="5697368" y="4005727"/>
+                <a:ext cx="1193504" cy="1193504"/>
+              </a:xfrm>
+              <a:prstGeom prst="ellipse">
+                <a:avLst/>
+              </a:prstGeom>
+              <a:noFill/>
+              <a:ln w="38100">
+                <a:solidFill>
+                  <a:srgbClr val="FF0000"/>
+                </a:solidFill>
+                <a:prstDash val="sysDash"/>
+              </a:ln>
+            </p:spPr>
+            <p:style>
+              <a:lnRef idx="2">
+                <a:schemeClr val="accent1">
+                  <a:shade val="50000"/>
+                </a:schemeClr>
+              </a:lnRef>
+              <a:fillRef idx="1">
+                <a:schemeClr val="accent1"/>
+              </a:fillRef>
+              <a:effectRef idx="0">
+                <a:schemeClr val="accent1"/>
+              </a:effectRef>
+              <a:fontRef idx="minor">
+                <a:schemeClr val="lt1"/>
+              </a:fontRef>
+            </p:style>
+            <p:txBody>
+              <a:bodyPr rtlCol="0" anchor="ctr"/>
+              <a:lstStyle/>
+              <a:p>
+                <a:pPr algn="ctr"/>
+                <a:endParaRPr lang="en-US" sz="2575"/>
+              </a:p>
+            </p:txBody>
+          </p:sp>
+          <p:sp>
+            <p:nvSpPr>
+              <p:cNvPr id="15" name="Oval 14">
+                <a:extLst>
+                  <a:ext uri="{FF2B5EF4-FFF2-40B4-BE49-F238E27FC236}">
+                    <a16:creationId xmlns:a16="http://schemas.microsoft.com/office/drawing/2014/main" id="{A54E08BA-0ABC-424D-8B89-B9A01186F953}"/>
+                  </a:ext>
+                </a:extLst>
+              </p:cNvPr>
+              <p:cNvSpPr/>
+              <p:nvPr/>
+            </p:nvSpPr>
+            <p:spPr>
+              <a:xfrm>
+                <a:off x="5775554" y="4535239"/>
+                <a:ext cx="144777" cy="144777"/>
+              </a:xfrm>
+              <a:prstGeom prst="ellipse">
+                <a:avLst/>
+              </a:prstGeom>
+              <a:solidFill>
+                <a:schemeClr val="tx1"/>
+              </a:solidFill>
+              <a:ln w="38100">
+                <a:solidFill>
+                  <a:schemeClr val="tx1"/>
+                </a:solidFill>
+              </a:ln>
+            </p:spPr>
+            <p:style>
+              <a:lnRef idx="2">
+                <a:schemeClr val="accent1">
+                  <a:shade val="50000"/>
+                </a:schemeClr>
+              </a:lnRef>
+              <a:fillRef idx="1">
+                <a:schemeClr val="accent1"/>
+              </a:fillRef>
+              <a:effectRef idx="0">
+                <a:schemeClr val="accent1"/>
+              </a:effectRef>
+              <a:fontRef idx="minor">
+                <a:schemeClr val="lt1"/>
+              </a:fontRef>
+            </p:style>
+            <p:txBody>
+              <a:bodyPr rtlCol="0" anchor="ctr"/>
+              <a:lstStyle/>
+              <a:p>
+                <a:pPr algn="ctr"/>
+                <a:endParaRPr lang="en-US" sz="2575"/>
+              </a:p>
+            </p:txBody>
+          </p:sp>
+          <p:sp>
+            <p:nvSpPr>
+              <p:cNvPr id="16" name="Oval 15">
+                <a:extLst>
+                  <a:ext uri="{FF2B5EF4-FFF2-40B4-BE49-F238E27FC236}">
+                    <a16:creationId xmlns:a16="http://schemas.microsoft.com/office/drawing/2014/main" id="{49ECD561-0163-4D78-8BD1-8260B36B86AA}"/>
+                  </a:ext>
+                </a:extLst>
+              </p:cNvPr>
+              <p:cNvSpPr/>
+              <p:nvPr/>
+            </p:nvSpPr>
+            <p:spPr>
+              <a:xfrm>
+                <a:off x="6288617" y="4527618"/>
+                <a:ext cx="144777" cy="144777"/>
+              </a:xfrm>
+              <a:prstGeom prst="ellipse">
+                <a:avLst/>
+              </a:prstGeom>
+              <a:solidFill>
+                <a:schemeClr val="tx1"/>
+              </a:solidFill>
+              <a:ln w="38100">
+                <a:solidFill>
+                  <a:schemeClr val="tx1"/>
+                </a:solidFill>
+              </a:ln>
+            </p:spPr>
+            <p:style>
+              <a:lnRef idx="2">
+                <a:schemeClr val="accent1">
+                  <a:shade val="50000"/>
+                </a:schemeClr>
+              </a:lnRef>
+              <a:fillRef idx="1">
+                <a:schemeClr val="accent1"/>
+              </a:fillRef>
+              <a:effectRef idx="0">
+                <a:schemeClr val="accent1"/>
+              </a:effectRef>
+              <a:fontRef idx="minor">
+                <a:schemeClr val="lt1"/>
+              </a:fontRef>
+            </p:style>
+            <p:txBody>
+              <a:bodyPr rtlCol="0" anchor="ctr"/>
+              <a:lstStyle/>
+              <a:p>
+                <a:pPr algn="ctr"/>
+                <a:endParaRPr lang="en-US" sz="2575"/>
+              </a:p>
+            </p:txBody>
+          </p:sp>
+          <p:sp>
+            <p:nvSpPr>
+              <p:cNvPr id="17" name="Oval 16">
+                <a:extLst>
+                  <a:ext uri="{FF2B5EF4-FFF2-40B4-BE49-F238E27FC236}">
+                    <a16:creationId xmlns:a16="http://schemas.microsoft.com/office/drawing/2014/main" id="{043AFBA4-D7AE-4A93-A021-FC99537F5DA4}"/>
+                  </a:ext>
+                </a:extLst>
+              </p:cNvPr>
+              <p:cNvSpPr/>
+              <p:nvPr/>
+            </p:nvSpPr>
+            <p:spPr>
+              <a:xfrm>
+                <a:off x="7022750" y="4445132"/>
+                <a:ext cx="309748" cy="309748"/>
+              </a:xfrm>
+              <a:prstGeom prst="ellipse">
+                <a:avLst/>
+              </a:prstGeom>
+              <a:noFill/>
+              <a:ln w="38100">
+                <a:solidFill>
+                  <a:srgbClr val="FF0000"/>
+                </a:solidFill>
+                <a:prstDash val="sysDash"/>
+              </a:ln>
+            </p:spPr>
+            <p:style>
+              <a:lnRef idx="2">
+                <a:schemeClr val="accent1">
+                  <a:shade val="50000"/>
+                </a:schemeClr>
+              </a:lnRef>
+              <a:fillRef idx="1">
+                <a:schemeClr val="accent1"/>
+              </a:fillRef>
+              <a:effectRef idx="0">
+                <a:schemeClr val="accent1"/>
+              </a:effectRef>
+              <a:fontRef idx="minor">
+                <a:schemeClr val="lt1"/>
+              </a:fontRef>
+            </p:style>
+            <p:txBody>
+              <a:bodyPr rtlCol="0" anchor="ctr"/>
+              <a:lstStyle/>
+              <a:p>
+                <a:pPr algn="ctr"/>
+                <a:endParaRPr lang="en-US" sz="2575"/>
+              </a:p>
+            </p:txBody>
+          </p:sp>
+          <p:sp>
+            <p:nvSpPr>
+              <p:cNvPr id="18" name="Oval 17">
+                <a:extLst>
+                  <a:ext uri="{FF2B5EF4-FFF2-40B4-BE49-F238E27FC236}">
+                    <a16:creationId xmlns:a16="http://schemas.microsoft.com/office/drawing/2014/main" id="{0B9EF047-96C4-407A-B672-FC895B57900B}"/>
+                  </a:ext>
+                </a:extLst>
+              </p:cNvPr>
+              <p:cNvSpPr/>
+              <p:nvPr/>
+            </p:nvSpPr>
+            <p:spPr>
+              <a:xfrm>
+                <a:off x="6716480" y="4535239"/>
+                <a:ext cx="144777" cy="144777"/>
+              </a:xfrm>
+              <a:prstGeom prst="ellipse">
+                <a:avLst/>
+              </a:prstGeom>
+              <a:solidFill>
+                <a:schemeClr val="tx1"/>
+              </a:solidFill>
+              <a:ln w="38100">
+                <a:solidFill>
+                  <a:schemeClr val="tx1"/>
+                </a:solidFill>
+              </a:ln>
+            </p:spPr>
+            <p:style>
+              <a:lnRef idx="2">
+                <a:schemeClr val="accent1">
+                  <a:shade val="50000"/>
+                </a:schemeClr>
+              </a:lnRef>
+              <a:fillRef idx="1">
+                <a:schemeClr val="accent1"/>
+              </a:fillRef>
+              <a:effectRef idx="0">
+                <a:schemeClr val="accent1"/>
+              </a:effectRef>
+              <a:fontRef idx="minor">
+                <a:schemeClr val="lt1"/>
+              </a:fontRef>
+            </p:style>
+            <p:txBody>
+              <a:bodyPr rtlCol="0" anchor="ctr"/>
+              <a:lstStyle/>
+              <a:p>
+                <a:pPr algn="ctr"/>
+                <a:endParaRPr lang="en-US" sz="2575" dirty="0"/>
+              </a:p>
+            </p:txBody>
+          </p:sp>
+          <p:sp>
+            <p:nvSpPr>
+              <p:cNvPr id="19" name="Oval 18">
+                <a:extLst>
+                  <a:ext uri="{FF2B5EF4-FFF2-40B4-BE49-F238E27FC236}">
+                    <a16:creationId xmlns:a16="http://schemas.microsoft.com/office/drawing/2014/main" id="{9EEB1CED-2E8F-4605-873E-6829B142F1EE}"/>
+                  </a:ext>
+                </a:extLst>
+              </p:cNvPr>
+              <p:cNvSpPr/>
+              <p:nvPr/>
+            </p:nvSpPr>
+            <p:spPr>
+              <a:xfrm>
+                <a:off x="6435875" y="4254634"/>
+                <a:ext cx="705986" cy="705986"/>
+              </a:xfrm>
+              <a:prstGeom prst="ellipse">
+                <a:avLst/>
+              </a:prstGeom>
+              <a:noFill/>
+              <a:ln w="38100">
+                <a:solidFill>
+                  <a:srgbClr val="FF0000"/>
+                </a:solidFill>
+                <a:prstDash val="sysDash"/>
+              </a:ln>
+            </p:spPr>
+            <p:style>
+              <a:lnRef idx="2">
+                <a:schemeClr val="accent1">
+                  <a:shade val="50000"/>
+                </a:schemeClr>
+              </a:lnRef>
+              <a:fillRef idx="1">
+                <a:schemeClr val="accent1"/>
+              </a:fillRef>
+              <a:effectRef idx="0">
+                <a:schemeClr val="accent1"/>
+              </a:effectRef>
+              <a:fontRef idx="minor">
+                <a:schemeClr val="lt1"/>
+              </a:fontRef>
+            </p:style>
+            <p:txBody>
+              <a:bodyPr rtlCol="0" anchor="ctr"/>
+              <a:lstStyle/>
+              <a:p>
+                <a:pPr algn="ctr"/>
+                <a:endParaRPr lang="en-US" sz="2575" dirty="0"/>
+              </a:p>
+            </p:txBody>
+          </p:sp>
+        </p:grpSp>
+        <p:cxnSp>
+          <p:nvCxnSpPr>
+            <p:cNvPr id="4" name="Straight Arrow Connector 3">
+              <a:extLst>
+                <a:ext uri="{FF2B5EF4-FFF2-40B4-BE49-F238E27FC236}">
+                  <a16:creationId xmlns:a16="http://schemas.microsoft.com/office/drawing/2014/main" id="{61BB191D-43C1-408C-B3FB-5ED6054F6606}"/>
+                </a:ext>
+              </a:extLst>
+            </p:cNvPr>
+            <p:cNvCxnSpPr>
+              <a:cxnSpLocks/>
+            </p:cNvCxnSpPr>
+            <p:nvPr/>
+          </p:nvCxnSpPr>
+          <p:spPr>
+            <a:xfrm flipV="1">
+              <a:off x="5290598" y="3783323"/>
+              <a:ext cx="533909" cy="1037174"/>
+            </a:xfrm>
+            <a:prstGeom prst="straightConnector1">
+              <a:avLst/>
+            </a:prstGeom>
+            <a:ln w="38100">
+              <a:solidFill>
+                <a:schemeClr val="tx1"/>
+              </a:solidFill>
+              <a:tailEnd type="triangle"/>
+            </a:ln>
+          </p:spPr>
+          <p:style>
+            <a:lnRef idx="1">
+              <a:schemeClr val="accent1"/>
+            </a:lnRef>
+            <a:fillRef idx="0">
+              <a:schemeClr val="accent1"/>
+            </a:fillRef>
+            <a:effectRef idx="0">
+              <a:schemeClr val="accent1"/>
+            </a:effectRef>
+            <a:fontRef idx="minor">
+              <a:schemeClr val="tx1"/>
+            </a:fontRef>
+          </p:style>
+        </p:cxnSp>
+        <mc:AlternateContent xmlns:mc="http://schemas.openxmlformats.org/markup-compatibility/2006">
+          <mc:Choice xmlns:a14="http://schemas.microsoft.com/office/drawing/2010/main" Requires="a14">
+            <p:sp>
+              <p:nvSpPr>
+                <p:cNvPr id="5" name="TextBox 4">
+                  <a:extLst>
+                    <a:ext uri="{FF2B5EF4-FFF2-40B4-BE49-F238E27FC236}">
+                      <a16:creationId xmlns:a16="http://schemas.microsoft.com/office/drawing/2014/main" id="{58E12B91-52E3-4D60-93D2-3B0E38275AEF}"/>
+                    </a:ext>
+                  </a:extLst>
+                </p:cNvPr>
+                <p:cNvSpPr txBox="1"/>
+                <p:nvPr/>
+              </p:nvSpPr>
+              <p:spPr>
+                <a:xfrm>
+                  <a:off x="5725447" y="3720955"/>
+                  <a:ext cx="335280" cy="185855"/>
+                </a:xfrm>
+                <a:prstGeom prst="rect">
+                  <a:avLst/>
+                </a:prstGeom>
+                <a:noFill/>
+                <a:ln w="38100">
+                  <a:noFill/>
+                </a:ln>
+              </p:spPr>
+              <p:txBody>
+                <a:bodyPr wrap="square" rtlCol="0">
+                  <a:spAutoFit/>
+                </a:bodyPr>
+                <a:lstStyle/>
+                <a:p>
+                  <a:pPr/>
+                  <a14:m>
+                    <m:oMathPara xmlns:m="http://schemas.openxmlformats.org/officeDocument/2006/math">
+                      <m:oMathParaPr>
+                        <m:jc m:val="centerGroup"/>
+                      </m:oMathParaPr>
+                      <m:oMath xmlns:m="http://schemas.openxmlformats.org/officeDocument/2006/math">
+                        <m:acc>
+                          <m:accPr>
+                            <m:chr m:val="⃗"/>
+                            <m:ctrlPr>
+                              <a:rPr lang="en-US" sz="5114" i="1">
+                                <a:latin typeface="Cambria Math" panose="02040503050406030204" pitchFamily="18" charset="0"/>
+                              </a:rPr>
+                            </m:ctrlPr>
+                          </m:accPr>
+                          <m:e>
+                            <m:r>
+                              <a:rPr lang="en-US" sz="5114" i="1">
+                                <a:latin typeface="Cambria Math" panose="02040503050406030204" pitchFamily="18" charset="0"/>
+                              </a:rPr>
+                              <m:t>𝑘</m:t>
+                            </m:r>
+                          </m:e>
+                        </m:acc>
+                      </m:oMath>
+                    </m:oMathPara>
+                  </a14:m>
+                  <a:endParaRPr lang="en-US" sz="2575" dirty="0"/>
+                </a:p>
+              </p:txBody>
+            </p:sp>
+          </mc:Choice>
+          <mc:Fallback>
+            <p:sp>
+              <p:nvSpPr>
+                <p:cNvPr id="5" name="TextBox 4">
+                  <a:extLst>
+                    <a:ext uri="{FF2B5EF4-FFF2-40B4-BE49-F238E27FC236}">
+                      <a16:creationId xmlns:a16="http://schemas.microsoft.com/office/drawing/2014/main" id="{58E12B91-52E3-4D60-93D2-3B0E38275AEF}"/>
+                    </a:ext>
+                  </a:extLst>
+                </p:cNvPr>
+                <p:cNvSpPr txBox="1">
+                  <a:spLocks noRot="1" noChangeAspect="1" noMove="1" noResize="1" noEditPoints="1" noAdjustHandles="1" noChangeArrowheads="1" noChangeShapeType="1" noTextEdit="1"/>
+                </p:cNvSpPr>
+                <p:nvPr/>
+              </p:nvSpPr>
+              <p:spPr>
+                <a:xfrm>
+                  <a:off x="5725447" y="3720955"/>
+                  <a:ext cx="335280" cy="185855"/>
+                </a:xfrm>
+                <a:prstGeom prst="rect">
+                  <a:avLst/>
+                </a:prstGeom>
+                <a:blipFill>
+                  <a:blip r:embed="rId2"/>
+                  <a:stretch>
+                    <a:fillRect/>
+                  </a:stretch>
+                </a:blipFill>
+                <a:ln w="38100">
+                  <a:noFill/>
+                </a:ln>
+              </p:spPr>
+              <p:txBody>
+                <a:bodyPr/>
+                <a:lstStyle/>
+                <a:p>
+                  <a:r>
+                    <a:rPr lang="en-US">
+                      <a:noFill/>
+                    </a:rPr>
+                    <a:t> </a:t>
+                  </a:r>
+                </a:p>
+              </p:txBody>
+            </p:sp>
+          </mc:Fallback>
+        </mc:AlternateContent>
+        <mc:AlternateContent xmlns:mc="http://schemas.openxmlformats.org/markup-compatibility/2006">
+          <mc:Choice xmlns:a14="http://schemas.microsoft.com/office/drawing/2010/main" Requires="a14">
+            <p:sp>
+              <p:nvSpPr>
+                <p:cNvPr id="6" name="TextBox 5">
+                  <a:extLst>
+                    <a:ext uri="{FF2B5EF4-FFF2-40B4-BE49-F238E27FC236}">
+                      <a16:creationId xmlns:a16="http://schemas.microsoft.com/office/drawing/2014/main" id="{18227AE3-F150-4B24-AE5D-73CC55461A73}"/>
+                    </a:ext>
+                  </a:extLst>
+                </p:cNvPr>
+                <p:cNvSpPr txBox="1"/>
+                <p:nvPr/>
+              </p:nvSpPr>
+              <p:spPr>
+                <a:xfrm>
+                  <a:off x="6736726" y="4916236"/>
+                  <a:ext cx="335280" cy="206080"/>
+                </a:xfrm>
+                <a:prstGeom prst="rect">
+                  <a:avLst/>
+                </a:prstGeom>
+                <a:noFill/>
+                <a:ln w="38100">
+                  <a:noFill/>
+                </a:ln>
+              </p:spPr>
+              <p:txBody>
+                <a:bodyPr wrap="square" rtlCol="0">
+                  <a:spAutoFit/>
+                </a:bodyPr>
+                <a:lstStyle/>
+                <a:p>
+                  <a:pPr/>
+                  <a14:m>
+                    <m:oMathPara xmlns:m="http://schemas.openxmlformats.org/officeDocument/2006/math">
+                      <m:oMathParaPr>
+                        <m:jc m:val="centerGroup"/>
+                      </m:oMathParaPr>
+                      <m:oMath xmlns:m="http://schemas.openxmlformats.org/officeDocument/2006/math">
+                        <m:acc>
+                          <m:accPr>
+                            <m:chr m:val="⃗"/>
+                            <m:ctrlPr>
+                              <a:rPr lang="en-US" sz="6575" i="1">
+                                <a:latin typeface="Cambria Math" panose="02040503050406030204" pitchFamily="18" charset="0"/>
+                              </a:rPr>
+                            </m:ctrlPr>
+                          </m:accPr>
+                          <m:e>
+                            <m:r>
+                              <a:rPr lang="en-US" sz="6575" i="1">
+                                <a:latin typeface="Cambria Math" panose="02040503050406030204" pitchFamily="18" charset="0"/>
+                              </a:rPr>
+                              <m:t>𝑣</m:t>
+                            </m:r>
+                          </m:e>
+                        </m:acc>
+                      </m:oMath>
+                    </m:oMathPara>
+                  </a14:m>
+                  <a:endParaRPr lang="en-US" sz="2575" dirty="0"/>
+                </a:p>
+              </p:txBody>
+            </p:sp>
+          </mc:Choice>
+          <mc:Fallback>
+            <p:sp>
+              <p:nvSpPr>
+                <p:cNvPr id="6" name="TextBox 5">
+                  <a:extLst>
+                    <a:ext uri="{FF2B5EF4-FFF2-40B4-BE49-F238E27FC236}">
+                      <a16:creationId xmlns:a16="http://schemas.microsoft.com/office/drawing/2014/main" id="{18227AE3-F150-4B24-AE5D-73CC55461A73}"/>
+                    </a:ext>
+                  </a:extLst>
+                </p:cNvPr>
+                <p:cNvSpPr txBox="1">
+                  <a:spLocks noRot="1" noChangeAspect="1" noMove="1" noResize="1" noEditPoints="1" noAdjustHandles="1" noChangeArrowheads="1" noChangeShapeType="1" noTextEdit="1"/>
+                </p:cNvSpPr>
+                <p:nvPr/>
+              </p:nvSpPr>
+              <p:spPr>
+                <a:xfrm>
+                  <a:off x="6736726" y="4916236"/>
+                  <a:ext cx="335280" cy="206080"/>
+                </a:xfrm>
+                <a:prstGeom prst="rect">
+                  <a:avLst/>
+                </a:prstGeom>
+                <a:blipFill>
+                  <a:blip r:embed="rId3"/>
+                  <a:stretch>
+                    <a:fillRect/>
+                  </a:stretch>
+                </a:blipFill>
+                <a:ln w="38100">
+                  <a:noFill/>
+                </a:ln>
+              </p:spPr>
+              <p:txBody>
+                <a:bodyPr/>
+                <a:lstStyle/>
+                <a:p>
+                  <a:r>
+                    <a:rPr lang="en-US">
+                      <a:noFill/>
+                    </a:rPr>
+                    <a:t> </a:t>
+                  </a:r>
+                </a:p>
+              </p:txBody>
+            </p:sp>
+          </mc:Fallback>
+        </mc:AlternateContent>
+        <mc:AlternateContent xmlns:mc="http://schemas.openxmlformats.org/markup-compatibility/2006">
+          <mc:Choice xmlns:a14="http://schemas.microsoft.com/office/drawing/2010/main" Requires="a14">
+            <p:sp>
+              <p:nvSpPr>
+                <p:cNvPr id="7" name="TextBox 6">
+                  <a:extLst>
+                    <a:ext uri="{FF2B5EF4-FFF2-40B4-BE49-F238E27FC236}">
+                      <a16:creationId xmlns:a16="http://schemas.microsoft.com/office/drawing/2014/main" id="{EDA5E9BA-353A-4295-A90F-861B74FD10EA}"/>
+                    </a:ext>
+                  </a:extLst>
+                </p:cNvPr>
+                <p:cNvSpPr txBox="1"/>
+                <p:nvPr/>
+              </p:nvSpPr>
+              <p:spPr>
+                <a:xfrm>
+                  <a:off x="5495631" y="4580984"/>
+                  <a:ext cx="236220" cy="143179"/>
+                </a:xfrm>
+                <a:prstGeom prst="rect">
+                  <a:avLst/>
+                </a:prstGeom>
+                <a:noFill/>
+                <a:ln w="38100">
+                  <a:noFill/>
+                </a:ln>
+              </p:spPr>
+              <p:txBody>
+                <a:bodyPr wrap="square" rtlCol="0">
+                  <a:spAutoFit/>
+                </a:bodyPr>
+                <a:lstStyle/>
+                <a:p>
+                  <a:pPr/>
+                  <a14:m>
+                    <m:oMathPara xmlns:m="http://schemas.openxmlformats.org/officeDocument/2006/math">
+                      <m:oMathParaPr>
+                        <m:jc m:val="centerGroup"/>
+                      </m:oMathParaPr>
+                      <m:oMath xmlns:m="http://schemas.openxmlformats.org/officeDocument/2006/math">
+                        <m:sSub>
+                          <m:sSubPr>
+                            <m:ctrlPr>
+                              <a:rPr lang="en-US" sz="4385" i="1">
+                                <a:latin typeface="Cambria Math" panose="02040503050406030204" pitchFamily="18" charset="0"/>
+                              </a:rPr>
+                            </m:ctrlPr>
+                          </m:sSubPr>
+                          <m:e>
+                            <m:r>
+                              <a:rPr lang="en-US" sz="4385" i="1">
+                                <a:latin typeface="Cambria Math" panose="02040503050406030204" pitchFamily="18" charset="0"/>
+                              </a:rPr>
+                              <m:t>𝜃</m:t>
+                            </m:r>
+                          </m:e>
+                          <m:sub>
+                            <m:r>
+                              <a:rPr lang="en-US" sz="4385" i="1">
+                                <a:latin typeface="Cambria Math" panose="02040503050406030204" pitchFamily="18" charset="0"/>
+                              </a:rPr>
+                              <m:t>0</m:t>
+                            </m:r>
+                          </m:sub>
+                        </m:sSub>
+                      </m:oMath>
+                    </m:oMathPara>
+                  </a14:m>
+                  <a:endParaRPr lang="en-US" sz="2575" dirty="0"/>
+                </a:p>
+              </p:txBody>
+            </p:sp>
+          </mc:Choice>
+          <mc:Fallback>
+            <p:sp>
+              <p:nvSpPr>
+                <p:cNvPr id="7" name="TextBox 6">
+                  <a:extLst>
+                    <a:ext uri="{FF2B5EF4-FFF2-40B4-BE49-F238E27FC236}">
+                      <a16:creationId xmlns:a16="http://schemas.microsoft.com/office/drawing/2014/main" id="{EDA5E9BA-353A-4295-A90F-861B74FD10EA}"/>
+                    </a:ext>
+                  </a:extLst>
+                </p:cNvPr>
+                <p:cNvSpPr txBox="1">
+                  <a:spLocks noRot="1" noChangeAspect="1" noMove="1" noResize="1" noEditPoints="1" noAdjustHandles="1" noChangeArrowheads="1" noChangeShapeType="1" noTextEdit="1"/>
+                </p:cNvSpPr>
+                <p:nvPr/>
+              </p:nvSpPr>
+              <p:spPr>
+                <a:xfrm>
+                  <a:off x="5495631" y="4580984"/>
+                  <a:ext cx="236220" cy="143179"/>
+                </a:xfrm>
+                <a:prstGeom prst="rect">
+                  <a:avLst/>
+                </a:prstGeom>
+                <a:blipFill>
+                  <a:blip r:embed="rId4"/>
+                  <a:stretch>
+                    <a:fillRect/>
+                  </a:stretch>
+                </a:blipFill>
+                <a:ln w="38100">
+                  <a:noFill/>
+                </a:ln>
+              </p:spPr>
+              <p:txBody>
+                <a:bodyPr/>
+                <a:lstStyle/>
+                <a:p>
+                  <a:r>
+                    <a:rPr lang="en-US">
+                      <a:noFill/>
+                    </a:rPr>
+                    <a:t> </a:t>
+                  </a:r>
+                </a:p>
+              </p:txBody>
+            </p:sp>
+          </mc:Fallback>
+        </mc:AlternateContent>
+        <p:sp>
+          <p:nvSpPr>
+            <p:cNvPr id="8" name="Arc 7">
+              <a:extLst>
+                <a:ext uri="{FF2B5EF4-FFF2-40B4-BE49-F238E27FC236}">
+                  <a16:creationId xmlns:a16="http://schemas.microsoft.com/office/drawing/2014/main" id="{5A2EAFFE-5836-4F13-AD7A-03D7ADF04397}"/>
+                </a:ext>
+              </a:extLst>
+            </p:cNvPr>
+            <p:cNvSpPr/>
+            <p:nvPr/>
+          </p:nvSpPr>
+          <p:spPr>
+            <a:xfrm>
+              <a:off x="5072674" y="4554755"/>
+              <a:ext cx="510955" cy="574008"/>
+            </a:xfrm>
+            <a:prstGeom prst="arc">
+              <a:avLst>
+                <a:gd name="adj1" fmla="val 17410305"/>
+                <a:gd name="adj2" fmla="val 0"/>
+              </a:avLst>
+            </a:prstGeom>
+            <a:ln w="38100">
+              <a:solidFill>
+                <a:schemeClr val="tx1"/>
+              </a:solidFill>
+            </a:ln>
+          </p:spPr>
+          <p:style>
+            <a:lnRef idx="1">
+              <a:schemeClr val="accent1"/>
+            </a:lnRef>
+            <a:fillRef idx="0">
+              <a:schemeClr val="accent1"/>
+            </a:fillRef>
+            <a:effectRef idx="0">
+              <a:schemeClr val="accent1"/>
+            </a:effectRef>
+            <a:fontRef idx="minor">
+              <a:schemeClr val="tx1"/>
+            </a:fontRef>
+          </p:style>
+          <p:txBody>
+            <a:bodyPr rtlCol="0" anchor="ctr"/>
+            <a:lstStyle/>
+            <a:p>
+              <a:pPr algn="ctr"/>
+              <a:endParaRPr lang="en-US" sz="2575"/>
+            </a:p>
+          </p:txBody>
+        </p:sp>
+      </p:grpSp>
+    </p:spTree>
+    <p:extLst>
+      <p:ext uri="{BB962C8B-B14F-4D97-AF65-F5344CB8AC3E}">
+        <p14:creationId xmlns:p14="http://schemas.microsoft.com/office/powerpoint/2010/main" val="3171778268"/>
+      </p:ext>
+    </p:extLst>
+  </p:cSld>
+  <p:clrMapOvr>
+    <a:masterClrMapping/>
+  </p:clrMapOvr>
+</p:sld>
+</file>
+
+<file path=ppt/slides/slide9.xml><?xml version="1.0" encoding="utf-8"?>
+<p:sld xmlns:a="http://schemas.openxmlformats.org/drawingml/2006/main" xmlns:r="http://schemas.openxmlformats.org/officeDocument/2006/relationships" xmlns:p="http://schemas.openxmlformats.org/presentationml/2006/main">
+  <p:cSld>
+    <p:spTree>
+      <p:nvGrpSpPr>
+        <p:cNvPr id="1" name=""/>
+        <p:cNvGrpSpPr/>
+        <p:nvPr/>
+      </p:nvGrpSpPr>
+      <p:grpSpPr>
+        <a:xfrm>
+          <a:off x="0" y="0"/>
+          <a:ext cx="0" cy="0"/>
+          <a:chOff x="0" y="0"/>
+          <a:chExt cx="0" cy="0"/>
+        </a:xfrm>
+      </p:grpSpPr>
+      <p:grpSp>
+        <p:nvGrpSpPr>
+          <p:cNvPr id="2" name="Group 1">
+            <a:extLst>
+              <a:ext uri="{FF2B5EF4-FFF2-40B4-BE49-F238E27FC236}">
+                <a16:creationId xmlns:a16="http://schemas.microsoft.com/office/drawing/2014/main" id="{1F935D01-657E-4424-AA21-C4ADFF00165A}"/>
+              </a:ext>
+            </a:extLst>
+          </p:cNvPr>
+          <p:cNvGrpSpPr/>
+          <p:nvPr/>
+        </p:nvGrpSpPr>
+        <p:grpSpPr>
+          <a:xfrm>
+            <a:off x="1350212" y="-2416"/>
+            <a:ext cx="6443582" cy="5145919"/>
+            <a:chOff x="4532929" y="1566523"/>
+            <a:chExt cx="3528060" cy="2612567"/>
+          </a:xfrm>
+        </p:grpSpPr>
+        <p:sp>
+          <p:nvSpPr>
+            <p:cNvPr id="3" name="Rectangle 2">
+              <a:extLst>
+                <a:ext uri="{FF2B5EF4-FFF2-40B4-BE49-F238E27FC236}">
+                  <a16:creationId xmlns:a16="http://schemas.microsoft.com/office/drawing/2014/main" id="{5125E319-0B84-44B6-BBFF-31E261748D0C}"/>
+                </a:ext>
+              </a:extLst>
+            </p:cNvPr>
+            <p:cNvSpPr/>
+            <p:nvPr/>
+          </p:nvSpPr>
+          <p:spPr>
+            <a:xfrm>
+              <a:off x="4532929" y="1566523"/>
+              <a:ext cx="3528060" cy="2590800"/>
+            </a:xfrm>
+            <a:prstGeom prst="rect">
+              <a:avLst/>
+            </a:prstGeom>
+            <a:solidFill>
+              <a:schemeClr val="bg1">
+                <a:lumMod val="95000"/>
+              </a:schemeClr>
+            </a:solidFill>
+            <a:ln>
+              <a:noFill/>
+            </a:ln>
+          </p:spPr>
+          <p:style>
+            <a:lnRef idx="2">
+              <a:schemeClr val="accent1">
+                <a:shade val="50000"/>
+              </a:schemeClr>
+            </a:lnRef>
+            <a:fillRef idx="1">
+              <a:schemeClr val="accent1"/>
+            </a:fillRef>
+            <a:effectRef idx="0">
+              <a:schemeClr val="accent1"/>
+            </a:effectRef>
+            <a:fontRef idx="minor">
+              <a:schemeClr val="lt1"/>
+            </a:fontRef>
+          </p:style>
+          <p:txBody>
+            <a:bodyPr rtlCol="0" anchor="ctr"/>
+            <a:lstStyle/>
+            <a:p>
+              <a:pPr algn="ctr"/>
+              <a:endParaRPr lang="en-US" sz="10664"/>
+            </a:p>
+          </p:txBody>
+        </p:sp>
+        <p:sp>
+          <p:nvSpPr>
+            <p:cNvPr id="4" name="Freeform: Shape 3">
+              <a:extLst>
+                <a:ext uri="{FF2B5EF4-FFF2-40B4-BE49-F238E27FC236}">
+                  <a16:creationId xmlns:a16="http://schemas.microsoft.com/office/drawing/2014/main" id="{8481B0F5-5D7C-4CA1-A2F3-679B00FBE52B}"/>
+                </a:ext>
+              </a:extLst>
+            </p:cNvPr>
+            <p:cNvSpPr/>
+            <p:nvPr/>
+          </p:nvSpPr>
+          <p:spPr>
+            <a:xfrm>
+              <a:off x="6106459" y="1580670"/>
+              <a:ext cx="1950720" cy="2598420"/>
+            </a:xfrm>
+            <a:custGeom>
+              <a:avLst/>
+              <a:gdLst>
+                <a:gd name="connsiteX0" fmla="*/ 0 w 1950720"/>
+                <a:gd name="connsiteY0" fmla="*/ 1303020 h 2598420"/>
+                <a:gd name="connsiteX1" fmla="*/ 739140 w 1950720"/>
+                <a:gd name="connsiteY1" fmla="*/ 0 h 2598420"/>
+                <a:gd name="connsiteX2" fmla="*/ 1950720 w 1950720"/>
+                <a:gd name="connsiteY2" fmla="*/ 0 h 2598420"/>
+                <a:gd name="connsiteX3" fmla="*/ 1935480 w 1950720"/>
+                <a:gd name="connsiteY3" fmla="*/ 2598420 h 2598420"/>
+                <a:gd name="connsiteX4" fmla="*/ 731520 w 1950720"/>
+                <a:gd name="connsiteY4" fmla="*/ 2590800 h 2598420"/>
+                <a:gd name="connsiteX5" fmla="*/ 0 w 1950720"/>
+                <a:gd name="connsiteY5" fmla="*/ 1303020 h 2598420"/>
+              </a:gdLst>
+              <a:ahLst/>
+              <a:cxnLst>
+                <a:cxn ang="0">
+                  <a:pos x="connsiteX0" y="connsiteY0"/>
+                </a:cxn>
+                <a:cxn ang="0">
+                  <a:pos x="connsiteX1" y="connsiteY1"/>
+                </a:cxn>
+                <a:cxn ang="0">
+                  <a:pos x="connsiteX2" y="connsiteY2"/>
+                </a:cxn>
+                <a:cxn ang="0">
+                  <a:pos x="connsiteX3" y="connsiteY3"/>
+                </a:cxn>
+                <a:cxn ang="0">
+                  <a:pos x="connsiteX4" y="connsiteY4"/>
+                </a:cxn>
+                <a:cxn ang="0">
+                  <a:pos x="connsiteX5" y="connsiteY5"/>
+                </a:cxn>
+              </a:cxnLst>
+              <a:rect l="l" t="t" r="r" b="b"/>
+              <a:pathLst>
+                <a:path w="1950720" h="2598420">
+                  <a:moveTo>
+                    <a:pt x="0" y="1303020"/>
+                  </a:moveTo>
+                  <a:lnTo>
+                    <a:pt x="739140" y="0"/>
+                  </a:lnTo>
+                  <a:lnTo>
+                    <a:pt x="1950720" y="0"/>
+                  </a:lnTo>
+                  <a:lnTo>
+                    <a:pt x="1935480" y="2598420"/>
+                  </a:lnTo>
+                  <a:lnTo>
+                    <a:pt x="731520" y="2590800"/>
+                  </a:lnTo>
+                  <a:lnTo>
+                    <a:pt x="0" y="1303020"/>
+                  </a:lnTo>
+                  <a:close/>
+                </a:path>
+              </a:pathLst>
+            </a:custGeom>
+            <a:solidFill>
+              <a:schemeClr val="accent2">
+                <a:lumMod val="60000"/>
+                <a:lumOff val="40000"/>
+              </a:schemeClr>
+            </a:solidFill>
+            <a:ln>
+              <a:noFill/>
+            </a:ln>
+          </p:spPr>
+          <p:style>
+            <a:lnRef idx="2">
+              <a:schemeClr val="accent1">
+                <a:shade val="50000"/>
+              </a:schemeClr>
+            </a:lnRef>
+            <a:fillRef idx="1">
+              <a:schemeClr val="accent1"/>
+            </a:fillRef>
+            <a:effectRef idx="0">
+              <a:schemeClr val="accent1"/>
+            </a:effectRef>
+            <a:fontRef idx="minor">
+              <a:schemeClr val="lt1"/>
+            </a:fontRef>
+          </p:style>
+          <p:txBody>
+            <a:bodyPr rtlCol="0" anchor="ctr"/>
+            <a:lstStyle/>
+            <a:p>
+              <a:pPr algn="ctr"/>
+              <a:endParaRPr lang="en-US" sz="10664"/>
+            </a:p>
+          </p:txBody>
+        </p:sp>
+        <p:cxnSp>
+          <p:nvCxnSpPr>
+            <p:cNvPr id="5" name="Straight Arrow Connector 4">
+              <a:extLst>
+                <a:ext uri="{FF2B5EF4-FFF2-40B4-BE49-F238E27FC236}">
+                  <a16:creationId xmlns:a16="http://schemas.microsoft.com/office/drawing/2014/main" id="{1DBD7FEA-A270-4FFF-9DA2-B536D92F424E}"/>
+                </a:ext>
+              </a:extLst>
+            </p:cNvPr>
+            <p:cNvCxnSpPr/>
+            <p:nvPr/>
+          </p:nvCxnSpPr>
+          <p:spPr>
+            <a:xfrm>
+              <a:off x="6115113" y="2861923"/>
+              <a:ext cx="1028700" cy="0"/>
+            </a:xfrm>
+            <a:prstGeom prst="straightConnector1">
+              <a:avLst/>
+            </a:prstGeom>
+            <a:ln w="12700">
+              <a:solidFill>
+                <a:schemeClr val="tx1"/>
+              </a:solidFill>
+              <a:tailEnd type="triangle"/>
+            </a:ln>
+          </p:spPr>
+          <p:style>
+            <a:lnRef idx="1">
+              <a:schemeClr val="accent1"/>
+            </a:lnRef>
+            <a:fillRef idx="0">
+              <a:schemeClr val="accent1"/>
+            </a:fillRef>
+            <a:effectRef idx="0">
+              <a:schemeClr val="accent1"/>
+            </a:effectRef>
+            <a:fontRef idx="minor">
+              <a:schemeClr val="tx1"/>
+            </a:fontRef>
+          </p:style>
+        </p:cxnSp>
+        <p:cxnSp>
+          <p:nvCxnSpPr>
+            <p:cNvPr id="6" name="Straight Connector 5">
+              <a:extLst>
+                <a:ext uri="{FF2B5EF4-FFF2-40B4-BE49-F238E27FC236}">
+                  <a16:creationId xmlns:a16="http://schemas.microsoft.com/office/drawing/2014/main" id="{C95C991E-ED18-41DD-A4A3-9BD0F7B4DC02}"/>
+                </a:ext>
+              </a:extLst>
+            </p:cNvPr>
+            <p:cNvCxnSpPr>
+              <a:cxnSpLocks/>
+            </p:cNvCxnSpPr>
+            <p:nvPr/>
+          </p:nvCxnSpPr>
+          <p:spPr>
+            <a:xfrm flipV="1">
+              <a:off x="6122733" y="1574143"/>
+              <a:ext cx="731520" cy="1295399"/>
+            </a:xfrm>
+            <a:prstGeom prst="line">
+              <a:avLst/>
+            </a:prstGeom>
+            <a:ln w="12700">
+              <a:solidFill>
+                <a:schemeClr val="tx1"/>
+              </a:solidFill>
+              <a:prstDash val="lgDash"/>
+            </a:ln>
+          </p:spPr>
+          <p:style>
+            <a:lnRef idx="1">
+              <a:schemeClr val="accent1"/>
+            </a:lnRef>
+            <a:fillRef idx="0">
+              <a:schemeClr val="accent1"/>
+            </a:fillRef>
+            <a:effectRef idx="0">
+              <a:schemeClr val="accent1"/>
+            </a:effectRef>
+            <a:fontRef idx="minor">
+              <a:schemeClr val="tx1"/>
+            </a:fontRef>
+          </p:style>
+        </p:cxnSp>
+        <p:cxnSp>
+          <p:nvCxnSpPr>
+            <p:cNvPr id="7" name="Straight Connector 6">
+              <a:extLst>
+                <a:ext uri="{FF2B5EF4-FFF2-40B4-BE49-F238E27FC236}">
+                  <a16:creationId xmlns:a16="http://schemas.microsoft.com/office/drawing/2014/main" id="{B9CCFE28-5928-400D-A1DD-08D2AB84F061}"/>
+                </a:ext>
+              </a:extLst>
+            </p:cNvPr>
+            <p:cNvCxnSpPr>
+              <a:cxnSpLocks/>
+            </p:cNvCxnSpPr>
+            <p:nvPr/>
+          </p:nvCxnSpPr>
+          <p:spPr>
+            <a:xfrm flipH="1" flipV="1">
+              <a:off x="6102649" y="2849016"/>
+              <a:ext cx="743984" cy="1308308"/>
+            </a:xfrm>
+            <a:prstGeom prst="line">
+              <a:avLst/>
+            </a:prstGeom>
+            <a:ln w="12700">
+              <a:solidFill>
+                <a:schemeClr val="tx1"/>
+              </a:solidFill>
+              <a:prstDash val="lgDash"/>
+            </a:ln>
+          </p:spPr>
+          <p:style>
+            <a:lnRef idx="1">
+              <a:schemeClr val="accent1"/>
+            </a:lnRef>
+            <a:fillRef idx="0">
+              <a:schemeClr val="accent1"/>
+            </a:fillRef>
+            <a:effectRef idx="0">
+              <a:schemeClr val="accent1"/>
+            </a:effectRef>
+            <a:fontRef idx="minor">
+              <a:schemeClr val="tx1"/>
+            </a:fontRef>
+          </p:style>
+        </p:cxnSp>
+        <p:cxnSp>
+          <p:nvCxnSpPr>
+            <p:cNvPr id="8" name="Straight Arrow Connector 7">
+              <a:extLst>
+                <a:ext uri="{FF2B5EF4-FFF2-40B4-BE49-F238E27FC236}">
+                  <a16:creationId xmlns:a16="http://schemas.microsoft.com/office/drawing/2014/main" id="{3CB4BEF1-4DF7-4E24-96F3-AB03443166D6}"/>
+                </a:ext>
+              </a:extLst>
+            </p:cNvPr>
+            <p:cNvCxnSpPr>
+              <a:cxnSpLocks/>
+            </p:cNvCxnSpPr>
+            <p:nvPr/>
+          </p:nvCxnSpPr>
+          <p:spPr>
+            <a:xfrm flipV="1">
+              <a:off x="6115113" y="2158661"/>
+              <a:ext cx="822226" cy="703261"/>
+            </a:xfrm>
+            <a:prstGeom prst="straightConnector1">
+              <a:avLst/>
+            </a:prstGeom>
+            <a:ln>
+              <a:solidFill>
+                <a:schemeClr val="tx1"/>
+              </a:solidFill>
+              <a:tailEnd type="triangle"/>
+            </a:ln>
+          </p:spPr>
+          <p:style>
+            <a:lnRef idx="1">
+              <a:schemeClr val="accent1"/>
+            </a:lnRef>
+            <a:fillRef idx="0">
+              <a:schemeClr val="accent1"/>
+            </a:fillRef>
+            <a:effectRef idx="0">
+              <a:schemeClr val="accent1"/>
+            </a:effectRef>
+            <a:fontRef idx="minor">
+              <a:schemeClr val="tx1"/>
+            </a:fontRef>
+          </p:style>
+        </p:cxnSp>
+        <mc:AlternateContent xmlns:mc="http://schemas.openxmlformats.org/markup-compatibility/2006">
+          <mc:Choice xmlns:a14="http://schemas.microsoft.com/office/drawing/2010/main" Requires="a14">
+            <p:sp>
+              <p:nvSpPr>
+                <p:cNvPr id="9" name="TextBox 8">
+                  <a:extLst>
+                    <a:ext uri="{FF2B5EF4-FFF2-40B4-BE49-F238E27FC236}">
+                      <a16:creationId xmlns:a16="http://schemas.microsoft.com/office/drawing/2014/main" id="{E8CAD45D-D6B9-49B6-B1C6-7A14971C3B91}"/>
+                    </a:ext>
+                  </a:extLst>
+                </p:cNvPr>
+                <p:cNvSpPr txBox="1"/>
+                <p:nvPr/>
+              </p:nvSpPr>
+              <p:spPr>
+                <a:xfrm>
+                  <a:off x="6874841" y="1905719"/>
+                  <a:ext cx="335280" cy="1003236"/>
+                </a:xfrm>
+                <a:prstGeom prst="rect">
+                  <a:avLst/>
+                </a:prstGeom>
+                <a:noFill/>
+              </p:spPr>
+              <p:txBody>
+                <a:bodyPr wrap="square" rtlCol="0">
+                  <a:spAutoFit/>
+                </a:bodyPr>
+                <a:lstStyle/>
+                <a:p>
+                  <a:pPr/>
+                  <a14:m>
+                    <m:oMathPara xmlns:m="http://schemas.openxmlformats.org/officeDocument/2006/math">
+                      <m:oMathParaPr>
+                        <m:jc m:val="centerGroup"/>
+                      </m:oMathParaPr>
+                      <m:oMath xmlns:m="http://schemas.openxmlformats.org/officeDocument/2006/math">
+                        <m:acc>
+                          <m:accPr>
+                            <m:chr m:val="⃗"/>
+                            <m:ctrlPr>
+                              <a:rPr lang="en-US" sz="10664" i="1">
+                                <a:latin typeface="Cambria Math" panose="02040503050406030204" pitchFamily="18" charset="0"/>
+                              </a:rPr>
+                            </m:ctrlPr>
+                          </m:accPr>
+                          <m:e>
+                            <m:r>
+                              <a:rPr lang="en-US" sz="10664" i="1">
+                                <a:latin typeface="Cambria Math" panose="02040503050406030204" pitchFamily="18" charset="0"/>
+                              </a:rPr>
+                              <m:t>𝑘</m:t>
+                            </m:r>
+                          </m:e>
+                        </m:acc>
+                      </m:oMath>
+                    </m:oMathPara>
+                  </a14:m>
+                  <a:endParaRPr lang="en-US" sz="10664" dirty="0"/>
+                </a:p>
+              </p:txBody>
+            </p:sp>
+          </mc:Choice>
+          <mc:Fallback>
+            <p:sp>
+              <p:nvSpPr>
+                <p:cNvPr id="9" name="TextBox 8">
+                  <a:extLst>
+                    <a:ext uri="{FF2B5EF4-FFF2-40B4-BE49-F238E27FC236}">
+                      <a16:creationId xmlns:a16="http://schemas.microsoft.com/office/drawing/2014/main" id="{E8CAD45D-D6B9-49B6-B1C6-7A14971C3B91}"/>
+                    </a:ext>
+                  </a:extLst>
+                </p:cNvPr>
+                <p:cNvSpPr txBox="1">
+                  <a:spLocks noRot="1" noChangeAspect="1" noMove="1" noResize="1" noEditPoints="1" noAdjustHandles="1" noChangeArrowheads="1" noChangeShapeType="1" noTextEdit="1"/>
+                </p:cNvSpPr>
+                <p:nvPr/>
+              </p:nvSpPr>
+              <p:spPr>
+                <a:xfrm>
+                  <a:off x="6874841" y="1905719"/>
+                  <a:ext cx="335280" cy="1003236"/>
+                </a:xfrm>
+                <a:prstGeom prst="rect">
+                  <a:avLst/>
+                </a:prstGeom>
+                <a:blipFill>
+                  <a:blip r:embed="rId2"/>
+                  <a:stretch>
+                    <a:fillRect r="-36634"/>
+                  </a:stretch>
+                </a:blipFill>
+              </p:spPr>
+              <p:txBody>
+                <a:bodyPr/>
+                <a:lstStyle/>
+                <a:p>
+                  <a:r>
+                    <a:rPr lang="en-US">
+                      <a:noFill/>
+                    </a:rPr>
+                    <a:t> </a:t>
+                  </a:r>
+                </a:p>
+              </p:txBody>
+            </p:sp>
+          </mc:Fallback>
+        </mc:AlternateContent>
+        <mc:AlternateContent xmlns:mc="http://schemas.openxmlformats.org/markup-compatibility/2006">
+          <mc:Choice xmlns:a14="http://schemas.microsoft.com/office/drawing/2010/main" Requires="a14">
+            <p:sp>
+              <p:nvSpPr>
+                <p:cNvPr id="10" name="TextBox 9">
+                  <a:extLst>
+                    <a:ext uri="{FF2B5EF4-FFF2-40B4-BE49-F238E27FC236}">
+                      <a16:creationId xmlns:a16="http://schemas.microsoft.com/office/drawing/2014/main" id="{235BDA86-CE26-4EB9-964A-019ED245CA8D}"/>
+                    </a:ext>
+                  </a:extLst>
+                </p:cNvPr>
+                <p:cNvSpPr txBox="1"/>
+                <p:nvPr/>
+              </p:nvSpPr>
+              <p:spPr>
+                <a:xfrm>
+                  <a:off x="7157652" y="2656770"/>
+                  <a:ext cx="335280" cy="880053"/>
+                </a:xfrm>
+                <a:prstGeom prst="rect">
+                  <a:avLst/>
+                </a:prstGeom>
+                <a:noFill/>
+              </p:spPr>
+              <p:txBody>
+                <a:bodyPr wrap="square" rtlCol="0">
+                  <a:spAutoFit/>
+                </a:bodyPr>
+                <a:lstStyle/>
+                <a:p>
+                  <a:pPr/>
+                  <a14:m>
+                    <m:oMathPara xmlns:m="http://schemas.openxmlformats.org/officeDocument/2006/math">
+                      <m:oMathParaPr>
+                        <m:jc m:val="centerGroup"/>
+                      </m:oMathParaPr>
+                      <m:oMath xmlns:m="http://schemas.openxmlformats.org/officeDocument/2006/math">
+                        <m:acc>
+                          <m:accPr>
+                            <m:chr m:val="⃗"/>
+                            <m:ctrlPr>
+                              <a:rPr lang="en-US" sz="10664" i="1">
+                                <a:latin typeface="Cambria Math" panose="02040503050406030204" pitchFamily="18" charset="0"/>
+                              </a:rPr>
+                            </m:ctrlPr>
+                          </m:accPr>
+                          <m:e>
+                            <m:r>
+                              <a:rPr lang="en-US" sz="10664" i="1">
+                                <a:latin typeface="Cambria Math" panose="02040503050406030204" pitchFamily="18" charset="0"/>
+                              </a:rPr>
+                              <m:t>𝑣</m:t>
+                            </m:r>
+                          </m:e>
+                        </m:acc>
+                      </m:oMath>
+                    </m:oMathPara>
+                  </a14:m>
+                  <a:endParaRPr lang="en-US" sz="10664" dirty="0"/>
+                </a:p>
+              </p:txBody>
+            </p:sp>
+          </mc:Choice>
+          <mc:Fallback>
+            <p:sp>
+              <p:nvSpPr>
+                <p:cNvPr id="10" name="TextBox 9">
+                  <a:extLst>
+                    <a:ext uri="{FF2B5EF4-FFF2-40B4-BE49-F238E27FC236}">
+                      <a16:creationId xmlns:a16="http://schemas.microsoft.com/office/drawing/2014/main" id="{235BDA86-CE26-4EB9-964A-019ED245CA8D}"/>
+                    </a:ext>
+                  </a:extLst>
+                </p:cNvPr>
+                <p:cNvSpPr txBox="1">
+                  <a:spLocks noRot="1" noChangeAspect="1" noMove="1" noResize="1" noEditPoints="1" noAdjustHandles="1" noChangeArrowheads="1" noChangeShapeType="1" noTextEdit="1"/>
+                </p:cNvSpPr>
+                <p:nvPr/>
+              </p:nvSpPr>
+              <p:spPr>
+                <a:xfrm>
+                  <a:off x="7157652" y="2656770"/>
+                  <a:ext cx="335280" cy="880053"/>
+                </a:xfrm>
+                <a:prstGeom prst="rect">
+                  <a:avLst/>
+                </a:prstGeom>
+                <a:blipFill>
+                  <a:blip r:embed="rId3"/>
+                  <a:stretch>
+                    <a:fillRect r="-35000"/>
+                  </a:stretch>
+                </a:blipFill>
+              </p:spPr>
+              <p:txBody>
+                <a:bodyPr/>
+                <a:lstStyle/>
+                <a:p>
+                  <a:r>
+                    <a:rPr lang="en-US">
+                      <a:noFill/>
+                    </a:rPr>
+                    <a:t> </a:t>
+                  </a:r>
+                </a:p>
+              </p:txBody>
+            </p:sp>
+          </mc:Fallback>
+        </mc:AlternateContent>
+        <p:sp>
+          <p:nvSpPr>
+            <p:cNvPr id="11" name="Arc 10">
+              <a:extLst>
+                <a:ext uri="{FF2B5EF4-FFF2-40B4-BE49-F238E27FC236}">
+                  <a16:creationId xmlns:a16="http://schemas.microsoft.com/office/drawing/2014/main" id="{FA0A679E-23DF-411F-A636-230E95DB0DDE}"/>
+                </a:ext>
+              </a:extLst>
+            </p:cNvPr>
+            <p:cNvSpPr/>
+            <p:nvPr/>
+          </p:nvSpPr>
+          <p:spPr>
+            <a:xfrm>
+              <a:off x="6174488" y="2671930"/>
+              <a:ext cx="244941" cy="354172"/>
+            </a:xfrm>
+            <a:prstGeom prst="arc">
+              <a:avLst>
+                <a:gd name="adj1" fmla="val 16936109"/>
+                <a:gd name="adj2" fmla="val 0"/>
+              </a:avLst>
+            </a:prstGeom>
+            <a:ln>
+              <a:solidFill>
+                <a:schemeClr val="tx1"/>
+              </a:solidFill>
+            </a:ln>
+          </p:spPr>
+          <p:style>
+            <a:lnRef idx="1">
+              <a:schemeClr val="accent1"/>
+            </a:lnRef>
+            <a:fillRef idx="0">
+              <a:schemeClr val="accent1"/>
+            </a:fillRef>
+            <a:effectRef idx="0">
+              <a:schemeClr val="accent1"/>
+            </a:effectRef>
+            <a:fontRef idx="minor">
+              <a:schemeClr val="tx1"/>
+            </a:fontRef>
+          </p:style>
+          <p:txBody>
+            <a:bodyPr rtlCol="0" anchor="ctr"/>
+            <a:lstStyle/>
+            <a:p>
+              <a:pPr algn="ctr"/>
+              <a:endParaRPr lang="en-US" sz="10664"/>
+            </a:p>
+          </p:txBody>
+        </p:sp>
+        <mc:AlternateContent xmlns:mc="http://schemas.openxmlformats.org/markup-compatibility/2006">
+          <mc:Choice xmlns:a14="http://schemas.microsoft.com/office/drawing/2010/main" Requires="a14">
+            <p:sp>
+              <p:nvSpPr>
+                <p:cNvPr id="12" name="TextBox 11">
+                  <a:extLst>
+                    <a:ext uri="{FF2B5EF4-FFF2-40B4-BE49-F238E27FC236}">
+                      <a16:creationId xmlns:a16="http://schemas.microsoft.com/office/drawing/2014/main" id="{87580820-4AB8-4855-83F4-B6CF7C562B6E}"/>
+                    </a:ext>
+                  </a:extLst>
+                </p:cNvPr>
+                <p:cNvSpPr txBox="1"/>
+                <p:nvPr/>
+              </p:nvSpPr>
+              <p:spPr>
+                <a:xfrm>
+                  <a:off x="6408883" y="2525241"/>
+                  <a:ext cx="236220" cy="880053"/>
+                </a:xfrm>
+                <a:prstGeom prst="rect">
+                  <a:avLst/>
+                </a:prstGeom>
+                <a:noFill/>
+              </p:spPr>
+              <p:txBody>
+                <a:bodyPr wrap="square" rtlCol="0">
+                  <a:spAutoFit/>
+                </a:bodyPr>
+                <a:lstStyle/>
+                <a:p>
+                  <a:pPr/>
+                  <a14:m>
+                    <m:oMathPara xmlns:m="http://schemas.openxmlformats.org/officeDocument/2006/math">
+                      <m:oMathParaPr>
+                        <m:jc m:val="centerGroup"/>
+                      </m:oMathParaPr>
+                      <m:oMath xmlns:m="http://schemas.openxmlformats.org/officeDocument/2006/math">
+                        <m:r>
+                          <a:rPr lang="en-US" sz="10664" i="1">
+                            <a:latin typeface="Cambria Math" panose="02040503050406030204" pitchFamily="18" charset="0"/>
+                          </a:rPr>
+                          <m:t>𝜃</m:t>
+                        </m:r>
+                      </m:oMath>
+                    </m:oMathPara>
+                  </a14:m>
+                  <a:endParaRPr lang="en-US" sz="10664" dirty="0"/>
+                </a:p>
+              </p:txBody>
+            </p:sp>
+          </mc:Choice>
+          <mc:Fallback>
+            <p:sp>
+              <p:nvSpPr>
+                <p:cNvPr id="12" name="TextBox 11">
+                  <a:extLst>
+                    <a:ext uri="{FF2B5EF4-FFF2-40B4-BE49-F238E27FC236}">
+                      <a16:creationId xmlns:a16="http://schemas.microsoft.com/office/drawing/2014/main" id="{87580820-4AB8-4855-83F4-B6CF7C562B6E}"/>
+                    </a:ext>
+                  </a:extLst>
+                </p:cNvPr>
+                <p:cNvSpPr txBox="1">
+                  <a:spLocks noRot="1" noChangeAspect="1" noMove="1" noResize="1" noEditPoints="1" noAdjustHandles="1" noChangeArrowheads="1" noChangeShapeType="1" noTextEdit="1"/>
+                </p:cNvSpPr>
+                <p:nvPr/>
+              </p:nvSpPr>
+              <p:spPr>
+                <a:xfrm>
+                  <a:off x="6408883" y="2525241"/>
+                  <a:ext cx="236220" cy="880053"/>
+                </a:xfrm>
+                <a:prstGeom prst="rect">
+                  <a:avLst/>
+                </a:prstGeom>
+                <a:blipFill>
+                  <a:blip r:embed="rId4"/>
+                  <a:stretch>
+                    <a:fillRect r="-81429"/>
+                  </a:stretch>
+                </a:blipFill>
+              </p:spPr>
+              <p:txBody>
+                <a:bodyPr/>
+                <a:lstStyle/>
+                <a:p>
+                  <a:r>
+                    <a:rPr lang="en-US">
+                      <a:noFill/>
+                    </a:rPr>
+                    <a:t> </a:t>
+                  </a:r>
+                </a:p>
+              </p:txBody>
+            </p:sp>
+          </mc:Fallback>
+        </mc:AlternateContent>
+        <mc:AlternateContent xmlns:mc="http://schemas.openxmlformats.org/markup-compatibility/2006">
+          <mc:Choice xmlns:a14="http://schemas.microsoft.com/office/drawing/2010/main" Requires="a14">
+            <p:sp>
+              <p:nvSpPr>
+                <p:cNvPr id="13" name="TextBox 12">
+                  <a:extLst>
+                    <a:ext uri="{FF2B5EF4-FFF2-40B4-BE49-F238E27FC236}">
+                      <a16:creationId xmlns:a16="http://schemas.microsoft.com/office/drawing/2014/main" id="{CCBAC9D3-52CD-44E2-BB9D-8A127B80C487}"/>
+                    </a:ext>
+                  </a:extLst>
+                </p:cNvPr>
+                <p:cNvSpPr txBox="1"/>
+                <p:nvPr/>
+              </p:nvSpPr>
+              <p:spPr>
+                <a:xfrm rot="17902386">
+                  <a:off x="5433574" y="2119146"/>
+                  <a:ext cx="1369663" cy="467600"/>
+                </a:xfrm>
+                <a:prstGeom prst="rect">
+                  <a:avLst/>
+                </a:prstGeom>
+                <a:noFill/>
+              </p:spPr>
+              <p:txBody>
+                <a:bodyPr wrap="square" rtlCol="0">
+                  <a:spAutoFit/>
+                </a:bodyPr>
+                <a:lstStyle/>
+                <a:p>
+                  <a:pPr/>
+                  <a14:m>
+                    <m:oMathPara xmlns:m="http://schemas.openxmlformats.org/officeDocument/2006/math">
+                      <m:oMathParaPr>
+                        <m:jc m:val="centerGroup"/>
+                      </m:oMathParaPr>
+                      <m:oMath xmlns:m="http://schemas.openxmlformats.org/officeDocument/2006/math">
+                        <m:sSub>
+                          <m:sSubPr>
+                            <m:ctrlPr>
+                              <a:rPr lang="en-US" sz="2557" i="1">
+                                <a:latin typeface="Cambria Math" panose="02040503050406030204" pitchFamily="18" charset="0"/>
+                              </a:rPr>
+                            </m:ctrlPr>
+                          </m:sSubPr>
+                          <m:e>
+                            <m:r>
+                              <a:rPr lang="en-US" sz="2557" i="1">
+                                <a:latin typeface="Cambria Math" panose="02040503050406030204" pitchFamily="18" charset="0"/>
+                              </a:rPr>
+                              <m:t>𝜃</m:t>
+                            </m:r>
+                          </m:e>
+                          <m:sub>
+                            <m:r>
+                              <a:rPr lang="en-US" sz="2557" i="1">
+                                <a:latin typeface="Cambria Math" panose="02040503050406030204" pitchFamily="18" charset="0"/>
+                              </a:rPr>
+                              <m:t>0</m:t>
+                            </m:r>
+                          </m:sub>
+                        </m:sSub>
+                        <m:r>
+                          <a:rPr lang="en-US" sz="2557" i="1">
+                            <a:latin typeface="Cambria Math" panose="02040503050406030204" pitchFamily="18" charset="0"/>
+                          </a:rPr>
+                          <m:t>=</m:t>
+                        </m:r>
+                        <m:r>
+                          <m:rPr>
+                            <m:sty m:val="p"/>
+                          </m:rPr>
+                          <a:rPr lang="en-US" sz="2557">
+                            <a:latin typeface="Cambria Math" panose="02040503050406030204" pitchFamily="18" charset="0"/>
+                          </a:rPr>
+                          <m:t>arccos</m:t>
+                        </m:r>
+                        <m:r>
+                          <a:rPr lang="en-US" sz="2557" i="1">
+                            <a:latin typeface="Cambria Math" panose="02040503050406030204" pitchFamily="18" charset="0"/>
+                          </a:rPr>
+                          <m:t>⁡(</m:t>
+                        </m:r>
+                        <m:f>
+                          <m:fPr>
+                            <m:ctrlPr>
+                              <a:rPr lang="en-US" sz="2557" i="1">
+                                <a:latin typeface="Cambria Math" panose="02040503050406030204" pitchFamily="18" charset="0"/>
+                              </a:rPr>
+                            </m:ctrlPr>
+                          </m:fPr>
+                          <m:num>
+                            <m:sSup>
+                              <m:sSupPr>
+                                <m:ctrlPr>
+                                  <a:rPr lang="en-US" sz="2557" i="1">
+                                    <a:latin typeface="Cambria Math" panose="02040503050406030204" pitchFamily="18" charset="0"/>
+                                  </a:rPr>
+                                </m:ctrlPr>
+                              </m:sSupPr>
+                              <m:e>
+                                <m:r>
+                                  <a:rPr lang="en-US" sz="2557" i="1">
+                                    <a:latin typeface="Cambria Math" panose="02040503050406030204" pitchFamily="18" charset="0"/>
+                                  </a:rPr>
+                                  <m:t>𝑐</m:t>
+                                </m:r>
+                              </m:e>
+                              <m:sup>
+                                <m:r>
+                                  <a:rPr lang="en-US" sz="2557" i="1">
+                                    <a:latin typeface="Cambria Math" panose="02040503050406030204" pitchFamily="18" charset="0"/>
+                                  </a:rPr>
+                                  <m:t>′</m:t>
+                                </m:r>
+                              </m:sup>
+                            </m:sSup>
+                          </m:num>
+                          <m:den>
+                            <m:r>
+                              <a:rPr lang="en-US" sz="2557" i="1">
+                                <a:latin typeface="Cambria Math" panose="02040503050406030204" pitchFamily="18" charset="0"/>
+                              </a:rPr>
+                              <m:t>𝑣</m:t>
+                            </m:r>
+                          </m:den>
+                        </m:f>
+                        <m:r>
+                          <a:rPr lang="en-US" sz="2557" i="1">
+                            <a:latin typeface="Cambria Math" panose="02040503050406030204" pitchFamily="18" charset="0"/>
+                          </a:rPr>
+                          <m:t>)</m:t>
+                        </m:r>
+                      </m:oMath>
+                    </m:oMathPara>
+                  </a14:m>
+                  <a:endParaRPr lang="en-US" sz="10664" dirty="0"/>
+                </a:p>
+              </p:txBody>
+            </p:sp>
+          </mc:Choice>
+          <mc:Fallback>
+            <p:sp>
+              <p:nvSpPr>
+                <p:cNvPr id="13" name="TextBox 12">
+                  <a:extLst>
+                    <a:ext uri="{FF2B5EF4-FFF2-40B4-BE49-F238E27FC236}">
+                      <a16:creationId xmlns:a16="http://schemas.microsoft.com/office/drawing/2014/main" id="{CCBAC9D3-52CD-44E2-BB9D-8A127B80C487}"/>
+                    </a:ext>
+                  </a:extLst>
+                </p:cNvPr>
+                <p:cNvSpPr txBox="1">
+                  <a:spLocks noRot="1" noChangeAspect="1" noMove="1" noResize="1" noEditPoints="1" noAdjustHandles="1" noChangeArrowheads="1" noChangeShapeType="1" noTextEdit="1"/>
+                </p:cNvSpPr>
+                <p:nvPr/>
+              </p:nvSpPr>
+              <p:spPr>
+                <a:xfrm rot="17902386">
+                  <a:off x="5433574" y="2119146"/>
+                  <a:ext cx="1369663" cy="467600"/>
+                </a:xfrm>
+                <a:prstGeom prst="rect">
+                  <a:avLst/>
+                </a:prstGeom>
+                <a:blipFill>
+                  <a:blip r:embed="rId5"/>
+                  <a:stretch>
+                    <a:fillRect/>
+                  </a:stretch>
+                </a:blipFill>
+              </p:spPr>
+              <p:txBody>
+                <a:bodyPr/>
+                <a:lstStyle/>
+                <a:p>
+                  <a:r>
+                    <a:rPr lang="en-US">
+                      <a:noFill/>
+                    </a:rPr>
+                    <a:t> </a:t>
+                  </a:r>
+                </a:p>
+              </p:txBody>
+            </p:sp>
+          </mc:Fallback>
+        </mc:AlternateContent>
+        <mc:AlternateContent xmlns:mc="http://schemas.openxmlformats.org/markup-compatibility/2006">
+          <mc:Choice xmlns:a14="http://schemas.microsoft.com/office/drawing/2010/main" Requires="a14">
+            <p:sp>
+              <p:nvSpPr>
+                <p:cNvPr id="14" name="TextBox 13">
+                  <a:extLst>
+                    <a:ext uri="{FF2B5EF4-FFF2-40B4-BE49-F238E27FC236}">
+                      <a16:creationId xmlns:a16="http://schemas.microsoft.com/office/drawing/2014/main" id="{0722528C-CA9E-493F-BD50-0218293686C1}"/>
+                    </a:ext>
+                  </a:extLst>
+                </p:cNvPr>
+                <p:cNvSpPr txBox="1"/>
+                <p:nvPr/>
+              </p:nvSpPr>
+              <p:spPr>
+                <a:xfrm rot="3640503">
+                  <a:off x="5662079" y="3370051"/>
+                  <a:ext cx="1297848" cy="266012"/>
+                </a:xfrm>
+                <a:prstGeom prst="rect">
+                  <a:avLst/>
+                </a:prstGeom>
+                <a:noFill/>
+              </p:spPr>
+              <p:txBody>
+                <a:bodyPr wrap="square" rtlCol="0">
+                  <a:spAutoFit/>
+                </a:bodyPr>
+                <a:lstStyle/>
+                <a:p>
+                  <a:pPr/>
+                  <a14:m>
+                    <m:oMathPara xmlns:m="http://schemas.openxmlformats.org/officeDocument/2006/math">
+                      <m:oMathParaPr>
+                        <m:jc m:val="centerGroup"/>
+                      </m:oMathParaPr>
+                      <m:oMath xmlns:m="http://schemas.openxmlformats.org/officeDocument/2006/math">
+                        <m:r>
+                          <a:rPr lang="en-US" sz="2557" i="1">
+                            <a:latin typeface="Cambria Math" panose="02040503050406030204" pitchFamily="18" charset="0"/>
+                          </a:rPr>
+                          <m:t>𝐶𝑒𝑟𝑒𝑛𝑘𝑜𝑣</m:t>
+                        </m:r>
+                        <m:r>
+                          <a:rPr lang="en-US" sz="2557" i="1">
+                            <a:latin typeface="Cambria Math" panose="02040503050406030204" pitchFamily="18" charset="0"/>
+                          </a:rPr>
+                          <m:t> </m:t>
+                        </m:r>
+                        <m:r>
+                          <a:rPr lang="en-US" sz="2557" i="1">
+                            <a:latin typeface="Cambria Math" panose="02040503050406030204" pitchFamily="18" charset="0"/>
+                          </a:rPr>
+                          <m:t>𝑐𝑜𝑛𝑒</m:t>
+                        </m:r>
+                      </m:oMath>
+                    </m:oMathPara>
+                  </a14:m>
+                  <a:endParaRPr lang="en-US" sz="10664" dirty="0"/>
+                </a:p>
+              </p:txBody>
+            </p:sp>
+          </mc:Choice>
+          <mc:Fallback>
+            <p:sp>
+              <p:nvSpPr>
+                <p:cNvPr id="14" name="TextBox 13">
+                  <a:extLst>
+                    <a:ext uri="{FF2B5EF4-FFF2-40B4-BE49-F238E27FC236}">
+                      <a16:creationId xmlns:a16="http://schemas.microsoft.com/office/drawing/2014/main" id="{0722528C-CA9E-493F-BD50-0218293686C1}"/>
+                    </a:ext>
+                  </a:extLst>
+                </p:cNvPr>
+                <p:cNvSpPr txBox="1">
+                  <a:spLocks noRot="1" noChangeAspect="1" noMove="1" noResize="1" noEditPoints="1" noAdjustHandles="1" noChangeArrowheads="1" noChangeShapeType="1" noTextEdit="1"/>
+                </p:cNvSpPr>
+                <p:nvPr/>
+              </p:nvSpPr>
+              <p:spPr>
+                <a:xfrm rot="3640503">
+                  <a:off x="5662079" y="3370051"/>
+                  <a:ext cx="1297848" cy="266012"/>
+                </a:xfrm>
+                <a:prstGeom prst="rect">
+                  <a:avLst/>
+                </a:prstGeom>
+                <a:blipFill>
+                  <a:blip r:embed="rId6"/>
+                  <a:stretch>
+                    <a:fillRect/>
+                  </a:stretch>
+                </a:blipFill>
+              </p:spPr>
+              <p:txBody>
+                <a:bodyPr/>
+                <a:lstStyle/>
+                <a:p>
+                  <a:r>
+                    <a:rPr lang="en-US">
+                      <a:noFill/>
+                    </a:rPr>
+                    <a:t> </a:t>
+                  </a:r>
+                </a:p>
+              </p:txBody>
+            </p:sp>
+          </mc:Fallback>
+        </mc:AlternateContent>
+        <mc:AlternateContent xmlns:mc="http://schemas.openxmlformats.org/markup-compatibility/2006">
+          <mc:Choice xmlns:a14="http://schemas.microsoft.com/office/drawing/2010/main" Requires="a14">
+            <p:sp>
+              <p:nvSpPr>
+                <p:cNvPr id="15" name="TextBox 14">
+                  <a:extLst>
+                    <a:ext uri="{FF2B5EF4-FFF2-40B4-BE49-F238E27FC236}">
+                      <a16:creationId xmlns:a16="http://schemas.microsoft.com/office/drawing/2014/main" id="{399F621A-2620-4D7D-8D46-54A87F42FC5D}"/>
+                    </a:ext>
+                  </a:extLst>
+                </p:cNvPr>
+                <p:cNvSpPr txBox="1"/>
+                <p:nvPr/>
+              </p:nvSpPr>
+              <p:spPr>
+                <a:xfrm rot="16200000">
+                  <a:off x="4212132" y="2731386"/>
+                  <a:ext cx="2214261" cy="235257"/>
+                </a:xfrm>
+                <a:prstGeom prst="rect">
+                  <a:avLst/>
+                </a:prstGeom>
+                <a:noFill/>
+              </p:spPr>
+              <p:txBody>
+                <a:bodyPr wrap="square" rtlCol="0">
+                  <a:spAutoFit/>
+                </a:bodyPr>
+                <a:lstStyle/>
+                <a:p>
+                  <a:pPr/>
+                  <a14:m>
+                    <m:oMathPara xmlns:m="http://schemas.openxmlformats.org/officeDocument/2006/math">
+                      <m:oMathParaPr>
+                        <m:jc m:val="centerGroup"/>
+                      </m:oMathParaPr>
+                      <m:oMath xmlns:m="http://schemas.openxmlformats.org/officeDocument/2006/math">
+                        <m:r>
+                          <a:rPr lang="en-US" sz="2192" i="1">
+                            <a:latin typeface="Cambria Math" panose="02040503050406030204" pitchFamily="18" charset="0"/>
+                          </a:rPr>
+                          <m:t>𝑁𝑜𝑟𝑚𝑎𝑙</m:t>
+                        </m:r>
+                        <m:r>
+                          <a:rPr lang="en-US" sz="2192" i="1">
+                            <a:latin typeface="Cambria Math" panose="02040503050406030204" pitchFamily="18" charset="0"/>
+                          </a:rPr>
+                          <m:t> </m:t>
+                        </m:r>
+                        <m:r>
+                          <a:rPr lang="en-US" sz="2192" i="1">
+                            <a:latin typeface="Cambria Math" panose="02040503050406030204" pitchFamily="18" charset="0"/>
+                          </a:rPr>
+                          <m:t>𝐷𝑜𝑝𝑝𝑙𝑒𝑟</m:t>
+                        </m:r>
+                        <m:r>
+                          <a:rPr lang="en-US" sz="2192" i="1">
+                            <a:latin typeface="Cambria Math" panose="02040503050406030204" pitchFamily="18" charset="0"/>
+                          </a:rPr>
+                          <m:t> </m:t>
+                        </m:r>
+                        <m:r>
+                          <a:rPr lang="en-US" sz="2192" i="1">
+                            <a:latin typeface="Cambria Math" panose="02040503050406030204" pitchFamily="18" charset="0"/>
+                          </a:rPr>
+                          <m:t>𝐸𝑓𝑓𝑒𝑐𝑡</m:t>
+                        </m:r>
+                        <m:r>
+                          <a:rPr lang="en-US" sz="2192" i="1">
+                            <a:latin typeface="Cambria Math" panose="02040503050406030204" pitchFamily="18" charset="0"/>
+                          </a:rPr>
+                          <m:t> (</m:t>
+                        </m:r>
+                        <m:r>
+                          <a:rPr lang="en-US" sz="2192" i="1">
+                            <a:latin typeface="Cambria Math" panose="02040503050406030204" pitchFamily="18" charset="0"/>
+                          </a:rPr>
+                          <m:t>𝑁𝐷𝐸</m:t>
+                        </m:r>
+                        <m:r>
+                          <a:rPr lang="en-US" sz="2192" i="1">
+                            <a:latin typeface="Cambria Math" panose="02040503050406030204" pitchFamily="18" charset="0"/>
+                          </a:rPr>
+                          <m:t>)</m:t>
+                        </m:r>
+                      </m:oMath>
+                    </m:oMathPara>
+                  </a14:m>
+                  <a:endParaRPr lang="en-US" sz="2192" dirty="0"/>
+                </a:p>
+              </p:txBody>
+            </p:sp>
+          </mc:Choice>
+          <mc:Fallback>
+            <p:sp>
+              <p:nvSpPr>
+                <p:cNvPr id="15" name="TextBox 14">
+                  <a:extLst>
+                    <a:ext uri="{FF2B5EF4-FFF2-40B4-BE49-F238E27FC236}">
+                      <a16:creationId xmlns:a16="http://schemas.microsoft.com/office/drawing/2014/main" id="{399F621A-2620-4D7D-8D46-54A87F42FC5D}"/>
+                    </a:ext>
+                  </a:extLst>
+                </p:cNvPr>
+                <p:cNvSpPr txBox="1">
+                  <a:spLocks noRot="1" noChangeAspect="1" noMove="1" noResize="1" noEditPoints="1" noAdjustHandles="1" noChangeArrowheads="1" noChangeShapeType="1" noTextEdit="1"/>
+                </p:cNvSpPr>
+                <p:nvPr/>
+              </p:nvSpPr>
+              <p:spPr>
+                <a:xfrm rot="16200000">
+                  <a:off x="4212132" y="2731386"/>
+                  <a:ext cx="2214261" cy="235257"/>
+                </a:xfrm>
+                <a:prstGeom prst="rect">
+                  <a:avLst/>
+                </a:prstGeom>
+                <a:blipFill>
+                  <a:blip r:embed="rId7"/>
+                  <a:stretch>
+                    <a:fillRect r="-17143"/>
+                  </a:stretch>
+                </a:blipFill>
+              </p:spPr>
+              <p:txBody>
+                <a:bodyPr/>
+                <a:lstStyle/>
+                <a:p>
+                  <a:r>
+                    <a:rPr lang="en-US">
+                      <a:noFill/>
+                    </a:rPr>
+                    <a:t> </a:t>
+                  </a:r>
+                </a:p>
+              </p:txBody>
+            </p:sp>
+          </mc:Fallback>
+        </mc:AlternateContent>
+        <mc:AlternateContent xmlns:mc="http://schemas.openxmlformats.org/markup-compatibility/2006">
+          <mc:Choice xmlns:a14="http://schemas.microsoft.com/office/drawing/2010/main" Requires="a14">
+            <p:sp>
+              <p:nvSpPr>
+                <p:cNvPr id="16" name="TextBox 15">
+                  <a:extLst>
+                    <a:ext uri="{FF2B5EF4-FFF2-40B4-BE49-F238E27FC236}">
+                      <a16:creationId xmlns:a16="http://schemas.microsoft.com/office/drawing/2014/main" id="{7147CB5B-FC31-42A2-96B2-69D649A9E2EC}"/>
+                    </a:ext>
+                  </a:extLst>
+                </p:cNvPr>
+                <p:cNvSpPr txBox="1"/>
+                <p:nvPr/>
+              </p:nvSpPr>
+              <p:spPr>
+                <a:xfrm rot="16200000">
+                  <a:off x="6622490" y="2887600"/>
+                  <a:ext cx="2214261" cy="235257"/>
+                </a:xfrm>
+                <a:prstGeom prst="rect">
+                  <a:avLst/>
+                </a:prstGeom>
+                <a:noFill/>
+              </p:spPr>
+              <p:txBody>
+                <a:bodyPr wrap="square" rtlCol="0">
+                  <a:spAutoFit/>
+                </a:bodyPr>
+                <a:lstStyle/>
+                <a:p>
+                  <a:pPr/>
+                  <a14:m>
+                    <m:oMathPara xmlns:m="http://schemas.openxmlformats.org/officeDocument/2006/math">
+                      <m:oMathParaPr>
+                        <m:jc m:val="centerGroup"/>
+                      </m:oMathParaPr>
+                      <m:oMath xmlns:m="http://schemas.openxmlformats.org/officeDocument/2006/math">
+                        <m:r>
+                          <a:rPr lang="en-US" sz="2192" i="1">
+                            <a:latin typeface="Cambria Math" panose="02040503050406030204" pitchFamily="18" charset="0"/>
+                          </a:rPr>
+                          <m:t>𝐴𝑛𝑜𝑚𝑎𝑙𝑜𝑢𝑠</m:t>
+                        </m:r>
+                        <m:r>
+                          <a:rPr lang="en-US" sz="2192" i="1">
+                            <a:latin typeface="Cambria Math" panose="02040503050406030204" pitchFamily="18" charset="0"/>
+                          </a:rPr>
+                          <m:t> </m:t>
+                        </m:r>
+                        <m:r>
+                          <a:rPr lang="en-US" sz="2192" i="1">
+                            <a:latin typeface="Cambria Math" panose="02040503050406030204" pitchFamily="18" charset="0"/>
+                          </a:rPr>
+                          <m:t>𝐷𝑜𝑝𝑝𝑙𝑒𝑟</m:t>
+                        </m:r>
+                        <m:r>
+                          <a:rPr lang="en-US" sz="2192" i="1">
+                            <a:latin typeface="Cambria Math" panose="02040503050406030204" pitchFamily="18" charset="0"/>
+                          </a:rPr>
+                          <m:t> </m:t>
+                        </m:r>
+                        <m:r>
+                          <a:rPr lang="en-US" sz="2192" i="1">
+                            <a:latin typeface="Cambria Math" panose="02040503050406030204" pitchFamily="18" charset="0"/>
+                          </a:rPr>
+                          <m:t>𝐸𝑓𝑓𝑒𝑐𝑡</m:t>
+                        </m:r>
+                        <m:r>
+                          <a:rPr lang="en-US" sz="2192" i="1">
+                            <a:latin typeface="Cambria Math" panose="02040503050406030204" pitchFamily="18" charset="0"/>
+                          </a:rPr>
+                          <m:t> (</m:t>
+                        </m:r>
+                        <m:r>
+                          <a:rPr lang="en-US" sz="2192" i="1">
+                            <a:latin typeface="Cambria Math" panose="02040503050406030204" pitchFamily="18" charset="0"/>
+                          </a:rPr>
+                          <m:t>𝐴𝐷𝐸</m:t>
+                        </m:r>
+                        <m:r>
+                          <a:rPr lang="en-US" sz="2192" i="1">
+                            <a:latin typeface="Cambria Math" panose="02040503050406030204" pitchFamily="18" charset="0"/>
+                          </a:rPr>
+                          <m:t>)</m:t>
+                        </m:r>
+                      </m:oMath>
+                    </m:oMathPara>
+                  </a14:m>
+                  <a:endParaRPr lang="en-US" sz="2192" dirty="0"/>
+                </a:p>
+              </p:txBody>
+            </p:sp>
+          </mc:Choice>
+          <mc:Fallback>
+            <p:sp>
+              <p:nvSpPr>
+                <p:cNvPr id="16" name="TextBox 15">
+                  <a:extLst>
+                    <a:ext uri="{FF2B5EF4-FFF2-40B4-BE49-F238E27FC236}">
+                      <a16:creationId xmlns:a16="http://schemas.microsoft.com/office/drawing/2014/main" id="{7147CB5B-FC31-42A2-96B2-69D649A9E2EC}"/>
+                    </a:ext>
+                  </a:extLst>
+                </p:cNvPr>
+                <p:cNvSpPr txBox="1">
+                  <a:spLocks noRot="1" noChangeAspect="1" noMove="1" noResize="1" noEditPoints="1" noAdjustHandles="1" noChangeArrowheads="1" noChangeShapeType="1" noTextEdit="1"/>
+                </p:cNvSpPr>
+                <p:nvPr/>
+              </p:nvSpPr>
+              <p:spPr>
+                <a:xfrm rot="16200000">
+                  <a:off x="6622490" y="2887600"/>
+                  <a:ext cx="2214261" cy="235257"/>
+                </a:xfrm>
+                <a:prstGeom prst="rect">
+                  <a:avLst/>
+                </a:prstGeom>
+                <a:blipFill>
+                  <a:blip r:embed="rId8"/>
+                  <a:stretch>
+                    <a:fillRect t="-2517" r="-17143" b="-280"/>
+                  </a:stretch>
+                </a:blipFill>
+              </p:spPr>
+              <p:txBody>
+                <a:bodyPr/>
+                <a:lstStyle/>
+                <a:p>
+                  <a:r>
+                    <a:rPr lang="en-US">
+                      <a:noFill/>
+                    </a:rPr>
+                    <a:t> </a:t>
+                  </a:r>
+                </a:p>
+              </p:txBody>
+            </p:sp>
+          </mc:Fallback>
+        </mc:AlternateContent>
+      </p:grpSp>
+    </p:spTree>
+    <p:extLst>
+      <p:ext uri="{BB962C8B-B14F-4D97-AF65-F5344CB8AC3E}">
+        <p14:creationId xmlns:p14="http://schemas.microsoft.com/office/powerpoint/2010/main" val="947314249"/>
+      </p:ext>
+    </p:extLst>
+  </p:cSld>
+  <p:clrMapOvr>
+    <a:masterClrMapping/>
+  </p:clrMapOvr>
+</p:sld>
+</file>
+
 <file path=ppt/theme/theme1.xml><?xml version="1.0" encoding="utf-8"?>
 <a:theme xmlns:a="http://schemas.openxmlformats.org/drawingml/2006/main" name="Office Theme">
   <a:themeElements>
-    <a:clrScheme name="Office">
+    <a:clrScheme name="Office Theme">
       <a:dk1>
         <a:sysClr val="windowText" lastClr="000000"/>
       </a:dk1>
@@ -5338,7 +7922,7 @@
         <a:srgbClr val="954F72"/>
       </a:folHlink>
     </a:clrScheme>
-    <a:fontScheme name="Office">
+    <a:fontScheme name="Office Theme">
       <a:majorFont>
         <a:latin typeface="Calibri Light" panose="020F0302020204030204"/>
         <a:ea typeface=""/>
@@ -5373,23 +7957,6 @@
         <a:font script="Viet" typeface="Times New Roman"/>
         <a:font script="Uigh" typeface="Microsoft Uighur"/>
         <a:font script="Geor" typeface="Sylfaen"/>
-        <a:font script="Armn" typeface="Arial"/>
-        <a:font script="Bugi" typeface="Leelawadee UI"/>
-        <a:font script="Bopo" typeface="Microsoft JhengHei"/>
-        <a:font script="Java" typeface="Javanese Text"/>
-        <a:font script="Lisu" typeface="Segoe UI"/>
-        <a:font script="Mymr" typeface="Myanmar Text"/>
-        <a:font script="Nkoo" typeface="Ebrima"/>
-        <a:font script="Olck" typeface="Nirmala UI"/>
-        <a:font script="Osma" typeface="Ebrima"/>
-        <a:font script="Phag" typeface="Phagspa"/>
-        <a:font script="Syrn" typeface="Estrangelo Edessa"/>
-        <a:font script="Syrj" typeface="Estrangelo Edessa"/>
-        <a:font script="Syre" typeface="Estrangelo Edessa"/>
-        <a:font script="Sora" typeface="Nirmala UI"/>
-        <a:font script="Tale" typeface="Microsoft Tai Le"/>
-        <a:font script="Talu" typeface="Microsoft New Tai Lue"/>
-        <a:font script="Tfng" typeface="Ebrima"/>
       </a:majorFont>
       <a:minorFont>
         <a:latin typeface="Calibri" panose="020F0502020204030204"/>
@@ -5425,26 +7992,9 @@
         <a:font script="Viet" typeface="Arial"/>
         <a:font script="Uigh" typeface="Microsoft Uighur"/>
         <a:font script="Geor" typeface="Sylfaen"/>
-        <a:font script="Armn" typeface="Arial"/>
-        <a:font script="Bugi" typeface="Leelawadee UI"/>
-        <a:font script="Bopo" typeface="Microsoft JhengHei"/>
-        <a:font script="Java" typeface="Javanese Text"/>
-        <a:font script="Lisu" typeface="Segoe UI"/>
-        <a:font script="Mymr" typeface="Myanmar Text"/>
-        <a:font script="Nkoo" typeface="Ebrima"/>
-        <a:font script="Olck" typeface="Nirmala UI"/>
-        <a:font script="Osma" typeface="Ebrima"/>
-        <a:font script="Phag" typeface="Phagspa"/>
-        <a:font script="Syrn" typeface="Estrangelo Edessa"/>
-        <a:font script="Syrj" typeface="Estrangelo Edessa"/>
-        <a:font script="Syre" typeface="Estrangelo Edessa"/>
-        <a:font script="Sora" typeface="Nirmala UI"/>
-        <a:font script="Tale" typeface="Microsoft Tai Le"/>
-        <a:font script="Talu" typeface="Microsoft New Tai Lue"/>
-        <a:font script="Tfng" typeface="Ebrima"/>
       </a:minorFont>
     </a:fontScheme>
-    <a:fmtScheme name="Office">
+    <a:fmtScheme name="Office Theme">
       <a:fillStyleLst>
         <a:solidFill>
           <a:schemeClr val="phClr"/>

--- a/paper modification/The Consistency Analysis/figure_modification.pptx
+++ b/paper modification/The Consistency Analysis/figure_modification.pptx
@@ -2,7 +2,7 @@
 <file path=ppt/presentation.xml><?xml version="1.0" encoding="utf-8"?>
 <p:presentation xmlns:a="http://schemas.openxmlformats.org/drawingml/2006/main" xmlns:r="http://schemas.openxmlformats.org/officeDocument/2006/relationships" xmlns:p="http://schemas.openxmlformats.org/presentationml/2006/main" saveSubsetFonts="1">
   <p:sldMasterIdLst>
-    <p:sldMasterId id="2147483732" r:id="rId1"/>
+    <p:sldMasterId id="2147483744" r:id="rId1"/>
   </p:sldMasterIdLst>
   <p:sldIdLst>
     <p:sldId id="256" r:id="rId2"/>
@@ -16,7 +16,7 @@
     <p:sldId id="264" r:id="rId10"/>
     <p:sldId id="265" r:id="rId11"/>
   </p:sldIdLst>
-  <p:sldSz cx="9144000" cy="5143500" type="screen16x9"/>
+  <p:sldSz cx="7954963" cy="5143500"/>
   <p:notesSz cx="6858000" cy="9144000"/>
   <p:defaultTextStyle>
     <a:defPPr>
@@ -121,7 +121,7 @@
             <a:srgbClr val="A4A3A4"/>
           </p15:clr>
         </p15:guide>
-        <p15:guide id="2" pos="2882" userDrawn="1">
+        <p15:guide id="2" pos="2507" userDrawn="1">
           <p15:clr>
             <a:srgbClr val="A4A3A4"/>
           </p15:clr>
@@ -161,8 +161,8 @@
         </p:nvSpPr>
         <p:spPr>
           <a:xfrm>
-            <a:off x="1143000" y="841772"/>
-            <a:ext cx="6858000" cy="1790700"/>
+            <a:off x="596622" y="841772"/>
+            <a:ext cx="6761719" cy="1790700"/>
           </a:xfrm>
         </p:spPr>
         <p:txBody>
@@ -193,8 +193,8 @@
         </p:nvSpPr>
         <p:spPr>
           <a:xfrm>
-            <a:off x="1143000" y="2701528"/>
-            <a:ext cx="6858000" cy="1241822"/>
+            <a:off x="994371" y="2701528"/>
+            <a:ext cx="5966222" cy="1241822"/>
           </a:xfrm>
         </p:spPr>
         <p:txBody>
@@ -263,7 +263,7 @@
           <a:p>
             <a:fld id="{9C0EDD09-C3B5-4FDA-8855-DE7CF0E28DE7}" type="datetimeFigureOut">
               <a:rPr lang="en-US" smtClean="0"/>
-              <a:t>5/1/2025</a:t>
+              <a:t>5/11/2025</a:t>
             </a:fld>
             <a:endParaRPr lang="en-US"/>
           </a:p>
@@ -314,7 +314,7 @@
     </p:spTree>
     <p:extLst>
       <p:ext uri="{BB962C8B-B14F-4D97-AF65-F5344CB8AC3E}">
-        <p14:creationId xmlns:p14="http://schemas.microsoft.com/office/powerpoint/2010/main" val="588366516"/>
+        <p14:creationId xmlns:p14="http://schemas.microsoft.com/office/powerpoint/2010/main" val="3595246353"/>
       </p:ext>
     </p:extLst>
   </p:cSld>
@@ -433,7 +433,7 @@
           <a:p>
             <a:fld id="{9C0EDD09-C3B5-4FDA-8855-DE7CF0E28DE7}" type="datetimeFigureOut">
               <a:rPr lang="en-US" smtClean="0"/>
-              <a:t>5/1/2025</a:t>
+              <a:t>5/11/2025</a:t>
             </a:fld>
             <a:endParaRPr lang="en-US"/>
           </a:p>
@@ -484,7 +484,7 @@
     </p:spTree>
     <p:extLst>
       <p:ext uri="{BB962C8B-B14F-4D97-AF65-F5344CB8AC3E}">
-        <p14:creationId xmlns:p14="http://schemas.microsoft.com/office/powerpoint/2010/main" val="688268036"/>
+        <p14:creationId xmlns:p14="http://schemas.microsoft.com/office/powerpoint/2010/main" val="922947259"/>
       </p:ext>
     </p:extLst>
   </p:cSld>
@@ -523,8 +523,8 @@
         </p:nvSpPr>
         <p:spPr>
           <a:xfrm>
-            <a:off x="6543675" y="273844"/>
-            <a:ext cx="1971675" cy="4358879"/>
+            <a:off x="5692771" y="273844"/>
+            <a:ext cx="1715289" cy="4358879"/>
           </a:xfrm>
         </p:spPr>
         <p:txBody>
@@ -551,8 +551,8 @@
         </p:nvSpPr>
         <p:spPr>
           <a:xfrm>
-            <a:off x="628650" y="273844"/>
-            <a:ext cx="5800725" cy="4358879"/>
+            <a:off x="546904" y="273844"/>
+            <a:ext cx="5046430" cy="4358879"/>
           </a:xfrm>
         </p:spPr>
         <p:txBody>
@@ -613,7 +613,7 @@
           <a:p>
             <a:fld id="{9C0EDD09-C3B5-4FDA-8855-DE7CF0E28DE7}" type="datetimeFigureOut">
               <a:rPr lang="en-US" smtClean="0"/>
-              <a:t>5/1/2025</a:t>
+              <a:t>5/11/2025</a:t>
             </a:fld>
             <a:endParaRPr lang="en-US"/>
           </a:p>
@@ -664,7 +664,7 @@
     </p:spTree>
     <p:extLst>
       <p:ext uri="{BB962C8B-B14F-4D97-AF65-F5344CB8AC3E}">
-        <p14:creationId xmlns:p14="http://schemas.microsoft.com/office/powerpoint/2010/main" val="601249230"/>
+        <p14:creationId xmlns:p14="http://schemas.microsoft.com/office/powerpoint/2010/main" val="377217375"/>
       </p:ext>
     </p:extLst>
   </p:cSld>
@@ -783,7 +783,7 @@
           <a:p>
             <a:fld id="{9C0EDD09-C3B5-4FDA-8855-DE7CF0E28DE7}" type="datetimeFigureOut">
               <a:rPr lang="en-US" smtClean="0"/>
-              <a:t>5/1/2025</a:t>
+              <a:t>5/11/2025</a:t>
             </a:fld>
             <a:endParaRPr lang="en-US"/>
           </a:p>
@@ -834,7 +834,7 @@
     </p:spTree>
     <p:extLst>
       <p:ext uri="{BB962C8B-B14F-4D97-AF65-F5344CB8AC3E}">
-        <p14:creationId xmlns:p14="http://schemas.microsoft.com/office/powerpoint/2010/main" val="558174537"/>
+        <p14:creationId xmlns:p14="http://schemas.microsoft.com/office/powerpoint/2010/main" val="4001324089"/>
       </p:ext>
     </p:extLst>
   </p:cSld>
@@ -873,8 +873,8 @@
         </p:nvSpPr>
         <p:spPr>
           <a:xfrm>
-            <a:off x="623888" y="1282304"/>
-            <a:ext cx="7886700" cy="2139553"/>
+            <a:off x="542761" y="1282305"/>
+            <a:ext cx="6861156" cy="2139553"/>
           </a:xfrm>
         </p:spPr>
         <p:txBody>
@@ -905,8 +905,8 @@
         </p:nvSpPr>
         <p:spPr>
           <a:xfrm>
-            <a:off x="623888" y="3442098"/>
-            <a:ext cx="7886700" cy="1125140"/>
+            <a:off x="542761" y="3442099"/>
+            <a:ext cx="6861156" cy="1125140"/>
           </a:xfrm>
         </p:spPr>
         <p:txBody>
@@ -916,9 +916,7 @@
               <a:buNone/>
               <a:defRPr sz="1800">
                 <a:solidFill>
-                  <a:schemeClr val="tx1">
-                    <a:tint val="75000"/>
-                  </a:schemeClr>
+                  <a:schemeClr val="tx1"/>
                 </a:solidFill>
               </a:defRPr>
             </a:lvl1pPr>
@@ -1029,7 +1027,7 @@
           <a:p>
             <a:fld id="{9C0EDD09-C3B5-4FDA-8855-DE7CF0E28DE7}" type="datetimeFigureOut">
               <a:rPr lang="en-US" smtClean="0"/>
-              <a:t>5/1/2025</a:t>
+              <a:t>5/11/2025</a:t>
             </a:fld>
             <a:endParaRPr lang="en-US"/>
           </a:p>
@@ -1080,7 +1078,7 @@
     </p:spTree>
     <p:extLst>
       <p:ext uri="{BB962C8B-B14F-4D97-AF65-F5344CB8AC3E}">
-        <p14:creationId xmlns:p14="http://schemas.microsoft.com/office/powerpoint/2010/main" val="465235469"/>
+        <p14:creationId xmlns:p14="http://schemas.microsoft.com/office/powerpoint/2010/main" val="1702033685"/>
       </p:ext>
     </p:extLst>
   </p:cSld>
@@ -1142,8 +1140,8 @@
         </p:nvSpPr>
         <p:spPr>
           <a:xfrm>
-            <a:off x="628650" y="1369219"/>
-            <a:ext cx="3886200" cy="3263504"/>
+            <a:off x="546904" y="1369219"/>
+            <a:ext cx="3380859" cy="3263504"/>
           </a:xfrm>
         </p:spPr>
         <p:txBody>
@@ -1199,8 +1197,8 @@
         </p:nvSpPr>
         <p:spPr>
           <a:xfrm>
-            <a:off x="4629150" y="1369219"/>
-            <a:ext cx="3886200" cy="3263504"/>
+            <a:off x="4027200" y="1369219"/>
+            <a:ext cx="3380859" cy="3263504"/>
           </a:xfrm>
         </p:spPr>
         <p:txBody>
@@ -1261,7 +1259,7 @@
           <a:p>
             <a:fld id="{9C0EDD09-C3B5-4FDA-8855-DE7CF0E28DE7}" type="datetimeFigureOut">
               <a:rPr lang="en-US" smtClean="0"/>
-              <a:t>5/1/2025</a:t>
+              <a:t>5/11/2025</a:t>
             </a:fld>
             <a:endParaRPr lang="en-US"/>
           </a:p>
@@ -1312,7 +1310,7 @@
     </p:spTree>
     <p:extLst>
       <p:ext uri="{BB962C8B-B14F-4D97-AF65-F5344CB8AC3E}">
-        <p14:creationId xmlns:p14="http://schemas.microsoft.com/office/powerpoint/2010/main" val="3891047918"/>
+        <p14:creationId xmlns:p14="http://schemas.microsoft.com/office/powerpoint/2010/main" val="3368702680"/>
       </p:ext>
     </p:extLst>
   </p:cSld>
@@ -1351,8 +1349,8 @@
         </p:nvSpPr>
         <p:spPr>
           <a:xfrm>
-            <a:off x="629841" y="273844"/>
-            <a:ext cx="7886700" cy="994172"/>
+            <a:off x="547940" y="273845"/>
+            <a:ext cx="6861156" cy="994172"/>
           </a:xfrm>
         </p:spPr>
         <p:txBody>
@@ -1379,8 +1377,8 @@
         </p:nvSpPr>
         <p:spPr>
           <a:xfrm>
-            <a:off x="629842" y="1260872"/>
-            <a:ext cx="3868340" cy="617934"/>
+            <a:off x="547941" y="1260872"/>
+            <a:ext cx="3365322" cy="617934"/>
           </a:xfrm>
         </p:spPr>
         <p:txBody>
@@ -1444,8 +1442,8 @@
         </p:nvSpPr>
         <p:spPr>
           <a:xfrm>
-            <a:off x="629842" y="1878806"/>
-            <a:ext cx="3868340" cy="2763441"/>
+            <a:off x="547941" y="1878806"/>
+            <a:ext cx="3365322" cy="2763441"/>
           </a:xfrm>
         </p:spPr>
         <p:txBody>
@@ -1501,8 +1499,8 @@
         </p:nvSpPr>
         <p:spPr>
           <a:xfrm>
-            <a:off x="4629150" y="1260872"/>
-            <a:ext cx="3887391" cy="617934"/>
+            <a:off x="4027201" y="1260872"/>
+            <a:ext cx="3381895" cy="617934"/>
           </a:xfrm>
         </p:spPr>
         <p:txBody>
@@ -1566,8 +1564,8 @@
         </p:nvSpPr>
         <p:spPr>
           <a:xfrm>
-            <a:off x="4629150" y="1878806"/>
-            <a:ext cx="3887391" cy="2763441"/>
+            <a:off x="4027201" y="1878806"/>
+            <a:ext cx="3381895" cy="2763441"/>
           </a:xfrm>
         </p:spPr>
         <p:txBody>
@@ -1628,7 +1626,7 @@
           <a:p>
             <a:fld id="{9C0EDD09-C3B5-4FDA-8855-DE7CF0E28DE7}" type="datetimeFigureOut">
               <a:rPr lang="en-US" smtClean="0"/>
-              <a:t>5/1/2025</a:t>
+              <a:t>5/11/2025</a:t>
             </a:fld>
             <a:endParaRPr lang="en-US"/>
           </a:p>
@@ -1679,7 +1677,7 @@
     </p:spTree>
     <p:extLst>
       <p:ext uri="{BB962C8B-B14F-4D97-AF65-F5344CB8AC3E}">
-        <p14:creationId xmlns:p14="http://schemas.microsoft.com/office/powerpoint/2010/main" val="2191285895"/>
+        <p14:creationId xmlns:p14="http://schemas.microsoft.com/office/powerpoint/2010/main" val="3568852104"/>
       </p:ext>
     </p:extLst>
   </p:cSld>
@@ -1746,7 +1744,7 @@
           <a:p>
             <a:fld id="{9C0EDD09-C3B5-4FDA-8855-DE7CF0E28DE7}" type="datetimeFigureOut">
               <a:rPr lang="en-US" smtClean="0"/>
-              <a:t>5/1/2025</a:t>
+              <a:t>5/11/2025</a:t>
             </a:fld>
             <a:endParaRPr lang="en-US"/>
           </a:p>
@@ -1797,7 +1795,7 @@
     </p:spTree>
     <p:extLst>
       <p:ext uri="{BB962C8B-B14F-4D97-AF65-F5344CB8AC3E}">
-        <p14:creationId xmlns:p14="http://schemas.microsoft.com/office/powerpoint/2010/main" val="1441750022"/>
+        <p14:creationId xmlns:p14="http://schemas.microsoft.com/office/powerpoint/2010/main" val="1074957016"/>
       </p:ext>
     </p:extLst>
   </p:cSld>
@@ -1841,7 +1839,7 @@
           <a:p>
             <a:fld id="{9C0EDD09-C3B5-4FDA-8855-DE7CF0E28DE7}" type="datetimeFigureOut">
               <a:rPr lang="en-US" smtClean="0"/>
-              <a:t>5/1/2025</a:t>
+              <a:t>5/11/2025</a:t>
             </a:fld>
             <a:endParaRPr lang="en-US"/>
           </a:p>
@@ -1892,7 +1890,7 @@
     </p:spTree>
     <p:extLst>
       <p:ext uri="{BB962C8B-B14F-4D97-AF65-F5344CB8AC3E}">
-        <p14:creationId xmlns:p14="http://schemas.microsoft.com/office/powerpoint/2010/main" val="4267430107"/>
+        <p14:creationId xmlns:p14="http://schemas.microsoft.com/office/powerpoint/2010/main" val="1606045168"/>
       </p:ext>
     </p:extLst>
   </p:cSld>
@@ -1931,8 +1929,8 @@
         </p:nvSpPr>
         <p:spPr>
           <a:xfrm>
-            <a:off x="629841" y="342900"/>
-            <a:ext cx="2949178" cy="1200150"/>
+            <a:off x="547940" y="342900"/>
+            <a:ext cx="2565683" cy="1200150"/>
           </a:xfrm>
         </p:spPr>
         <p:txBody>
@@ -1963,8 +1961,8 @@
         </p:nvSpPr>
         <p:spPr>
           <a:xfrm>
-            <a:off x="3887391" y="740569"/>
-            <a:ext cx="4629150" cy="3655219"/>
+            <a:off x="3381895" y="740570"/>
+            <a:ext cx="4027200" cy="3655219"/>
           </a:xfrm>
         </p:spPr>
         <p:txBody>
@@ -2048,8 +2046,8 @@
         </p:nvSpPr>
         <p:spPr>
           <a:xfrm>
-            <a:off x="629841" y="1543050"/>
-            <a:ext cx="2949178" cy="2858691"/>
+            <a:off x="547940" y="1543050"/>
+            <a:ext cx="2565683" cy="2858691"/>
           </a:xfrm>
         </p:spPr>
         <p:txBody>
@@ -2118,7 +2116,7 @@
           <a:p>
             <a:fld id="{9C0EDD09-C3B5-4FDA-8855-DE7CF0E28DE7}" type="datetimeFigureOut">
               <a:rPr lang="en-US" smtClean="0"/>
-              <a:t>5/1/2025</a:t>
+              <a:t>5/11/2025</a:t>
             </a:fld>
             <a:endParaRPr lang="en-US"/>
           </a:p>
@@ -2169,7 +2167,7 @@
     </p:spTree>
     <p:extLst>
       <p:ext uri="{BB962C8B-B14F-4D97-AF65-F5344CB8AC3E}">
-        <p14:creationId xmlns:p14="http://schemas.microsoft.com/office/powerpoint/2010/main" val="992034135"/>
+        <p14:creationId xmlns:p14="http://schemas.microsoft.com/office/powerpoint/2010/main" val="3714111124"/>
       </p:ext>
     </p:extLst>
   </p:cSld>
@@ -2208,8 +2206,8 @@
         </p:nvSpPr>
         <p:spPr>
           <a:xfrm>
-            <a:off x="629841" y="342900"/>
-            <a:ext cx="2949178" cy="1200150"/>
+            <a:off x="547940" y="342900"/>
+            <a:ext cx="2565683" cy="1200150"/>
           </a:xfrm>
         </p:spPr>
         <p:txBody>
@@ -2240,8 +2238,8 @@
         </p:nvSpPr>
         <p:spPr>
           <a:xfrm>
-            <a:off x="3887391" y="740569"/>
-            <a:ext cx="4629150" cy="3655219"/>
+            <a:off x="3381895" y="740570"/>
+            <a:ext cx="4027200" cy="3655219"/>
           </a:xfrm>
         </p:spPr>
         <p:txBody>
@@ -2305,8 +2303,8 @@
         </p:nvSpPr>
         <p:spPr>
           <a:xfrm>
-            <a:off x="629841" y="1543050"/>
-            <a:ext cx="2949178" cy="2858691"/>
+            <a:off x="547940" y="1543050"/>
+            <a:ext cx="2565683" cy="2858691"/>
           </a:xfrm>
         </p:spPr>
         <p:txBody>
@@ -2375,7 +2373,7 @@
           <a:p>
             <a:fld id="{9C0EDD09-C3B5-4FDA-8855-DE7CF0E28DE7}" type="datetimeFigureOut">
               <a:rPr lang="en-US" smtClean="0"/>
-              <a:t>5/1/2025</a:t>
+              <a:t>5/11/2025</a:t>
             </a:fld>
             <a:endParaRPr lang="en-US"/>
           </a:p>
@@ -2426,7 +2424,7 @@
     </p:spTree>
     <p:extLst>
       <p:ext uri="{BB962C8B-B14F-4D97-AF65-F5344CB8AC3E}">
-        <p14:creationId xmlns:p14="http://schemas.microsoft.com/office/powerpoint/2010/main" val="1204032045"/>
+        <p14:creationId xmlns:p14="http://schemas.microsoft.com/office/powerpoint/2010/main" val="466036872"/>
       </p:ext>
     </p:extLst>
   </p:cSld>
@@ -2470,8 +2468,8 @@
         </p:nvSpPr>
         <p:spPr>
           <a:xfrm>
-            <a:off x="628650" y="273844"/>
-            <a:ext cx="7886700" cy="994172"/>
+            <a:off x="546904" y="273845"/>
+            <a:ext cx="6861156" cy="994172"/>
           </a:xfrm>
           <a:prstGeom prst="rect">
             <a:avLst/>
@@ -2503,8 +2501,8 @@
         </p:nvSpPr>
         <p:spPr>
           <a:xfrm>
-            <a:off x="628650" y="1369219"/>
-            <a:ext cx="7886700" cy="3263504"/>
+            <a:off x="546904" y="1369219"/>
+            <a:ext cx="6861156" cy="3263504"/>
           </a:xfrm>
           <a:prstGeom prst="rect">
             <a:avLst/>
@@ -2565,8 +2563,8 @@
         </p:nvSpPr>
         <p:spPr>
           <a:xfrm>
-            <a:off x="628650" y="4767263"/>
-            <a:ext cx="2057400" cy="273844"/>
+            <a:off x="546904" y="4767264"/>
+            <a:ext cx="1789867" cy="273844"/>
           </a:xfrm>
           <a:prstGeom prst="rect">
             <a:avLst/>
@@ -2588,7 +2586,7 @@
           <a:p>
             <a:fld id="{9C0EDD09-C3B5-4FDA-8855-DE7CF0E28DE7}" type="datetimeFigureOut">
               <a:rPr lang="en-US" smtClean="0"/>
-              <a:t>5/1/2025</a:t>
+              <a:t>5/11/2025</a:t>
             </a:fld>
             <a:endParaRPr lang="en-US"/>
           </a:p>
@@ -2606,8 +2604,8 @@
         </p:nvSpPr>
         <p:spPr>
           <a:xfrm>
-            <a:off x="3028950" y="4767263"/>
-            <a:ext cx="3086100" cy="273844"/>
+            <a:off x="2635082" y="4767264"/>
+            <a:ext cx="2684800" cy="273844"/>
           </a:xfrm>
           <a:prstGeom prst="rect">
             <a:avLst/>
@@ -2643,8 +2641,8 @@
         </p:nvSpPr>
         <p:spPr>
           <a:xfrm>
-            <a:off x="6457950" y="4767263"/>
-            <a:ext cx="2057400" cy="273844"/>
+            <a:off x="5618192" y="4767264"/>
+            <a:ext cx="1789867" cy="273844"/>
           </a:xfrm>
           <a:prstGeom prst="rect">
             <a:avLst/>
@@ -2675,23 +2673,23 @@
     </p:spTree>
     <p:extLst>
       <p:ext uri="{BB962C8B-B14F-4D97-AF65-F5344CB8AC3E}">
-        <p14:creationId xmlns:p14="http://schemas.microsoft.com/office/powerpoint/2010/main" val="2784477215"/>
+        <p14:creationId xmlns:p14="http://schemas.microsoft.com/office/powerpoint/2010/main" val="3187211686"/>
       </p:ext>
     </p:extLst>
   </p:cSld>
   <p:clrMap bg1="lt1" tx1="dk1" bg2="lt2" tx2="dk2" accent1="accent1" accent2="accent2" accent3="accent3" accent4="accent4" accent5="accent5" accent6="accent6" hlink="hlink" folHlink="folHlink"/>
   <p:sldLayoutIdLst>
-    <p:sldLayoutId id="2147483733" r:id="rId1"/>
-    <p:sldLayoutId id="2147483734" r:id="rId2"/>
-    <p:sldLayoutId id="2147483735" r:id="rId3"/>
-    <p:sldLayoutId id="2147483736" r:id="rId4"/>
-    <p:sldLayoutId id="2147483737" r:id="rId5"/>
-    <p:sldLayoutId id="2147483738" r:id="rId6"/>
-    <p:sldLayoutId id="2147483739" r:id="rId7"/>
-    <p:sldLayoutId id="2147483740" r:id="rId8"/>
-    <p:sldLayoutId id="2147483741" r:id="rId9"/>
-    <p:sldLayoutId id="2147483742" r:id="rId10"/>
-    <p:sldLayoutId id="2147483743" r:id="rId11"/>
+    <p:sldLayoutId id="2147483745" r:id="rId1"/>
+    <p:sldLayoutId id="2147483746" r:id="rId2"/>
+    <p:sldLayoutId id="2147483747" r:id="rId3"/>
+    <p:sldLayoutId id="2147483748" r:id="rId4"/>
+    <p:sldLayoutId id="2147483749" r:id="rId5"/>
+    <p:sldLayoutId id="2147483750" r:id="rId6"/>
+    <p:sldLayoutId id="2147483751" r:id="rId7"/>
+    <p:sldLayoutId id="2147483752" r:id="rId8"/>
+    <p:sldLayoutId id="2147483753" r:id="rId9"/>
+    <p:sldLayoutId id="2147483754" r:id="rId10"/>
+    <p:sldLayoutId id="2147483755" r:id="rId11"/>
   </p:sldLayoutIdLst>
   <p:txStyles>
     <p:titleStyle>
@@ -3007,7 +3005,7 @@
         </p:nvGrpSpPr>
         <p:grpSpPr>
           <a:xfrm>
-            <a:off x="-4411466" y="-3690909"/>
+            <a:off x="-5005985" y="-3690909"/>
             <a:ext cx="9044436" cy="11128068"/>
             <a:chOff x="455412" y="259080"/>
             <a:chExt cx="5234940" cy="6339840"/>
@@ -3148,7 +3146,7 @@
               <p:spPr>
                 <a:xfrm>
                   <a:off x="1287624" y="6068591"/>
-                  <a:ext cx="1268964" cy="296660"/>
+                  <a:ext cx="1268964" cy="308681"/>
                 </a:xfrm>
                 <a:prstGeom prst="rect">
                   <a:avLst/>
@@ -3225,7 +3223,7 @@
               <p:spPr>
                 <a:xfrm>
                   <a:off x="1287624" y="6068591"/>
-                  <a:ext cx="1268964" cy="296660"/>
+                  <a:ext cx="1268964" cy="308681"/>
                 </a:xfrm>
                 <a:prstGeom prst="rect">
                   <a:avLst/>
@@ -3269,7 +3267,7 @@
               <p:spPr>
                 <a:xfrm>
                   <a:off x="4002834" y="6070881"/>
-                  <a:ext cx="1268964" cy="296660"/>
+                  <a:ext cx="1268964" cy="308681"/>
                 </a:xfrm>
                 <a:prstGeom prst="rect">
                   <a:avLst/>
@@ -3346,7 +3344,7 @@
               <p:spPr>
                 <a:xfrm>
                   <a:off x="4002834" y="6070881"/>
-                  <a:ext cx="1268964" cy="296660"/>
+                  <a:ext cx="1268964" cy="308681"/>
                 </a:xfrm>
                 <a:prstGeom prst="rect">
                   <a:avLst/>
@@ -3396,7 +3394,7 @@
         </p:blipFill>
         <p:spPr>
           <a:xfrm>
-            <a:off x="6481461" y="-3691875"/>
+            <a:off x="5886942" y="-3691875"/>
             <a:ext cx="9181454" cy="11129034"/>
           </a:xfrm>
           <a:prstGeom prst="rect">
@@ -3456,7 +3454,7 @@
         </p:blipFill>
         <p:spPr>
           <a:xfrm>
-            <a:off x="1238250" y="142875"/>
+            <a:off x="643731" y="142876"/>
             <a:ext cx="6667500" cy="5000625"/>
           </a:xfrm>
           <a:prstGeom prst="rect">
@@ -3496,10 +3494,10 @@
       </p:grpSpPr>
       <p:grpSp>
         <p:nvGrpSpPr>
-          <p:cNvPr id="2" name="Group 1">
+          <p:cNvPr id="8" name="Group 7">
             <a:extLst>
               <a:ext uri="{FF2B5EF4-FFF2-40B4-BE49-F238E27FC236}">
-                <a16:creationId xmlns:a16="http://schemas.microsoft.com/office/drawing/2014/main" id="{9F6CE19A-8A63-407C-A67A-E56AB0864128}"/>
+                <a16:creationId xmlns:a16="http://schemas.microsoft.com/office/drawing/2014/main" id="{6244F993-9461-45DE-91F3-CF1B64C8E20A}"/>
               </a:ext>
             </a:extLst>
           </p:cNvPr>
@@ -3508,18 +3506,18 @@
         </p:nvGrpSpPr>
         <p:grpSpPr>
           <a:xfrm>
-            <a:off x="960861" y="0"/>
-            <a:ext cx="6992908" cy="4858512"/>
-            <a:chOff x="960861" y="0"/>
-            <a:chExt cx="6992908" cy="4858512"/>
+            <a:off x="126039" y="0"/>
+            <a:ext cx="7964731" cy="5143500"/>
+            <a:chOff x="-10962" y="0"/>
+            <a:chExt cx="7964731" cy="5143500"/>
           </a:xfrm>
         </p:grpSpPr>
         <p:grpSp>
           <p:nvGrpSpPr>
-            <p:cNvPr id="5" name="Group 4">
+            <p:cNvPr id="2" name="Group 1">
               <a:extLst>
                 <a:ext uri="{FF2B5EF4-FFF2-40B4-BE49-F238E27FC236}">
-                  <a16:creationId xmlns:a16="http://schemas.microsoft.com/office/drawing/2014/main" id="{7E8419F3-F13E-404F-A192-AF09E0F01150}"/>
+                  <a16:creationId xmlns:a16="http://schemas.microsoft.com/office/drawing/2014/main" id="{9F6CE19A-8A63-407C-A67A-E56AB0864128}"/>
                 </a:ext>
               </a:extLst>
             </p:cNvPr>
@@ -3528,48 +3526,18 @@
           </p:nvGrpSpPr>
           <p:grpSpPr>
             <a:xfrm>
-              <a:off x="1034013" y="0"/>
-              <a:ext cx="6640851" cy="4858512"/>
-              <a:chOff x="-4651" y="0"/>
-              <a:chExt cx="10285732" cy="6339840"/>
+              <a:off x="4123613" y="47197"/>
+              <a:ext cx="3830156" cy="3104056"/>
+              <a:chOff x="4123613" y="47197"/>
+              <a:chExt cx="3830156" cy="3104056"/>
             </a:xfrm>
           </p:grpSpPr>
-          <p:pic>
-            <p:nvPicPr>
-              <p:cNvPr id="4" name="Picture 3">
+          <p:grpSp>
+            <p:nvGrpSpPr>
+              <p:cNvPr id="5" name="Group 4">
                 <a:extLst>
                   <a:ext uri="{FF2B5EF4-FFF2-40B4-BE49-F238E27FC236}">
-                    <a16:creationId xmlns:a16="http://schemas.microsoft.com/office/drawing/2014/main" id="{2AA37D68-8A9D-45D5-BD51-F0148E23E2B2}"/>
-                  </a:ext>
-                </a:extLst>
-              </p:cNvPr>
-              <p:cNvPicPr>
-                <a:picLocks noChangeAspect="1"/>
-              </p:cNvPicPr>
-              <p:nvPr/>
-            </p:nvPicPr>
-            <p:blipFill>
-              <a:blip r:embed="rId2"/>
-              <a:stretch>
-                <a:fillRect/>
-              </a:stretch>
-            </p:blipFill>
-            <p:spPr>
-              <a:xfrm>
-                <a:off x="4947082" y="61587"/>
-                <a:ext cx="5333999" cy="4000500"/>
-              </a:xfrm>
-              <a:prstGeom prst="rect">
-                <a:avLst/>
-              </a:prstGeom>
-            </p:spPr>
-          </p:pic>
-          <p:grpSp>
-            <p:nvGrpSpPr>
-              <p:cNvPr id="17" name="Group 16">
-                <a:extLst>
-                  <a:ext uri="{FF2B5EF4-FFF2-40B4-BE49-F238E27FC236}">
-                    <a16:creationId xmlns:a16="http://schemas.microsoft.com/office/drawing/2014/main" id="{A29B67F9-C27B-4EE6-8A11-DC1BCF6D16E9}"/>
+                    <a16:creationId xmlns:a16="http://schemas.microsoft.com/office/drawing/2014/main" id="{7E8419F3-F13E-404F-A192-AF09E0F01150}"/>
                   </a:ext>
                 </a:extLst>
               </p:cNvPr>
@@ -3578,18 +3546,48 @@
             </p:nvGrpSpPr>
             <p:grpSpPr>
               <a:xfrm>
-                <a:off x="-4651" y="0"/>
-                <a:ext cx="9117487" cy="6339840"/>
-                <a:chOff x="119759" y="0"/>
-                <a:chExt cx="9117487" cy="6339840"/>
+                <a:off x="4231036" y="47197"/>
+                <a:ext cx="3443828" cy="3065768"/>
+                <a:chOff x="4947082" y="61587"/>
+                <a:chExt cx="5333999" cy="4000500"/>
               </a:xfrm>
             </p:grpSpPr>
+            <p:pic>
+              <p:nvPicPr>
+                <p:cNvPr id="4" name="Picture 3">
+                  <a:extLst>
+                    <a:ext uri="{FF2B5EF4-FFF2-40B4-BE49-F238E27FC236}">
+                      <a16:creationId xmlns:a16="http://schemas.microsoft.com/office/drawing/2014/main" id="{2AA37D68-8A9D-45D5-BD51-F0148E23E2B2}"/>
+                    </a:ext>
+                  </a:extLst>
+                </p:cNvPr>
+                <p:cNvPicPr>
+                  <a:picLocks noChangeAspect="1"/>
+                </p:cNvPicPr>
+                <p:nvPr/>
+              </p:nvPicPr>
+              <p:blipFill>
+                <a:blip r:embed="rId2"/>
+                <a:stretch>
+                  <a:fillRect/>
+                </a:stretch>
+              </p:blipFill>
+              <p:spPr>
+                <a:xfrm>
+                  <a:off x="4947082" y="61587"/>
+                  <a:ext cx="5333999" cy="4000500"/>
+                </a:xfrm>
+                <a:prstGeom prst="rect">
+                  <a:avLst/>
+                </a:prstGeom>
+              </p:spPr>
+            </p:pic>
             <p:grpSp>
               <p:nvGrpSpPr>
-                <p:cNvPr id="13" name="Group 12">
+                <p:cNvPr id="17" name="Group 16">
                   <a:extLst>
                     <a:ext uri="{FF2B5EF4-FFF2-40B4-BE49-F238E27FC236}">
-                      <a16:creationId xmlns:a16="http://schemas.microsoft.com/office/drawing/2014/main" id="{59FABA3E-766D-4FBE-9F50-CDFA5C5333B8}"/>
+                      <a16:creationId xmlns:a16="http://schemas.microsoft.com/office/drawing/2014/main" id="{A29B67F9-C27B-4EE6-8A11-DC1BCF6D16E9}"/>
                     </a:ext>
                   </a:extLst>
                 </p:cNvPr>
@@ -3598,48 +3596,18 @@
               </p:nvGrpSpPr>
               <p:grpSpPr>
                 <a:xfrm>
-                  <a:off x="119759" y="0"/>
-                  <a:ext cx="5234940" cy="6339840"/>
-                  <a:chOff x="-10870" y="660296"/>
-                  <a:chExt cx="5234940" cy="6339840"/>
+                  <a:off x="6398534" y="279406"/>
+                  <a:ext cx="2714302" cy="3321305"/>
+                  <a:chOff x="6522944" y="279406"/>
+                  <a:chExt cx="2714302" cy="3321305"/>
                 </a:xfrm>
               </p:grpSpPr>
-              <p:pic>
-                <p:nvPicPr>
-                  <p:cNvPr id="7" name="Picture 6">
+              <p:cxnSp>
+                <p:nvCxnSpPr>
+                  <p:cNvPr id="14" name="Straight Connector 13">
                     <a:extLst>
                       <a:ext uri="{FF2B5EF4-FFF2-40B4-BE49-F238E27FC236}">
-                        <a16:creationId xmlns:a16="http://schemas.microsoft.com/office/drawing/2014/main" id="{19000E87-83EA-44A4-88CC-D21A52C90BE6}"/>
-                      </a:ext>
-                    </a:extLst>
-                  </p:cNvPr>
-                  <p:cNvPicPr>
-                    <a:picLocks noChangeAspect="1"/>
-                  </p:cNvPicPr>
-                  <p:nvPr/>
-                </p:nvPicPr>
-                <p:blipFill>
-                  <a:blip r:embed="rId3"/>
-                  <a:stretch>
-                    <a:fillRect/>
-                  </a:stretch>
-                </p:blipFill>
-                <p:spPr>
-                  <a:xfrm>
-                    <a:off x="-10870" y="660296"/>
-                    <a:ext cx="5234940" cy="6339840"/>
-                  </a:xfrm>
-                  <a:prstGeom prst="rect">
-                    <a:avLst/>
-                  </a:prstGeom>
-                </p:spPr>
-              </p:pic>
-              <p:cxnSp>
-                <p:nvCxnSpPr>
-                  <p:cNvPr id="9" name="Straight Connector 8">
-                    <a:extLst>
-                      <a:ext uri="{FF2B5EF4-FFF2-40B4-BE49-F238E27FC236}">
-                        <a16:creationId xmlns:a16="http://schemas.microsoft.com/office/drawing/2014/main" id="{1BC75D55-E786-440A-B88E-989624905D34}"/>
+                        <a16:creationId xmlns:a16="http://schemas.microsoft.com/office/drawing/2014/main" id="{90953D44-6D6A-4700-A79A-8B57CAACEB35}"/>
                       </a:ext>
                     </a:extLst>
                   </p:cNvPr>
@@ -3650,8 +3618,8 @@
                 </p:nvCxnSpPr>
                 <p:spPr>
                   <a:xfrm flipV="1">
-                    <a:off x="1446244" y="1744824"/>
-                    <a:ext cx="0" cy="4572000"/>
+                    <a:off x="6522944" y="279406"/>
+                    <a:ext cx="0" cy="3297750"/>
                   </a:xfrm>
                   <a:prstGeom prst="line">
                     <a:avLst/>
@@ -3680,10 +3648,10 @@
               </p:cxnSp>
               <p:cxnSp>
                 <p:nvCxnSpPr>
-                  <p:cNvPr id="10" name="Straight Connector 9">
+                  <p:cNvPr id="16" name="Straight Connector 15">
                     <a:extLst>
                       <a:ext uri="{FF2B5EF4-FFF2-40B4-BE49-F238E27FC236}">
-                        <a16:creationId xmlns:a16="http://schemas.microsoft.com/office/drawing/2014/main" id="{CB359585-2CCD-4C15-8EC5-3D9AA99847D1}"/>
+                        <a16:creationId xmlns:a16="http://schemas.microsoft.com/office/drawing/2014/main" id="{558F5A43-8A0D-459E-B219-66B769AB2100}"/>
                       </a:ext>
                     </a:extLst>
                   </p:cNvPr>
@@ -3694,8 +3662,8 @@
                 </p:nvCxnSpPr>
                 <p:spPr>
                   <a:xfrm flipV="1">
-                    <a:off x="4108578" y="1765485"/>
-                    <a:ext cx="0" cy="4551339"/>
+                    <a:off x="9237246" y="302959"/>
+                    <a:ext cx="0" cy="3297752"/>
                   </a:xfrm>
                   <a:prstGeom prst="line">
                     <a:avLst/>
@@ -3723,580 +3691,280 @@
                 </p:style>
               </p:cxnSp>
             </p:grpSp>
-            <p:cxnSp>
-              <p:nvCxnSpPr>
-                <p:cNvPr id="14" name="Straight Connector 13">
-                  <a:extLst>
-                    <a:ext uri="{FF2B5EF4-FFF2-40B4-BE49-F238E27FC236}">
-                      <a16:creationId xmlns:a16="http://schemas.microsoft.com/office/drawing/2014/main" id="{90953D44-6D6A-4700-A79A-8B57CAACEB35}"/>
-                    </a:ext>
-                  </a:extLst>
-                </p:cNvPr>
-                <p:cNvCxnSpPr>
-                  <a:cxnSpLocks/>
-                </p:cNvCxnSpPr>
-                <p:nvPr/>
-              </p:nvCxnSpPr>
-              <p:spPr>
-                <a:xfrm flipV="1">
-                  <a:off x="6522944" y="279406"/>
-                  <a:ext cx="0" cy="3297750"/>
-                </a:xfrm>
-                <a:prstGeom prst="line">
-                  <a:avLst/>
-                </a:prstGeom>
-                <a:ln w="19050">
-                  <a:solidFill>
-                    <a:schemeClr val="tx1"/>
-                  </a:solidFill>
-                  <a:prstDash val="dash"/>
-                </a:ln>
-              </p:spPr>
-              <p:style>
-                <a:lnRef idx="1">
-                  <a:schemeClr val="accent1"/>
-                </a:lnRef>
-                <a:fillRef idx="0">
-                  <a:schemeClr val="accent1"/>
-                </a:fillRef>
-                <a:effectRef idx="0">
-                  <a:schemeClr val="accent1"/>
-                </a:effectRef>
-                <a:fontRef idx="minor">
-                  <a:schemeClr val="tx1"/>
-                </a:fontRef>
-              </p:style>
-            </p:cxnSp>
-            <p:cxnSp>
-              <p:nvCxnSpPr>
-                <p:cNvPr id="16" name="Straight Connector 15">
-                  <a:extLst>
-                    <a:ext uri="{FF2B5EF4-FFF2-40B4-BE49-F238E27FC236}">
-                      <a16:creationId xmlns:a16="http://schemas.microsoft.com/office/drawing/2014/main" id="{558F5A43-8A0D-459E-B219-66B769AB2100}"/>
-                    </a:ext>
-                  </a:extLst>
-                </p:cNvPr>
-                <p:cNvCxnSpPr>
-                  <a:cxnSpLocks/>
-                </p:cNvCxnSpPr>
-                <p:nvPr/>
-              </p:nvCxnSpPr>
-              <p:spPr>
-                <a:xfrm flipV="1">
-                  <a:off x="9237246" y="302959"/>
-                  <a:ext cx="0" cy="3297752"/>
-                </a:xfrm>
-                <a:prstGeom prst="line">
-                  <a:avLst/>
-                </a:prstGeom>
-                <a:ln w="19050">
-                  <a:solidFill>
-                    <a:schemeClr val="tx1"/>
-                  </a:solidFill>
-                  <a:prstDash val="dash"/>
-                </a:ln>
-              </p:spPr>
-              <p:style>
-                <a:lnRef idx="1">
-                  <a:schemeClr val="accent1"/>
-                </a:lnRef>
-                <a:fillRef idx="0">
-                  <a:schemeClr val="accent1"/>
-                </a:fillRef>
-                <a:effectRef idx="0">
-                  <a:schemeClr val="accent1"/>
-                </a:effectRef>
-                <a:fontRef idx="minor">
-                  <a:schemeClr val="tx1"/>
-                </a:fontRef>
-              </p:style>
-            </p:cxnSp>
           </p:grpSp>
+          <mc:AlternateContent xmlns:mc="http://schemas.openxmlformats.org/markup-compatibility/2006" xmlns:a14="http://schemas.microsoft.com/office/drawing/2010/main">
+            <mc:Choice Requires="a14">
+              <p:sp>
+                <p:nvSpPr>
+                  <p:cNvPr id="15" name="TextBox 14">
+                    <a:extLst>
+                      <a:ext uri="{FF2B5EF4-FFF2-40B4-BE49-F238E27FC236}">
+                        <a16:creationId xmlns:a16="http://schemas.microsoft.com/office/drawing/2014/main" id="{A313CA53-2AD9-41D0-B211-57D679B13384}"/>
+                      </a:ext>
+                    </a:extLst>
+                  </p:cNvPr>
+                  <p:cNvSpPr txBox="1"/>
+                  <p:nvPr/>
+                </p:nvSpPr>
+                <p:spPr>
+                  <a:xfrm>
+                    <a:off x="4123613" y="2874254"/>
+                    <a:ext cx="2192396" cy="276999"/>
+                  </a:xfrm>
+                  <a:prstGeom prst="rect">
+                    <a:avLst/>
+                  </a:prstGeom>
+                  <a:noFill/>
+                </p:spPr>
+                <p:txBody>
+                  <a:bodyPr wrap="square" rtlCol="0">
+                    <a:spAutoFit/>
+                  </a:bodyPr>
+                  <a:lstStyle/>
+                  <a:p>
+                    <a:pPr/>
+                    <a14:m>
+                      <m:oMathPara xmlns:m="http://schemas.openxmlformats.org/officeDocument/2006/math">
+                        <m:oMathParaPr>
+                          <m:jc m:val="centerGroup"/>
+                        </m:oMathParaPr>
+                        <m:oMath xmlns:m="http://schemas.openxmlformats.org/officeDocument/2006/math">
+                          <m:r>
+                            <a:rPr lang="en-US" sz="1200" i="1">
+                              <a:latin typeface="Cambria Math" panose="02040503050406030204" pitchFamily="18" charset="0"/>
+                            </a:rPr>
+                            <m:t>24</m:t>
+                          </m:r>
+                          <m:sSub>
+                            <m:sSubPr>
+                              <m:ctrlPr>
+                                <a:rPr lang="en-US" sz="1200" i="1">
+                                  <a:latin typeface="Cambria Math" panose="02040503050406030204" pitchFamily="18" charset="0"/>
+                                </a:rPr>
+                              </m:ctrlPr>
+                            </m:sSubPr>
+                            <m:e>
+                              <m:r>
+                                <a:rPr lang="en-US" sz="1200" i="1">
+                                  <a:latin typeface="Cambria Math" panose="02040503050406030204" pitchFamily="18" charset="0"/>
+                                </a:rPr>
+                                <m:t>𝜏</m:t>
+                              </m:r>
+                            </m:e>
+                            <m:sub>
+                              <m:r>
+                                <a:rPr lang="en-US" sz="1200" i="1">
+                                  <a:latin typeface="Cambria Math" panose="02040503050406030204" pitchFamily="18" charset="0"/>
+                                </a:rPr>
+                                <m:t>𝑐𝑒</m:t>
+                              </m:r>
+                            </m:sub>
+                          </m:sSub>
+                        </m:oMath>
+                      </m:oMathPara>
+                    </a14:m>
+                    <a:endParaRPr lang="en-US" sz="1100" dirty="0"/>
+                  </a:p>
+                </p:txBody>
+              </p:sp>
+            </mc:Choice>
+            <mc:Fallback xmlns="">
+              <p:sp>
+                <p:nvSpPr>
+                  <p:cNvPr id="15" name="TextBox 14">
+                    <a:extLst>
+                      <a:ext uri="{FF2B5EF4-FFF2-40B4-BE49-F238E27FC236}">
+                        <a16:creationId xmlns:a16="http://schemas.microsoft.com/office/drawing/2014/main" id="{A313CA53-2AD9-41D0-B211-57D679B13384}"/>
+                      </a:ext>
+                    </a:extLst>
+                  </p:cNvPr>
+                  <p:cNvSpPr txBox="1">
+                    <a:spLocks noRot="1" noChangeAspect="1" noMove="1" noResize="1" noEditPoints="1" noAdjustHandles="1" noChangeArrowheads="1" noChangeShapeType="1" noTextEdit="1"/>
+                  </p:cNvSpPr>
+                  <p:nvPr/>
+                </p:nvSpPr>
+                <p:spPr>
+                  <a:xfrm>
+                    <a:off x="4123613" y="2874254"/>
+                    <a:ext cx="2192396" cy="276999"/>
+                  </a:xfrm>
+                  <a:prstGeom prst="rect">
+                    <a:avLst/>
+                  </a:prstGeom>
+                  <a:blipFill>
+                    <a:blip r:embed="rId6"/>
+                    <a:stretch>
+                      <a:fillRect/>
+                    </a:stretch>
+                  </a:blipFill>
+                </p:spPr>
+                <p:txBody>
+                  <a:bodyPr/>
+                  <a:lstStyle/>
+                  <a:p>
+                    <a:r>
+                      <a:rPr lang="en-US">
+                        <a:noFill/>
+                      </a:rPr>
+                      <a:t> </a:t>
+                    </a:r>
+                  </a:p>
+                </p:txBody>
+              </p:sp>
+            </mc:Fallback>
+          </mc:AlternateContent>
+          <mc:AlternateContent xmlns:mc="http://schemas.openxmlformats.org/markup-compatibility/2006" xmlns:a14="http://schemas.microsoft.com/office/drawing/2010/main">
+            <mc:Choice Requires="a14">
+              <p:sp>
+                <p:nvSpPr>
+                  <p:cNvPr id="18" name="TextBox 17">
+                    <a:extLst>
+                      <a:ext uri="{FF2B5EF4-FFF2-40B4-BE49-F238E27FC236}">
+                        <a16:creationId xmlns:a16="http://schemas.microsoft.com/office/drawing/2014/main" id="{A0A8EA0D-B7F8-47BA-B8E3-1A8E72C9886A}"/>
+                      </a:ext>
+                    </a:extLst>
+                  </p:cNvPr>
+                  <p:cNvSpPr txBox="1"/>
+                  <p:nvPr/>
+                </p:nvSpPr>
+                <p:spPr>
+                  <a:xfrm>
+                    <a:off x="5761373" y="2874253"/>
+                    <a:ext cx="2192396" cy="276999"/>
+                  </a:xfrm>
+                  <a:prstGeom prst="rect">
+                    <a:avLst/>
+                  </a:prstGeom>
+                  <a:noFill/>
+                </p:spPr>
+                <p:txBody>
+                  <a:bodyPr wrap="square" rtlCol="0">
+                    <a:spAutoFit/>
+                  </a:bodyPr>
+                  <a:lstStyle/>
+                  <a:p>
+                    <a:pPr/>
+                    <a14:m>
+                      <m:oMathPara xmlns:m="http://schemas.openxmlformats.org/officeDocument/2006/math">
+                        <m:oMathParaPr>
+                          <m:jc m:val="centerGroup"/>
+                        </m:oMathParaPr>
+                        <m:oMath xmlns:m="http://schemas.openxmlformats.org/officeDocument/2006/math">
+                          <m:r>
+                            <a:rPr lang="en-US" sz="1200" i="1">
+                              <a:latin typeface="Cambria Math" panose="02040503050406030204" pitchFamily="18" charset="0"/>
+                            </a:rPr>
+                            <m:t>114</m:t>
+                          </m:r>
+                          <m:sSub>
+                            <m:sSubPr>
+                              <m:ctrlPr>
+                                <a:rPr lang="en-US" sz="1200" i="1">
+                                  <a:latin typeface="Cambria Math" panose="02040503050406030204" pitchFamily="18" charset="0"/>
+                                </a:rPr>
+                              </m:ctrlPr>
+                            </m:sSubPr>
+                            <m:e>
+                              <m:r>
+                                <a:rPr lang="en-US" sz="1200" i="1">
+                                  <a:latin typeface="Cambria Math" panose="02040503050406030204" pitchFamily="18" charset="0"/>
+                                </a:rPr>
+                                <m:t>𝜏</m:t>
+                              </m:r>
+                            </m:e>
+                            <m:sub>
+                              <m:r>
+                                <a:rPr lang="en-US" sz="1200" i="1">
+                                  <a:latin typeface="Cambria Math" panose="02040503050406030204" pitchFamily="18" charset="0"/>
+                                </a:rPr>
+                                <m:t>𝑐𝑒</m:t>
+                              </m:r>
+                            </m:sub>
+                          </m:sSub>
+                        </m:oMath>
+                      </m:oMathPara>
+                    </a14:m>
+                    <a:endParaRPr lang="en-US" sz="2575" dirty="0"/>
+                  </a:p>
+                </p:txBody>
+              </p:sp>
+            </mc:Choice>
+            <mc:Fallback xmlns="">
+              <p:sp>
+                <p:nvSpPr>
+                  <p:cNvPr id="18" name="TextBox 17">
+                    <a:extLst>
+                      <a:ext uri="{FF2B5EF4-FFF2-40B4-BE49-F238E27FC236}">
+                        <a16:creationId xmlns:a16="http://schemas.microsoft.com/office/drawing/2014/main" id="{A0A8EA0D-B7F8-47BA-B8E3-1A8E72C9886A}"/>
+                      </a:ext>
+                    </a:extLst>
+                  </p:cNvPr>
+                  <p:cNvSpPr txBox="1">
+                    <a:spLocks noRot="1" noChangeAspect="1" noMove="1" noResize="1" noEditPoints="1" noAdjustHandles="1" noChangeArrowheads="1" noChangeShapeType="1" noTextEdit="1"/>
+                  </p:cNvSpPr>
+                  <p:nvPr/>
+                </p:nvSpPr>
+                <p:spPr>
+                  <a:xfrm>
+                    <a:off x="5761373" y="2874253"/>
+                    <a:ext cx="2192396" cy="276999"/>
+                  </a:xfrm>
+                  <a:prstGeom prst="rect">
+                    <a:avLst/>
+                  </a:prstGeom>
+                  <a:blipFill>
+                    <a:blip r:embed="rId5"/>
+                    <a:stretch>
+                      <a:fillRect/>
+                    </a:stretch>
+                  </a:blipFill>
+                </p:spPr>
+                <p:txBody>
+                  <a:bodyPr/>
+                  <a:lstStyle/>
+                  <a:p>
+                    <a:r>
+                      <a:rPr lang="en-US">
+                        <a:noFill/>
+                      </a:rPr>
+                      <a:t> </a:t>
+                    </a:r>
+                  </a:p>
+                </p:txBody>
+              </p:sp>
+            </mc:Fallback>
+          </mc:AlternateContent>
         </p:grpSp>
-        <mc:AlternateContent xmlns:mc="http://schemas.openxmlformats.org/markup-compatibility/2006">
-          <mc:Choice xmlns:a14="http://schemas.microsoft.com/office/drawing/2010/main" Requires="a14">
-            <p:sp>
-              <p:nvSpPr>
-                <p:cNvPr id="11" name="TextBox 10">
-                  <a:extLst>
-                    <a:ext uri="{FF2B5EF4-FFF2-40B4-BE49-F238E27FC236}">
-                      <a16:creationId xmlns:a16="http://schemas.microsoft.com/office/drawing/2014/main" id="{E07F2052-08DE-47FD-80F7-AF32F3CA73D7}"/>
-                    </a:ext>
-                  </a:extLst>
-                </p:cNvPr>
-                <p:cNvSpPr txBox="1"/>
-                <p:nvPr/>
-              </p:nvSpPr>
-              <p:spPr>
-                <a:xfrm>
-                  <a:off x="960861" y="4421923"/>
-                  <a:ext cx="2192396" cy="276999"/>
-                </a:xfrm>
-                <a:prstGeom prst="rect">
-                  <a:avLst/>
-                </a:prstGeom>
-                <a:noFill/>
-              </p:spPr>
-              <p:txBody>
-                <a:bodyPr wrap="square" rtlCol="0">
-                  <a:spAutoFit/>
-                </a:bodyPr>
-                <a:lstStyle/>
-                <a:p>
-                  <a:pPr/>
-                  <a14:m>
-                    <m:oMathPara xmlns:m="http://schemas.openxmlformats.org/officeDocument/2006/math">
-                      <m:oMathParaPr>
-                        <m:jc m:val="centerGroup"/>
-                      </m:oMathParaPr>
-                      <m:oMath xmlns:m="http://schemas.openxmlformats.org/officeDocument/2006/math">
-                        <m:r>
-                          <a:rPr lang="en-US" sz="1200" i="1">
-                            <a:latin typeface="Cambria Math" panose="02040503050406030204" pitchFamily="18" charset="0"/>
-                          </a:rPr>
-                          <m:t>24</m:t>
-                        </m:r>
-                        <m:sSub>
-                          <m:sSubPr>
-                            <m:ctrlPr>
-                              <a:rPr lang="en-US" sz="1200" i="1">
-                                <a:latin typeface="Cambria Math" panose="02040503050406030204" pitchFamily="18" charset="0"/>
-                              </a:rPr>
-                            </m:ctrlPr>
-                          </m:sSubPr>
-                          <m:e>
-                            <m:r>
-                              <a:rPr lang="en-US" sz="1200" i="1">
-                                <a:latin typeface="Cambria Math" panose="02040503050406030204" pitchFamily="18" charset="0"/>
-                              </a:rPr>
-                              <m:t>𝜏</m:t>
-                            </m:r>
-                          </m:e>
-                          <m:sub>
-                            <m:r>
-                              <a:rPr lang="en-US" sz="1200" i="1">
-                                <a:latin typeface="Cambria Math" panose="02040503050406030204" pitchFamily="18" charset="0"/>
-                              </a:rPr>
-                              <m:t>𝑐𝑒</m:t>
-                            </m:r>
-                          </m:sub>
-                        </m:sSub>
-                      </m:oMath>
-                    </m:oMathPara>
-                  </a14:m>
-                  <a:endParaRPr lang="en-US" sz="1100" dirty="0"/>
-                </a:p>
-              </p:txBody>
-            </p:sp>
-          </mc:Choice>
-          <mc:Fallback>
-            <p:sp>
-              <p:nvSpPr>
-                <p:cNvPr id="11" name="TextBox 10">
-                  <a:extLst>
-                    <a:ext uri="{FF2B5EF4-FFF2-40B4-BE49-F238E27FC236}">
-                      <a16:creationId xmlns:a16="http://schemas.microsoft.com/office/drawing/2014/main" id="{E07F2052-08DE-47FD-80F7-AF32F3CA73D7}"/>
-                    </a:ext>
-                  </a:extLst>
-                </p:cNvPr>
-                <p:cNvSpPr txBox="1">
-                  <a:spLocks noRot="1" noChangeAspect="1" noMove="1" noResize="1" noEditPoints="1" noAdjustHandles="1" noChangeArrowheads="1" noChangeShapeType="1" noTextEdit="1"/>
-                </p:cNvSpPr>
-                <p:nvPr/>
-              </p:nvSpPr>
-              <p:spPr>
-                <a:xfrm>
-                  <a:off x="960861" y="4421923"/>
-                  <a:ext cx="2192396" cy="276999"/>
-                </a:xfrm>
-                <a:prstGeom prst="rect">
-                  <a:avLst/>
-                </a:prstGeom>
-                <a:blipFill>
-                  <a:blip r:embed="rId4"/>
-                  <a:stretch>
-                    <a:fillRect/>
-                  </a:stretch>
-                </a:blipFill>
-              </p:spPr>
-              <p:txBody>
-                <a:bodyPr/>
-                <a:lstStyle/>
-                <a:p>
-                  <a:r>
-                    <a:rPr lang="en-US">
-                      <a:noFill/>
-                    </a:rPr>
-                    <a:t> </a:t>
-                  </a:r>
-                </a:p>
-              </p:txBody>
-            </p:sp>
-          </mc:Fallback>
-        </mc:AlternateContent>
-        <mc:AlternateContent xmlns:mc="http://schemas.openxmlformats.org/markup-compatibility/2006">
-          <mc:Choice xmlns:a14="http://schemas.microsoft.com/office/drawing/2010/main" Requires="a14">
-            <p:sp>
-              <p:nvSpPr>
-                <p:cNvPr id="12" name="TextBox 11">
-                  <a:extLst>
-                    <a:ext uri="{FF2B5EF4-FFF2-40B4-BE49-F238E27FC236}">
-                      <a16:creationId xmlns:a16="http://schemas.microsoft.com/office/drawing/2014/main" id="{1DA82E87-364F-4663-A2C8-63B7F8A143E7}"/>
-                    </a:ext>
-                  </a:extLst>
-                </p:cNvPr>
-                <p:cNvSpPr txBox="1"/>
-                <p:nvPr/>
-              </p:nvSpPr>
-              <p:spPr>
-                <a:xfrm>
-                  <a:off x="2598621" y="4421922"/>
-                  <a:ext cx="2192396" cy="276999"/>
-                </a:xfrm>
-                <a:prstGeom prst="rect">
-                  <a:avLst/>
-                </a:prstGeom>
-                <a:noFill/>
-              </p:spPr>
-              <p:txBody>
-                <a:bodyPr wrap="square" rtlCol="0">
-                  <a:spAutoFit/>
-                </a:bodyPr>
-                <a:lstStyle/>
-                <a:p>
-                  <a:pPr/>
-                  <a14:m>
-                    <m:oMathPara xmlns:m="http://schemas.openxmlformats.org/officeDocument/2006/math">
-                      <m:oMathParaPr>
-                        <m:jc m:val="centerGroup"/>
-                      </m:oMathParaPr>
-                      <m:oMath xmlns:m="http://schemas.openxmlformats.org/officeDocument/2006/math">
-                        <m:r>
-                          <a:rPr lang="en-US" sz="1200" i="1">
-                            <a:latin typeface="Cambria Math" panose="02040503050406030204" pitchFamily="18" charset="0"/>
-                          </a:rPr>
-                          <m:t>114</m:t>
-                        </m:r>
-                        <m:sSub>
-                          <m:sSubPr>
-                            <m:ctrlPr>
-                              <a:rPr lang="en-US" sz="1200" i="1">
-                                <a:latin typeface="Cambria Math" panose="02040503050406030204" pitchFamily="18" charset="0"/>
-                              </a:rPr>
-                            </m:ctrlPr>
-                          </m:sSubPr>
-                          <m:e>
-                            <m:r>
-                              <a:rPr lang="en-US" sz="1200" i="1">
-                                <a:latin typeface="Cambria Math" panose="02040503050406030204" pitchFamily="18" charset="0"/>
-                              </a:rPr>
-                              <m:t>𝜏</m:t>
-                            </m:r>
-                          </m:e>
-                          <m:sub>
-                            <m:r>
-                              <a:rPr lang="en-US" sz="1200" i="1">
-                                <a:latin typeface="Cambria Math" panose="02040503050406030204" pitchFamily="18" charset="0"/>
-                              </a:rPr>
-                              <m:t>𝑐𝑒</m:t>
-                            </m:r>
-                          </m:sub>
-                        </m:sSub>
-                      </m:oMath>
-                    </m:oMathPara>
-                  </a14:m>
-                  <a:endParaRPr lang="en-US" sz="2575" dirty="0"/>
-                </a:p>
-              </p:txBody>
-            </p:sp>
-          </mc:Choice>
-          <mc:Fallback>
-            <p:sp>
-              <p:nvSpPr>
-                <p:cNvPr id="12" name="TextBox 11">
-                  <a:extLst>
-                    <a:ext uri="{FF2B5EF4-FFF2-40B4-BE49-F238E27FC236}">
-                      <a16:creationId xmlns:a16="http://schemas.microsoft.com/office/drawing/2014/main" id="{1DA82E87-364F-4663-A2C8-63B7F8A143E7}"/>
-                    </a:ext>
-                  </a:extLst>
-                </p:cNvPr>
-                <p:cNvSpPr txBox="1">
-                  <a:spLocks noRot="1" noChangeAspect="1" noMove="1" noResize="1" noEditPoints="1" noAdjustHandles="1" noChangeArrowheads="1" noChangeShapeType="1" noTextEdit="1"/>
-                </p:cNvSpPr>
-                <p:nvPr/>
-              </p:nvSpPr>
-              <p:spPr>
-                <a:xfrm>
-                  <a:off x="2598621" y="4421922"/>
-                  <a:ext cx="2192396" cy="276999"/>
-                </a:xfrm>
-                <a:prstGeom prst="rect">
-                  <a:avLst/>
-                </a:prstGeom>
-                <a:blipFill>
-                  <a:blip r:embed="rId5"/>
-                  <a:stretch>
-                    <a:fillRect/>
-                  </a:stretch>
-                </a:blipFill>
-              </p:spPr>
-              <p:txBody>
-                <a:bodyPr/>
-                <a:lstStyle/>
-                <a:p>
-                  <a:r>
-                    <a:rPr lang="en-US">
-                      <a:noFill/>
-                    </a:rPr>
-                    <a:t> </a:t>
-                  </a:r>
-                </a:p>
-              </p:txBody>
-            </p:sp>
-          </mc:Fallback>
-        </mc:AlternateContent>
-        <mc:AlternateContent xmlns:mc="http://schemas.openxmlformats.org/markup-compatibility/2006">
-          <mc:Choice xmlns:a14="http://schemas.microsoft.com/office/drawing/2010/main" Requires="a14">
-            <p:sp>
-              <p:nvSpPr>
-                <p:cNvPr id="15" name="TextBox 14">
-                  <a:extLst>
-                    <a:ext uri="{FF2B5EF4-FFF2-40B4-BE49-F238E27FC236}">
-                      <a16:creationId xmlns:a16="http://schemas.microsoft.com/office/drawing/2014/main" id="{A313CA53-2AD9-41D0-B211-57D679B13384}"/>
-                    </a:ext>
-                  </a:extLst>
-                </p:cNvPr>
-                <p:cNvSpPr txBox="1"/>
-                <p:nvPr/>
-              </p:nvSpPr>
-              <p:spPr>
-                <a:xfrm>
-                  <a:off x="4123613" y="2874254"/>
-                  <a:ext cx="2192396" cy="276999"/>
-                </a:xfrm>
-                <a:prstGeom prst="rect">
-                  <a:avLst/>
-                </a:prstGeom>
-                <a:noFill/>
-              </p:spPr>
-              <p:txBody>
-                <a:bodyPr wrap="square" rtlCol="0">
-                  <a:spAutoFit/>
-                </a:bodyPr>
-                <a:lstStyle/>
-                <a:p>
-                  <a:pPr/>
-                  <a14:m>
-                    <m:oMathPara xmlns:m="http://schemas.openxmlformats.org/officeDocument/2006/math">
-                      <m:oMathParaPr>
-                        <m:jc m:val="centerGroup"/>
-                      </m:oMathParaPr>
-                      <m:oMath xmlns:m="http://schemas.openxmlformats.org/officeDocument/2006/math">
-                        <m:r>
-                          <a:rPr lang="en-US" sz="1200" i="1">
-                            <a:latin typeface="Cambria Math" panose="02040503050406030204" pitchFamily="18" charset="0"/>
-                          </a:rPr>
-                          <m:t>24</m:t>
-                        </m:r>
-                        <m:sSub>
-                          <m:sSubPr>
-                            <m:ctrlPr>
-                              <a:rPr lang="en-US" sz="1200" i="1">
-                                <a:latin typeface="Cambria Math" panose="02040503050406030204" pitchFamily="18" charset="0"/>
-                              </a:rPr>
-                            </m:ctrlPr>
-                          </m:sSubPr>
-                          <m:e>
-                            <m:r>
-                              <a:rPr lang="en-US" sz="1200" i="1">
-                                <a:latin typeface="Cambria Math" panose="02040503050406030204" pitchFamily="18" charset="0"/>
-                              </a:rPr>
-                              <m:t>𝜏</m:t>
-                            </m:r>
-                          </m:e>
-                          <m:sub>
-                            <m:r>
-                              <a:rPr lang="en-US" sz="1200" i="1">
-                                <a:latin typeface="Cambria Math" panose="02040503050406030204" pitchFamily="18" charset="0"/>
-                              </a:rPr>
-                              <m:t>𝑐𝑒</m:t>
-                            </m:r>
-                          </m:sub>
-                        </m:sSub>
-                      </m:oMath>
-                    </m:oMathPara>
-                  </a14:m>
-                  <a:endParaRPr lang="en-US" sz="1100" dirty="0"/>
-                </a:p>
-              </p:txBody>
-            </p:sp>
-          </mc:Choice>
-          <mc:Fallback>
-            <p:sp>
-              <p:nvSpPr>
-                <p:cNvPr id="15" name="TextBox 14">
-                  <a:extLst>
-                    <a:ext uri="{FF2B5EF4-FFF2-40B4-BE49-F238E27FC236}">
-                      <a16:creationId xmlns:a16="http://schemas.microsoft.com/office/drawing/2014/main" id="{A313CA53-2AD9-41D0-B211-57D679B13384}"/>
-                    </a:ext>
-                  </a:extLst>
-                </p:cNvPr>
-                <p:cNvSpPr txBox="1">
-                  <a:spLocks noRot="1" noChangeAspect="1" noMove="1" noResize="1" noEditPoints="1" noAdjustHandles="1" noChangeArrowheads="1" noChangeShapeType="1" noTextEdit="1"/>
-                </p:cNvSpPr>
-                <p:nvPr/>
-              </p:nvSpPr>
-              <p:spPr>
-                <a:xfrm>
-                  <a:off x="4123613" y="2874254"/>
-                  <a:ext cx="2192396" cy="276999"/>
-                </a:xfrm>
-                <a:prstGeom prst="rect">
-                  <a:avLst/>
-                </a:prstGeom>
-                <a:blipFill>
-                  <a:blip r:embed="rId6"/>
-                  <a:stretch>
-                    <a:fillRect/>
-                  </a:stretch>
-                </a:blipFill>
-              </p:spPr>
-              <p:txBody>
-                <a:bodyPr/>
-                <a:lstStyle/>
-                <a:p>
-                  <a:r>
-                    <a:rPr lang="en-US">
-                      <a:noFill/>
-                    </a:rPr>
-                    <a:t> </a:t>
-                  </a:r>
-                </a:p>
-              </p:txBody>
-            </p:sp>
-          </mc:Fallback>
-        </mc:AlternateContent>
-        <mc:AlternateContent xmlns:mc="http://schemas.openxmlformats.org/markup-compatibility/2006">
-          <mc:Choice xmlns:a14="http://schemas.microsoft.com/office/drawing/2010/main" Requires="a14">
-            <p:sp>
-              <p:nvSpPr>
-                <p:cNvPr id="18" name="TextBox 17">
-                  <a:extLst>
-                    <a:ext uri="{FF2B5EF4-FFF2-40B4-BE49-F238E27FC236}">
-                      <a16:creationId xmlns:a16="http://schemas.microsoft.com/office/drawing/2014/main" id="{A0A8EA0D-B7F8-47BA-B8E3-1A8E72C9886A}"/>
-                    </a:ext>
-                  </a:extLst>
-                </p:cNvPr>
-                <p:cNvSpPr txBox="1"/>
-                <p:nvPr/>
-              </p:nvSpPr>
-              <p:spPr>
-                <a:xfrm>
-                  <a:off x="5761373" y="2874253"/>
-                  <a:ext cx="2192396" cy="276999"/>
-                </a:xfrm>
-                <a:prstGeom prst="rect">
-                  <a:avLst/>
-                </a:prstGeom>
-                <a:noFill/>
-              </p:spPr>
-              <p:txBody>
-                <a:bodyPr wrap="square" rtlCol="0">
-                  <a:spAutoFit/>
-                </a:bodyPr>
-                <a:lstStyle/>
-                <a:p>
-                  <a:pPr/>
-                  <a14:m>
-                    <m:oMathPara xmlns:m="http://schemas.openxmlformats.org/officeDocument/2006/math">
-                      <m:oMathParaPr>
-                        <m:jc m:val="centerGroup"/>
-                      </m:oMathParaPr>
-                      <m:oMath xmlns:m="http://schemas.openxmlformats.org/officeDocument/2006/math">
-                        <m:r>
-                          <a:rPr lang="en-US" sz="1200" i="1">
-                            <a:latin typeface="Cambria Math" panose="02040503050406030204" pitchFamily="18" charset="0"/>
-                          </a:rPr>
-                          <m:t>114</m:t>
-                        </m:r>
-                        <m:sSub>
-                          <m:sSubPr>
-                            <m:ctrlPr>
-                              <a:rPr lang="en-US" sz="1200" i="1">
-                                <a:latin typeface="Cambria Math" panose="02040503050406030204" pitchFamily="18" charset="0"/>
-                              </a:rPr>
-                            </m:ctrlPr>
-                          </m:sSubPr>
-                          <m:e>
-                            <m:r>
-                              <a:rPr lang="en-US" sz="1200" i="1">
-                                <a:latin typeface="Cambria Math" panose="02040503050406030204" pitchFamily="18" charset="0"/>
-                              </a:rPr>
-                              <m:t>𝜏</m:t>
-                            </m:r>
-                          </m:e>
-                          <m:sub>
-                            <m:r>
-                              <a:rPr lang="en-US" sz="1200" i="1">
-                                <a:latin typeface="Cambria Math" panose="02040503050406030204" pitchFamily="18" charset="0"/>
-                              </a:rPr>
-                              <m:t>𝑐𝑒</m:t>
-                            </m:r>
-                          </m:sub>
-                        </m:sSub>
-                      </m:oMath>
-                    </m:oMathPara>
-                  </a14:m>
-                  <a:endParaRPr lang="en-US" sz="2575" dirty="0"/>
-                </a:p>
-              </p:txBody>
-            </p:sp>
-          </mc:Choice>
-          <mc:Fallback>
-            <p:sp>
-              <p:nvSpPr>
-                <p:cNvPr id="18" name="TextBox 17">
-                  <a:extLst>
-                    <a:ext uri="{FF2B5EF4-FFF2-40B4-BE49-F238E27FC236}">
-                      <a16:creationId xmlns:a16="http://schemas.microsoft.com/office/drawing/2014/main" id="{A0A8EA0D-B7F8-47BA-B8E3-1A8E72C9886A}"/>
-                    </a:ext>
-                  </a:extLst>
-                </p:cNvPr>
-                <p:cNvSpPr txBox="1">
-                  <a:spLocks noRot="1" noChangeAspect="1" noMove="1" noResize="1" noEditPoints="1" noAdjustHandles="1" noChangeArrowheads="1" noChangeShapeType="1" noTextEdit="1"/>
-                </p:cNvSpPr>
-                <p:nvPr/>
-              </p:nvSpPr>
-              <p:spPr>
-                <a:xfrm>
-                  <a:off x="5761373" y="2874253"/>
-                  <a:ext cx="2192396" cy="276999"/>
-                </a:xfrm>
-                <a:prstGeom prst="rect">
-                  <a:avLst/>
-                </a:prstGeom>
-                <a:blipFill>
-                  <a:blip r:embed="rId5"/>
-                  <a:stretch>
-                    <a:fillRect/>
-                  </a:stretch>
-                </a:blipFill>
-              </p:spPr>
-              <p:txBody>
-                <a:bodyPr/>
-                <a:lstStyle/>
-                <a:p>
-                  <a:r>
-                    <a:rPr lang="en-US">
-                      <a:noFill/>
-                    </a:rPr>
-                    <a:t> </a:t>
-                  </a:r>
-                </a:p>
-              </p:txBody>
-            </p:sp>
-          </mc:Fallback>
-        </mc:AlternateContent>
+        <p:pic>
+          <p:nvPicPr>
+            <p:cNvPr id="6" name="Picture 5">
+              <a:extLst>
+                <a:ext uri="{FF2B5EF4-FFF2-40B4-BE49-F238E27FC236}">
+                  <a16:creationId xmlns:a16="http://schemas.microsoft.com/office/drawing/2014/main" id="{EDD3E7D5-CA45-4998-9B04-441B8C8AE30D}"/>
+                </a:ext>
+              </a:extLst>
+            </p:cNvPr>
+            <p:cNvPicPr>
+              <a:picLocks noChangeAspect="1"/>
+            </p:cNvPicPr>
+            <p:nvPr/>
+          </p:nvPicPr>
+          <p:blipFill>
+            <a:blip r:embed="rId7"/>
+            <a:stretch>
+              <a:fillRect/>
+            </a:stretch>
+          </p:blipFill>
+          <p:spPr>
+            <a:xfrm>
+              <a:off x="-10962" y="0"/>
+              <a:ext cx="4241998" cy="5143500"/>
+            </a:xfrm>
+            <a:prstGeom prst="rect">
+              <a:avLst/>
+            </a:prstGeom>
+          </p:spPr>
+        </p:pic>
       </p:grpSp>
     </p:spTree>
     <p:extLst>
@@ -4350,7 +4018,7 @@
         </p:blipFill>
         <p:spPr>
           <a:xfrm>
-            <a:off x="-6062932" y="-3218233"/>
+            <a:off x="-6657451" y="-3218233"/>
             <a:ext cx="18772909" cy="11579969"/>
           </a:xfrm>
           <a:prstGeom prst="rect">
@@ -4410,7 +4078,7 @@
         </p:blipFill>
         <p:spPr>
           <a:xfrm>
-            <a:off x="-4641861" y="-3104734"/>
+            <a:off x="-5236380" y="-3104734"/>
             <a:ext cx="18427734" cy="11579969"/>
           </a:xfrm>
           <a:prstGeom prst="rect">
@@ -4462,7 +4130,7 @@
         </p:nvGrpSpPr>
         <p:grpSpPr>
           <a:xfrm>
-            <a:off x="-844953" y="-2073415"/>
+            <a:off x="-1439472" y="-2073415"/>
             <a:ext cx="10718157" cy="8682560"/>
             <a:chOff x="263236" y="1733550"/>
             <a:chExt cx="5334000" cy="4000500"/>
@@ -4553,7 +4221,7 @@
               <p:spPr>
                 <a:xfrm>
                   <a:off x="1619841" y="4241355"/>
-                  <a:ext cx="618836" cy="267521"/>
+                  <a:ext cx="618836" cy="225121"/>
                 </a:xfrm>
                 <a:prstGeom prst="rect">
                   <a:avLst/>
@@ -4723,7 +4391,7 @@
                 <p:spPr>
                   <a:xfrm>
                     <a:off x="3565229" y="4472265"/>
-                    <a:ext cx="1025236" cy="422135"/>
+                    <a:ext cx="1025236" cy="355230"/>
                   </a:xfrm>
                   <a:prstGeom prst="rect">
                     <a:avLst/>
@@ -4794,7 +4462,7 @@
                 <p:spPr>
                   <a:xfrm>
                     <a:off x="3565229" y="4472265"/>
-                    <a:ext cx="1025236" cy="422135"/>
+                    <a:ext cx="1025236" cy="355230"/>
                   </a:xfrm>
                   <a:prstGeom prst="rect">
                     <a:avLst/>
@@ -4838,7 +4506,7 @@
                 <p:spPr>
                   <a:xfrm>
                     <a:off x="2396829" y="4472265"/>
-                    <a:ext cx="1025236" cy="422135"/>
+                    <a:ext cx="1025236" cy="355230"/>
                   </a:xfrm>
                   <a:prstGeom prst="rect">
                     <a:avLst/>
@@ -4940,7 +4608,7 @@
                 <p:spPr>
                   <a:xfrm>
                     <a:off x="2396829" y="4472265"/>
-                    <a:ext cx="1025236" cy="422135"/>
+                    <a:ext cx="1025236" cy="355230"/>
                   </a:xfrm>
                   <a:prstGeom prst="rect">
                     <a:avLst/>
@@ -4984,7 +4652,7 @@
                 <p:spPr>
                   <a:xfrm>
                     <a:off x="4733628" y="4445672"/>
-                    <a:ext cx="1025236" cy="444640"/>
+                    <a:ext cx="1025236" cy="374168"/>
                   </a:xfrm>
                   <a:prstGeom prst="rect">
                     <a:avLst/>
@@ -5086,7 +4754,7 @@
                 <p:spPr>
                   <a:xfrm>
                     <a:off x="4733628" y="4445672"/>
-                    <a:ext cx="1025236" cy="444640"/>
+                    <a:ext cx="1025236" cy="374168"/>
                   </a:xfrm>
                   <a:prstGeom prst="rect">
                     <a:avLst/>
@@ -5279,7 +4947,7 @@
         </p:blipFill>
         <p:spPr>
           <a:xfrm>
-            <a:off x="-5505398" y="-2981559"/>
+            <a:off x="-6099917" y="-2981559"/>
             <a:ext cx="9560997" cy="11578964"/>
           </a:xfrm>
           <a:prstGeom prst="rect">
@@ -5309,7 +4977,7 @@
         </p:blipFill>
         <p:spPr>
           <a:xfrm>
-            <a:off x="4784773" y="-3217731"/>
+            <a:off x="4190255" y="-3217731"/>
             <a:ext cx="9560997" cy="11578964"/>
           </a:xfrm>
           <a:prstGeom prst="rect">
@@ -5361,7 +5029,7 @@
         </p:nvGrpSpPr>
         <p:grpSpPr>
           <a:xfrm>
-            <a:off x="-1513524" y="-846066"/>
+            <a:off x="-2108043" y="-846066"/>
             <a:ext cx="12177398" cy="9133046"/>
             <a:chOff x="1364121" y="1112005"/>
             <a:chExt cx="6667500" cy="5000625"/>
@@ -5514,7 +5182,7 @@
         </p:nvGrpSpPr>
         <p:grpSpPr>
           <a:xfrm>
-            <a:off x="-3068827" y="-3390496"/>
+            <a:off x="-3663346" y="-3390496"/>
             <a:ext cx="15306790" cy="11949469"/>
             <a:chOff x="4443615" y="3720955"/>
             <a:chExt cx="2649193" cy="2230265"/>
@@ -6139,8 +5807,8 @@
             </a:fontRef>
           </p:style>
         </p:cxnSp>
-        <mc:AlternateContent xmlns:mc="http://schemas.openxmlformats.org/markup-compatibility/2006">
-          <mc:Choice xmlns:a14="http://schemas.microsoft.com/office/drawing/2010/main" Requires="a14">
+        <mc:AlternateContent xmlns:mc="http://schemas.openxmlformats.org/markup-compatibility/2006" xmlns:a14="http://schemas.microsoft.com/office/drawing/2010/main">
+          <mc:Choice Requires="a14">
             <p:sp>
               <p:nvSpPr>
                 <p:cNvPr id="5" name="TextBox 4">
@@ -6205,7 +5873,7 @@
               </p:txBody>
             </p:sp>
           </mc:Choice>
-          <mc:Fallback>
+          <mc:Fallback xmlns="">
             <p:sp>
               <p:nvSpPr>
                 <p:cNvPr id="5" name="TextBox 4">
@@ -6253,8 +5921,8 @@
             </p:sp>
           </mc:Fallback>
         </mc:AlternateContent>
-        <mc:AlternateContent xmlns:mc="http://schemas.openxmlformats.org/markup-compatibility/2006">
-          <mc:Choice xmlns:a14="http://schemas.microsoft.com/office/drawing/2010/main" Requires="a14">
+        <mc:AlternateContent xmlns:mc="http://schemas.openxmlformats.org/markup-compatibility/2006" xmlns:a14="http://schemas.microsoft.com/office/drawing/2010/main">
+          <mc:Choice Requires="a14">
             <p:sp>
               <p:nvSpPr>
                 <p:cNvPr id="6" name="TextBox 5">
@@ -6319,7 +5987,7 @@
               </p:txBody>
             </p:sp>
           </mc:Choice>
-          <mc:Fallback>
+          <mc:Fallback xmlns="">
             <p:sp>
               <p:nvSpPr>
                 <p:cNvPr id="6" name="TextBox 5">
@@ -6367,8 +6035,8 @@
             </p:sp>
           </mc:Fallback>
         </mc:AlternateContent>
-        <mc:AlternateContent xmlns:mc="http://schemas.openxmlformats.org/markup-compatibility/2006">
-          <mc:Choice xmlns:a14="http://schemas.microsoft.com/office/drawing/2010/main" Requires="a14">
+        <mc:AlternateContent xmlns:mc="http://schemas.openxmlformats.org/markup-compatibility/2006" xmlns:a14="http://schemas.microsoft.com/office/drawing/2010/main">
+          <mc:Choice Requires="a14">
             <p:sp>
               <p:nvSpPr>
                 <p:cNvPr id="7" name="TextBox 6">
@@ -6440,7 +6108,7 @@
               </p:txBody>
             </p:sp>
           </mc:Choice>
-          <mc:Fallback>
+          <mc:Fallback xmlns="">
             <p:sp>
               <p:nvSpPr>
                 <p:cNvPr id="7" name="TextBox 6">
@@ -6585,7 +6253,7 @@
         </p:nvGrpSpPr>
         <p:grpSpPr>
           <a:xfrm>
-            <a:off x="1350212" y="-2416"/>
+            <a:off x="755693" y="-2416"/>
             <a:ext cx="6443582" cy="5145919"/>
             <a:chOff x="4532929" y="1566523"/>
             <a:chExt cx="3528060" cy="2612567"/>
@@ -6933,8 +6601,8 @@
             </a:fontRef>
           </p:style>
         </p:cxnSp>
-        <mc:AlternateContent xmlns:mc="http://schemas.openxmlformats.org/markup-compatibility/2006">
-          <mc:Choice xmlns:a14="http://schemas.microsoft.com/office/drawing/2010/main" Requires="a14">
+        <mc:AlternateContent xmlns:mc="http://schemas.openxmlformats.org/markup-compatibility/2006" xmlns:a14="http://schemas.microsoft.com/office/drawing/2010/main">
+          <mc:Choice Requires="a14">
             <p:sp>
               <p:nvSpPr>
                 <p:cNvPr id="9" name="TextBox 8">
@@ -6996,7 +6664,7 @@
               </p:txBody>
             </p:sp>
           </mc:Choice>
-          <mc:Fallback>
+          <mc:Fallback xmlns="">
             <p:sp>
               <p:nvSpPr>
                 <p:cNvPr id="9" name="TextBox 8">
@@ -7041,8 +6709,8 @@
             </p:sp>
           </mc:Fallback>
         </mc:AlternateContent>
-        <mc:AlternateContent xmlns:mc="http://schemas.openxmlformats.org/markup-compatibility/2006">
-          <mc:Choice xmlns:a14="http://schemas.microsoft.com/office/drawing/2010/main" Requires="a14">
+        <mc:AlternateContent xmlns:mc="http://schemas.openxmlformats.org/markup-compatibility/2006" xmlns:a14="http://schemas.microsoft.com/office/drawing/2010/main">
+          <mc:Choice Requires="a14">
             <p:sp>
               <p:nvSpPr>
                 <p:cNvPr id="10" name="TextBox 9">
@@ -7104,7 +6772,7 @@
               </p:txBody>
             </p:sp>
           </mc:Choice>
-          <mc:Fallback>
+          <mc:Fallback xmlns="">
             <p:sp>
               <p:nvSpPr>
                 <p:cNvPr id="10" name="TextBox 9">
@@ -7201,8 +6869,8 @@
             </a:p>
           </p:txBody>
         </p:sp>
-        <mc:AlternateContent xmlns:mc="http://schemas.openxmlformats.org/markup-compatibility/2006">
-          <mc:Choice xmlns:a14="http://schemas.microsoft.com/office/drawing/2010/main" Requires="a14">
+        <mc:AlternateContent xmlns:mc="http://schemas.openxmlformats.org/markup-compatibility/2006" xmlns:a14="http://schemas.microsoft.com/office/drawing/2010/main">
+          <mc:Choice Requires="a14">
             <p:sp>
               <p:nvSpPr>
                 <p:cNvPr id="12" name="TextBox 11">
@@ -7252,7 +6920,7 @@
               </p:txBody>
             </p:sp>
           </mc:Choice>
-          <mc:Fallback>
+          <mc:Fallback xmlns="">
             <p:sp>
               <p:nvSpPr>
                 <p:cNvPr id="12" name="TextBox 11">
@@ -7297,8 +6965,8 @@
             </p:sp>
           </mc:Fallback>
         </mc:AlternateContent>
-        <mc:AlternateContent xmlns:mc="http://schemas.openxmlformats.org/markup-compatibility/2006">
-          <mc:Choice xmlns:a14="http://schemas.microsoft.com/office/drawing/2010/main" Requires="a14">
+        <mc:AlternateContent xmlns:mc="http://schemas.openxmlformats.org/markup-compatibility/2006" xmlns:a14="http://schemas.microsoft.com/office/drawing/2010/main">
+          <mc:Choice Requires="a14">
             <p:sp>
               <p:nvSpPr>
                 <p:cNvPr id="13" name="TextBox 12">
@@ -7438,7 +7106,7 @@
               </p:txBody>
             </p:sp>
           </mc:Choice>
-          <mc:Fallback>
+          <mc:Fallback xmlns="">
             <p:sp>
               <p:nvSpPr>
                 <p:cNvPr id="13" name="TextBox 12">
@@ -7483,8 +7151,8 @@
             </p:sp>
           </mc:Fallback>
         </mc:AlternateContent>
-        <mc:AlternateContent xmlns:mc="http://schemas.openxmlformats.org/markup-compatibility/2006">
-          <mc:Choice xmlns:a14="http://schemas.microsoft.com/office/drawing/2010/main" Requires="a14">
+        <mc:AlternateContent xmlns:mc="http://schemas.openxmlformats.org/markup-compatibility/2006" xmlns:a14="http://schemas.microsoft.com/office/drawing/2010/main">
+          <mc:Choice Requires="a14">
             <p:sp>
               <p:nvSpPr>
                 <p:cNvPr id="14" name="TextBox 13">
@@ -7546,7 +7214,7 @@
               </p:txBody>
             </p:sp>
           </mc:Choice>
-          <mc:Fallback>
+          <mc:Fallback xmlns="">
             <p:sp>
               <p:nvSpPr>
                 <p:cNvPr id="14" name="TextBox 13">
@@ -7591,8 +7259,8 @@
             </p:sp>
           </mc:Fallback>
         </mc:AlternateContent>
-        <mc:AlternateContent xmlns:mc="http://schemas.openxmlformats.org/markup-compatibility/2006">
-          <mc:Choice xmlns:a14="http://schemas.microsoft.com/office/drawing/2010/main" Requires="a14">
+        <mc:AlternateContent xmlns:mc="http://schemas.openxmlformats.org/markup-compatibility/2006" xmlns:a14="http://schemas.microsoft.com/office/drawing/2010/main">
+          <mc:Choice Requires="a14">
             <p:sp>
               <p:nvSpPr>
                 <p:cNvPr id="15" name="TextBox 14">
@@ -7684,7 +7352,7 @@
               </p:txBody>
             </p:sp>
           </mc:Choice>
-          <mc:Fallback>
+          <mc:Fallback xmlns="">
             <p:sp>
               <p:nvSpPr>
                 <p:cNvPr id="15" name="TextBox 14">
@@ -7729,8 +7397,8 @@
             </p:sp>
           </mc:Fallback>
         </mc:AlternateContent>
-        <mc:AlternateContent xmlns:mc="http://schemas.openxmlformats.org/markup-compatibility/2006">
-          <mc:Choice xmlns:a14="http://schemas.microsoft.com/office/drawing/2010/main" Requires="a14">
+        <mc:AlternateContent xmlns:mc="http://schemas.openxmlformats.org/markup-compatibility/2006" xmlns:a14="http://schemas.microsoft.com/office/drawing/2010/main">
+          <mc:Choice Requires="a14">
             <p:sp>
               <p:nvSpPr>
                 <p:cNvPr id="16" name="TextBox 15">
@@ -7822,7 +7490,7 @@
               </p:txBody>
             </p:sp>
           </mc:Choice>
-          <mc:Fallback>
+          <mc:Fallback xmlns="">
             <p:sp>
               <p:nvSpPr>
                 <p:cNvPr id="16" name="TextBox 15">
